--- a/Reactor Slides/Sessão 07 - Power BI e Microsoft Fabric, tornado tudo mais simples e agil.pptx
+++ b/Reactor Slides/Sessão 07 - Power BI e Microsoft Fabric, tornado tudo mais simples e agil.pptx
@@ -176,6 +176,1386 @@
 <file path=ppt/changesInfos/changesInfo1.xml><?xml version="1.0" encoding="utf-8"?>
 <pc:chgInfo xmlns:a="http://schemas.openxmlformats.org/drawingml/2006/main" xmlns:r="http://schemas.openxmlformats.org/officeDocument/2006/relationships" xmlns:ac="http://schemas.microsoft.com/office/drawing/2013/main/command" xmlns:pc="http://schemas.microsoft.com/office/powerpoint/2013/main/command">
   <pc:docChgLst>
+    <pc:chgData name="Armando Lacerda" userId="6ac139bb-b445-447a-8efe-92d4a0b8d73e" providerId="ADAL" clId="{51BA71F7-FC04-41B8-930C-C6A55A2B5965}"/>
+    <pc:docChg chg="undo redo custSel addSld delSld modSld modSection">
+      <pc:chgData name="Armando Lacerda" userId="6ac139bb-b445-447a-8efe-92d4a0b8d73e" providerId="ADAL" clId="{51BA71F7-FC04-41B8-930C-C6A55A2B5965}" dt="2023-09-11T18:15:00.095" v="227"/>
+      <pc:docMkLst>
+        <pc:docMk/>
+      </pc:docMkLst>
+      <pc:sldChg chg="del">
+        <pc:chgData name="Armando Lacerda" userId="6ac139bb-b445-447a-8efe-92d4a0b8d73e" providerId="ADAL" clId="{51BA71F7-FC04-41B8-930C-C6A55A2B5965}" dt="2023-09-11T17:44:36.335" v="0" actId="47"/>
+        <pc:sldMkLst>
+          <pc:docMk/>
+          <pc:sldMk cId="50343982" sldId="260"/>
+        </pc:sldMkLst>
+      </pc:sldChg>
+      <pc:sldChg chg="del">
+        <pc:chgData name="Armando Lacerda" userId="6ac139bb-b445-447a-8efe-92d4a0b8d73e" providerId="ADAL" clId="{51BA71F7-FC04-41B8-930C-C6A55A2B5965}" dt="2023-09-11T17:44:37.578" v="1" actId="47"/>
+        <pc:sldMkLst>
+          <pc:docMk/>
+          <pc:sldMk cId="1668804900" sldId="261"/>
+        </pc:sldMkLst>
+      </pc:sldChg>
+      <pc:sldChg chg="add del">
+        <pc:chgData name="Armando Lacerda" userId="6ac139bb-b445-447a-8efe-92d4a0b8d73e" providerId="ADAL" clId="{51BA71F7-FC04-41B8-930C-C6A55A2B5965}" dt="2023-09-11T18:01:07.119" v="41" actId="47"/>
+        <pc:sldMkLst>
+          <pc:docMk/>
+          <pc:sldMk cId="166890380" sldId="262"/>
+        </pc:sldMkLst>
+      </pc:sldChg>
+      <pc:sldChg chg="add del">
+        <pc:chgData name="Armando Lacerda" userId="6ac139bb-b445-447a-8efe-92d4a0b8d73e" providerId="ADAL" clId="{51BA71F7-FC04-41B8-930C-C6A55A2B5965}" dt="2023-09-11T18:01:07.119" v="41" actId="47"/>
+        <pc:sldMkLst>
+          <pc:docMk/>
+          <pc:sldMk cId="1804377006" sldId="263"/>
+        </pc:sldMkLst>
+      </pc:sldChg>
+      <pc:sldChg chg="add del">
+        <pc:chgData name="Armando Lacerda" userId="6ac139bb-b445-447a-8efe-92d4a0b8d73e" providerId="ADAL" clId="{51BA71F7-FC04-41B8-930C-C6A55A2B5965}" dt="2023-09-11T18:01:07.119" v="41" actId="47"/>
+        <pc:sldMkLst>
+          <pc:docMk/>
+          <pc:sldMk cId="4231599728" sldId="264"/>
+        </pc:sldMkLst>
+      </pc:sldChg>
+      <pc:sldChg chg="add del">
+        <pc:chgData name="Armando Lacerda" userId="6ac139bb-b445-447a-8efe-92d4a0b8d73e" providerId="ADAL" clId="{51BA71F7-FC04-41B8-930C-C6A55A2B5965}" dt="2023-09-11T18:01:07.119" v="41" actId="47"/>
+        <pc:sldMkLst>
+          <pc:docMk/>
+          <pc:sldMk cId="290515348" sldId="265"/>
+        </pc:sldMkLst>
+      </pc:sldChg>
+      <pc:sldChg chg="add del">
+        <pc:chgData name="Armando Lacerda" userId="6ac139bb-b445-447a-8efe-92d4a0b8d73e" providerId="ADAL" clId="{51BA71F7-FC04-41B8-930C-C6A55A2B5965}" dt="2023-09-11T18:01:07.119" v="41" actId="47"/>
+        <pc:sldMkLst>
+          <pc:docMk/>
+          <pc:sldMk cId="111765456" sldId="266"/>
+        </pc:sldMkLst>
+      </pc:sldChg>
+      <pc:sldChg chg="add del">
+        <pc:chgData name="Armando Lacerda" userId="6ac139bb-b445-447a-8efe-92d4a0b8d73e" providerId="ADAL" clId="{51BA71F7-FC04-41B8-930C-C6A55A2B5965}" dt="2023-09-11T18:01:07.119" v="41" actId="47"/>
+        <pc:sldMkLst>
+          <pc:docMk/>
+          <pc:sldMk cId="962972893" sldId="267"/>
+        </pc:sldMkLst>
+      </pc:sldChg>
+      <pc:sldChg chg="add del">
+        <pc:chgData name="Armando Lacerda" userId="6ac139bb-b445-447a-8efe-92d4a0b8d73e" providerId="ADAL" clId="{51BA71F7-FC04-41B8-930C-C6A55A2B5965}" dt="2023-09-11T18:01:07.119" v="41" actId="47"/>
+        <pc:sldMkLst>
+          <pc:docMk/>
+          <pc:sldMk cId="1886314929" sldId="268"/>
+        </pc:sldMkLst>
+      </pc:sldChg>
+      <pc:sldChg chg="modSp mod">
+        <pc:chgData name="Armando Lacerda" userId="6ac139bb-b445-447a-8efe-92d4a0b8d73e" providerId="ADAL" clId="{51BA71F7-FC04-41B8-930C-C6A55A2B5965}" dt="2023-09-11T17:44:56.322" v="24" actId="20577"/>
+        <pc:sldMkLst>
+          <pc:docMk/>
+          <pc:sldMk cId="4215762931" sldId="269"/>
+        </pc:sldMkLst>
+        <pc:spChg chg="mod">
+          <ac:chgData name="Armando Lacerda" userId="6ac139bb-b445-447a-8efe-92d4a0b8d73e" providerId="ADAL" clId="{51BA71F7-FC04-41B8-930C-C6A55A2B5965}" dt="2023-09-11T17:44:56.322" v="24" actId="20577"/>
+          <ac:spMkLst>
+            <pc:docMk/>
+            <pc:sldMk cId="4215762931" sldId="269"/>
+            <ac:spMk id="3" creationId="{8689F898-B53E-EDFC-8FDB-7ED3601D517A}"/>
+          </ac:spMkLst>
+        </pc:spChg>
+      </pc:sldChg>
+      <pc:sldChg chg="add del">
+        <pc:chgData name="Armando Lacerda" userId="6ac139bb-b445-447a-8efe-92d4a0b8d73e" providerId="ADAL" clId="{51BA71F7-FC04-41B8-930C-C6A55A2B5965}" dt="2023-09-11T18:01:07.119" v="41" actId="47"/>
+        <pc:sldMkLst>
+          <pc:docMk/>
+          <pc:sldMk cId="2482732293" sldId="270"/>
+        </pc:sldMkLst>
+      </pc:sldChg>
+      <pc:sldChg chg="add del">
+        <pc:chgData name="Armando Lacerda" userId="6ac139bb-b445-447a-8efe-92d4a0b8d73e" providerId="ADAL" clId="{51BA71F7-FC04-41B8-930C-C6A55A2B5965}" dt="2023-09-11T18:01:07.119" v="41" actId="47"/>
+        <pc:sldMkLst>
+          <pc:docMk/>
+          <pc:sldMk cId="1096368585" sldId="271"/>
+        </pc:sldMkLst>
+      </pc:sldChg>
+      <pc:sldChg chg="add del">
+        <pc:chgData name="Armando Lacerda" userId="6ac139bb-b445-447a-8efe-92d4a0b8d73e" providerId="ADAL" clId="{51BA71F7-FC04-41B8-930C-C6A55A2B5965}" dt="2023-09-11T18:01:07.119" v="41" actId="47"/>
+        <pc:sldMkLst>
+          <pc:docMk/>
+          <pc:sldMk cId="4272693023" sldId="272"/>
+        </pc:sldMkLst>
+      </pc:sldChg>
+      <pc:sldChg chg="add del">
+        <pc:chgData name="Armando Lacerda" userId="6ac139bb-b445-447a-8efe-92d4a0b8d73e" providerId="ADAL" clId="{51BA71F7-FC04-41B8-930C-C6A55A2B5965}" dt="2023-09-11T18:01:07.119" v="41" actId="47"/>
+        <pc:sldMkLst>
+          <pc:docMk/>
+          <pc:sldMk cId="2581644574" sldId="273"/>
+        </pc:sldMkLst>
+      </pc:sldChg>
+      <pc:sldChg chg="add del">
+        <pc:chgData name="Armando Lacerda" userId="6ac139bb-b445-447a-8efe-92d4a0b8d73e" providerId="ADAL" clId="{51BA71F7-FC04-41B8-930C-C6A55A2B5965}" dt="2023-09-11T18:01:07.119" v="41" actId="47"/>
+        <pc:sldMkLst>
+          <pc:docMk/>
+          <pc:sldMk cId="2955989480" sldId="274"/>
+        </pc:sldMkLst>
+      </pc:sldChg>
+      <pc:sldChg chg="add del">
+        <pc:chgData name="Armando Lacerda" userId="6ac139bb-b445-447a-8efe-92d4a0b8d73e" providerId="ADAL" clId="{51BA71F7-FC04-41B8-930C-C6A55A2B5965}" dt="2023-09-11T18:01:07.119" v="41" actId="47"/>
+        <pc:sldMkLst>
+          <pc:docMk/>
+          <pc:sldMk cId="1257119810" sldId="276"/>
+        </pc:sldMkLst>
+      </pc:sldChg>
+      <pc:sldChg chg="add del">
+        <pc:chgData name="Armando Lacerda" userId="6ac139bb-b445-447a-8efe-92d4a0b8d73e" providerId="ADAL" clId="{51BA71F7-FC04-41B8-930C-C6A55A2B5965}" dt="2023-09-11T18:01:07.119" v="41" actId="47"/>
+        <pc:sldMkLst>
+          <pc:docMk/>
+          <pc:sldMk cId="3086416996" sldId="277"/>
+        </pc:sldMkLst>
+      </pc:sldChg>
+      <pc:sldChg chg="add del">
+        <pc:chgData name="Armando Lacerda" userId="6ac139bb-b445-447a-8efe-92d4a0b8d73e" providerId="ADAL" clId="{51BA71F7-FC04-41B8-930C-C6A55A2B5965}" dt="2023-09-11T18:01:07.119" v="41" actId="47"/>
+        <pc:sldMkLst>
+          <pc:docMk/>
+          <pc:sldMk cId="1899731844" sldId="278"/>
+        </pc:sldMkLst>
+      </pc:sldChg>
+      <pc:sldChg chg="addSp delSp modSp new add del mod modClrScheme modAnim chgLayout">
+        <pc:chgData name="Armando Lacerda" userId="6ac139bb-b445-447a-8efe-92d4a0b8d73e" providerId="ADAL" clId="{51BA71F7-FC04-41B8-930C-C6A55A2B5965}" dt="2023-09-11T18:04:26.526" v="137"/>
+        <pc:sldMkLst>
+          <pc:docMk/>
+          <pc:sldMk cId="596348077" sldId="280"/>
+        </pc:sldMkLst>
+        <pc:spChg chg="add del">
+          <ac:chgData name="Armando Lacerda" userId="6ac139bb-b445-447a-8efe-92d4a0b8d73e" providerId="ADAL" clId="{51BA71F7-FC04-41B8-930C-C6A55A2B5965}" dt="2023-09-11T18:01:07.234" v="43" actId="700"/>
+          <ac:spMkLst>
+            <pc:docMk/>
+            <pc:sldMk cId="596348077" sldId="280"/>
+            <ac:spMk id="2" creationId="{521F9B6E-4D4A-1BCF-7330-19911A0D732C}"/>
+          </ac:spMkLst>
+        </pc:spChg>
+        <pc:spChg chg="add del">
+          <ac:chgData name="Armando Lacerda" userId="6ac139bb-b445-447a-8efe-92d4a0b8d73e" providerId="ADAL" clId="{51BA71F7-FC04-41B8-930C-C6A55A2B5965}" dt="2023-09-11T18:01:07.234" v="43" actId="700"/>
+          <ac:spMkLst>
+            <pc:docMk/>
+            <pc:sldMk cId="596348077" sldId="280"/>
+            <ac:spMk id="3" creationId="{4FF895E9-F4E2-0210-7276-4ED3387DAB97}"/>
+          </ac:spMkLst>
+        </pc:spChg>
+        <pc:spChg chg="mod">
+          <ac:chgData name="Armando Lacerda" userId="6ac139bb-b445-447a-8efe-92d4a0b8d73e" providerId="ADAL" clId="{51BA71F7-FC04-41B8-930C-C6A55A2B5965}" dt="2023-09-11T17:59:39.083" v="28"/>
+          <ac:spMkLst>
+            <pc:docMk/>
+            <pc:sldMk cId="596348077" sldId="280"/>
+            <ac:spMk id="5" creationId="{812415C3-393D-D5C0-2E6A-0D0A01974638}"/>
+          </ac:spMkLst>
+        </pc:spChg>
+        <pc:spChg chg="mod">
+          <ac:chgData name="Armando Lacerda" userId="6ac139bb-b445-447a-8efe-92d4a0b8d73e" providerId="ADAL" clId="{51BA71F7-FC04-41B8-930C-C6A55A2B5965}" dt="2023-09-11T17:59:39.083" v="28"/>
+          <ac:spMkLst>
+            <pc:docMk/>
+            <pc:sldMk cId="596348077" sldId="280"/>
+            <ac:spMk id="6" creationId="{C8F36E1F-5ECF-1EF4-A61F-7D1810FDD4CB}"/>
+          </ac:spMkLst>
+        </pc:spChg>
+        <pc:spChg chg="mod">
+          <ac:chgData name="Armando Lacerda" userId="6ac139bb-b445-447a-8efe-92d4a0b8d73e" providerId="ADAL" clId="{51BA71F7-FC04-41B8-930C-C6A55A2B5965}" dt="2023-09-11T17:59:39.083" v="28"/>
+          <ac:spMkLst>
+            <pc:docMk/>
+            <pc:sldMk cId="596348077" sldId="280"/>
+            <ac:spMk id="7" creationId="{90265833-8BDD-5EA9-E8E2-C9683BF6076E}"/>
+          </ac:spMkLst>
+        </pc:spChg>
+        <pc:spChg chg="mod">
+          <ac:chgData name="Armando Lacerda" userId="6ac139bb-b445-447a-8efe-92d4a0b8d73e" providerId="ADAL" clId="{51BA71F7-FC04-41B8-930C-C6A55A2B5965}" dt="2023-09-11T17:59:39.083" v="28"/>
+          <ac:spMkLst>
+            <pc:docMk/>
+            <pc:sldMk cId="596348077" sldId="280"/>
+            <ac:spMk id="10" creationId="{21B37C70-81CA-7D3F-F5D8-BE7E643EE472}"/>
+          </ac:spMkLst>
+        </pc:spChg>
+        <pc:spChg chg="mod">
+          <ac:chgData name="Armando Lacerda" userId="6ac139bb-b445-447a-8efe-92d4a0b8d73e" providerId="ADAL" clId="{51BA71F7-FC04-41B8-930C-C6A55A2B5965}" dt="2023-09-11T17:59:39.083" v="28"/>
+          <ac:spMkLst>
+            <pc:docMk/>
+            <pc:sldMk cId="596348077" sldId="280"/>
+            <ac:spMk id="11" creationId="{3E7A5D80-39A7-27D2-93DA-36DB754F301B}"/>
+          </ac:spMkLst>
+        </pc:spChg>
+        <pc:spChg chg="mod">
+          <ac:chgData name="Armando Lacerda" userId="6ac139bb-b445-447a-8efe-92d4a0b8d73e" providerId="ADAL" clId="{51BA71F7-FC04-41B8-930C-C6A55A2B5965}" dt="2023-09-11T17:59:39.083" v="28"/>
+          <ac:spMkLst>
+            <pc:docMk/>
+            <pc:sldMk cId="596348077" sldId="280"/>
+            <ac:spMk id="12" creationId="{A86A765A-640F-1B36-A94C-577482B9012E}"/>
+          </ac:spMkLst>
+        </pc:spChg>
+        <pc:spChg chg="mod">
+          <ac:chgData name="Armando Lacerda" userId="6ac139bb-b445-447a-8efe-92d4a0b8d73e" providerId="ADAL" clId="{51BA71F7-FC04-41B8-930C-C6A55A2B5965}" dt="2023-09-11T17:59:39.083" v="28"/>
+          <ac:spMkLst>
+            <pc:docMk/>
+            <pc:sldMk cId="596348077" sldId="280"/>
+            <ac:spMk id="13" creationId="{B2A80603-7A99-1E77-D134-7791919E8EB5}"/>
+          </ac:spMkLst>
+        </pc:spChg>
+        <pc:spChg chg="mod">
+          <ac:chgData name="Armando Lacerda" userId="6ac139bb-b445-447a-8efe-92d4a0b8d73e" providerId="ADAL" clId="{51BA71F7-FC04-41B8-930C-C6A55A2B5965}" dt="2023-09-11T17:59:39.083" v="28"/>
+          <ac:spMkLst>
+            <pc:docMk/>
+            <pc:sldMk cId="596348077" sldId="280"/>
+            <ac:spMk id="14" creationId="{E3463B37-29AC-80B2-B9AF-A33A2AC8C77C}"/>
+          </ac:spMkLst>
+        </pc:spChg>
+        <pc:spChg chg="mod">
+          <ac:chgData name="Armando Lacerda" userId="6ac139bb-b445-447a-8efe-92d4a0b8d73e" providerId="ADAL" clId="{51BA71F7-FC04-41B8-930C-C6A55A2B5965}" dt="2023-09-11T17:59:39.083" v="28"/>
+          <ac:spMkLst>
+            <pc:docMk/>
+            <pc:sldMk cId="596348077" sldId="280"/>
+            <ac:spMk id="15" creationId="{603DC255-3CDD-A19C-2C4F-24B6CB5D84F1}"/>
+          </ac:spMkLst>
+        </pc:spChg>
+        <pc:spChg chg="mod">
+          <ac:chgData name="Armando Lacerda" userId="6ac139bb-b445-447a-8efe-92d4a0b8d73e" providerId="ADAL" clId="{51BA71F7-FC04-41B8-930C-C6A55A2B5965}" dt="2023-09-11T17:59:39.083" v="28"/>
+          <ac:spMkLst>
+            <pc:docMk/>
+            <pc:sldMk cId="596348077" sldId="280"/>
+            <ac:spMk id="16" creationId="{5CE615FB-BC6F-F3DA-66C1-F8EA84B90CE7}"/>
+          </ac:spMkLst>
+        </pc:spChg>
+        <pc:spChg chg="mod">
+          <ac:chgData name="Armando Lacerda" userId="6ac139bb-b445-447a-8efe-92d4a0b8d73e" providerId="ADAL" clId="{51BA71F7-FC04-41B8-930C-C6A55A2B5965}" dt="2023-09-11T17:59:39.083" v="28"/>
+          <ac:spMkLst>
+            <pc:docMk/>
+            <pc:sldMk cId="596348077" sldId="280"/>
+            <ac:spMk id="17" creationId="{94A64A2A-CE4D-7A27-A3D8-4B31C83B1C51}"/>
+          </ac:spMkLst>
+        </pc:spChg>
+        <pc:spChg chg="mod">
+          <ac:chgData name="Armando Lacerda" userId="6ac139bb-b445-447a-8efe-92d4a0b8d73e" providerId="ADAL" clId="{51BA71F7-FC04-41B8-930C-C6A55A2B5965}" dt="2023-09-11T17:59:39.083" v="28"/>
+          <ac:spMkLst>
+            <pc:docMk/>
+            <pc:sldMk cId="596348077" sldId="280"/>
+            <ac:spMk id="18" creationId="{2C368F47-6DC4-BAEF-3638-EDC7EDA42E77}"/>
+          </ac:spMkLst>
+        </pc:spChg>
+        <pc:spChg chg="mod">
+          <ac:chgData name="Armando Lacerda" userId="6ac139bb-b445-447a-8efe-92d4a0b8d73e" providerId="ADAL" clId="{51BA71F7-FC04-41B8-930C-C6A55A2B5965}" dt="2023-09-11T17:59:39.083" v="28"/>
+          <ac:spMkLst>
+            <pc:docMk/>
+            <pc:sldMk cId="596348077" sldId="280"/>
+            <ac:spMk id="19" creationId="{3252483A-8049-A374-C1E5-731260344FF9}"/>
+          </ac:spMkLst>
+        </pc:spChg>
+        <pc:spChg chg="mod">
+          <ac:chgData name="Armando Lacerda" userId="6ac139bb-b445-447a-8efe-92d4a0b8d73e" providerId="ADAL" clId="{51BA71F7-FC04-41B8-930C-C6A55A2B5965}" dt="2023-09-11T17:59:39.083" v="28"/>
+          <ac:spMkLst>
+            <pc:docMk/>
+            <pc:sldMk cId="596348077" sldId="280"/>
+            <ac:spMk id="20" creationId="{B5C2021C-D3D9-A345-0201-91D22933D5D6}"/>
+          </ac:spMkLst>
+        </pc:spChg>
+        <pc:spChg chg="add mod">
+          <ac:chgData name="Armando Lacerda" userId="6ac139bb-b445-447a-8efe-92d4a0b8d73e" providerId="ADAL" clId="{51BA71F7-FC04-41B8-930C-C6A55A2B5965}" dt="2023-09-11T18:01:36.237" v="56" actId="20577"/>
+          <ac:spMkLst>
+            <pc:docMk/>
+            <pc:sldMk cId="596348077" sldId="280"/>
+            <ac:spMk id="21" creationId="{EFDF5BB8-DACF-BE4F-AF8A-155F19F3D710}"/>
+          </ac:spMkLst>
+        </pc:spChg>
+        <pc:spChg chg="add mod">
+          <ac:chgData name="Armando Lacerda" userId="6ac139bb-b445-447a-8efe-92d4a0b8d73e" providerId="ADAL" clId="{51BA71F7-FC04-41B8-930C-C6A55A2B5965}" dt="2023-09-11T18:03:02.380" v="133" actId="14100"/>
+          <ac:spMkLst>
+            <pc:docMk/>
+            <pc:sldMk cId="596348077" sldId="280"/>
+            <ac:spMk id="22" creationId="{DA40C0DE-D1D1-9E5A-E384-BE006862881C}"/>
+          </ac:spMkLst>
+        </pc:spChg>
+        <pc:spChg chg="add del mod">
+          <ac:chgData name="Armando Lacerda" userId="6ac139bb-b445-447a-8efe-92d4a0b8d73e" providerId="ADAL" clId="{51BA71F7-FC04-41B8-930C-C6A55A2B5965}" dt="2023-09-11T18:01:51.900" v="95" actId="478"/>
+          <ac:spMkLst>
+            <pc:docMk/>
+            <pc:sldMk cId="596348077" sldId="280"/>
+            <ac:spMk id="23" creationId="{020BFDA0-BAA7-8691-4C7B-90BECA3227E0}"/>
+          </ac:spMkLst>
+        </pc:spChg>
+        <pc:grpChg chg="add del mod">
+          <ac:chgData name="Armando Lacerda" userId="6ac139bb-b445-447a-8efe-92d4a0b8d73e" providerId="ADAL" clId="{51BA71F7-FC04-41B8-930C-C6A55A2B5965}" dt="2023-09-11T18:01:10.843" v="48" actId="478"/>
+          <ac:grpSpMkLst>
+            <pc:docMk/>
+            <pc:sldMk cId="596348077" sldId="280"/>
+            <ac:grpSpMk id="4" creationId="{8486DE2E-FAF4-CD0B-46C9-51DCFB50A3F1}"/>
+          </ac:grpSpMkLst>
+        </pc:grpChg>
+        <pc:grpChg chg="mod">
+          <ac:chgData name="Armando Lacerda" userId="6ac139bb-b445-447a-8efe-92d4a0b8d73e" providerId="ADAL" clId="{51BA71F7-FC04-41B8-930C-C6A55A2B5965}" dt="2023-09-11T17:59:39.083" v="28"/>
+          <ac:grpSpMkLst>
+            <pc:docMk/>
+            <pc:sldMk cId="596348077" sldId="280"/>
+            <ac:grpSpMk id="8" creationId="{92CB7F95-9B78-928E-1912-86E3093FF7FD}"/>
+          </ac:grpSpMkLst>
+        </pc:grpChg>
+        <pc:grpChg chg="mod">
+          <ac:chgData name="Armando Lacerda" userId="6ac139bb-b445-447a-8efe-92d4a0b8d73e" providerId="ADAL" clId="{51BA71F7-FC04-41B8-930C-C6A55A2B5965}" dt="2023-09-11T17:59:39.083" v="28"/>
+          <ac:grpSpMkLst>
+            <pc:docMk/>
+            <pc:sldMk cId="596348077" sldId="280"/>
+            <ac:grpSpMk id="9" creationId="{D7749C1D-582E-AFCF-2804-7DCCA49DC8BF}"/>
+          </ac:grpSpMkLst>
+        </pc:grpChg>
+      </pc:sldChg>
+      <pc:sldChg chg="add del">
+        <pc:chgData name="Armando Lacerda" userId="6ac139bb-b445-447a-8efe-92d4a0b8d73e" providerId="ADAL" clId="{51BA71F7-FC04-41B8-930C-C6A55A2B5965}" dt="2023-09-11T18:01:07.119" v="41" actId="47"/>
+        <pc:sldMkLst>
+          <pc:docMk/>
+          <pc:sldMk cId="1868718338" sldId="280"/>
+        </pc:sldMkLst>
+      </pc:sldChg>
+      <pc:sldChg chg="add del">
+        <pc:chgData name="Armando Lacerda" userId="6ac139bb-b445-447a-8efe-92d4a0b8d73e" providerId="ADAL" clId="{51BA71F7-FC04-41B8-930C-C6A55A2B5965}" dt="2023-09-11T18:01:07.119" v="41" actId="47"/>
+        <pc:sldMkLst>
+          <pc:docMk/>
+          <pc:sldMk cId="601533493" sldId="281"/>
+        </pc:sldMkLst>
+      </pc:sldChg>
+      <pc:sldChg chg="addSp delSp modSp new mod">
+        <pc:chgData name="Armando Lacerda" userId="6ac139bb-b445-447a-8efe-92d4a0b8d73e" providerId="ADAL" clId="{51BA71F7-FC04-41B8-930C-C6A55A2B5965}" dt="2023-09-11T18:06:46.943" v="148" actId="21"/>
+        <pc:sldMkLst>
+          <pc:docMk/>
+          <pc:sldMk cId="3755161727" sldId="281"/>
+        </pc:sldMkLst>
+        <pc:spChg chg="add mod">
+          <ac:chgData name="Armando Lacerda" userId="6ac139bb-b445-447a-8efe-92d4a0b8d73e" providerId="ADAL" clId="{51BA71F7-FC04-41B8-930C-C6A55A2B5965}" dt="2023-09-11T18:05:23.216" v="138"/>
+          <ac:spMkLst>
+            <pc:docMk/>
+            <pc:sldMk cId="3755161727" sldId="281"/>
+            <ac:spMk id="2" creationId="{3E706106-EC24-558D-FDFA-6F150E5089EB}"/>
+          </ac:spMkLst>
+        </pc:spChg>
+        <pc:spChg chg="add mod">
+          <ac:chgData name="Armando Lacerda" userId="6ac139bb-b445-447a-8efe-92d4a0b8d73e" providerId="ADAL" clId="{51BA71F7-FC04-41B8-930C-C6A55A2B5965}" dt="2023-09-11T18:05:23.216" v="138"/>
+          <ac:spMkLst>
+            <pc:docMk/>
+            <pc:sldMk cId="3755161727" sldId="281"/>
+            <ac:spMk id="3" creationId="{F328B2C2-B01A-1C17-3647-BDEA008685C4}"/>
+          </ac:spMkLst>
+        </pc:spChg>
+        <pc:spChg chg="add mod">
+          <ac:chgData name="Armando Lacerda" userId="6ac139bb-b445-447a-8efe-92d4a0b8d73e" providerId="ADAL" clId="{51BA71F7-FC04-41B8-930C-C6A55A2B5965}" dt="2023-09-11T18:05:23.216" v="138"/>
+          <ac:spMkLst>
+            <pc:docMk/>
+            <pc:sldMk cId="3755161727" sldId="281"/>
+            <ac:spMk id="12" creationId="{CAFE3EA6-6595-EB3E-A595-421C5233A2C1}"/>
+          </ac:spMkLst>
+        </pc:spChg>
+        <pc:spChg chg="add mod">
+          <ac:chgData name="Armando Lacerda" userId="6ac139bb-b445-447a-8efe-92d4a0b8d73e" providerId="ADAL" clId="{51BA71F7-FC04-41B8-930C-C6A55A2B5965}" dt="2023-09-11T18:05:23.216" v="138"/>
+          <ac:spMkLst>
+            <pc:docMk/>
+            <pc:sldMk cId="3755161727" sldId="281"/>
+            <ac:spMk id="13" creationId="{96EE597D-0033-5797-71C4-9506D9729D17}"/>
+          </ac:spMkLst>
+        </pc:spChg>
+        <pc:spChg chg="add mod">
+          <ac:chgData name="Armando Lacerda" userId="6ac139bb-b445-447a-8efe-92d4a0b8d73e" providerId="ADAL" clId="{51BA71F7-FC04-41B8-930C-C6A55A2B5965}" dt="2023-09-11T18:05:23.216" v="138"/>
+          <ac:spMkLst>
+            <pc:docMk/>
+            <pc:sldMk cId="3755161727" sldId="281"/>
+            <ac:spMk id="14" creationId="{D6810250-7349-67CF-279B-B30AF16F8BB7}"/>
+          </ac:spMkLst>
+        </pc:spChg>
+        <pc:spChg chg="add mod">
+          <ac:chgData name="Armando Lacerda" userId="6ac139bb-b445-447a-8efe-92d4a0b8d73e" providerId="ADAL" clId="{51BA71F7-FC04-41B8-930C-C6A55A2B5965}" dt="2023-09-11T18:05:23.216" v="138"/>
+          <ac:spMkLst>
+            <pc:docMk/>
+            <pc:sldMk cId="3755161727" sldId="281"/>
+            <ac:spMk id="15" creationId="{085DF88A-A1F8-6414-FB4E-CDCE767154B0}"/>
+          </ac:spMkLst>
+        </pc:spChg>
+        <pc:spChg chg="add mod">
+          <ac:chgData name="Armando Lacerda" userId="6ac139bb-b445-447a-8efe-92d4a0b8d73e" providerId="ADAL" clId="{51BA71F7-FC04-41B8-930C-C6A55A2B5965}" dt="2023-09-11T18:05:23.216" v="138"/>
+          <ac:spMkLst>
+            <pc:docMk/>
+            <pc:sldMk cId="3755161727" sldId="281"/>
+            <ac:spMk id="16" creationId="{855D9F13-2D24-E7FE-2F3E-F48E3BB15306}"/>
+          </ac:spMkLst>
+        </pc:spChg>
+        <pc:spChg chg="add mod">
+          <ac:chgData name="Armando Lacerda" userId="6ac139bb-b445-447a-8efe-92d4a0b8d73e" providerId="ADAL" clId="{51BA71F7-FC04-41B8-930C-C6A55A2B5965}" dt="2023-09-11T18:05:23.216" v="138"/>
+          <ac:spMkLst>
+            <pc:docMk/>
+            <pc:sldMk cId="3755161727" sldId="281"/>
+            <ac:spMk id="17" creationId="{A6C6D8E2-3021-EE28-0632-7D94D3F5C3B0}"/>
+          </ac:spMkLst>
+        </pc:spChg>
+        <pc:spChg chg="add mod">
+          <ac:chgData name="Armando Lacerda" userId="6ac139bb-b445-447a-8efe-92d4a0b8d73e" providerId="ADAL" clId="{51BA71F7-FC04-41B8-930C-C6A55A2B5965}" dt="2023-09-11T18:05:23.216" v="138"/>
+          <ac:spMkLst>
+            <pc:docMk/>
+            <pc:sldMk cId="3755161727" sldId="281"/>
+            <ac:spMk id="18" creationId="{2A18731F-553F-E0BE-9B9F-C41CF526A1A6}"/>
+          </ac:spMkLst>
+        </pc:spChg>
+        <pc:spChg chg="add mod">
+          <ac:chgData name="Armando Lacerda" userId="6ac139bb-b445-447a-8efe-92d4a0b8d73e" providerId="ADAL" clId="{51BA71F7-FC04-41B8-930C-C6A55A2B5965}" dt="2023-09-11T18:05:23.216" v="138"/>
+          <ac:spMkLst>
+            <pc:docMk/>
+            <pc:sldMk cId="3755161727" sldId="281"/>
+            <ac:spMk id="19" creationId="{655F5043-E3A6-FED4-E5C9-2D6289A875A8}"/>
+          </ac:spMkLst>
+        </pc:spChg>
+        <pc:picChg chg="add mod">
+          <ac:chgData name="Armando Lacerda" userId="6ac139bb-b445-447a-8efe-92d4a0b8d73e" providerId="ADAL" clId="{51BA71F7-FC04-41B8-930C-C6A55A2B5965}" dt="2023-09-11T18:05:23.216" v="138"/>
+          <ac:picMkLst>
+            <pc:docMk/>
+            <pc:sldMk cId="3755161727" sldId="281"/>
+            <ac:picMk id="4" creationId="{B736FBF7-98A5-489E-DC22-FB39A892901B}"/>
+          </ac:picMkLst>
+        </pc:picChg>
+        <pc:picChg chg="add mod">
+          <ac:chgData name="Armando Lacerda" userId="6ac139bb-b445-447a-8efe-92d4a0b8d73e" providerId="ADAL" clId="{51BA71F7-FC04-41B8-930C-C6A55A2B5965}" dt="2023-09-11T18:05:23.216" v="138"/>
+          <ac:picMkLst>
+            <pc:docMk/>
+            <pc:sldMk cId="3755161727" sldId="281"/>
+            <ac:picMk id="5" creationId="{B2FE4F27-B762-DCE9-FE4B-0B8E109DE778}"/>
+          </ac:picMkLst>
+        </pc:picChg>
+        <pc:picChg chg="add mod">
+          <ac:chgData name="Armando Lacerda" userId="6ac139bb-b445-447a-8efe-92d4a0b8d73e" providerId="ADAL" clId="{51BA71F7-FC04-41B8-930C-C6A55A2B5965}" dt="2023-09-11T18:05:23.216" v="138"/>
+          <ac:picMkLst>
+            <pc:docMk/>
+            <pc:sldMk cId="3755161727" sldId="281"/>
+            <ac:picMk id="6" creationId="{444ED943-BCF9-0FFD-8D7A-5D601CE4BCBF}"/>
+          </ac:picMkLst>
+        </pc:picChg>
+        <pc:picChg chg="add mod">
+          <ac:chgData name="Armando Lacerda" userId="6ac139bb-b445-447a-8efe-92d4a0b8d73e" providerId="ADAL" clId="{51BA71F7-FC04-41B8-930C-C6A55A2B5965}" dt="2023-09-11T18:05:23.216" v="138"/>
+          <ac:picMkLst>
+            <pc:docMk/>
+            <pc:sldMk cId="3755161727" sldId="281"/>
+            <ac:picMk id="7" creationId="{6E2D42D6-73BB-A87C-614C-432CB789EB41}"/>
+          </ac:picMkLst>
+        </pc:picChg>
+        <pc:picChg chg="add mod">
+          <ac:chgData name="Armando Lacerda" userId="6ac139bb-b445-447a-8efe-92d4a0b8d73e" providerId="ADAL" clId="{51BA71F7-FC04-41B8-930C-C6A55A2B5965}" dt="2023-09-11T18:05:23.216" v="138"/>
+          <ac:picMkLst>
+            <pc:docMk/>
+            <pc:sldMk cId="3755161727" sldId="281"/>
+            <ac:picMk id="8" creationId="{FF3CE267-383C-9874-B90F-C48316623D74}"/>
+          </ac:picMkLst>
+        </pc:picChg>
+        <pc:picChg chg="add mod">
+          <ac:chgData name="Armando Lacerda" userId="6ac139bb-b445-447a-8efe-92d4a0b8d73e" providerId="ADAL" clId="{51BA71F7-FC04-41B8-930C-C6A55A2B5965}" dt="2023-09-11T18:05:23.216" v="138"/>
+          <ac:picMkLst>
+            <pc:docMk/>
+            <pc:sldMk cId="3755161727" sldId="281"/>
+            <ac:picMk id="9" creationId="{A8A4403B-1631-C7E6-44C6-ED3331B458D0}"/>
+          </ac:picMkLst>
+        </pc:picChg>
+        <pc:picChg chg="add mod">
+          <ac:chgData name="Armando Lacerda" userId="6ac139bb-b445-447a-8efe-92d4a0b8d73e" providerId="ADAL" clId="{51BA71F7-FC04-41B8-930C-C6A55A2B5965}" dt="2023-09-11T18:05:23.216" v="138"/>
+          <ac:picMkLst>
+            <pc:docMk/>
+            <pc:sldMk cId="3755161727" sldId="281"/>
+            <ac:picMk id="10" creationId="{35A8CF9F-D67F-0072-F9AA-22D84ADBB659}"/>
+          </ac:picMkLst>
+        </pc:picChg>
+        <pc:picChg chg="add mod">
+          <ac:chgData name="Armando Lacerda" userId="6ac139bb-b445-447a-8efe-92d4a0b8d73e" providerId="ADAL" clId="{51BA71F7-FC04-41B8-930C-C6A55A2B5965}" dt="2023-09-11T18:05:23.216" v="138"/>
+          <ac:picMkLst>
+            <pc:docMk/>
+            <pc:sldMk cId="3755161727" sldId="281"/>
+            <ac:picMk id="11" creationId="{ADAEE618-00B6-0DF4-940B-55EE640734C3}"/>
+          </ac:picMkLst>
+        </pc:picChg>
+        <pc:picChg chg="add del mod">
+          <ac:chgData name="Armando Lacerda" userId="6ac139bb-b445-447a-8efe-92d4a0b8d73e" providerId="ADAL" clId="{51BA71F7-FC04-41B8-930C-C6A55A2B5965}" dt="2023-09-11T18:06:46.943" v="148" actId="21"/>
+          <ac:picMkLst>
+            <pc:docMk/>
+            <pc:sldMk cId="3755161727" sldId="281"/>
+            <ac:picMk id="20" creationId="{BEAD7796-FA51-B74A-94CB-F2386E4AB1A4}"/>
+          </ac:picMkLst>
+        </pc:picChg>
+      </pc:sldChg>
+      <pc:sldChg chg="addSp delSp modSp add mod">
+        <pc:chgData name="Armando Lacerda" userId="6ac139bb-b445-447a-8efe-92d4a0b8d73e" providerId="ADAL" clId="{51BA71F7-FC04-41B8-930C-C6A55A2B5965}" dt="2023-09-11T18:06:48.867" v="149"/>
+        <pc:sldMkLst>
+          <pc:docMk/>
+          <pc:sldMk cId="2869170872" sldId="282"/>
+        </pc:sldMkLst>
+        <pc:spChg chg="del">
+          <ac:chgData name="Armando Lacerda" userId="6ac139bb-b445-447a-8efe-92d4a0b8d73e" providerId="ADAL" clId="{51BA71F7-FC04-41B8-930C-C6A55A2B5965}" dt="2023-09-11T18:05:47" v="140" actId="21"/>
+          <ac:spMkLst>
+            <pc:docMk/>
+            <pc:sldMk cId="2869170872" sldId="282"/>
+            <ac:spMk id="13" creationId="{96EE597D-0033-5797-71C4-9506D9729D17}"/>
+          </ac:spMkLst>
+        </pc:spChg>
+        <pc:spChg chg="del">
+          <ac:chgData name="Armando Lacerda" userId="6ac139bb-b445-447a-8efe-92d4a0b8d73e" providerId="ADAL" clId="{51BA71F7-FC04-41B8-930C-C6A55A2B5965}" dt="2023-09-11T18:05:47" v="140" actId="21"/>
+          <ac:spMkLst>
+            <pc:docMk/>
+            <pc:sldMk cId="2869170872" sldId="282"/>
+            <ac:spMk id="14" creationId="{D6810250-7349-67CF-279B-B30AF16F8BB7}"/>
+          </ac:spMkLst>
+        </pc:spChg>
+        <pc:spChg chg="del">
+          <ac:chgData name="Armando Lacerda" userId="6ac139bb-b445-447a-8efe-92d4a0b8d73e" providerId="ADAL" clId="{51BA71F7-FC04-41B8-930C-C6A55A2B5965}" dt="2023-09-11T18:05:47" v="140" actId="21"/>
+          <ac:spMkLst>
+            <pc:docMk/>
+            <pc:sldMk cId="2869170872" sldId="282"/>
+            <ac:spMk id="15" creationId="{085DF88A-A1F8-6414-FB4E-CDCE767154B0}"/>
+          </ac:spMkLst>
+        </pc:spChg>
+        <pc:spChg chg="del">
+          <ac:chgData name="Armando Lacerda" userId="6ac139bb-b445-447a-8efe-92d4a0b8d73e" providerId="ADAL" clId="{51BA71F7-FC04-41B8-930C-C6A55A2B5965}" dt="2023-09-11T18:05:47" v="140" actId="21"/>
+          <ac:spMkLst>
+            <pc:docMk/>
+            <pc:sldMk cId="2869170872" sldId="282"/>
+            <ac:spMk id="16" creationId="{855D9F13-2D24-E7FE-2F3E-F48E3BB15306}"/>
+          </ac:spMkLst>
+        </pc:spChg>
+        <pc:spChg chg="del">
+          <ac:chgData name="Armando Lacerda" userId="6ac139bb-b445-447a-8efe-92d4a0b8d73e" providerId="ADAL" clId="{51BA71F7-FC04-41B8-930C-C6A55A2B5965}" dt="2023-09-11T18:05:47" v="140" actId="21"/>
+          <ac:spMkLst>
+            <pc:docMk/>
+            <pc:sldMk cId="2869170872" sldId="282"/>
+            <ac:spMk id="17" creationId="{A6C6D8E2-3021-EE28-0632-7D94D3F5C3B0}"/>
+          </ac:spMkLst>
+        </pc:spChg>
+        <pc:spChg chg="del">
+          <ac:chgData name="Armando Lacerda" userId="6ac139bb-b445-447a-8efe-92d4a0b8d73e" providerId="ADAL" clId="{51BA71F7-FC04-41B8-930C-C6A55A2B5965}" dt="2023-09-11T18:05:47" v="140" actId="21"/>
+          <ac:spMkLst>
+            <pc:docMk/>
+            <pc:sldMk cId="2869170872" sldId="282"/>
+            <ac:spMk id="18" creationId="{2A18731F-553F-E0BE-9B9F-C41CF526A1A6}"/>
+          </ac:spMkLst>
+        </pc:spChg>
+        <pc:spChg chg="del">
+          <ac:chgData name="Armando Lacerda" userId="6ac139bb-b445-447a-8efe-92d4a0b8d73e" providerId="ADAL" clId="{51BA71F7-FC04-41B8-930C-C6A55A2B5965}" dt="2023-09-11T18:05:47" v="140" actId="21"/>
+          <ac:spMkLst>
+            <pc:docMk/>
+            <pc:sldMk cId="2869170872" sldId="282"/>
+            <ac:spMk id="19" creationId="{655F5043-E3A6-FED4-E5C9-2D6289A875A8}"/>
+          </ac:spMkLst>
+        </pc:spChg>
+        <pc:picChg chg="del">
+          <ac:chgData name="Armando Lacerda" userId="6ac139bb-b445-447a-8efe-92d4a0b8d73e" providerId="ADAL" clId="{51BA71F7-FC04-41B8-930C-C6A55A2B5965}" dt="2023-09-11T18:05:47" v="140" actId="21"/>
+          <ac:picMkLst>
+            <pc:docMk/>
+            <pc:sldMk cId="2869170872" sldId="282"/>
+            <ac:picMk id="5" creationId="{B2FE4F27-B762-DCE9-FE4B-0B8E109DE778}"/>
+          </ac:picMkLst>
+        </pc:picChg>
+        <pc:picChg chg="del">
+          <ac:chgData name="Armando Lacerda" userId="6ac139bb-b445-447a-8efe-92d4a0b8d73e" providerId="ADAL" clId="{51BA71F7-FC04-41B8-930C-C6A55A2B5965}" dt="2023-09-11T18:05:47" v="140" actId="21"/>
+          <ac:picMkLst>
+            <pc:docMk/>
+            <pc:sldMk cId="2869170872" sldId="282"/>
+            <ac:picMk id="6" creationId="{444ED943-BCF9-0FFD-8D7A-5D601CE4BCBF}"/>
+          </ac:picMkLst>
+        </pc:picChg>
+        <pc:picChg chg="del">
+          <ac:chgData name="Armando Lacerda" userId="6ac139bb-b445-447a-8efe-92d4a0b8d73e" providerId="ADAL" clId="{51BA71F7-FC04-41B8-930C-C6A55A2B5965}" dt="2023-09-11T18:05:47" v="140" actId="21"/>
+          <ac:picMkLst>
+            <pc:docMk/>
+            <pc:sldMk cId="2869170872" sldId="282"/>
+            <ac:picMk id="7" creationId="{6E2D42D6-73BB-A87C-614C-432CB789EB41}"/>
+          </ac:picMkLst>
+        </pc:picChg>
+        <pc:picChg chg="del">
+          <ac:chgData name="Armando Lacerda" userId="6ac139bb-b445-447a-8efe-92d4a0b8d73e" providerId="ADAL" clId="{51BA71F7-FC04-41B8-930C-C6A55A2B5965}" dt="2023-09-11T18:05:47" v="140" actId="21"/>
+          <ac:picMkLst>
+            <pc:docMk/>
+            <pc:sldMk cId="2869170872" sldId="282"/>
+            <ac:picMk id="8" creationId="{FF3CE267-383C-9874-B90F-C48316623D74}"/>
+          </ac:picMkLst>
+        </pc:picChg>
+        <pc:picChg chg="del">
+          <ac:chgData name="Armando Lacerda" userId="6ac139bb-b445-447a-8efe-92d4a0b8d73e" providerId="ADAL" clId="{51BA71F7-FC04-41B8-930C-C6A55A2B5965}" dt="2023-09-11T18:05:47" v="140" actId="21"/>
+          <ac:picMkLst>
+            <pc:docMk/>
+            <pc:sldMk cId="2869170872" sldId="282"/>
+            <ac:picMk id="9" creationId="{A8A4403B-1631-C7E6-44C6-ED3331B458D0}"/>
+          </ac:picMkLst>
+        </pc:picChg>
+        <pc:picChg chg="del">
+          <ac:chgData name="Armando Lacerda" userId="6ac139bb-b445-447a-8efe-92d4a0b8d73e" providerId="ADAL" clId="{51BA71F7-FC04-41B8-930C-C6A55A2B5965}" dt="2023-09-11T18:05:47" v="140" actId="21"/>
+          <ac:picMkLst>
+            <pc:docMk/>
+            <pc:sldMk cId="2869170872" sldId="282"/>
+            <ac:picMk id="10" creationId="{35A8CF9F-D67F-0072-F9AA-22D84ADBB659}"/>
+          </ac:picMkLst>
+        </pc:picChg>
+        <pc:picChg chg="del">
+          <ac:chgData name="Armando Lacerda" userId="6ac139bb-b445-447a-8efe-92d4a0b8d73e" providerId="ADAL" clId="{51BA71F7-FC04-41B8-930C-C6A55A2B5965}" dt="2023-09-11T18:05:47" v="140" actId="21"/>
+          <ac:picMkLst>
+            <pc:docMk/>
+            <pc:sldMk cId="2869170872" sldId="282"/>
+            <ac:picMk id="11" creationId="{ADAEE618-00B6-0DF4-940B-55EE640734C3}"/>
+          </ac:picMkLst>
+        </pc:picChg>
+        <pc:picChg chg="add del mod">
+          <ac:chgData name="Armando Lacerda" userId="6ac139bb-b445-447a-8efe-92d4a0b8d73e" providerId="ADAL" clId="{51BA71F7-FC04-41B8-930C-C6A55A2B5965}" dt="2023-09-11T18:06:39.879" v="145" actId="21"/>
+          <ac:picMkLst>
+            <pc:docMk/>
+            <pc:sldMk cId="2869170872" sldId="282"/>
+            <ac:picMk id="20" creationId="{83BAB643-8E1A-B31D-1655-FAD11E5E0E10}"/>
+          </ac:picMkLst>
+        </pc:picChg>
+        <pc:picChg chg="add mod">
+          <ac:chgData name="Armando Lacerda" userId="6ac139bb-b445-447a-8efe-92d4a0b8d73e" providerId="ADAL" clId="{51BA71F7-FC04-41B8-930C-C6A55A2B5965}" dt="2023-09-11T18:06:48.867" v="149"/>
+          <ac:picMkLst>
+            <pc:docMk/>
+            <pc:sldMk cId="2869170872" sldId="282"/>
+            <ac:picMk id="21" creationId="{B11A9D1C-1343-5EF3-F607-B00D682A9C6F}"/>
+          </ac:picMkLst>
+        </pc:picChg>
+      </pc:sldChg>
+      <pc:sldChg chg="add del">
+        <pc:chgData name="Armando Lacerda" userId="6ac139bb-b445-447a-8efe-92d4a0b8d73e" providerId="ADAL" clId="{51BA71F7-FC04-41B8-930C-C6A55A2B5965}" dt="2023-09-11T18:01:07.119" v="41" actId="47"/>
+        <pc:sldMkLst>
+          <pc:docMk/>
+          <pc:sldMk cId="2894434822" sldId="282"/>
+        </pc:sldMkLst>
+      </pc:sldChg>
+      <pc:sldChg chg="addSp delSp modSp new mod modAnim">
+        <pc:chgData name="Armando Lacerda" userId="6ac139bb-b445-447a-8efe-92d4a0b8d73e" providerId="ADAL" clId="{51BA71F7-FC04-41B8-930C-C6A55A2B5965}" dt="2023-09-11T18:10:55.435" v="182" actId="21"/>
+        <pc:sldMkLst>
+          <pc:docMk/>
+          <pc:sldMk cId="1541593639" sldId="283"/>
+        </pc:sldMkLst>
+        <pc:spChg chg="add del mod">
+          <ac:chgData name="Armando Lacerda" userId="6ac139bb-b445-447a-8efe-92d4a0b8d73e" providerId="ADAL" clId="{51BA71F7-FC04-41B8-930C-C6A55A2B5965}" dt="2023-09-11T18:09:28.923" v="171" actId="21"/>
+          <ac:spMkLst>
+            <pc:docMk/>
+            <pc:sldMk cId="1541593639" sldId="283"/>
+            <ac:spMk id="2" creationId="{6ECAA5B4-F0EF-B826-2EBD-EF841A32E130}"/>
+          </ac:spMkLst>
+        </pc:spChg>
+        <pc:spChg chg="add del mod">
+          <ac:chgData name="Armando Lacerda" userId="6ac139bb-b445-447a-8efe-92d4a0b8d73e" providerId="ADAL" clId="{51BA71F7-FC04-41B8-930C-C6A55A2B5965}" dt="2023-09-11T18:09:28.923" v="171" actId="21"/>
+          <ac:spMkLst>
+            <pc:docMk/>
+            <pc:sldMk cId="1541593639" sldId="283"/>
+            <ac:spMk id="3" creationId="{D1DC3D2F-3082-FFB4-4064-362442A087EF}"/>
+          </ac:spMkLst>
+        </pc:spChg>
+        <pc:spChg chg="add del mod">
+          <ac:chgData name="Armando Lacerda" userId="6ac139bb-b445-447a-8efe-92d4a0b8d73e" providerId="ADAL" clId="{51BA71F7-FC04-41B8-930C-C6A55A2B5965}" dt="2023-09-11T18:09:28.923" v="171" actId="21"/>
+          <ac:spMkLst>
+            <pc:docMk/>
+            <pc:sldMk cId="1541593639" sldId="283"/>
+            <ac:spMk id="4" creationId="{8676D68A-925A-84A8-F39E-1D7E77E07113}"/>
+          </ac:spMkLst>
+        </pc:spChg>
+        <pc:spChg chg="add del mod">
+          <ac:chgData name="Armando Lacerda" userId="6ac139bb-b445-447a-8efe-92d4a0b8d73e" providerId="ADAL" clId="{51BA71F7-FC04-41B8-930C-C6A55A2B5965}" dt="2023-09-11T18:09:28.923" v="171" actId="21"/>
+          <ac:spMkLst>
+            <pc:docMk/>
+            <pc:sldMk cId="1541593639" sldId="283"/>
+            <ac:spMk id="5" creationId="{34714645-A77A-4F28-1766-43A6EBAC70CF}"/>
+          </ac:spMkLst>
+        </pc:spChg>
+        <pc:spChg chg="add del mod">
+          <ac:chgData name="Armando Lacerda" userId="6ac139bb-b445-447a-8efe-92d4a0b8d73e" providerId="ADAL" clId="{51BA71F7-FC04-41B8-930C-C6A55A2B5965}" dt="2023-09-11T18:08:09.035" v="159" actId="478"/>
+          <ac:spMkLst>
+            <pc:docMk/>
+            <pc:sldMk cId="1541593639" sldId="283"/>
+            <ac:spMk id="6" creationId="{64A0CA0D-CB2D-1427-A7DC-9034FE381E57}"/>
+          </ac:spMkLst>
+        </pc:spChg>
+        <pc:spChg chg="add del mod">
+          <ac:chgData name="Armando Lacerda" userId="6ac139bb-b445-447a-8efe-92d4a0b8d73e" providerId="ADAL" clId="{51BA71F7-FC04-41B8-930C-C6A55A2B5965}" dt="2023-09-11T18:08:09.035" v="159" actId="478"/>
+          <ac:spMkLst>
+            <pc:docMk/>
+            <pc:sldMk cId="1541593639" sldId="283"/>
+            <ac:spMk id="7" creationId="{0E0C971D-096D-B293-0EC8-0AB1F63179D8}"/>
+          </ac:spMkLst>
+        </pc:spChg>
+        <pc:spChg chg="add del mod">
+          <ac:chgData name="Armando Lacerda" userId="6ac139bb-b445-447a-8efe-92d4a0b8d73e" providerId="ADAL" clId="{51BA71F7-FC04-41B8-930C-C6A55A2B5965}" dt="2023-09-11T18:08:09.035" v="159" actId="478"/>
+          <ac:spMkLst>
+            <pc:docMk/>
+            <pc:sldMk cId="1541593639" sldId="283"/>
+            <ac:spMk id="8" creationId="{E5060BE4-03CC-E0F0-B27C-16F39DF88DA7}"/>
+          </ac:spMkLst>
+        </pc:spChg>
+        <pc:spChg chg="add del mod">
+          <ac:chgData name="Armando Lacerda" userId="6ac139bb-b445-447a-8efe-92d4a0b8d73e" providerId="ADAL" clId="{51BA71F7-FC04-41B8-930C-C6A55A2B5965}" dt="2023-09-11T18:08:09.035" v="159" actId="478"/>
+          <ac:spMkLst>
+            <pc:docMk/>
+            <pc:sldMk cId="1541593639" sldId="283"/>
+            <ac:spMk id="9" creationId="{40D9655D-1D8C-BBB0-ABFA-A9ED79125543}"/>
+          </ac:spMkLst>
+        </pc:spChg>
+        <pc:spChg chg="mod">
+          <ac:chgData name="Armando Lacerda" userId="6ac139bb-b445-447a-8efe-92d4a0b8d73e" providerId="ADAL" clId="{51BA71F7-FC04-41B8-930C-C6A55A2B5965}" dt="2023-09-11T18:07:16.978" v="151"/>
+          <ac:spMkLst>
+            <pc:docMk/>
+            <pc:sldMk cId="1541593639" sldId="283"/>
+            <ac:spMk id="14" creationId="{2DDEB36D-1832-DF8F-12A9-108ECFCB633B}"/>
+          </ac:spMkLst>
+        </pc:spChg>
+        <pc:spChg chg="mod">
+          <ac:chgData name="Armando Lacerda" userId="6ac139bb-b445-447a-8efe-92d4a0b8d73e" providerId="ADAL" clId="{51BA71F7-FC04-41B8-930C-C6A55A2B5965}" dt="2023-09-11T18:07:16.978" v="151"/>
+          <ac:spMkLst>
+            <pc:docMk/>
+            <pc:sldMk cId="1541593639" sldId="283"/>
+            <ac:spMk id="15" creationId="{9AED1265-8A2E-A162-0593-2944E91D7438}"/>
+          </ac:spMkLst>
+        </pc:spChg>
+        <pc:spChg chg="mod">
+          <ac:chgData name="Armando Lacerda" userId="6ac139bb-b445-447a-8efe-92d4a0b8d73e" providerId="ADAL" clId="{51BA71F7-FC04-41B8-930C-C6A55A2B5965}" dt="2023-09-11T18:07:16.978" v="151"/>
+          <ac:spMkLst>
+            <pc:docMk/>
+            <pc:sldMk cId="1541593639" sldId="283"/>
+            <ac:spMk id="20" creationId="{86044071-4D8D-C2CF-3C47-ECC81759A519}"/>
+          </ac:spMkLst>
+        </pc:spChg>
+        <pc:spChg chg="mod">
+          <ac:chgData name="Armando Lacerda" userId="6ac139bb-b445-447a-8efe-92d4a0b8d73e" providerId="ADAL" clId="{51BA71F7-FC04-41B8-930C-C6A55A2B5965}" dt="2023-09-11T18:07:16.978" v="151"/>
+          <ac:spMkLst>
+            <pc:docMk/>
+            <pc:sldMk cId="1541593639" sldId="283"/>
+            <ac:spMk id="21" creationId="{5487AA8F-1659-2239-8152-BD8BE51D7A45}"/>
+          </ac:spMkLst>
+        </pc:spChg>
+        <pc:spChg chg="mod">
+          <ac:chgData name="Armando Lacerda" userId="6ac139bb-b445-447a-8efe-92d4a0b8d73e" providerId="ADAL" clId="{51BA71F7-FC04-41B8-930C-C6A55A2B5965}" dt="2023-09-11T18:07:16.978" v="151"/>
+          <ac:spMkLst>
+            <pc:docMk/>
+            <pc:sldMk cId="1541593639" sldId="283"/>
+            <ac:spMk id="26" creationId="{37F6BD63-F879-2777-4ED0-5613D9FD96ED}"/>
+          </ac:spMkLst>
+        </pc:spChg>
+        <pc:spChg chg="mod">
+          <ac:chgData name="Armando Lacerda" userId="6ac139bb-b445-447a-8efe-92d4a0b8d73e" providerId="ADAL" clId="{51BA71F7-FC04-41B8-930C-C6A55A2B5965}" dt="2023-09-11T18:07:16.978" v="151"/>
+          <ac:spMkLst>
+            <pc:docMk/>
+            <pc:sldMk cId="1541593639" sldId="283"/>
+            <ac:spMk id="27" creationId="{4F71BCB3-2CF8-6C50-C688-C8FE53262423}"/>
+          </ac:spMkLst>
+        </pc:spChg>
+        <pc:spChg chg="add del mod">
+          <ac:chgData name="Armando Lacerda" userId="6ac139bb-b445-447a-8efe-92d4a0b8d73e" providerId="ADAL" clId="{51BA71F7-FC04-41B8-930C-C6A55A2B5965}" dt="2023-09-11T18:09:28.923" v="171" actId="21"/>
+          <ac:spMkLst>
+            <pc:docMk/>
+            <pc:sldMk cId="1541593639" sldId="283"/>
+            <ac:spMk id="32" creationId="{1CFAD0E8-2185-7013-64B9-B8BBF22AEB27}"/>
+          </ac:spMkLst>
+        </pc:spChg>
+        <pc:spChg chg="add del mod">
+          <ac:chgData name="Armando Lacerda" userId="6ac139bb-b445-447a-8efe-92d4a0b8d73e" providerId="ADAL" clId="{51BA71F7-FC04-41B8-930C-C6A55A2B5965}" dt="2023-09-11T18:09:28.923" v="171" actId="21"/>
+          <ac:spMkLst>
+            <pc:docMk/>
+            <pc:sldMk cId="1541593639" sldId="283"/>
+            <ac:spMk id="33" creationId="{8786358E-C82E-6F04-CF12-9F7C59B2FE33}"/>
+          </ac:spMkLst>
+        </pc:spChg>
+        <pc:spChg chg="add del mod">
+          <ac:chgData name="Armando Lacerda" userId="6ac139bb-b445-447a-8efe-92d4a0b8d73e" providerId="ADAL" clId="{51BA71F7-FC04-41B8-930C-C6A55A2B5965}" dt="2023-09-11T18:09:28.923" v="171" actId="21"/>
+          <ac:spMkLst>
+            <pc:docMk/>
+            <pc:sldMk cId="1541593639" sldId="283"/>
+            <ac:spMk id="34" creationId="{18E261B8-95A6-ACC5-EFFD-B52FBB83D0C3}"/>
+          </ac:spMkLst>
+        </pc:spChg>
+        <pc:spChg chg="add del mod">
+          <ac:chgData name="Armando Lacerda" userId="6ac139bb-b445-447a-8efe-92d4a0b8d73e" providerId="ADAL" clId="{51BA71F7-FC04-41B8-930C-C6A55A2B5965}" dt="2023-09-11T18:09:28.923" v="171" actId="21"/>
+          <ac:spMkLst>
+            <pc:docMk/>
+            <pc:sldMk cId="1541593639" sldId="283"/>
+            <ac:spMk id="35" creationId="{011D93E9-9C70-6088-23BA-F84F14075F36}"/>
+          </ac:spMkLst>
+        </pc:spChg>
+        <pc:spChg chg="add del mod">
+          <ac:chgData name="Armando Lacerda" userId="6ac139bb-b445-447a-8efe-92d4a0b8d73e" providerId="ADAL" clId="{51BA71F7-FC04-41B8-930C-C6A55A2B5965}" dt="2023-09-11T18:08:04.189" v="158" actId="478"/>
+          <ac:spMkLst>
+            <pc:docMk/>
+            <pc:sldMk cId="1541593639" sldId="283"/>
+            <ac:spMk id="36" creationId="{6F3FABA1-5DAE-F4F8-D7D5-2E75EE0EFBC7}"/>
+          </ac:spMkLst>
+        </pc:spChg>
+        <pc:spChg chg="add del mod">
+          <ac:chgData name="Armando Lacerda" userId="6ac139bb-b445-447a-8efe-92d4a0b8d73e" providerId="ADAL" clId="{51BA71F7-FC04-41B8-930C-C6A55A2B5965}" dt="2023-09-11T18:08:04.189" v="158" actId="478"/>
+          <ac:spMkLst>
+            <pc:docMk/>
+            <pc:sldMk cId="1541593639" sldId="283"/>
+            <ac:spMk id="37" creationId="{F0868446-18C0-8FE5-6DEC-3D49FC6B6899}"/>
+          </ac:spMkLst>
+        </pc:spChg>
+        <pc:spChg chg="add del mod">
+          <ac:chgData name="Armando Lacerda" userId="6ac139bb-b445-447a-8efe-92d4a0b8d73e" providerId="ADAL" clId="{51BA71F7-FC04-41B8-930C-C6A55A2B5965}" dt="2023-09-11T18:08:04.189" v="158" actId="478"/>
+          <ac:spMkLst>
+            <pc:docMk/>
+            <pc:sldMk cId="1541593639" sldId="283"/>
+            <ac:spMk id="38" creationId="{0C52B099-BD4F-2BBD-CBAC-7F42A347FEB6}"/>
+          </ac:spMkLst>
+        </pc:spChg>
+        <pc:spChg chg="add del mod">
+          <ac:chgData name="Armando Lacerda" userId="6ac139bb-b445-447a-8efe-92d4a0b8d73e" providerId="ADAL" clId="{51BA71F7-FC04-41B8-930C-C6A55A2B5965}" dt="2023-09-11T18:08:04.189" v="158" actId="478"/>
+          <ac:spMkLst>
+            <pc:docMk/>
+            <pc:sldMk cId="1541593639" sldId="283"/>
+            <ac:spMk id="39" creationId="{D5283852-F0C9-F726-669B-76A85C7F02F5}"/>
+          </ac:spMkLst>
+        </pc:spChg>
+        <pc:spChg chg="add del mod">
+          <ac:chgData name="Armando Lacerda" userId="6ac139bb-b445-447a-8efe-92d4a0b8d73e" providerId="ADAL" clId="{51BA71F7-FC04-41B8-930C-C6A55A2B5965}" dt="2023-09-11T18:09:28.923" v="171" actId="21"/>
+          <ac:spMkLst>
+            <pc:docMk/>
+            <pc:sldMk cId="1541593639" sldId="283"/>
+            <ac:spMk id="40" creationId="{418A93D4-B9E0-ADFC-3B28-3E60233F9083}"/>
+          </ac:spMkLst>
+        </pc:spChg>
+        <pc:spChg chg="add del mod">
+          <ac:chgData name="Armando Lacerda" userId="6ac139bb-b445-447a-8efe-92d4a0b8d73e" providerId="ADAL" clId="{51BA71F7-FC04-41B8-930C-C6A55A2B5965}" dt="2023-09-11T18:09:28.923" v="171" actId="21"/>
+          <ac:spMkLst>
+            <pc:docMk/>
+            <pc:sldMk cId="1541593639" sldId="283"/>
+            <ac:spMk id="41" creationId="{CA344216-95FC-B365-541E-6B143DBA1FC9}"/>
+          </ac:spMkLst>
+        </pc:spChg>
+        <pc:spChg chg="add del mod">
+          <ac:chgData name="Armando Lacerda" userId="6ac139bb-b445-447a-8efe-92d4a0b8d73e" providerId="ADAL" clId="{51BA71F7-FC04-41B8-930C-C6A55A2B5965}" dt="2023-09-11T18:09:28.923" v="171" actId="21"/>
+          <ac:spMkLst>
+            <pc:docMk/>
+            <pc:sldMk cId="1541593639" sldId="283"/>
+            <ac:spMk id="42" creationId="{C6B0A264-E201-D160-AAEA-627F8ED9E0F6}"/>
+          </ac:spMkLst>
+        </pc:spChg>
+        <pc:spChg chg="add del mod">
+          <ac:chgData name="Armando Lacerda" userId="6ac139bb-b445-447a-8efe-92d4a0b8d73e" providerId="ADAL" clId="{51BA71F7-FC04-41B8-930C-C6A55A2B5965}" dt="2023-09-11T18:09:28.923" v="171" actId="21"/>
+          <ac:spMkLst>
+            <pc:docMk/>
+            <pc:sldMk cId="1541593639" sldId="283"/>
+            <ac:spMk id="43" creationId="{75911AAC-D93B-4BC8-7C5A-E24377E58D46}"/>
+          </ac:spMkLst>
+        </pc:spChg>
+        <pc:spChg chg="add del mod">
+          <ac:chgData name="Armando Lacerda" userId="6ac139bb-b445-447a-8efe-92d4a0b8d73e" providerId="ADAL" clId="{51BA71F7-FC04-41B8-930C-C6A55A2B5965}" dt="2023-09-11T18:09:28.923" v="171" actId="21"/>
+          <ac:spMkLst>
+            <pc:docMk/>
+            <pc:sldMk cId="1541593639" sldId="283"/>
+            <ac:spMk id="44" creationId="{6AD6A2F6-FC43-9693-46E9-6492C9CC670A}"/>
+          </ac:spMkLst>
+        </pc:spChg>
+        <pc:spChg chg="add del mod">
+          <ac:chgData name="Armando Lacerda" userId="6ac139bb-b445-447a-8efe-92d4a0b8d73e" providerId="ADAL" clId="{51BA71F7-FC04-41B8-930C-C6A55A2B5965}" dt="2023-09-11T18:09:28.923" v="171" actId="21"/>
+          <ac:spMkLst>
+            <pc:docMk/>
+            <pc:sldMk cId="1541593639" sldId="283"/>
+            <ac:spMk id="45" creationId="{233491EE-D89E-5DC7-2DB6-07F84BBCB7A8}"/>
+          </ac:spMkLst>
+        </pc:spChg>
+        <pc:grpChg chg="add del mod">
+          <ac:chgData name="Armando Lacerda" userId="6ac139bb-b445-447a-8efe-92d4a0b8d73e" providerId="ADAL" clId="{51BA71F7-FC04-41B8-930C-C6A55A2B5965}" dt="2023-09-11T18:09:01.724" v="167" actId="478"/>
+          <ac:grpSpMkLst>
+            <pc:docMk/>
+            <pc:sldMk cId="1541593639" sldId="283"/>
+            <ac:grpSpMk id="10" creationId="{7942F397-A7F3-6E4F-8772-B596CA90A1A0}"/>
+          </ac:grpSpMkLst>
+        </pc:grpChg>
+        <pc:grpChg chg="mod">
+          <ac:chgData name="Armando Lacerda" userId="6ac139bb-b445-447a-8efe-92d4a0b8d73e" providerId="ADAL" clId="{51BA71F7-FC04-41B8-930C-C6A55A2B5965}" dt="2023-09-11T18:07:16.978" v="151"/>
+          <ac:grpSpMkLst>
+            <pc:docMk/>
+            <pc:sldMk cId="1541593639" sldId="283"/>
+            <ac:grpSpMk id="11" creationId="{F0EEA6B1-C188-DFEB-BC7A-2B4B77951809}"/>
+          </ac:grpSpMkLst>
+        </pc:grpChg>
+        <pc:grpChg chg="add del mod">
+          <ac:chgData name="Armando Lacerda" userId="6ac139bb-b445-447a-8efe-92d4a0b8d73e" providerId="ADAL" clId="{51BA71F7-FC04-41B8-930C-C6A55A2B5965}" dt="2023-09-11T18:09:03.349" v="168" actId="478"/>
+          <ac:grpSpMkLst>
+            <pc:docMk/>
+            <pc:sldMk cId="1541593639" sldId="283"/>
+            <ac:grpSpMk id="17" creationId="{35072736-3060-F13E-5BE0-619C6104C65D}"/>
+          </ac:grpSpMkLst>
+        </pc:grpChg>
+        <pc:grpChg chg="mod">
+          <ac:chgData name="Armando Lacerda" userId="6ac139bb-b445-447a-8efe-92d4a0b8d73e" providerId="ADAL" clId="{51BA71F7-FC04-41B8-930C-C6A55A2B5965}" dt="2023-09-11T18:07:16.978" v="151"/>
+          <ac:grpSpMkLst>
+            <pc:docMk/>
+            <pc:sldMk cId="1541593639" sldId="283"/>
+            <ac:grpSpMk id="18" creationId="{14F7A0E1-A6CA-2285-5DA6-21E30780D444}"/>
+          </ac:grpSpMkLst>
+        </pc:grpChg>
+        <pc:grpChg chg="add del mod">
+          <ac:chgData name="Armando Lacerda" userId="6ac139bb-b445-447a-8efe-92d4a0b8d73e" providerId="ADAL" clId="{51BA71F7-FC04-41B8-930C-C6A55A2B5965}" dt="2023-09-11T18:09:25.252" v="170" actId="478"/>
+          <ac:grpSpMkLst>
+            <pc:docMk/>
+            <pc:sldMk cId="1541593639" sldId="283"/>
+            <ac:grpSpMk id="23" creationId="{C90591C4-3460-BDCB-1C11-79D87978DD01}"/>
+          </ac:grpSpMkLst>
+        </pc:grpChg>
+        <pc:grpChg chg="mod">
+          <ac:chgData name="Armando Lacerda" userId="6ac139bb-b445-447a-8efe-92d4a0b8d73e" providerId="ADAL" clId="{51BA71F7-FC04-41B8-930C-C6A55A2B5965}" dt="2023-09-11T18:07:16.978" v="151"/>
+          <ac:grpSpMkLst>
+            <pc:docMk/>
+            <pc:sldMk cId="1541593639" sldId="283"/>
+            <ac:grpSpMk id="24" creationId="{D7FC5809-6F0B-B151-B470-EEC6D32B2503}"/>
+          </ac:grpSpMkLst>
+        </pc:grpChg>
+        <pc:grpChg chg="add del mod">
+          <ac:chgData name="Armando Lacerda" userId="6ac139bb-b445-447a-8efe-92d4a0b8d73e" providerId="ADAL" clId="{51BA71F7-FC04-41B8-930C-C6A55A2B5965}" dt="2023-09-11T18:09:23.445" v="169" actId="478"/>
+          <ac:grpSpMkLst>
+            <pc:docMk/>
+            <pc:sldMk cId="1541593639" sldId="283"/>
+            <ac:grpSpMk id="29" creationId="{943EC9A8-13B3-5696-54BC-EFC5B004F660}"/>
+          </ac:grpSpMkLst>
+        </pc:grpChg>
+        <pc:picChg chg="add del mod">
+          <ac:chgData name="Armando Lacerda" userId="6ac139bb-b445-447a-8efe-92d4a0b8d73e" providerId="ADAL" clId="{51BA71F7-FC04-41B8-930C-C6A55A2B5965}" dt="2023-09-11T18:09:28.923" v="171" actId="21"/>
+          <ac:picMkLst>
+            <pc:docMk/>
+            <pc:sldMk cId="1541593639" sldId="283"/>
+            <ac:picMk id="46" creationId="{FD294052-BEC9-069E-38D4-0F455430EBEE}"/>
+          </ac:picMkLst>
+        </pc:picChg>
+        <pc:picChg chg="add mod">
+          <ac:chgData name="Armando Lacerda" userId="6ac139bb-b445-447a-8efe-92d4a0b8d73e" providerId="ADAL" clId="{51BA71F7-FC04-41B8-930C-C6A55A2B5965}" dt="2023-09-11T18:09:36.184" v="174" actId="1076"/>
+          <ac:picMkLst>
+            <pc:docMk/>
+            <pc:sldMk cId="1541593639" sldId="283"/>
+            <ac:picMk id="47" creationId="{AA6FC6AE-5973-AFE9-FF74-B168A6A47EED}"/>
+          </ac:picMkLst>
+        </pc:picChg>
+        <pc:picChg chg="add del mod">
+          <ac:chgData name="Armando Lacerda" userId="6ac139bb-b445-447a-8efe-92d4a0b8d73e" providerId="ADAL" clId="{51BA71F7-FC04-41B8-930C-C6A55A2B5965}" dt="2023-09-11T18:10:55.435" v="182" actId="21"/>
+          <ac:picMkLst>
+            <pc:docMk/>
+            <pc:sldMk cId="1541593639" sldId="283"/>
+            <ac:picMk id="48" creationId="{767EE754-8ED2-0277-10C8-2C956DBBA335}"/>
+          </ac:picMkLst>
+        </pc:picChg>
+        <pc:cxnChg chg="mod">
+          <ac:chgData name="Armando Lacerda" userId="6ac139bb-b445-447a-8efe-92d4a0b8d73e" providerId="ADAL" clId="{51BA71F7-FC04-41B8-930C-C6A55A2B5965}" dt="2023-09-11T18:07:16.978" v="151"/>
+          <ac:cxnSpMkLst>
+            <pc:docMk/>
+            <pc:sldMk cId="1541593639" sldId="283"/>
+            <ac:cxnSpMk id="12" creationId="{D591ECD5-AEAC-4A9A-17C2-10E4F0B48399}"/>
+          </ac:cxnSpMkLst>
+        </pc:cxnChg>
+        <pc:cxnChg chg="mod">
+          <ac:chgData name="Armando Lacerda" userId="6ac139bb-b445-447a-8efe-92d4a0b8d73e" providerId="ADAL" clId="{51BA71F7-FC04-41B8-930C-C6A55A2B5965}" dt="2023-09-11T18:08:09.035" v="159" actId="478"/>
+          <ac:cxnSpMkLst>
+            <pc:docMk/>
+            <pc:sldMk cId="1541593639" sldId="283"/>
+            <ac:cxnSpMk id="13" creationId="{EFA824BF-696B-A579-36C3-7CF9F088FBED}"/>
+          </ac:cxnSpMkLst>
+        </pc:cxnChg>
+        <pc:cxnChg chg="mod">
+          <ac:chgData name="Armando Lacerda" userId="6ac139bb-b445-447a-8efe-92d4a0b8d73e" providerId="ADAL" clId="{51BA71F7-FC04-41B8-930C-C6A55A2B5965}" dt="2023-09-11T18:07:16.978" v="151"/>
+          <ac:cxnSpMkLst>
+            <pc:docMk/>
+            <pc:sldMk cId="1541593639" sldId="283"/>
+            <ac:cxnSpMk id="16" creationId="{5EB3E168-D5FC-46BF-D3C1-C78479EFC927}"/>
+          </ac:cxnSpMkLst>
+        </pc:cxnChg>
+        <pc:cxnChg chg="mod">
+          <ac:chgData name="Armando Lacerda" userId="6ac139bb-b445-447a-8efe-92d4a0b8d73e" providerId="ADAL" clId="{51BA71F7-FC04-41B8-930C-C6A55A2B5965}" dt="2023-09-11T18:08:09.035" v="159" actId="478"/>
+          <ac:cxnSpMkLst>
+            <pc:docMk/>
+            <pc:sldMk cId="1541593639" sldId="283"/>
+            <ac:cxnSpMk id="19" creationId="{26FEAF0F-A52F-8518-37CE-8C06B2224EA8}"/>
+          </ac:cxnSpMkLst>
+        </pc:cxnChg>
+        <pc:cxnChg chg="mod">
+          <ac:chgData name="Armando Lacerda" userId="6ac139bb-b445-447a-8efe-92d4a0b8d73e" providerId="ADAL" clId="{51BA71F7-FC04-41B8-930C-C6A55A2B5965}" dt="2023-09-11T18:07:16.978" v="151"/>
+          <ac:cxnSpMkLst>
+            <pc:docMk/>
+            <pc:sldMk cId="1541593639" sldId="283"/>
+            <ac:cxnSpMk id="22" creationId="{0E274F6C-5BE8-B45A-60A0-77AA9DE6A4DD}"/>
+          </ac:cxnSpMkLst>
+        </pc:cxnChg>
+        <pc:cxnChg chg="mod">
+          <ac:chgData name="Armando Lacerda" userId="6ac139bb-b445-447a-8efe-92d4a0b8d73e" providerId="ADAL" clId="{51BA71F7-FC04-41B8-930C-C6A55A2B5965}" dt="2023-09-11T18:07:16.978" v="151"/>
+          <ac:cxnSpMkLst>
+            <pc:docMk/>
+            <pc:sldMk cId="1541593639" sldId="283"/>
+            <ac:cxnSpMk id="25" creationId="{176FDFE6-0EB1-31E2-224E-56931D2EE06C}"/>
+          </ac:cxnSpMkLst>
+        </pc:cxnChg>
+        <pc:cxnChg chg="mod">
+          <ac:chgData name="Armando Lacerda" userId="6ac139bb-b445-447a-8efe-92d4a0b8d73e" providerId="ADAL" clId="{51BA71F7-FC04-41B8-930C-C6A55A2B5965}" dt="2023-09-11T18:07:16.978" v="151"/>
+          <ac:cxnSpMkLst>
+            <pc:docMk/>
+            <pc:sldMk cId="1541593639" sldId="283"/>
+            <ac:cxnSpMk id="28" creationId="{1FF2E71C-AFD9-FAA4-BEBF-DC5CB854A864}"/>
+          </ac:cxnSpMkLst>
+        </pc:cxnChg>
+        <pc:cxnChg chg="mod">
+          <ac:chgData name="Armando Lacerda" userId="6ac139bb-b445-447a-8efe-92d4a0b8d73e" providerId="ADAL" clId="{51BA71F7-FC04-41B8-930C-C6A55A2B5965}" dt="2023-09-11T18:07:16.978" v="151"/>
+          <ac:cxnSpMkLst>
+            <pc:docMk/>
+            <pc:sldMk cId="1541593639" sldId="283"/>
+            <ac:cxnSpMk id="30" creationId="{AAFF7227-169F-C330-4D2C-5253DC7524C7}"/>
+          </ac:cxnSpMkLst>
+        </pc:cxnChg>
+        <pc:cxnChg chg="mod">
+          <ac:chgData name="Armando Lacerda" userId="6ac139bb-b445-447a-8efe-92d4a0b8d73e" providerId="ADAL" clId="{51BA71F7-FC04-41B8-930C-C6A55A2B5965}" dt="2023-09-11T18:08:09.035" v="159" actId="478"/>
+          <ac:cxnSpMkLst>
+            <pc:docMk/>
+            <pc:sldMk cId="1541593639" sldId="283"/>
+            <ac:cxnSpMk id="31" creationId="{D1E04554-0CB7-510D-8B9D-233804616CEA}"/>
+          </ac:cxnSpMkLst>
+        </pc:cxnChg>
+      </pc:sldChg>
+      <pc:sldChg chg="addSp delSp modSp add mod modAnim">
+        <pc:chgData name="Armando Lacerda" userId="6ac139bb-b445-447a-8efe-92d4a0b8d73e" providerId="ADAL" clId="{51BA71F7-FC04-41B8-930C-C6A55A2B5965}" dt="2023-09-11T18:10:57.271" v="183"/>
+        <pc:sldMkLst>
+          <pc:docMk/>
+          <pc:sldMk cId="3203687222" sldId="284"/>
+        </pc:sldMkLst>
+        <pc:spChg chg="del">
+          <ac:chgData name="Armando Lacerda" userId="6ac139bb-b445-447a-8efe-92d4a0b8d73e" providerId="ADAL" clId="{51BA71F7-FC04-41B8-930C-C6A55A2B5965}" dt="2023-09-11T18:10:35.277" v="176" actId="21"/>
+          <ac:spMkLst>
+            <pc:docMk/>
+            <pc:sldMk cId="3203687222" sldId="284"/>
+            <ac:spMk id="2" creationId="{6ECAA5B4-F0EF-B826-2EBD-EF841A32E130}"/>
+          </ac:spMkLst>
+        </pc:spChg>
+        <pc:spChg chg="del">
+          <ac:chgData name="Armando Lacerda" userId="6ac139bb-b445-447a-8efe-92d4a0b8d73e" providerId="ADAL" clId="{51BA71F7-FC04-41B8-930C-C6A55A2B5965}" dt="2023-09-11T18:10:35.277" v="176" actId="21"/>
+          <ac:spMkLst>
+            <pc:docMk/>
+            <pc:sldMk cId="3203687222" sldId="284"/>
+            <ac:spMk id="3" creationId="{D1DC3D2F-3082-FFB4-4064-362442A087EF}"/>
+          </ac:spMkLst>
+        </pc:spChg>
+        <pc:spChg chg="del">
+          <ac:chgData name="Armando Lacerda" userId="6ac139bb-b445-447a-8efe-92d4a0b8d73e" providerId="ADAL" clId="{51BA71F7-FC04-41B8-930C-C6A55A2B5965}" dt="2023-09-11T18:10:35.277" v="176" actId="21"/>
+          <ac:spMkLst>
+            <pc:docMk/>
+            <pc:sldMk cId="3203687222" sldId="284"/>
+            <ac:spMk id="4" creationId="{8676D68A-925A-84A8-F39E-1D7E77E07113}"/>
+          </ac:spMkLst>
+        </pc:spChg>
+        <pc:spChg chg="del">
+          <ac:chgData name="Armando Lacerda" userId="6ac139bb-b445-447a-8efe-92d4a0b8d73e" providerId="ADAL" clId="{51BA71F7-FC04-41B8-930C-C6A55A2B5965}" dt="2023-09-11T18:10:35.277" v="176" actId="21"/>
+          <ac:spMkLst>
+            <pc:docMk/>
+            <pc:sldMk cId="3203687222" sldId="284"/>
+            <ac:spMk id="5" creationId="{34714645-A77A-4F28-1766-43A6EBAC70CF}"/>
+          </ac:spMkLst>
+        </pc:spChg>
+        <pc:spChg chg="del">
+          <ac:chgData name="Armando Lacerda" userId="6ac139bb-b445-447a-8efe-92d4a0b8d73e" providerId="ADAL" clId="{51BA71F7-FC04-41B8-930C-C6A55A2B5965}" dt="2023-09-11T18:10:35.277" v="176" actId="21"/>
+          <ac:spMkLst>
+            <pc:docMk/>
+            <pc:sldMk cId="3203687222" sldId="284"/>
+            <ac:spMk id="6" creationId="{64A0CA0D-CB2D-1427-A7DC-9034FE381E57}"/>
+          </ac:spMkLst>
+        </pc:spChg>
+        <pc:spChg chg="del">
+          <ac:chgData name="Armando Lacerda" userId="6ac139bb-b445-447a-8efe-92d4a0b8d73e" providerId="ADAL" clId="{51BA71F7-FC04-41B8-930C-C6A55A2B5965}" dt="2023-09-11T18:10:35.277" v="176" actId="21"/>
+          <ac:spMkLst>
+            <pc:docMk/>
+            <pc:sldMk cId="3203687222" sldId="284"/>
+            <ac:spMk id="7" creationId="{0E0C971D-096D-B293-0EC8-0AB1F63179D8}"/>
+          </ac:spMkLst>
+        </pc:spChg>
+        <pc:spChg chg="del">
+          <ac:chgData name="Armando Lacerda" userId="6ac139bb-b445-447a-8efe-92d4a0b8d73e" providerId="ADAL" clId="{51BA71F7-FC04-41B8-930C-C6A55A2B5965}" dt="2023-09-11T18:10:35.277" v="176" actId="21"/>
+          <ac:spMkLst>
+            <pc:docMk/>
+            <pc:sldMk cId="3203687222" sldId="284"/>
+            <ac:spMk id="8" creationId="{E5060BE4-03CC-E0F0-B27C-16F39DF88DA7}"/>
+          </ac:spMkLst>
+        </pc:spChg>
+        <pc:spChg chg="del">
+          <ac:chgData name="Armando Lacerda" userId="6ac139bb-b445-447a-8efe-92d4a0b8d73e" providerId="ADAL" clId="{51BA71F7-FC04-41B8-930C-C6A55A2B5965}" dt="2023-09-11T18:10:35.277" v="176" actId="21"/>
+          <ac:spMkLst>
+            <pc:docMk/>
+            <pc:sldMk cId="3203687222" sldId="284"/>
+            <ac:spMk id="9" creationId="{40D9655D-1D8C-BBB0-ABFA-A9ED79125543}"/>
+          </ac:spMkLst>
+        </pc:spChg>
+        <pc:spChg chg="del">
+          <ac:chgData name="Armando Lacerda" userId="6ac139bb-b445-447a-8efe-92d4a0b8d73e" providerId="ADAL" clId="{51BA71F7-FC04-41B8-930C-C6A55A2B5965}" dt="2023-09-11T18:10:35.277" v="176" actId="21"/>
+          <ac:spMkLst>
+            <pc:docMk/>
+            <pc:sldMk cId="3203687222" sldId="284"/>
+            <ac:spMk id="32" creationId="{1CFAD0E8-2185-7013-64B9-B8BBF22AEB27}"/>
+          </ac:spMkLst>
+        </pc:spChg>
+        <pc:spChg chg="del">
+          <ac:chgData name="Armando Lacerda" userId="6ac139bb-b445-447a-8efe-92d4a0b8d73e" providerId="ADAL" clId="{51BA71F7-FC04-41B8-930C-C6A55A2B5965}" dt="2023-09-11T18:10:35.277" v="176" actId="21"/>
+          <ac:spMkLst>
+            <pc:docMk/>
+            <pc:sldMk cId="3203687222" sldId="284"/>
+            <ac:spMk id="33" creationId="{8786358E-C82E-6F04-CF12-9F7C59B2FE33}"/>
+          </ac:spMkLst>
+        </pc:spChg>
+        <pc:spChg chg="del">
+          <ac:chgData name="Armando Lacerda" userId="6ac139bb-b445-447a-8efe-92d4a0b8d73e" providerId="ADAL" clId="{51BA71F7-FC04-41B8-930C-C6A55A2B5965}" dt="2023-09-11T18:10:35.277" v="176" actId="21"/>
+          <ac:spMkLst>
+            <pc:docMk/>
+            <pc:sldMk cId="3203687222" sldId="284"/>
+            <ac:spMk id="34" creationId="{18E261B8-95A6-ACC5-EFFD-B52FBB83D0C3}"/>
+          </ac:spMkLst>
+        </pc:spChg>
+        <pc:spChg chg="del">
+          <ac:chgData name="Armando Lacerda" userId="6ac139bb-b445-447a-8efe-92d4a0b8d73e" providerId="ADAL" clId="{51BA71F7-FC04-41B8-930C-C6A55A2B5965}" dt="2023-09-11T18:10:35.277" v="176" actId="21"/>
+          <ac:spMkLst>
+            <pc:docMk/>
+            <pc:sldMk cId="3203687222" sldId="284"/>
+            <ac:spMk id="35" creationId="{011D93E9-9C70-6088-23BA-F84F14075F36}"/>
+          </ac:spMkLst>
+        </pc:spChg>
+        <pc:spChg chg="del">
+          <ac:chgData name="Armando Lacerda" userId="6ac139bb-b445-447a-8efe-92d4a0b8d73e" providerId="ADAL" clId="{51BA71F7-FC04-41B8-930C-C6A55A2B5965}" dt="2023-09-11T18:10:35.277" v="176" actId="21"/>
+          <ac:spMkLst>
+            <pc:docMk/>
+            <pc:sldMk cId="3203687222" sldId="284"/>
+            <ac:spMk id="36" creationId="{6F3FABA1-5DAE-F4F8-D7D5-2E75EE0EFBC7}"/>
+          </ac:spMkLst>
+        </pc:spChg>
+        <pc:spChg chg="del">
+          <ac:chgData name="Armando Lacerda" userId="6ac139bb-b445-447a-8efe-92d4a0b8d73e" providerId="ADAL" clId="{51BA71F7-FC04-41B8-930C-C6A55A2B5965}" dt="2023-09-11T18:10:35.277" v="176" actId="21"/>
+          <ac:spMkLst>
+            <pc:docMk/>
+            <pc:sldMk cId="3203687222" sldId="284"/>
+            <ac:spMk id="37" creationId="{F0868446-18C0-8FE5-6DEC-3D49FC6B6899}"/>
+          </ac:spMkLst>
+        </pc:spChg>
+        <pc:spChg chg="del">
+          <ac:chgData name="Armando Lacerda" userId="6ac139bb-b445-447a-8efe-92d4a0b8d73e" providerId="ADAL" clId="{51BA71F7-FC04-41B8-930C-C6A55A2B5965}" dt="2023-09-11T18:10:35.277" v="176" actId="21"/>
+          <ac:spMkLst>
+            <pc:docMk/>
+            <pc:sldMk cId="3203687222" sldId="284"/>
+            <ac:spMk id="38" creationId="{0C52B099-BD4F-2BBD-CBAC-7F42A347FEB6}"/>
+          </ac:spMkLst>
+        </pc:spChg>
+        <pc:spChg chg="del">
+          <ac:chgData name="Armando Lacerda" userId="6ac139bb-b445-447a-8efe-92d4a0b8d73e" providerId="ADAL" clId="{51BA71F7-FC04-41B8-930C-C6A55A2B5965}" dt="2023-09-11T18:10:35.277" v="176" actId="21"/>
+          <ac:spMkLst>
+            <pc:docMk/>
+            <pc:sldMk cId="3203687222" sldId="284"/>
+            <ac:spMk id="39" creationId="{D5283852-F0C9-F726-669B-76A85C7F02F5}"/>
+          </ac:spMkLst>
+        </pc:spChg>
+        <pc:spChg chg="del">
+          <ac:chgData name="Armando Lacerda" userId="6ac139bb-b445-447a-8efe-92d4a0b8d73e" providerId="ADAL" clId="{51BA71F7-FC04-41B8-930C-C6A55A2B5965}" dt="2023-09-11T18:10:35.277" v="176" actId="21"/>
+          <ac:spMkLst>
+            <pc:docMk/>
+            <pc:sldMk cId="3203687222" sldId="284"/>
+            <ac:spMk id="40" creationId="{418A93D4-B9E0-ADFC-3B28-3E60233F9083}"/>
+          </ac:spMkLst>
+        </pc:spChg>
+        <pc:spChg chg="del">
+          <ac:chgData name="Armando Lacerda" userId="6ac139bb-b445-447a-8efe-92d4a0b8d73e" providerId="ADAL" clId="{51BA71F7-FC04-41B8-930C-C6A55A2B5965}" dt="2023-09-11T18:10:35.277" v="176" actId="21"/>
+          <ac:spMkLst>
+            <pc:docMk/>
+            <pc:sldMk cId="3203687222" sldId="284"/>
+            <ac:spMk id="41" creationId="{CA344216-95FC-B365-541E-6B143DBA1FC9}"/>
+          </ac:spMkLst>
+        </pc:spChg>
+        <pc:spChg chg="del">
+          <ac:chgData name="Armando Lacerda" userId="6ac139bb-b445-447a-8efe-92d4a0b8d73e" providerId="ADAL" clId="{51BA71F7-FC04-41B8-930C-C6A55A2B5965}" dt="2023-09-11T18:10:35.277" v="176" actId="21"/>
+          <ac:spMkLst>
+            <pc:docMk/>
+            <pc:sldMk cId="3203687222" sldId="284"/>
+            <ac:spMk id="42" creationId="{C6B0A264-E201-D160-AAEA-627F8ED9E0F6}"/>
+          </ac:spMkLst>
+        </pc:spChg>
+        <pc:spChg chg="del">
+          <ac:chgData name="Armando Lacerda" userId="6ac139bb-b445-447a-8efe-92d4a0b8d73e" providerId="ADAL" clId="{51BA71F7-FC04-41B8-930C-C6A55A2B5965}" dt="2023-09-11T18:10:35.277" v="176" actId="21"/>
+          <ac:spMkLst>
+            <pc:docMk/>
+            <pc:sldMk cId="3203687222" sldId="284"/>
+            <ac:spMk id="43" creationId="{75911AAC-D93B-4BC8-7C5A-E24377E58D46}"/>
+          </ac:spMkLst>
+        </pc:spChg>
+        <pc:spChg chg="del">
+          <ac:chgData name="Armando Lacerda" userId="6ac139bb-b445-447a-8efe-92d4a0b8d73e" providerId="ADAL" clId="{51BA71F7-FC04-41B8-930C-C6A55A2B5965}" dt="2023-09-11T18:10:35.277" v="176" actId="21"/>
+          <ac:spMkLst>
+            <pc:docMk/>
+            <pc:sldMk cId="3203687222" sldId="284"/>
+            <ac:spMk id="44" creationId="{6AD6A2F6-FC43-9693-46E9-6492C9CC670A}"/>
+          </ac:spMkLst>
+        </pc:spChg>
+        <pc:spChg chg="del">
+          <ac:chgData name="Armando Lacerda" userId="6ac139bb-b445-447a-8efe-92d4a0b8d73e" providerId="ADAL" clId="{51BA71F7-FC04-41B8-930C-C6A55A2B5965}" dt="2023-09-11T18:10:35.277" v="176" actId="21"/>
+          <ac:spMkLst>
+            <pc:docMk/>
+            <pc:sldMk cId="3203687222" sldId="284"/>
+            <ac:spMk id="45" creationId="{233491EE-D89E-5DC7-2DB6-07F84BBCB7A8}"/>
+          </ac:spMkLst>
+        </pc:spChg>
+        <pc:grpChg chg="del">
+          <ac:chgData name="Armando Lacerda" userId="6ac139bb-b445-447a-8efe-92d4a0b8d73e" providerId="ADAL" clId="{51BA71F7-FC04-41B8-930C-C6A55A2B5965}" dt="2023-09-11T18:10:35.277" v="176" actId="21"/>
+          <ac:grpSpMkLst>
+            <pc:docMk/>
+            <pc:sldMk cId="3203687222" sldId="284"/>
+            <ac:grpSpMk id="10" creationId="{7942F397-A7F3-6E4F-8772-B596CA90A1A0}"/>
+          </ac:grpSpMkLst>
+        </pc:grpChg>
+        <pc:grpChg chg="del">
+          <ac:chgData name="Armando Lacerda" userId="6ac139bb-b445-447a-8efe-92d4a0b8d73e" providerId="ADAL" clId="{51BA71F7-FC04-41B8-930C-C6A55A2B5965}" dt="2023-09-11T18:10:35.277" v="176" actId="21"/>
+          <ac:grpSpMkLst>
+            <pc:docMk/>
+            <pc:sldMk cId="3203687222" sldId="284"/>
+            <ac:grpSpMk id="17" creationId="{35072736-3060-F13E-5BE0-619C6104C65D}"/>
+          </ac:grpSpMkLst>
+        </pc:grpChg>
+        <pc:grpChg chg="del">
+          <ac:chgData name="Armando Lacerda" userId="6ac139bb-b445-447a-8efe-92d4a0b8d73e" providerId="ADAL" clId="{51BA71F7-FC04-41B8-930C-C6A55A2B5965}" dt="2023-09-11T18:10:35.277" v="176" actId="21"/>
+          <ac:grpSpMkLst>
+            <pc:docMk/>
+            <pc:sldMk cId="3203687222" sldId="284"/>
+            <ac:grpSpMk id="23" creationId="{C90591C4-3460-BDCB-1C11-79D87978DD01}"/>
+          </ac:grpSpMkLst>
+        </pc:grpChg>
+        <pc:grpChg chg="del">
+          <ac:chgData name="Armando Lacerda" userId="6ac139bb-b445-447a-8efe-92d4a0b8d73e" providerId="ADAL" clId="{51BA71F7-FC04-41B8-930C-C6A55A2B5965}" dt="2023-09-11T18:10:35.277" v="176" actId="21"/>
+          <ac:grpSpMkLst>
+            <pc:docMk/>
+            <pc:sldMk cId="3203687222" sldId="284"/>
+            <ac:grpSpMk id="29" creationId="{943EC9A8-13B3-5696-54BC-EFC5B004F660}"/>
+          </ac:grpSpMkLst>
+        </pc:grpChg>
+        <pc:picChg chg="add del">
+          <ac:chgData name="Armando Lacerda" userId="6ac139bb-b445-447a-8efe-92d4a0b8d73e" providerId="ADAL" clId="{51BA71F7-FC04-41B8-930C-C6A55A2B5965}" dt="2023-09-11T18:10:45.275" v="178" actId="21"/>
+          <ac:picMkLst>
+            <pc:docMk/>
+            <pc:sldMk cId="3203687222" sldId="284"/>
+            <ac:picMk id="46" creationId="{303F03D8-18EA-7728-E501-1BDA9F16DB28}"/>
+          </ac:picMkLst>
+        </pc:picChg>
+        <pc:picChg chg="add mod">
+          <ac:chgData name="Armando Lacerda" userId="6ac139bb-b445-447a-8efe-92d4a0b8d73e" providerId="ADAL" clId="{51BA71F7-FC04-41B8-930C-C6A55A2B5965}" dt="2023-09-11T18:10:57.271" v="183"/>
+          <ac:picMkLst>
+            <pc:docMk/>
+            <pc:sldMk cId="3203687222" sldId="284"/>
+            <ac:picMk id="47" creationId="{A05D0150-309D-D7BA-7835-90E3F58F917E}"/>
+          </ac:picMkLst>
+        </pc:picChg>
+        <pc:cxnChg chg="mod">
+          <ac:chgData name="Armando Lacerda" userId="6ac139bb-b445-447a-8efe-92d4a0b8d73e" providerId="ADAL" clId="{51BA71F7-FC04-41B8-930C-C6A55A2B5965}" dt="2023-09-11T18:10:35.277" v="176" actId="21"/>
+          <ac:cxnSpMkLst>
+            <pc:docMk/>
+            <pc:sldMk cId="3203687222" sldId="284"/>
+            <ac:cxnSpMk id="13" creationId="{EFA824BF-696B-A579-36C3-7CF9F088FBED}"/>
+          </ac:cxnSpMkLst>
+        </pc:cxnChg>
+        <pc:cxnChg chg="mod">
+          <ac:chgData name="Armando Lacerda" userId="6ac139bb-b445-447a-8efe-92d4a0b8d73e" providerId="ADAL" clId="{51BA71F7-FC04-41B8-930C-C6A55A2B5965}" dt="2023-09-11T18:10:35.277" v="176" actId="21"/>
+          <ac:cxnSpMkLst>
+            <pc:docMk/>
+            <pc:sldMk cId="3203687222" sldId="284"/>
+            <ac:cxnSpMk id="19" creationId="{26FEAF0F-A52F-8518-37CE-8C06B2224EA8}"/>
+          </ac:cxnSpMkLst>
+        </pc:cxnChg>
+        <pc:cxnChg chg="mod">
+          <ac:chgData name="Armando Lacerda" userId="6ac139bb-b445-447a-8efe-92d4a0b8d73e" providerId="ADAL" clId="{51BA71F7-FC04-41B8-930C-C6A55A2B5965}" dt="2023-09-11T18:10:35.277" v="176" actId="21"/>
+          <ac:cxnSpMkLst>
+            <pc:docMk/>
+            <pc:sldMk cId="3203687222" sldId="284"/>
+            <ac:cxnSpMk id="31" creationId="{D1E04554-0CB7-510D-8B9D-233804616CEA}"/>
+          </ac:cxnSpMkLst>
+        </pc:cxnChg>
+      </pc:sldChg>
+      <pc:sldChg chg="addSp delSp modSp new mod">
+        <pc:chgData name="Armando Lacerda" userId="6ac139bb-b445-447a-8efe-92d4a0b8d73e" providerId="ADAL" clId="{51BA71F7-FC04-41B8-930C-C6A55A2B5965}" dt="2023-09-11T18:15:00.095" v="227"/>
+        <pc:sldMkLst>
+          <pc:docMk/>
+          <pc:sldMk cId="3784362222" sldId="285"/>
+        </pc:sldMkLst>
+        <pc:spChg chg="add mod">
+          <ac:chgData name="Armando Lacerda" userId="6ac139bb-b445-447a-8efe-92d4a0b8d73e" providerId="ADAL" clId="{51BA71F7-FC04-41B8-930C-C6A55A2B5965}" dt="2023-09-11T18:14:18.064" v="225" actId="1076"/>
+          <ac:spMkLst>
+            <pc:docMk/>
+            <pc:sldMk cId="3784362222" sldId="285"/>
+            <ac:spMk id="4" creationId="{A730D6C7-2218-5CCD-70E4-29C49ACE13F8}"/>
+          </ac:spMkLst>
+        </pc:spChg>
+        <pc:picChg chg="add del">
+          <ac:chgData name="Armando Lacerda" userId="6ac139bb-b445-447a-8efe-92d4a0b8d73e" providerId="ADAL" clId="{51BA71F7-FC04-41B8-930C-C6A55A2B5965}" dt="2023-09-11T18:11:45.913" v="186" actId="21"/>
+          <ac:picMkLst>
+            <pc:docMk/>
+            <pc:sldMk cId="3784362222" sldId="285"/>
+            <ac:picMk id="2" creationId="{FA786BCF-8C62-F789-745D-DBF208E4C435}"/>
+          </ac:picMkLst>
+        </pc:picChg>
+        <pc:picChg chg="add del mod">
+          <ac:chgData name="Armando Lacerda" userId="6ac139bb-b445-447a-8efe-92d4a0b8d73e" providerId="ADAL" clId="{51BA71F7-FC04-41B8-930C-C6A55A2B5965}" dt="2023-09-11T18:14:59.733" v="226" actId="478"/>
+          <ac:picMkLst>
+            <pc:docMk/>
+            <pc:sldMk cId="3784362222" sldId="285"/>
+            <ac:picMk id="3" creationId="{360FC11D-BA1F-9BD1-E6E0-A81390474DEC}"/>
+          </ac:picMkLst>
+        </pc:picChg>
+        <pc:picChg chg="add mod">
+          <ac:chgData name="Armando Lacerda" userId="6ac139bb-b445-447a-8efe-92d4a0b8d73e" providerId="ADAL" clId="{51BA71F7-FC04-41B8-930C-C6A55A2B5965}" dt="2023-09-11T18:15:00.095" v="227"/>
+          <ac:picMkLst>
+            <pc:docMk/>
+            <pc:sldMk cId="3784362222" sldId="285"/>
+            <ac:picMk id="5" creationId="{5A2D8DA3-75F2-81EF-DE90-8C9F6F91450C}"/>
+          </ac:picMkLst>
+        </pc:picChg>
+      </pc:sldChg>
+      <pc:sldChg chg="modSp add mod">
+        <pc:chgData name="Armando Lacerda" userId="6ac139bb-b445-447a-8efe-92d4a0b8d73e" providerId="ADAL" clId="{51BA71F7-FC04-41B8-930C-C6A55A2B5965}" dt="2023-09-11T18:11:54.504" v="188" actId="14826"/>
+        <pc:sldMkLst>
+          <pc:docMk/>
+          <pc:sldMk cId="61821553" sldId="286"/>
+        </pc:sldMkLst>
+        <pc:picChg chg="mod">
+          <ac:chgData name="Armando Lacerda" userId="6ac139bb-b445-447a-8efe-92d4a0b8d73e" providerId="ADAL" clId="{51BA71F7-FC04-41B8-930C-C6A55A2B5965}" dt="2023-09-11T18:11:54.504" v="188" actId="14826"/>
+          <ac:picMkLst>
+            <pc:docMk/>
+            <pc:sldMk cId="61821553" sldId="286"/>
+            <ac:picMk id="47" creationId="{A05D0150-309D-D7BA-7835-90E3F58F917E}"/>
+          </ac:picMkLst>
+        </pc:picChg>
+      </pc:sldChg>
+    </pc:docChg>
+  </pc:docChgLst>
+  <pc:docChgLst>
+    <pc:chgData name="Guest User" userId="S::urn:spo:anon#c45ff92ac012dddab5bbe5641f560d9674b64d134617cc2e9e830bb7c616ee78::" providerId="AD" clId="Web-{75217BA6-262B-88F1-0DA4-A5C70DBAB973}"/>
+    <pc:docChg chg="mod">
+      <pc:chgData name="Guest User" userId="S::urn:spo:anon#c45ff92ac012dddab5bbe5641f560d9674b64d134617cc2e9e830bb7c616ee78::" providerId="AD" clId="Web-{75217BA6-262B-88F1-0DA4-A5C70DBAB973}" dt="2023-08-29T09:30:02.735" v="2"/>
+      <pc:docMkLst>
+        <pc:docMk/>
+      </pc:docMkLst>
+      <pc:sldChg chg="addCm">
+        <pc:chgData name="Guest User" userId="S::urn:spo:anon#c45ff92ac012dddab5bbe5641f560d9674b64d134617cc2e9e830bb7c616ee78::" providerId="AD" clId="Web-{75217BA6-262B-88F1-0DA4-A5C70DBAB973}" dt="2023-08-29T09:29:02.996" v="1"/>
+        <pc:sldMkLst>
+          <pc:docMk/>
+          <pc:sldMk cId="3086416996" sldId="277"/>
+        </pc:sldMkLst>
+        <pc:extLst>
+          <p:ext xmlns:p="http://schemas.openxmlformats.org/presentationml/2006/main" uri="{D6D511B9-2390-475A-947B-AFAB55BFBCF1}">
+            <pc226:cmChg xmlns:pc226="http://schemas.microsoft.com/office/powerpoint/2022/06/main/command" chg="add">
+              <pc226:chgData name="Guest User" userId="S::urn:spo:anon#c45ff92ac012dddab5bbe5641f560d9674b64d134617cc2e9e830bb7c616ee78::" providerId="AD" clId="Web-{75217BA6-262B-88F1-0DA4-A5C70DBAB973}" dt="2023-08-29T09:29:02.996" v="1"/>
+              <pc2:cmMkLst xmlns:pc2="http://schemas.microsoft.com/office/powerpoint/2019/9/main/command">
+                <pc:docMk/>
+                <pc:sldMk cId="3086416996" sldId="277"/>
+                <pc2:cmMk id="{D2B6A06A-3EC9-4D0D-ACC4-69A3AF446E96}"/>
+              </pc2:cmMkLst>
+            </pc226:cmChg>
+          </p:ext>
+        </pc:extLst>
+      </pc:sldChg>
+      <pc:sldChg chg="addCm">
+        <pc:chgData name="Guest User" userId="S::urn:spo:anon#c45ff92ac012dddab5bbe5641f560d9674b64d134617cc2e9e830bb7c616ee78::" providerId="AD" clId="Web-{75217BA6-262B-88F1-0DA4-A5C70DBAB973}" dt="2023-08-29T09:30:02.735" v="2"/>
+        <pc:sldMkLst>
+          <pc:docMk/>
+          <pc:sldMk cId="1899731844" sldId="278"/>
+        </pc:sldMkLst>
+        <pc:extLst>
+          <p:ext xmlns:p="http://schemas.openxmlformats.org/presentationml/2006/main" uri="{D6D511B9-2390-475A-947B-AFAB55BFBCF1}">
+            <pc226:cmChg xmlns:pc226="http://schemas.microsoft.com/office/powerpoint/2022/06/main/command" chg="add">
+              <pc226:chgData name="Guest User" userId="S::urn:spo:anon#c45ff92ac012dddab5bbe5641f560d9674b64d134617cc2e9e830bb7c616ee78::" providerId="AD" clId="Web-{75217BA6-262B-88F1-0DA4-A5C70DBAB973}" dt="2023-08-29T09:30:02.735" v="2"/>
+              <pc2:cmMkLst xmlns:pc2="http://schemas.microsoft.com/office/powerpoint/2019/9/main/command">
+                <pc:docMk/>
+                <pc:sldMk cId="1899731844" sldId="278"/>
+                <pc2:cmMk id="{067498DD-4037-4602-9A7E-61E14633CE83}"/>
+              </pc2:cmMkLst>
+            </pc226:cmChg>
+          </p:ext>
+        </pc:extLst>
+      </pc:sldChg>
+    </pc:docChg>
+  </pc:docChgLst>
+  <pc:docChgLst>
     <pc:chgData name="Armando Lacerda" userId="6ac139bb-b445-447a-8efe-92d4a0b8d73e" providerId="ADAL" clId="{EB6A4561-A1FC-4282-8A10-87BD454C4AE1}"/>
     <pc:docChg chg="undo custSel addSld delSld modSld modSection">
       <pc:chgData name="Armando Lacerda" userId="6ac139bb-b445-447a-8efe-92d4a0b8d73e" providerId="ADAL" clId="{EB6A4561-A1FC-4282-8A10-87BD454C4AE1}" dt="2023-09-18T18:50:04.980" v="303" actId="20577"/>
@@ -627,6 +2007,492 @@
             <ac:picMk id="2" creationId="{9EA7981D-46BF-1539-BB4A-484D50FC0D44}"/>
           </ac:picMkLst>
         </pc:picChg>
+      </pc:sldChg>
+    </pc:docChg>
+  </pc:docChgLst>
+  <pc:docChgLst>
+    <pc:chgData name="Armando Lacerda" userId="6ac139bb-b445-447a-8efe-92d4a0b8d73e" providerId="ADAL" clId="{69F408A4-DF4A-4710-8220-51297D0C0F30}"/>
+    <pc:docChg chg="undo custSel addSld delSld modSld sldOrd modSection">
+      <pc:chgData name="Armando Lacerda" userId="6ac139bb-b445-447a-8efe-92d4a0b8d73e" providerId="ADAL" clId="{69F408A4-DF4A-4710-8220-51297D0C0F30}" dt="2023-10-09T18:48:37.095" v="135"/>
+      <pc:docMkLst>
+        <pc:docMk/>
+      </pc:docMkLst>
+      <pc:sldChg chg="modSp mod">
+        <pc:chgData name="Armando Lacerda" userId="6ac139bb-b445-447a-8efe-92d4a0b8d73e" providerId="ADAL" clId="{69F408A4-DF4A-4710-8220-51297D0C0F30}" dt="2023-10-09T18:14:18.602" v="7" actId="6549"/>
+        <pc:sldMkLst>
+          <pc:docMk/>
+          <pc:sldMk cId="4215762931" sldId="269"/>
+        </pc:sldMkLst>
+        <pc:spChg chg="mod">
+          <ac:chgData name="Armando Lacerda" userId="6ac139bb-b445-447a-8efe-92d4a0b8d73e" providerId="ADAL" clId="{69F408A4-DF4A-4710-8220-51297D0C0F30}" dt="2023-10-09T18:14:18.602" v="7" actId="6549"/>
+          <ac:spMkLst>
+            <pc:docMk/>
+            <pc:sldMk cId="4215762931" sldId="269"/>
+            <ac:spMk id="3" creationId="{8689F898-B53E-EDFC-8FDB-7ED3601D517A}"/>
+          </ac:spMkLst>
+        </pc:spChg>
+      </pc:sldChg>
+      <pc:sldChg chg="addSp delSp modSp mod">
+        <pc:chgData name="Armando Lacerda" userId="6ac139bb-b445-447a-8efe-92d4a0b8d73e" providerId="ADAL" clId="{69F408A4-DF4A-4710-8220-51297D0C0F30}" dt="2023-10-09T18:17:11.623" v="45"/>
+        <pc:sldMkLst>
+          <pc:docMk/>
+          <pc:sldMk cId="3755161727" sldId="281"/>
+        </pc:sldMkLst>
+        <pc:spChg chg="del">
+          <ac:chgData name="Armando Lacerda" userId="6ac139bb-b445-447a-8efe-92d4a0b8d73e" providerId="ADAL" clId="{69F408A4-DF4A-4710-8220-51297D0C0F30}" dt="2023-10-09T18:17:00.613" v="43" actId="21"/>
+          <ac:spMkLst>
+            <pc:docMk/>
+            <pc:sldMk cId="3755161727" sldId="281"/>
+            <ac:spMk id="17" creationId="{A6C6D8E2-3021-EE28-0632-7D94D3F5C3B0}"/>
+          </ac:spMkLst>
+        </pc:spChg>
+        <pc:spChg chg="del">
+          <ac:chgData name="Armando Lacerda" userId="6ac139bb-b445-447a-8efe-92d4a0b8d73e" providerId="ADAL" clId="{69F408A4-DF4A-4710-8220-51297D0C0F30}" dt="2023-10-09T18:17:00.613" v="43" actId="21"/>
+          <ac:spMkLst>
+            <pc:docMk/>
+            <pc:sldMk cId="3755161727" sldId="281"/>
+            <ac:spMk id="19" creationId="{655F5043-E3A6-FED4-E5C9-2D6289A875A8}"/>
+          </ac:spMkLst>
+        </pc:spChg>
+        <pc:spChg chg="add mod">
+          <ac:chgData name="Armando Lacerda" userId="6ac139bb-b445-447a-8efe-92d4a0b8d73e" providerId="ADAL" clId="{69F408A4-DF4A-4710-8220-51297D0C0F30}" dt="2023-10-09T18:17:11.623" v="45"/>
+          <ac:spMkLst>
+            <pc:docMk/>
+            <pc:sldMk cId="3755161727" sldId="281"/>
+            <ac:spMk id="23" creationId="{30C83FFA-062F-4FA4-0CDD-A9D2CF849713}"/>
+          </ac:spMkLst>
+        </pc:spChg>
+        <pc:spChg chg="add mod">
+          <ac:chgData name="Armando Lacerda" userId="6ac139bb-b445-447a-8efe-92d4a0b8d73e" providerId="ADAL" clId="{69F408A4-DF4A-4710-8220-51297D0C0F30}" dt="2023-10-09T18:17:11.623" v="45"/>
+          <ac:spMkLst>
+            <pc:docMk/>
+            <pc:sldMk cId="3755161727" sldId="281"/>
+            <ac:spMk id="24" creationId="{5F5F6D25-4BB7-92D1-9E38-BE240AD52DDD}"/>
+          </ac:spMkLst>
+        </pc:spChg>
+        <pc:picChg chg="del">
+          <ac:chgData name="Armando Lacerda" userId="6ac139bb-b445-447a-8efe-92d4a0b8d73e" providerId="ADAL" clId="{69F408A4-DF4A-4710-8220-51297D0C0F30}" dt="2023-10-09T18:17:00.613" v="43" actId="21"/>
+          <ac:picMkLst>
+            <pc:docMk/>
+            <pc:sldMk cId="3755161727" sldId="281"/>
+            <ac:picMk id="9" creationId="{A8A4403B-1631-C7E6-44C6-ED3331B458D0}"/>
+          </ac:picMkLst>
+        </pc:picChg>
+        <pc:picChg chg="del">
+          <ac:chgData name="Armando Lacerda" userId="6ac139bb-b445-447a-8efe-92d4a0b8d73e" providerId="ADAL" clId="{69F408A4-DF4A-4710-8220-51297D0C0F30}" dt="2023-10-09T18:17:00.613" v="43" actId="21"/>
+          <ac:picMkLst>
+            <pc:docMk/>
+            <pc:sldMk cId="3755161727" sldId="281"/>
+            <ac:picMk id="11" creationId="{ADAEE618-00B6-0DF4-940B-55EE640734C3}"/>
+          </ac:picMkLst>
+        </pc:picChg>
+        <pc:picChg chg="add del mod ord">
+          <ac:chgData name="Armando Lacerda" userId="6ac139bb-b445-447a-8efe-92d4a0b8d73e" providerId="ADAL" clId="{69F408A4-DF4A-4710-8220-51297D0C0F30}" dt="2023-10-09T18:17:00.613" v="43" actId="21"/>
+          <ac:picMkLst>
+            <pc:docMk/>
+            <pc:sldMk cId="3755161727" sldId="281"/>
+            <ac:picMk id="20" creationId="{BC465C19-67DE-A630-8368-01F8BCC4587D}"/>
+          </ac:picMkLst>
+        </pc:picChg>
+        <pc:picChg chg="add mod">
+          <ac:chgData name="Armando Lacerda" userId="6ac139bb-b445-447a-8efe-92d4a0b8d73e" providerId="ADAL" clId="{69F408A4-DF4A-4710-8220-51297D0C0F30}" dt="2023-10-09T18:17:11.623" v="45"/>
+          <ac:picMkLst>
+            <pc:docMk/>
+            <pc:sldMk cId="3755161727" sldId="281"/>
+            <ac:picMk id="21" creationId="{ADC99ED3-57BB-F262-376F-667658479E54}"/>
+          </ac:picMkLst>
+        </pc:picChg>
+        <pc:picChg chg="add mod">
+          <ac:chgData name="Armando Lacerda" userId="6ac139bb-b445-447a-8efe-92d4a0b8d73e" providerId="ADAL" clId="{69F408A4-DF4A-4710-8220-51297D0C0F30}" dt="2023-10-09T18:17:11.623" v="45"/>
+          <ac:picMkLst>
+            <pc:docMk/>
+            <pc:sldMk cId="3755161727" sldId="281"/>
+            <ac:picMk id="22" creationId="{13079361-8F36-1941-036A-AA685320514A}"/>
+          </ac:picMkLst>
+        </pc:picChg>
+      </pc:sldChg>
+      <pc:sldChg chg="addSp delSp modSp mod">
+        <pc:chgData name="Armando Lacerda" userId="6ac139bb-b445-447a-8efe-92d4a0b8d73e" providerId="ADAL" clId="{69F408A4-DF4A-4710-8220-51297D0C0F30}" dt="2023-10-09T18:17:03.457" v="44"/>
+        <pc:sldMkLst>
+          <pc:docMk/>
+          <pc:sldMk cId="3420727763" sldId="287"/>
+        </pc:sldMkLst>
+        <pc:spChg chg="del">
+          <ac:chgData name="Armando Lacerda" userId="6ac139bb-b445-447a-8efe-92d4a0b8d73e" providerId="ADAL" clId="{69F408A4-DF4A-4710-8220-51297D0C0F30}" dt="2023-10-09T18:15:08.388" v="34" actId="478"/>
+          <ac:spMkLst>
+            <pc:docMk/>
+            <pc:sldMk cId="3420727763" sldId="287"/>
+            <ac:spMk id="6" creationId="{E3916775-FA7F-E891-FA23-F496253D67D9}"/>
+          </ac:spMkLst>
+        </pc:spChg>
+        <pc:spChg chg="add mod">
+          <ac:chgData name="Armando Lacerda" userId="6ac139bb-b445-447a-8efe-92d4a0b8d73e" providerId="ADAL" clId="{69F408A4-DF4A-4710-8220-51297D0C0F30}" dt="2023-10-09T18:17:03.457" v="44"/>
+          <ac:spMkLst>
+            <pc:docMk/>
+            <pc:sldMk cId="3420727763" sldId="287"/>
+            <ac:spMk id="10" creationId="{335441EF-DB4B-9584-CB52-A296B03EEC86}"/>
+          </ac:spMkLst>
+        </pc:spChg>
+        <pc:spChg chg="add mod">
+          <ac:chgData name="Armando Lacerda" userId="6ac139bb-b445-447a-8efe-92d4a0b8d73e" providerId="ADAL" clId="{69F408A4-DF4A-4710-8220-51297D0C0F30}" dt="2023-10-09T18:17:03.457" v="44"/>
+          <ac:spMkLst>
+            <pc:docMk/>
+            <pc:sldMk cId="3420727763" sldId="287"/>
+            <ac:spMk id="11" creationId="{C8609F1B-3713-A1EA-CB34-5B41B0FB210C}"/>
+          </ac:spMkLst>
+        </pc:spChg>
+        <pc:picChg chg="del">
+          <ac:chgData name="Armando Lacerda" userId="6ac139bb-b445-447a-8efe-92d4a0b8d73e" providerId="ADAL" clId="{69F408A4-DF4A-4710-8220-51297D0C0F30}" dt="2023-10-09T18:15:05.199" v="32" actId="478"/>
+          <ac:picMkLst>
+            <pc:docMk/>
+            <pc:sldMk cId="3420727763" sldId="287"/>
+            <ac:picMk id="4" creationId="{1FD36976-A25A-ED22-4A48-EE4B957F87EA}"/>
+          </ac:picMkLst>
+        </pc:picChg>
+        <pc:picChg chg="del">
+          <ac:chgData name="Armando Lacerda" userId="6ac139bb-b445-447a-8efe-92d4a0b8d73e" providerId="ADAL" clId="{69F408A4-DF4A-4710-8220-51297D0C0F30}" dt="2023-10-09T18:15:06.333" v="33" actId="478"/>
+          <ac:picMkLst>
+            <pc:docMk/>
+            <pc:sldMk cId="3420727763" sldId="287"/>
+            <ac:picMk id="5" creationId="{7EC221BC-1890-EB86-6B09-E788DCBFE12D}"/>
+          </ac:picMkLst>
+        </pc:picChg>
+        <pc:picChg chg="add mod">
+          <ac:chgData name="Armando Lacerda" userId="6ac139bb-b445-447a-8efe-92d4a0b8d73e" providerId="ADAL" clId="{69F408A4-DF4A-4710-8220-51297D0C0F30}" dt="2023-10-09T18:17:03.457" v="44"/>
+          <ac:picMkLst>
+            <pc:docMk/>
+            <pc:sldMk cId="3420727763" sldId="287"/>
+            <ac:picMk id="7" creationId="{F7651851-A84F-A1E2-3C46-22D4B68880A9}"/>
+          </ac:picMkLst>
+        </pc:picChg>
+        <pc:picChg chg="add mod">
+          <ac:chgData name="Armando Lacerda" userId="6ac139bb-b445-447a-8efe-92d4a0b8d73e" providerId="ADAL" clId="{69F408A4-DF4A-4710-8220-51297D0C0F30}" dt="2023-10-09T18:17:03.457" v="44"/>
+          <ac:picMkLst>
+            <pc:docMk/>
+            <pc:sldMk cId="3420727763" sldId="287"/>
+            <ac:picMk id="8" creationId="{31B9E4B6-1007-836F-E206-E8AD6B827B60}"/>
+          </ac:picMkLst>
+        </pc:picChg>
+        <pc:picChg chg="add mod">
+          <ac:chgData name="Armando Lacerda" userId="6ac139bb-b445-447a-8efe-92d4a0b8d73e" providerId="ADAL" clId="{69F408A4-DF4A-4710-8220-51297D0C0F30}" dt="2023-10-09T18:17:03.457" v="44"/>
+          <ac:picMkLst>
+            <pc:docMk/>
+            <pc:sldMk cId="3420727763" sldId="287"/>
+            <ac:picMk id="9" creationId="{0E9FA13F-E3ED-7151-4AC4-6C0D6E40EFAF}"/>
+          </ac:picMkLst>
+        </pc:picChg>
+      </pc:sldChg>
+      <pc:sldChg chg="del">
+        <pc:chgData name="Armando Lacerda" userId="6ac139bb-b445-447a-8efe-92d4a0b8d73e" providerId="ADAL" clId="{69F408A4-DF4A-4710-8220-51297D0C0F30}" dt="2023-10-09T18:14:20.673" v="8" actId="47"/>
+        <pc:sldMkLst>
+          <pc:docMk/>
+          <pc:sldMk cId="2247828135" sldId="290"/>
+        </pc:sldMkLst>
+      </pc:sldChg>
+      <pc:sldChg chg="del">
+        <pc:chgData name="Armando Lacerda" userId="6ac139bb-b445-447a-8efe-92d4a0b8d73e" providerId="ADAL" clId="{69F408A4-DF4A-4710-8220-51297D0C0F30}" dt="2023-10-09T18:27:11.153" v="46" actId="47"/>
+        <pc:sldMkLst>
+          <pc:docMk/>
+          <pc:sldMk cId="632778582" sldId="292"/>
+        </pc:sldMkLst>
+      </pc:sldChg>
+      <pc:sldChg chg="del">
+        <pc:chgData name="Armando Lacerda" userId="6ac139bb-b445-447a-8efe-92d4a0b8d73e" providerId="ADAL" clId="{69F408A4-DF4A-4710-8220-51297D0C0F30}" dt="2023-10-09T18:27:11.153" v="46" actId="47"/>
+        <pc:sldMkLst>
+          <pc:docMk/>
+          <pc:sldMk cId="1277820717" sldId="293"/>
+        </pc:sldMkLst>
+      </pc:sldChg>
+      <pc:sldChg chg="del">
+        <pc:chgData name="Armando Lacerda" userId="6ac139bb-b445-447a-8efe-92d4a0b8d73e" providerId="ADAL" clId="{69F408A4-DF4A-4710-8220-51297D0C0F30}" dt="2023-10-09T18:27:11.153" v="46" actId="47"/>
+        <pc:sldMkLst>
+          <pc:docMk/>
+          <pc:sldMk cId="3344437992" sldId="294"/>
+        </pc:sldMkLst>
+      </pc:sldChg>
+      <pc:sldChg chg="del">
+        <pc:chgData name="Armando Lacerda" userId="6ac139bb-b445-447a-8efe-92d4a0b8d73e" providerId="ADAL" clId="{69F408A4-DF4A-4710-8220-51297D0C0F30}" dt="2023-10-09T18:27:11.153" v="46" actId="47"/>
+        <pc:sldMkLst>
+          <pc:docMk/>
+          <pc:sldMk cId="1669405212" sldId="295"/>
+        </pc:sldMkLst>
+      </pc:sldChg>
+      <pc:sldChg chg="del">
+        <pc:chgData name="Armando Lacerda" userId="6ac139bb-b445-447a-8efe-92d4a0b8d73e" providerId="ADAL" clId="{69F408A4-DF4A-4710-8220-51297D0C0F30}" dt="2023-10-09T18:27:11.153" v="46" actId="47"/>
+        <pc:sldMkLst>
+          <pc:docMk/>
+          <pc:sldMk cId="2875670452" sldId="296"/>
+        </pc:sldMkLst>
+      </pc:sldChg>
+      <pc:sldChg chg="del">
+        <pc:chgData name="Armando Lacerda" userId="6ac139bb-b445-447a-8efe-92d4a0b8d73e" providerId="ADAL" clId="{69F408A4-DF4A-4710-8220-51297D0C0F30}" dt="2023-10-09T18:27:11.153" v="46" actId="47"/>
+        <pc:sldMkLst>
+          <pc:docMk/>
+          <pc:sldMk cId="3424406947" sldId="297"/>
+        </pc:sldMkLst>
+      </pc:sldChg>
+      <pc:sldChg chg="modSp add mod">
+        <pc:chgData name="Armando Lacerda" userId="6ac139bb-b445-447a-8efe-92d4a0b8d73e" providerId="ADAL" clId="{69F408A4-DF4A-4710-8220-51297D0C0F30}" dt="2023-10-09T18:14:52.822" v="31" actId="20577"/>
+        <pc:sldMkLst>
+          <pc:docMk/>
+          <pc:sldMk cId="2172705607" sldId="303"/>
+        </pc:sldMkLst>
+        <pc:spChg chg="mod">
+          <ac:chgData name="Armando Lacerda" userId="6ac139bb-b445-447a-8efe-92d4a0b8d73e" providerId="ADAL" clId="{69F408A4-DF4A-4710-8220-51297D0C0F30}" dt="2023-10-09T18:14:52.822" v="31" actId="20577"/>
+          <ac:spMkLst>
+            <pc:docMk/>
+            <pc:sldMk cId="2172705607" sldId="303"/>
+            <ac:spMk id="3" creationId="{8689F898-B53E-EDFC-8FDB-7ED3601D517A}"/>
+          </ac:spMkLst>
+        </pc:spChg>
+      </pc:sldChg>
+      <pc:sldChg chg="addSp delSp modSp new mod modAnim">
+        <pc:chgData name="Armando Lacerda" userId="6ac139bb-b445-447a-8efe-92d4a0b8d73e" providerId="ADAL" clId="{69F408A4-DF4A-4710-8220-51297D0C0F30}" dt="2023-10-09T18:30:59.901" v="69"/>
+        <pc:sldMkLst>
+          <pc:docMk/>
+          <pc:sldMk cId="581148840" sldId="304"/>
+        </pc:sldMkLst>
+        <pc:spChg chg="add del mod">
+          <ac:chgData name="Armando Lacerda" userId="6ac139bb-b445-447a-8efe-92d4a0b8d73e" providerId="ADAL" clId="{69F408A4-DF4A-4710-8220-51297D0C0F30}" dt="2023-10-09T18:28:51.767" v="51"/>
+          <ac:spMkLst>
+            <pc:docMk/>
+            <pc:sldMk cId="581148840" sldId="304"/>
+            <ac:spMk id="2" creationId="{2849E656-3003-3285-91E4-D71CA5DABF29}"/>
+          </ac:spMkLst>
+        </pc:spChg>
+        <pc:spChg chg="add mod">
+          <ac:chgData name="Armando Lacerda" userId="6ac139bb-b445-447a-8efe-92d4a0b8d73e" providerId="ADAL" clId="{69F408A4-DF4A-4710-8220-51297D0C0F30}" dt="2023-10-09T18:29:34.512" v="65" actId="1076"/>
+          <ac:spMkLst>
+            <pc:docMk/>
+            <pc:sldMk cId="581148840" sldId="304"/>
+            <ac:spMk id="3" creationId="{6BFEA687-7F40-1A61-9541-A3CD2B7C3B36}"/>
+          </ac:spMkLst>
+        </pc:spChg>
+        <pc:spChg chg="add mod">
+          <ac:chgData name="Armando Lacerda" userId="6ac139bb-b445-447a-8efe-92d4a0b8d73e" providerId="ADAL" clId="{69F408A4-DF4A-4710-8220-51297D0C0F30}" dt="2023-10-09T18:29:32.314" v="64" actId="1076"/>
+          <ac:spMkLst>
+            <pc:docMk/>
+            <pc:sldMk cId="581148840" sldId="304"/>
+            <ac:spMk id="5" creationId="{50EB1746-0D8C-A9BE-30FD-35A949D54A30}"/>
+          </ac:spMkLst>
+        </pc:spChg>
+        <pc:picChg chg="add mod">
+          <ac:chgData name="Armando Lacerda" userId="6ac139bb-b445-447a-8efe-92d4a0b8d73e" providerId="ADAL" clId="{69F408A4-DF4A-4710-8220-51297D0C0F30}" dt="2023-10-09T18:29:28.925" v="63" actId="14100"/>
+          <ac:picMkLst>
+            <pc:docMk/>
+            <pc:sldMk cId="581148840" sldId="304"/>
+            <ac:picMk id="4" creationId="{DD5017B4-5C9B-10FF-928E-C01FD153629F}"/>
+          </ac:picMkLst>
+        </pc:picChg>
+      </pc:sldChg>
+      <pc:sldChg chg="new del">
+        <pc:chgData name="Armando Lacerda" userId="6ac139bb-b445-447a-8efe-92d4a0b8d73e" providerId="ADAL" clId="{69F408A4-DF4A-4710-8220-51297D0C0F30}" dt="2023-10-09T18:31:33.201" v="71" actId="680"/>
+        <pc:sldMkLst>
+          <pc:docMk/>
+          <pc:sldMk cId="1618289556" sldId="305"/>
+        </pc:sldMkLst>
+      </pc:sldChg>
+      <pc:sldChg chg="addSp delSp modSp add mod delAnim modAnim">
+        <pc:chgData name="Armando Lacerda" userId="6ac139bb-b445-447a-8efe-92d4a0b8d73e" providerId="ADAL" clId="{69F408A4-DF4A-4710-8220-51297D0C0F30}" dt="2023-10-09T18:33:40.551" v="81"/>
+        <pc:sldMkLst>
+          <pc:docMk/>
+          <pc:sldMk cId="2794196314" sldId="305"/>
+        </pc:sldMkLst>
+        <pc:spChg chg="add mod">
+          <ac:chgData name="Armando Lacerda" userId="6ac139bb-b445-447a-8efe-92d4a0b8d73e" providerId="ADAL" clId="{69F408A4-DF4A-4710-8220-51297D0C0F30}" dt="2023-10-09T18:32:16.994" v="75" actId="207"/>
+          <ac:spMkLst>
+            <pc:docMk/>
+            <pc:sldMk cId="2794196314" sldId="305"/>
+            <ac:spMk id="2" creationId="{C66DC9E1-2EAA-9674-B190-D25DAE17866C}"/>
+          </ac:spMkLst>
+        </pc:spChg>
+        <pc:spChg chg="del">
+          <ac:chgData name="Armando Lacerda" userId="6ac139bb-b445-447a-8efe-92d4a0b8d73e" providerId="ADAL" clId="{69F408A4-DF4A-4710-8220-51297D0C0F30}" dt="2023-10-09T18:31:37.232" v="73" actId="478"/>
+          <ac:spMkLst>
+            <pc:docMk/>
+            <pc:sldMk cId="2794196314" sldId="305"/>
+            <ac:spMk id="3" creationId="{6BFEA687-7F40-1A61-9541-A3CD2B7C3B36}"/>
+          </ac:spMkLst>
+        </pc:spChg>
+        <pc:spChg chg="add mod">
+          <ac:chgData name="Armando Lacerda" userId="6ac139bb-b445-447a-8efe-92d4a0b8d73e" providerId="ADAL" clId="{69F408A4-DF4A-4710-8220-51297D0C0F30}" dt="2023-10-09T18:32:16.994" v="75" actId="207"/>
+          <ac:spMkLst>
+            <pc:docMk/>
+            <pc:sldMk cId="2794196314" sldId="305"/>
+            <ac:spMk id="7" creationId="{234C357B-F40E-4615-4353-9B7ED0B68F7C}"/>
+          </ac:spMkLst>
+        </pc:spChg>
+        <pc:spChg chg="add mod">
+          <ac:chgData name="Armando Lacerda" userId="6ac139bb-b445-447a-8efe-92d4a0b8d73e" providerId="ADAL" clId="{69F408A4-DF4A-4710-8220-51297D0C0F30}" dt="2023-10-09T18:32:16.994" v="75" actId="207"/>
+          <ac:spMkLst>
+            <pc:docMk/>
+            <pc:sldMk cId="2794196314" sldId="305"/>
+            <ac:spMk id="9" creationId="{D82B102A-8B69-927E-5801-F639AA188624}"/>
+          </ac:spMkLst>
+        </pc:spChg>
+        <pc:spChg chg="add mod">
+          <ac:chgData name="Armando Lacerda" userId="6ac139bb-b445-447a-8efe-92d4a0b8d73e" providerId="ADAL" clId="{69F408A4-DF4A-4710-8220-51297D0C0F30}" dt="2023-10-09T18:32:16.994" v="75" actId="207"/>
+          <ac:spMkLst>
+            <pc:docMk/>
+            <pc:sldMk cId="2794196314" sldId="305"/>
+            <ac:spMk id="11" creationId="{1981FCF9-3185-ED17-E0C4-24A02BA54D79}"/>
+          </ac:spMkLst>
+        </pc:spChg>
+        <pc:spChg chg="add mod">
+          <ac:chgData name="Armando Lacerda" userId="6ac139bb-b445-447a-8efe-92d4a0b8d73e" providerId="ADAL" clId="{69F408A4-DF4A-4710-8220-51297D0C0F30}" dt="2023-10-09T18:31:47.956" v="74"/>
+          <ac:spMkLst>
+            <pc:docMk/>
+            <pc:sldMk cId="2794196314" sldId="305"/>
+            <ac:spMk id="12" creationId="{BEC89A4E-0A94-9F8F-447A-B1B722168003}"/>
+          </ac:spMkLst>
+        </pc:spChg>
+        <pc:spChg chg="add mod">
+          <ac:chgData name="Armando Lacerda" userId="6ac139bb-b445-447a-8efe-92d4a0b8d73e" providerId="ADAL" clId="{69F408A4-DF4A-4710-8220-51297D0C0F30}" dt="2023-10-09T18:32:29.898" v="77" actId="1076"/>
+          <ac:spMkLst>
+            <pc:docMk/>
+            <pc:sldMk cId="2794196314" sldId="305"/>
+            <ac:spMk id="13" creationId="{C5166861-69D9-479E-CB35-C60AA8126652}"/>
+          </ac:spMkLst>
+        </pc:spChg>
+        <pc:spChg chg="add mod">
+          <ac:chgData name="Armando Lacerda" userId="6ac139bb-b445-447a-8efe-92d4a0b8d73e" providerId="ADAL" clId="{69F408A4-DF4A-4710-8220-51297D0C0F30}" dt="2023-10-09T18:32:29.898" v="77" actId="1076"/>
+          <ac:spMkLst>
+            <pc:docMk/>
+            <pc:sldMk cId="2794196314" sldId="305"/>
+            <ac:spMk id="14" creationId="{78CEADFF-18DC-F3A8-4BB9-BADACA694077}"/>
+          </ac:spMkLst>
+        </pc:spChg>
+        <pc:spChg chg="add mod">
+          <ac:chgData name="Armando Lacerda" userId="6ac139bb-b445-447a-8efe-92d4a0b8d73e" providerId="ADAL" clId="{69F408A4-DF4A-4710-8220-51297D0C0F30}" dt="2023-10-09T18:32:29.898" v="77" actId="1076"/>
+          <ac:spMkLst>
+            <pc:docMk/>
+            <pc:sldMk cId="2794196314" sldId="305"/>
+            <ac:spMk id="15" creationId="{E4651091-18B6-D807-6330-EBE9B72B32E7}"/>
+          </ac:spMkLst>
+        </pc:spChg>
+        <pc:spChg chg="add mod">
+          <ac:chgData name="Armando Lacerda" userId="6ac139bb-b445-447a-8efe-92d4a0b8d73e" providerId="ADAL" clId="{69F408A4-DF4A-4710-8220-51297D0C0F30}" dt="2023-10-09T18:32:29.898" v="77" actId="1076"/>
+          <ac:spMkLst>
+            <pc:docMk/>
+            <pc:sldMk cId="2794196314" sldId="305"/>
+            <ac:spMk id="16" creationId="{4AA9E03A-8DA2-E14A-BC3E-BCF8D525A31B}"/>
+          </ac:spMkLst>
+        </pc:spChg>
+        <pc:picChg chg="add mod">
+          <ac:chgData name="Armando Lacerda" userId="6ac139bb-b445-447a-8efe-92d4a0b8d73e" providerId="ADAL" clId="{69F408A4-DF4A-4710-8220-51297D0C0F30}" dt="2023-10-09T18:31:47.956" v="74"/>
+          <ac:picMkLst>
+            <pc:docMk/>
+            <pc:sldMk cId="2794196314" sldId="305"/>
+            <ac:picMk id="6" creationId="{A3438387-7453-8B43-A2CF-784F05435AFA}"/>
+          </ac:picMkLst>
+        </pc:picChg>
+        <pc:picChg chg="add mod">
+          <ac:chgData name="Armando Lacerda" userId="6ac139bb-b445-447a-8efe-92d4a0b8d73e" providerId="ADAL" clId="{69F408A4-DF4A-4710-8220-51297D0C0F30}" dt="2023-10-09T18:31:47.956" v="74"/>
+          <ac:picMkLst>
+            <pc:docMk/>
+            <pc:sldMk cId="2794196314" sldId="305"/>
+            <ac:picMk id="8" creationId="{2588EDC6-F436-05DB-76B0-68BE7DECC20E}"/>
+          </ac:picMkLst>
+        </pc:picChg>
+        <pc:picChg chg="add mod">
+          <ac:chgData name="Armando Lacerda" userId="6ac139bb-b445-447a-8efe-92d4a0b8d73e" providerId="ADAL" clId="{69F408A4-DF4A-4710-8220-51297D0C0F30}" dt="2023-10-09T18:31:47.956" v="74"/>
+          <ac:picMkLst>
+            <pc:docMk/>
+            <pc:sldMk cId="2794196314" sldId="305"/>
+            <ac:picMk id="10" creationId="{1F3488EF-7DDD-C602-8BCD-7A607D981403}"/>
+          </ac:picMkLst>
+        </pc:picChg>
+      </pc:sldChg>
+      <pc:sldChg chg="modSp add mod ord modAnim">
+        <pc:chgData name="Armando Lacerda" userId="6ac139bb-b445-447a-8efe-92d4a0b8d73e" providerId="ADAL" clId="{69F408A4-DF4A-4710-8220-51297D0C0F30}" dt="2023-10-09T18:48:37.095" v="135"/>
+        <pc:sldMkLst>
+          <pc:docMk/>
+          <pc:sldMk cId="4001649869" sldId="306"/>
+        </pc:sldMkLst>
+        <pc:spChg chg="mod">
+          <ac:chgData name="Armando Lacerda" userId="6ac139bb-b445-447a-8efe-92d4a0b8d73e" providerId="ADAL" clId="{69F408A4-DF4A-4710-8220-51297D0C0F30}" dt="2023-10-09T18:37:24.745" v="97" actId="20577"/>
+          <ac:spMkLst>
+            <pc:docMk/>
+            <pc:sldMk cId="4001649869" sldId="306"/>
+            <ac:spMk id="3" creationId="{6BFEA687-7F40-1A61-9541-A3CD2B7C3B36}"/>
+          </ac:spMkLst>
+        </pc:spChg>
+        <pc:spChg chg="mod">
+          <ac:chgData name="Armando Lacerda" userId="6ac139bb-b445-447a-8efe-92d4a0b8d73e" providerId="ADAL" clId="{69F408A4-DF4A-4710-8220-51297D0C0F30}" dt="2023-10-09T18:37:44.827" v="119" actId="20577"/>
+          <ac:spMkLst>
+            <pc:docMk/>
+            <pc:sldMk cId="4001649869" sldId="306"/>
+            <ac:spMk id="5" creationId="{50EB1746-0D8C-A9BE-30FD-35A949D54A30}"/>
+          </ac:spMkLst>
+        </pc:spChg>
+        <pc:picChg chg="mod">
+          <ac:chgData name="Armando Lacerda" userId="6ac139bb-b445-447a-8efe-92d4a0b8d73e" providerId="ADAL" clId="{69F408A4-DF4A-4710-8220-51297D0C0F30}" dt="2023-10-09T18:37:36.509" v="98" actId="14826"/>
+          <ac:picMkLst>
+            <pc:docMk/>
+            <pc:sldMk cId="4001649869" sldId="306"/>
+            <ac:picMk id="4" creationId="{DD5017B4-5C9B-10FF-928E-C01FD153629F}"/>
+          </ac:picMkLst>
+        </pc:picChg>
+      </pc:sldChg>
+      <pc:sldChg chg="modSp add modAnim">
+        <pc:chgData name="Armando Lacerda" userId="6ac139bb-b445-447a-8efe-92d4a0b8d73e" providerId="ADAL" clId="{69F408A4-DF4A-4710-8220-51297D0C0F30}" dt="2023-10-09T18:38:52.904" v="122"/>
+        <pc:sldMkLst>
+          <pc:docMk/>
+          <pc:sldMk cId="3662552447" sldId="307"/>
+        </pc:sldMkLst>
+        <pc:spChg chg="mod">
+          <ac:chgData name="Armando Lacerda" userId="6ac139bb-b445-447a-8efe-92d4a0b8d73e" providerId="ADAL" clId="{69F408A4-DF4A-4710-8220-51297D0C0F30}" dt="2023-10-09T18:38:46.194" v="121"/>
+          <ac:spMkLst>
+            <pc:docMk/>
+            <pc:sldMk cId="3662552447" sldId="307"/>
+            <ac:spMk id="3" creationId="{6BFEA687-7F40-1A61-9541-A3CD2B7C3B36}"/>
+          </ac:spMkLst>
+        </pc:spChg>
+      </pc:sldChg>
+      <pc:sldChg chg="addSp delSp modSp new del mod">
+        <pc:chgData name="Armando Lacerda" userId="6ac139bb-b445-447a-8efe-92d4a0b8d73e" providerId="ADAL" clId="{69F408A4-DF4A-4710-8220-51297D0C0F30}" dt="2023-10-09T18:40:12.464" v="131" actId="47"/>
+        <pc:sldMkLst>
+          <pc:docMk/>
+          <pc:sldMk cId="3331520821" sldId="308"/>
+        </pc:sldMkLst>
+        <pc:picChg chg="add del mod">
+          <ac:chgData name="Armando Lacerda" userId="6ac139bb-b445-447a-8efe-92d4a0b8d73e" providerId="ADAL" clId="{69F408A4-DF4A-4710-8220-51297D0C0F30}" dt="2023-10-09T18:39:58.384" v="126" actId="21"/>
+          <ac:picMkLst>
+            <pc:docMk/>
+            <pc:sldMk cId="3331520821" sldId="308"/>
+            <ac:picMk id="2" creationId="{E20707ED-BE47-9E59-BDC1-88FCD56BF1FF}"/>
+          </ac:picMkLst>
+        </pc:picChg>
+      </pc:sldChg>
+      <pc:sldChg chg="addSp delSp modSp add mod delAnim">
+        <pc:chgData name="Armando Lacerda" userId="6ac139bb-b445-447a-8efe-92d4a0b8d73e" providerId="ADAL" clId="{69F408A4-DF4A-4710-8220-51297D0C0F30}" dt="2023-10-09T18:40:06.351" v="130" actId="1076"/>
+        <pc:sldMkLst>
+          <pc:docMk/>
+          <pc:sldMk cId="4222163375" sldId="309"/>
+        </pc:sldMkLst>
+        <pc:spChg chg="del">
+          <ac:chgData name="Armando Lacerda" userId="6ac139bb-b445-447a-8efe-92d4a0b8d73e" providerId="ADAL" clId="{69F408A4-DF4A-4710-8220-51297D0C0F30}" dt="2023-10-09T18:40:01.698" v="127" actId="478"/>
+          <ac:spMkLst>
+            <pc:docMk/>
+            <pc:sldMk cId="4222163375" sldId="309"/>
+            <ac:spMk id="3" creationId="{6BFEA687-7F40-1A61-9541-A3CD2B7C3B36}"/>
+          </ac:spMkLst>
+        </pc:spChg>
+        <pc:picChg chg="add mod">
+          <ac:chgData name="Armando Lacerda" userId="6ac139bb-b445-447a-8efe-92d4a0b8d73e" providerId="ADAL" clId="{69F408A4-DF4A-4710-8220-51297D0C0F30}" dt="2023-10-09T18:40:06.351" v="130" actId="1076"/>
+          <ac:picMkLst>
+            <pc:docMk/>
+            <pc:sldMk cId="4222163375" sldId="309"/>
+            <ac:picMk id="2" creationId="{9813853B-CF50-26E5-A092-BAB788515EDC}"/>
+          </ac:picMkLst>
+        </pc:picChg>
+      </pc:sldChg>
+      <pc:sldChg chg="add ord">
+        <pc:chgData name="Armando Lacerda" userId="6ac139bb-b445-447a-8efe-92d4a0b8d73e" providerId="ADAL" clId="{69F408A4-DF4A-4710-8220-51297D0C0F30}" dt="2023-10-09T18:40:17.707" v="134"/>
+        <pc:sldMkLst>
+          <pc:docMk/>
+          <pc:sldMk cId="53806175" sldId="310"/>
+        </pc:sldMkLst>
       </pc:sldChg>
     </pc:docChg>
   </pc:docChgLst>
@@ -3488,1819 +5354,1642 @@
     </pc:docChg>
   </pc:docChgLst>
   <pc:docChgLst>
-    <pc:chgData name="Armando Lacerda" userId="6ac139bb-b445-447a-8efe-92d4a0b8d73e" providerId="ADAL" clId="{69F408A4-DF4A-4710-8220-51297D0C0F30}"/>
+    <pc:chgData name="Armando Lacerda" userId="6ac139bb-b445-447a-8efe-92d4a0b8d73e" providerId="ADAL" clId="{48FB226F-732D-4FDA-9591-E5537808FDFF}"/>
     <pc:docChg chg="undo custSel addSld delSld modSld sldOrd modSection">
-      <pc:chgData name="Armando Lacerda" userId="6ac139bb-b445-447a-8efe-92d4a0b8d73e" providerId="ADAL" clId="{69F408A4-DF4A-4710-8220-51297D0C0F30}" dt="2023-10-09T18:48:37.095" v="135"/>
+      <pc:chgData name="Armando Lacerda" userId="6ac139bb-b445-447a-8efe-92d4a0b8d73e" providerId="ADAL" clId="{48FB226F-732D-4FDA-9591-E5537808FDFF}" dt="2023-10-03T16:10:28.365" v="365"/>
       <pc:docMkLst>
         <pc:docMk/>
       </pc:docMkLst>
-      <pc:sldChg chg="modSp mod">
-        <pc:chgData name="Armando Lacerda" userId="6ac139bb-b445-447a-8efe-92d4a0b8d73e" providerId="ADAL" clId="{69F408A4-DF4A-4710-8220-51297D0C0F30}" dt="2023-10-09T18:14:18.602" v="7" actId="6549"/>
+      <pc:sldChg chg="addSp delSp modSp mod">
+        <pc:chgData name="Armando Lacerda" userId="6ac139bb-b445-447a-8efe-92d4a0b8d73e" providerId="ADAL" clId="{48FB226F-732D-4FDA-9591-E5537808FDFF}" dt="2023-10-03T16:10:19.541" v="363"/>
         <pc:sldMkLst>
           <pc:docMk/>
           <pc:sldMk cId="4215762931" sldId="269"/>
         </pc:sldMkLst>
         <pc:spChg chg="mod">
-          <ac:chgData name="Armando Lacerda" userId="6ac139bb-b445-447a-8efe-92d4a0b8d73e" providerId="ADAL" clId="{69F408A4-DF4A-4710-8220-51297D0C0F30}" dt="2023-10-09T18:14:18.602" v="7" actId="6549"/>
+          <ac:chgData name="Armando Lacerda" userId="6ac139bb-b445-447a-8efe-92d4a0b8d73e" providerId="ADAL" clId="{48FB226F-732D-4FDA-9591-E5537808FDFF}" dt="2023-10-02T17:55:13.777" v="51" actId="20577"/>
           <ac:spMkLst>
             <pc:docMk/>
             <pc:sldMk cId="4215762931" sldId="269"/>
             <ac:spMk id="3" creationId="{8689F898-B53E-EDFC-8FDB-7ED3601D517A}"/>
           </ac:spMkLst>
         </pc:spChg>
+        <pc:spChg chg="del mod">
+          <ac:chgData name="Armando Lacerda" userId="6ac139bb-b445-447a-8efe-92d4a0b8d73e" providerId="ADAL" clId="{48FB226F-732D-4FDA-9591-E5537808FDFF}" dt="2023-10-03T16:10:18.938" v="362" actId="478"/>
+          <ac:spMkLst>
+            <pc:docMk/>
+            <pc:sldMk cId="4215762931" sldId="269"/>
+            <ac:spMk id="4" creationId="{A2D57629-D96A-76F7-DD09-39EE4C4DA695}"/>
+          </ac:spMkLst>
+        </pc:spChg>
+        <pc:spChg chg="del mod">
+          <ac:chgData name="Armando Lacerda" userId="6ac139bb-b445-447a-8efe-92d4a0b8d73e" providerId="ADAL" clId="{48FB226F-732D-4FDA-9591-E5537808FDFF}" dt="2023-10-03T16:10:18.938" v="362" actId="478"/>
+          <ac:spMkLst>
+            <pc:docMk/>
+            <pc:sldMk cId="4215762931" sldId="269"/>
+            <ac:spMk id="5" creationId="{EDD48D05-DABA-464E-79A7-4FCD78DACE72}"/>
+          </ac:spMkLst>
+        </pc:spChg>
+        <pc:spChg chg="add mod">
+          <ac:chgData name="Armando Lacerda" userId="6ac139bb-b445-447a-8efe-92d4a0b8d73e" providerId="ADAL" clId="{48FB226F-732D-4FDA-9591-E5537808FDFF}" dt="2023-10-03T16:10:19.541" v="363"/>
+          <ac:spMkLst>
+            <pc:docMk/>
+            <pc:sldMk cId="4215762931" sldId="269"/>
+            <ac:spMk id="7" creationId="{E8C1F7F3-CED3-A094-6A17-2C9BCCBB46B1}"/>
+          </ac:spMkLst>
+        </pc:spChg>
+        <pc:spChg chg="add mod">
+          <ac:chgData name="Armando Lacerda" userId="6ac139bb-b445-447a-8efe-92d4a0b8d73e" providerId="ADAL" clId="{48FB226F-732D-4FDA-9591-E5537808FDFF}" dt="2023-10-03T16:10:19.541" v="363"/>
+          <ac:spMkLst>
+            <pc:docMk/>
+            <pc:sldMk cId="4215762931" sldId="269"/>
+            <ac:spMk id="9" creationId="{1396A417-1B11-F3AD-9FA4-1A5DCDB0D748}"/>
+          </ac:spMkLst>
+        </pc:spChg>
+        <pc:picChg chg="del mod">
+          <ac:chgData name="Armando Lacerda" userId="6ac139bb-b445-447a-8efe-92d4a0b8d73e" providerId="ADAL" clId="{48FB226F-732D-4FDA-9591-E5537808FDFF}" dt="2023-10-03T16:10:18.938" v="362" actId="478"/>
+          <ac:picMkLst>
+            <pc:docMk/>
+            <pc:sldMk cId="4215762931" sldId="269"/>
+            <ac:picMk id="6" creationId="{431D6752-85E3-3A33-B6E2-2B56588857DA}"/>
+          </ac:picMkLst>
+        </pc:picChg>
+        <pc:picChg chg="del mod">
+          <ac:chgData name="Armando Lacerda" userId="6ac139bb-b445-447a-8efe-92d4a0b8d73e" providerId="ADAL" clId="{48FB226F-732D-4FDA-9591-E5537808FDFF}" dt="2023-10-03T16:10:18.938" v="362" actId="478"/>
+          <ac:picMkLst>
+            <pc:docMk/>
+            <pc:sldMk cId="4215762931" sldId="269"/>
+            <ac:picMk id="8" creationId="{47391659-2FDC-D820-F6DF-C6CF645C0051}"/>
+          </ac:picMkLst>
+        </pc:picChg>
+        <pc:picChg chg="add mod">
+          <ac:chgData name="Armando Lacerda" userId="6ac139bb-b445-447a-8efe-92d4a0b8d73e" providerId="ADAL" clId="{48FB226F-732D-4FDA-9591-E5537808FDFF}" dt="2023-10-03T16:10:19.541" v="363"/>
+          <ac:picMkLst>
+            <pc:docMk/>
+            <pc:sldMk cId="4215762931" sldId="269"/>
+            <ac:picMk id="10" creationId="{E67A373E-72E6-0A04-7B1E-B03D0C9AF1D7}"/>
+          </ac:picMkLst>
+        </pc:picChg>
+        <pc:picChg chg="add mod">
+          <ac:chgData name="Armando Lacerda" userId="6ac139bb-b445-447a-8efe-92d4a0b8d73e" providerId="ADAL" clId="{48FB226F-732D-4FDA-9591-E5537808FDFF}" dt="2023-10-03T16:10:19.541" v="363"/>
+          <ac:picMkLst>
+            <pc:docMk/>
+            <pc:sldMk cId="4215762931" sldId="269"/>
+            <ac:picMk id="11" creationId="{D73E6A5F-9C7B-D6A8-7922-29DC83FD4719}"/>
+          </ac:picMkLst>
+        </pc:picChg>
       </pc:sldChg>
       <pc:sldChg chg="addSp delSp modSp mod">
-        <pc:chgData name="Armando Lacerda" userId="6ac139bb-b445-447a-8efe-92d4a0b8d73e" providerId="ADAL" clId="{69F408A4-DF4A-4710-8220-51297D0C0F30}" dt="2023-10-09T18:17:11.623" v="45"/>
+        <pc:chgData name="Armando Lacerda" userId="6ac139bb-b445-447a-8efe-92d4a0b8d73e" providerId="ADAL" clId="{48FB226F-732D-4FDA-9591-E5537808FDFF}" dt="2023-10-03T16:10:28.365" v="365"/>
+        <pc:sldMkLst>
+          <pc:docMk/>
+          <pc:sldMk cId="418171170" sldId="279"/>
+        </pc:sldMkLst>
+        <pc:spChg chg="add mod">
+          <ac:chgData name="Armando Lacerda" userId="6ac139bb-b445-447a-8efe-92d4a0b8d73e" providerId="ADAL" clId="{48FB226F-732D-4FDA-9591-E5537808FDFF}" dt="2023-10-03T16:10:28.365" v="365"/>
+          <ac:spMkLst>
+            <pc:docMk/>
+            <pc:sldMk cId="418171170" sldId="279"/>
+            <ac:spMk id="4" creationId="{48F616B1-2C2F-BC73-90FC-2D7ADB1F9FB1}"/>
+          </ac:spMkLst>
+        </pc:spChg>
+        <pc:spChg chg="add mod">
+          <ac:chgData name="Armando Lacerda" userId="6ac139bb-b445-447a-8efe-92d4a0b8d73e" providerId="ADAL" clId="{48FB226F-732D-4FDA-9591-E5537808FDFF}" dt="2023-10-03T16:10:28.365" v="365"/>
+          <ac:spMkLst>
+            <pc:docMk/>
+            <pc:sldMk cId="418171170" sldId="279"/>
+            <ac:spMk id="5" creationId="{BB5A3CDC-CE97-E6AE-70DE-8EEF5D864432}"/>
+          </ac:spMkLst>
+        </pc:spChg>
+        <pc:spChg chg="del">
+          <ac:chgData name="Armando Lacerda" userId="6ac139bb-b445-447a-8efe-92d4a0b8d73e" providerId="ADAL" clId="{48FB226F-732D-4FDA-9591-E5537808FDFF}" dt="2023-10-03T16:10:28.037" v="364" actId="478"/>
+          <ac:spMkLst>
+            <pc:docMk/>
+            <pc:sldMk cId="418171170" sldId="279"/>
+            <ac:spMk id="7" creationId="{10D487E5-9EAC-F715-477D-BED2FE10DD18}"/>
+          </ac:spMkLst>
+        </pc:spChg>
+        <pc:spChg chg="del">
+          <ac:chgData name="Armando Lacerda" userId="6ac139bb-b445-447a-8efe-92d4a0b8d73e" providerId="ADAL" clId="{48FB226F-732D-4FDA-9591-E5537808FDFF}" dt="2023-10-03T16:10:28.037" v="364" actId="478"/>
+          <ac:spMkLst>
+            <pc:docMk/>
+            <pc:sldMk cId="418171170" sldId="279"/>
+            <ac:spMk id="9" creationId="{00A55661-B3A5-BD10-AA9D-50A075618655}"/>
+          </ac:spMkLst>
+        </pc:spChg>
+        <pc:picChg chg="add mod">
+          <ac:chgData name="Armando Lacerda" userId="6ac139bb-b445-447a-8efe-92d4a0b8d73e" providerId="ADAL" clId="{48FB226F-732D-4FDA-9591-E5537808FDFF}" dt="2023-10-03T16:10:28.365" v="365"/>
+          <ac:picMkLst>
+            <pc:docMk/>
+            <pc:sldMk cId="418171170" sldId="279"/>
+            <ac:picMk id="6" creationId="{445B83A7-E3A4-BA05-113F-3D78DF8F5454}"/>
+          </ac:picMkLst>
+        </pc:picChg>
+        <pc:picChg chg="add mod">
+          <ac:chgData name="Armando Lacerda" userId="6ac139bb-b445-447a-8efe-92d4a0b8d73e" providerId="ADAL" clId="{48FB226F-732D-4FDA-9591-E5537808FDFF}" dt="2023-10-03T16:10:28.365" v="365"/>
+          <ac:picMkLst>
+            <pc:docMk/>
+            <pc:sldMk cId="418171170" sldId="279"/>
+            <ac:picMk id="8" creationId="{9F35F8E4-A791-7E31-733B-CAD6D12AD056}"/>
+          </ac:picMkLst>
+        </pc:picChg>
+        <pc:picChg chg="del">
+          <ac:chgData name="Armando Lacerda" userId="6ac139bb-b445-447a-8efe-92d4a0b8d73e" providerId="ADAL" clId="{48FB226F-732D-4FDA-9591-E5537808FDFF}" dt="2023-10-03T16:10:28.037" v="364" actId="478"/>
+          <ac:picMkLst>
+            <pc:docMk/>
+            <pc:sldMk cId="418171170" sldId="279"/>
+            <ac:picMk id="10" creationId="{FC4C5E7C-20B9-3FFC-40A5-88727EA7D31A}"/>
+          </ac:picMkLst>
+        </pc:picChg>
+        <pc:picChg chg="del">
+          <ac:chgData name="Armando Lacerda" userId="6ac139bb-b445-447a-8efe-92d4a0b8d73e" providerId="ADAL" clId="{48FB226F-732D-4FDA-9591-E5537808FDFF}" dt="2023-10-03T16:10:28.037" v="364" actId="478"/>
+          <ac:picMkLst>
+            <pc:docMk/>
+            <pc:sldMk cId="418171170" sldId="279"/>
+            <ac:picMk id="11" creationId="{CBC98618-545C-588E-BA26-8EE31BD665F1}"/>
+          </ac:picMkLst>
+        </pc:picChg>
+      </pc:sldChg>
+      <pc:sldChg chg="modSp">
+        <pc:chgData name="Armando Lacerda" userId="6ac139bb-b445-447a-8efe-92d4a0b8d73e" providerId="ADAL" clId="{48FB226F-732D-4FDA-9591-E5537808FDFF}" dt="2023-10-02T17:57:13.478" v="172" actId="20577"/>
+        <pc:sldMkLst>
+          <pc:docMk/>
+          <pc:sldMk cId="596348077" sldId="280"/>
+        </pc:sldMkLst>
+        <pc:spChg chg="mod">
+          <ac:chgData name="Armando Lacerda" userId="6ac139bb-b445-447a-8efe-92d4a0b8d73e" providerId="ADAL" clId="{48FB226F-732D-4FDA-9591-E5537808FDFF}" dt="2023-10-02T17:57:13.478" v="172" actId="20577"/>
+          <ac:spMkLst>
+            <pc:docMk/>
+            <pc:sldMk cId="596348077" sldId="280"/>
+            <ac:spMk id="22" creationId="{DA40C0DE-D1D1-9E5A-E384-BE006862881C}"/>
+          </ac:spMkLst>
+        </pc:spChg>
+      </pc:sldChg>
+      <pc:sldChg chg="addSp delSp modSp mod">
+        <pc:chgData name="Armando Lacerda" userId="6ac139bb-b445-447a-8efe-92d4a0b8d73e" providerId="ADAL" clId="{48FB226F-732D-4FDA-9591-E5537808FDFF}" dt="2023-10-02T17:58:03.772" v="182" actId="21"/>
         <pc:sldMkLst>
           <pc:docMk/>
           <pc:sldMk cId="3755161727" sldId="281"/>
         </pc:sldMkLst>
-        <pc:spChg chg="del">
-          <ac:chgData name="Armando Lacerda" userId="6ac139bb-b445-447a-8efe-92d4a0b8d73e" providerId="ADAL" clId="{69F408A4-DF4A-4710-8220-51297D0C0F30}" dt="2023-10-09T18:17:00.613" v="43" actId="21"/>
-          <ac:spMkLst>
+        <pc:picChg chg="add del mod">
+          <ac:chgData name="Armando Lacerda" userId="6ac139bb-b445-447a-8efe-92d4a0b8d73e" providerId="ADAL" clId="{48FB226F-732D-4FDA-9591-E5537808FDFF}" dt="2023-10-02T17:58:03.772" v="182" actId="21"/>
+          <ac:picMkLst>
             <pc:docMk/>
             <pc:sldMk cId="3755161727" sldId="281"/>
-            <ac:spMk id="17" creationId="{A6C6D8E2-3021-EE28-0632-7D94D3F5C3B0}"/>
-          </ac:spMkLst>
-        </pc:spChg>
-        <pc:spChg chg="del">
-          <ac:chgData name="Armando Lacerda" userId="6ac139bb-b445-447a-8efe-92d4a0b8d73e" providerId="ADAL" clId="{69F408A4-DF4A-4710-8220-51297D0C0F30}" dt="2023-10-09T18:17:00.613" v="43" actId="21"/>
-          <ac:spMkLst>
-            <pc:docMk/>
-            <pc:sldMk cId="3755161727" sldId="281"/>
-            <ac:spMk id="19" creationId="{655F5043-E3A6-FED4-E5C9-2D6289A875A8}"/>
-          </ac:spMkLst>
-        </pc:spChg>
-        <pc:spChg chg="add mod">
-          <ac:chgData name="Armando Lacerda" userId="6ac139bb-b445-447a-8efe-92d4a0b8d73e" providerId="ADAL" clId="{69F408A4-DF4A-4710-8220-51297D0C0F30}" dt="2023-10-09T18:17:11.623" v="45"/>
-          <ac:spMkLst>
-            <pc:docMk/>
-            <pc:sldMk cId="3755161727" sldId="281"/>
-            <ac:spMk id="23" creationId="{30C83FFA-062F-4FA4-0CDD-A9D2CF849713}"/>
-          </ac:spMkLst>
-        </pc:spChg>
-        <pc:spChg chg="add mod">
-          <ac:chgData name="Armando Lacerda" userId="6ac139bb-b445-447a-8efe-92d4a0b8d73e" providerId="ADAL" clId="{69F408A4-DF4A-4710-8220-51297D0C0F30}" dt="2023-10-09T18:17:11.623" v="45"/>
-          <ac:spMkLst>
-            <pc:docMk/>
-            <pc:sldMk cId="3755161727" sldId="281"/>
-            <ac:spMk id="24" creationId="{5F5F6D25-4BB7-92D1-9E38-BE240AD52DDD}"/>
-          </ac:spMkLst>
-        </pc:spChg>
-        <pc:picChg chg="del">
-          <ac:chgData name="Armando Lacerda" userId="6ac139bb-b445-447a-8efe-92d4a0b8d73e" providerId="ADAL" clId="{69F408A4-DF4A-4710-8220-51297D0C0F30}" dt="2023-10-09T18:17:00.613" v="43" actId="21"/>
-          <ac:picMkLst>
-            <pc:docMk/>
-            <pc:sldMk cId="3755161727" sldId="281"/>
-            <ac:picMk id="9" creationId="{A8A4403B-1631-C7E6-44C6-ED3331B458D0}"/>
-          </ac:picMkLst>
-        </pc:picChg>
-        <pc:picChg chg="del">
-          <ac:chgData name="Armando Lacerda" userId="6ac139bb-b445-447a-8efe-92d4a0b8d73e" providerId="ADAL" clId="{69F408A4-DF4A-4710-8220-51297D0C0F30}" dt="2023-10-09T18:17:00.613" v="43" actId="21"/>
-          <ac:picMkLst>
-            <pc:docMk/>
-            <pc:sldMk cId="3755161727" sldId="281"/>
-            <ac:picMk id="11" creationId="{ADAEE618-00B6-0DF4-940B-55EE640734C3}"/>
-          </ac:picMkLst>
-        </pc:picChg>
-        <pc:picChg chg="add del mod ord">
-          <ac:chgData name="Armando Lacerda" userId="6ac139bb-b445-447a-8efe-92d4a0b8d73e" providerId="ADAL" clId="{69F408A4-DF4A-4710-8220-51297D0C0F30}" dt="2023-10-09T18:17:00.613" v="43" actId="21"/>
-          <ac:picMkLst>
-            <pc:docMk/>
-            <pc:sldMk cId="3755161727" sldId="281"/>
-            <ac:picMk id="20" creationId="{BC465C19-67DE-A630-8368-01F8BCC4587D}"/>
-          </ac:picMkLst>
-        </pc:picChg>
-        <pc:picChg chg="add mod">
-          <ac:chgData name="Armando Lacerda" userId="6ac139bb-b445-447a-8efe-92d4a0b8d73e" providerId="ADAL" clId="{69F408A4-DF4A-4710-8220-51297D0C0F30}" dt="2023-10-09T18:17:11.623" v="45"/>
-          <ac:picMkLst>
-            <pc:docMk/>
-            <pc:sldMk cId="3755161727" sldId="281"/>
-            <ac:picMk id="21" creationId="{ADC99ED3-57BB-F262-376F-667658479E54}"/>
-          </ac:picMkLst>
-        </pc:picChg>
-        <pc:picChg chg="add mod">
-          <ac:chgData name="Armando Lacerda" userId="6ac139bb-b445-447a-8efe-92d4a0b8d73e" providerId="ADAL" clId="{69F408A4-DF4A-4710-8220-51297D0C0F30}" dt="2023-10-09T18:17:11.623" v="45"/>
-          <ac:picMkLst>
-            <pc:docMk/>
-            <pc:sldMk cId="3755161727" sldId="281"/>
-            <ac:picMk id="22" creationId="{13079361-8F36-1941-036A-AA685320514A}"/>
-          </ac:picMkLst>
-        </pc:picChg>
+            <ac:picMk id="20" creationId="{70C67A06-EC5F-787B-B455-5E23AAF3B689}"/>
+          </ac:picMkLst>
+        </pc:picChg>
+      </pc:sldChg>
+      <pc:sldChg chg="del">
+        <pc:chgData name="Armando Lacerda" userId="6ac139bb-b445-447a-8efe-92d4a0b8d73e" providerId="ADAL" clId="{48FB226F-732D-4FDA-9591-E5537808FDFF}" dt="2023-10-02T17:59:06.484" v="187" actId="47"/>
+        <pc:sldMkLst>
+          <pc:docMk/>
+          <pc:sldMk cId="1541593639" sldId="283"/>
+        </pc:sldMkLst>
+      </pc:sldChg>
+      <pc:sldChg chg="del">
+        <pc:chgData name="Armando Lacerda" userId="6ac139bb-b445-447a-8efe-92d4a0b8d73e" providerId="ADAL" clId="{48FB226F-732D-4FDA-9591-E5537808FDFF}" dt="2023-10-02T17:59:06.484" v="187" actId="47"/>
+        <pc:sldMkLst>
+          <pc:docMk/>
+          <pc:sldMk cId="3203687222" sldId="284"/>
+        </pc:sldMkLst>
+      </pc:sldChg>
+      <pc:sldChg chg="del">
+        <pc:chgData name="Armando Lacerda" userId="6ac139bb-b445-447a-8efe-92d4a0b8d73e" providerId="ADAL" clId="{48FB226F-732D-4FDA-9591-E5537808FDFF}" dt="2023-10-02T17:59:06.484" v="187" actId="47"/>
+        <pc:sldMkLst>
+          <pc:docMk/>
+          <pc:sldMk cId="61821553" sldId="286"/>
+        </pc:sldMkLst>
       </pc:sldChg>
       <pc:sldChg chg="addSp delSp modSp mod">
-        <pc:chgData name="Armando Lacerda" userId="6ac139bb-b445-447a-8efe-92d4a0b8d73e" providerId="ADAL" clId="{69F408A4-DF4A-4710-8220-51297D0C0F30}" dt="2023-10-09T18:17:03.457" v="44"/>
+        <pc:chgData name="Armando Lacerda" userId="6ac139bb-b445-447a-8efe-92d4a0b8d73e" providerId="ADAL" clId="{48FB226F-732D-4FDA-9591-E5537808FDFF}" dt="2023-10-02T17:58:48.825" v="186"/>
         <pc:sldMkLst>
           <pc:docMk/>
           <pc:sldMk cId="3420727763" sldId="287"/>
         </pc:sldMkLst>
-        <pc:spChg chg="del">
-          <ac:chgData name="Armando Lacerda" userId="6ac139bb-b445-447a-8efe-92d4a0b8d73e" providerId="ADAL" clId="{69F408A4-DF4A-4710-8220-51297D0C0F30}" dt="2023-10-09T18:15:08.388" v="34" actId="478"/>
+        <pc:spChg chg="add mod">
+          <ac:chgData name="Armando Lacerda" userId="6ac139bb-b445-447a-8efe-92d4a0b8d73e" providerId="ADAL" clId="{48FB226F-732D-4FDA-9591-E5537808FDFF}" dt="2023-10-02T17:58:48.825" v="186"/>
           <ac:spMkLst>
             <pc:docMk/>
             <pc:sldMk cId="3420727763" sldId="287"/>
             <ac:spMk id="6" creationId="{E3916775-FA7F-E891-FA23-F496253D67D9}"/>
           </ac:spMkLst>
         </pc:spChg>
-        <pc:spChg chg="add mod">
-          <ac:chgData name="Armando Lacerda" userId="6ac139bb-b445-447a-8efe-92d4a0b8d73e" providerId="ADAL" clId="{69F408A4-DF4A-4710-8220-51297D0C0F30}" dt="2023-10-09T18:17:03.457" v="44"/>
+        <pc:spChg chg="del">
+          <ac:chgData name="Armando Lacerda" userId="6ac139bb-b445-447a-8efe-92d4a0b8d73e" providerId="ADAL" clId="{48FB226F-732D-4FDA-9591-E5537808FDFF}" dt="2023-10-02T17:57:37.944" v="175" actId="478"/>
           <ac:spMkLst>
             <pc:docMk/>
             <pc:sldMk cId="3420727763" sldId="287"/>
-            <ac:spMk id="10" creationId="{335441EF-DB4B-9584-CB52-A296B03EEC86}"/>
-          </ac:spMkLst>
-        </pc:spChg>
-        <pc:spChg chg="add mod">
-          <ac:chgData name="Armando Lacerda" userId="6ac139bb-b445-447a-8efe-92d4a0b8d73e" providerId="ADAL" clId="{69F408A4-DF4A-4710-8220-51297D0C0F30}" dt="2023-10-09T18:17:03.457" v="44"/>
-          <ac:spMkLst>
-            <pc:docMk/>
-            <pc:sldMk cId="3420727763" sldId="287"/>
-            <ac:spMk id="11" creationId="{C8609F1B-3713-A1EA-CB34-5B41B0FB210C}"/>
-          </ac:spMkLst>
-        </pc:spChg>
-        <pc:picChg chg="del">
-          <ac:chgData name="Armando Lacerda" userId="6ac139bb-b445-447a-8efe-92d4a0b8d73e" providerId="ADAL" clId="{69F408A4-DF4A-4710-8220-51297D0C0F30}" dt="2023-10-09T18:15:05.199" v="32" actId="478"/>
+            <ac:spMk id="18" creationId="{2A18731F-553F-E0BE-9B9F-C41CF526A1A6}"/>
+          </ac:spMkLst>
+        </pc:spChg>
+        <pc:picChg chg="add mod">
+          <ac:chgData name="Armando Lacerda" userId="6ac139bb-b445-447a-8efe-92d4a0b8d73e" providerId="ADAL" clId="{48FB226F-732D-4FDA-9591-E5537808FDFF}" dt="2023-10-02T17:58:33.496" v="185"/>
           <ac:picMkLst>
             <pc:docMk/>
             <pc:sldMk cId="3420727763" sldId="287"/>
             <ac:picMk id="4" creationId="{1FD36976-A25A-ED22-4A48-EE4B957F87EA}"/>
           </ac:picMkLst>
         </pc:picChg>
-        <pc:picChg chg="del">
-          <ac:chgData name="Armando Lacerda" userId="6ac139bb-b445-447a-8efe-92d4a0b8d73e" providerId="ADAL" clId="{69F408A4-DF4A-4710-8220-51297D0C0F30}" dt="2023-10-09T18:15:06.333" v="33" actId="478"/>
+        <pc:picChg chg="add mod">
+          <ac:chgData name="Armando Lacerda" userId="6ac139bb-b445-447a-8efe-92d4a0b8d73e" providerId="ADAL" clId="{48FB226F-732D-4FDA-9591-E5537808FDFF}" dt="2023-10-02T17:58:48.825" v="186"/>
           <ac:picMkLst>
             <pc:docMk/>
             <pc:sldMk cId="3420727763" sldId="287"/>
             <ac:picMk id="5" creationId="{7EC221BC-1890-EB86-6B09-E788DCBFE12D}"/>
           </ac:picMkLst>
         </pc:picChg>
-        <pc:picChg chg="add mod">
-          <ac:chgData name="Armando Lacerda" userId="6ac139bb-b445-447a-8efe-92d4a0b8d73e" providerId="ADAL" clId="{69F408A4-DF4A-4710-8220-51297D0C0F30}" dt="2023-10-09T18:17:03.457" v="44"/>
+        <pc:picChg chg="del">
+          <ac:chgData name="Armando Lacerda" userId="6ac139bb-b445-447a-8efe-92d4a0b8d73e" providerId="ADAL" clId="{48FB226F-732D-4FDA-9591-E5537808FDFF}" dt="2023-10-02T17:57:35.952" v="174" actId="478"/>
           <ac:picMkLst>
             <pc:docMk/>
             <pc:sldMk cId="3420727763" sldId="287"/>
-            <ac:picMk id="7" creationId="{F7651851-A84F-A1E2-3C46-22D4B68880A9}"/>
-          </ac:picMkLst>
-        </pc:picChg>
-        <pc:picChg chg="add mod">
-          <ac:chgData name="Armando Lacerda" userId="6ac139bb-b445-447a-8efe-92d4a0b8d73e" providerId="ADAL" clId="{69F408A4-DF4A-4710-8220-51297D0C0F30}" dt="2023-10-09T18:17:03.457" v="44"/>
+            <ac:picMk id="10" creationId="{35A8CF9F-D67F-0072-F9AA-22D84ADBB659}"/>
+          </ac:picMkLst>
+        </pc:picChg>
+        <pc:picChg chg="del">
+          <ac:chgData name="Armando Lacerda" userId="6ac139bb-b445-447a-8efe-92d4a0b8d73e" providerId="ADAL" clId="{48FB226F-732D-4FDA-9591-E5537808FDFF}" dt="2023-10-02T17:57:34.466" v="173" actId="478"/>
           <ac:picMkLst>
             <pc:docMk/>
             <pc:sldMk cId="3420727763" sldId="287"/>
-            <ac:picMk id="8" creationId="{31B9E4B6-1007-836F-E206-E8AD6B827B60}"/>
-          </ac:picMkLst>
-        </pc:picChg>
-        <pc:picChg chg="add mod">
-          <ac:chgData name="Armando Lacerda" userId="6ac139bb-b445-447a-8efe-92d4a0b8d73e" providerId="ADAL" clId="{69F408A4-DF4A-4710-8220-51297D0C0F30}" dt="2023-10-09T18:17:03.457" v="44"/>
-          <ac:picMkLst>
-            <pc:docMk/>
-            <pc:sldMk cId="3420727763" sldId="287"/>
-            <ac:picMk id="9" creationId="{0E9FA13F-E3ED-7151-4AC4-6C0D6E40EFAF}"/>
+            <ac:picMk id="21" creationId="{DDC2805E-64A9-592A-A2F6-C1583AFA3C75}"/>
           </ac:picMkLst>
         </pc:picChg>
       </pc:sldChg>
       <pc:sldChg chg="del">
-        <pc:chgData name="Armando Lacerda" userId="6ac139bb-b445-447a-8efe-92d4a0b8d73e" providerId="ADAL" clId="{69F408A4-DF4A-4710-8220-51297D0C0F30}" dt="2023-10-09T18:14:20.673" v="8" actId="47"/>
+        <pc:chgData name="Armando Lacerda" userId="6ac139bb-b445-447a-8efe-92d4a0b8d73e" providerId="ADAL" clId="{48FB226F-732D-4FDA-9591-E5537808FDFF}" dt="2023-10-02T17:59:06.484" v="187" actId="47"/>
+        <pc:sldMkLst>
+          <pc:docMk/>
+          <pc:sldMk cId="854338865" sldId="288"/>
+        </pc:sldMkLst>
+      </pc:sldChg>
+      <pc:sldChg chg="del">
+        <pc:chgData name="Armando Lacerda" userId="6ac139bb-b445-447a-8efe-92d4a0b8d73e" providerId="ADAL" clId="{48FB226F-732D-4FDA-9591-E5537808FDFF}" dt="2023-10-02T17:59:06.484" v="187" actId="47"/>
+        <pc:sldMkLst>
+          <pc:docMk/>
+          <pc:sldMk cId="4249768268" sldId="289"/>
+        </pc:sldMkLst>
+      </pc:sldChg>
+      <pc:sldChg chg="addSp delSp modSp add mod">
+        <pc:chgData name="Armando Lacerda" userId="6ac139bb-b445-447a-8efe-92d4a0b8d73e" providerId="ADAL" clId="{48FB226F-732D-4FDA-9591-E5537808FDFF}" dt="2023-10-03T16:09:58.065" v="361" actId="1076"/>
         <pc:sldMkLst>
           <pc:docMk/>
           <pc:sldMk cId="2247828135" sldId="290"/>
         </pc:sldMkLst>
+        <pc:spChg chg="mod">
+          <ac:chgData name="Armando Lacerda" userId="6ac139bb-b445-447a-8efe-92d4a0b8d73e" providerId="ADAL" clId="{48FB226F-732D-4FDA-9591-E5537808FDFF}" dt="2023-10-02T17:55:51.902" v="110" actId="20577"/>
+          <ac:spMkLst>
+            <pc:docMk/>
+            <pc:sldMk cId="2247828135" sldId="290"/>
+            <ac:spMk id="3" creationId="{8689F898-B53E-EDFC-8FDB-7ED3601D517A}"/>
+          </ac:spMkLst>
+        </pc:spChg>
+        <pc:spChg chg="del">
+          <ac:chgData name="Armando Lacerda" userId="6ac139bb-b445-447a-8efe-92d4a0b8d73e" providerId="ADAL" clId="{48FB226F-732D-4FDA-9591-E5537808FDFF}" dt="2023-10-02T18:41:41.125" v="327" actId="478"/>
+          <ac:spMkLst>
+            <pc:docMk/>
+            <pc:sldMk cId="2247828135" sldId="290"/>
+            <ac:spMk id="4" creationId="{A2D57629-D96A-76F7-DD09-39EE4C4DA695}"/>
+          </ac:spMkLst>
+        </pc:spChg>
+        <pc:spChg chg="del">
+          <ac:chgData name="Armando Lacerda" userId="6ac139bb-b445-447a-8efe-92d4a0b8d73e" providerId="ADAL" clId="{48FB226F-732D-4FDA-9591-E5537808FDFF}" dt="2023-10-02T18:41:41.125" v="327" actId="478"/>
+          <ac:spMkLst>
+            <pc:docMk/>
+            <pc:sldMk cId="2247828135" sldId="290"/>
+            <ac:spMk id="5" creationId="{EDD48D05-DABA-464E-79A7-4FCD78DACE72}"/>
+          </ac:spMkLst>
+        </pc:spChg>
+        <pc:spChg chg="add mod">
+          <ac:chgData name="Armando Lacerda" userId="6ac139bb-b445-447a-8efe-92d4a0b8d73e" providerId="ADAL" clId="{48FB226F-732D-4FDA-9591-E5537808FDFF}" dt="2023-10-03T16:09:58.065" v="361" actId="1076"/>
+          <ac:spMkLst>
+            <pc:docMk/>
+            <pc:sldMk cId="2247828135" sldId="290"/>
+            <ac:spMk id="7" creationId="{2707DEDF-9026-AA78-9D1F-F8C51FA2CBF7}"/>
+          </ac:spMkLst>
+        </pc:spChg>
+        <pc:spChg chg="add mod">
+          <ac:chgData name="Armando Lacerda" userId="6ac139bb-b445-447a-8efe-92d4a0b8d73e" providerId="ADAL" clId="{48FB226F-732D-4FDA-9591-E5537808FDFF}" dt="2023-10-03T16:09:58.065" v="361" actId="1076"/>
+          <ac:spMkLst>
+            <pc:docMk/>
+            <pc:sldMk cId="2247828135" sldId="290"/>
+            <ac:spMk id="9" creationId="{DF2776A6-8C79-2B03-97AF-53F22297D863}"/>
+          </ac:spMkLst>
+        </pc:spChg>
+        <pc:picChg chg="del">
+          <ac:chgData name="Armando Lacerda" userId="6ac139bb-b445-447a-8efe-92d4a0b8d73e" providerId="ADAL" clId="{48FB226F-732D-4FDA-9591-E5537808FDFF}" dt="2023-10-02T18:41:41.125" v="327" actId="478"/>
+          <ac:picMkLst>
+            <pc:docMk/>
+            <pc:sldMk cId="2247828135" sldId="290"/>
+            <ac:picMk id="6" creationId="{431D6752-85E3-3A33-B6E2-2B56588857DA}"/>
+          </ac:picMkLst>
+        </pc:picChg>
+        <pc:picChg chg="del">
+          <ac:chgData name="Armando Lacerda" userId="6ac139bb-b445-447a-8efe-92d4a0b8d73e" providerId="ADAL" clId="{48FB226F-732D-4FDA-9591-E5537808FDFF}" dt="2023-10-02T18:41:41.125" v="327" actId="478"/>
+          <ac:picMkLst>
+            <pc:docMk/>
+            <pc:sldMk cId="2247828135" sldId="290"/>
+            <ac:picMk id="8" creationId="{47391659-2FDC-D820-F6DF-C6CF645C0051}"/>
+          </ac:picMkLst>
+        </pc:picChg>
+        <pc:picChg chg="add mod">
+          <ac:chgData name="Armando Lacerda" userId="6ac139bb-b445-447a-8efe-92d4a0b8d73e" providerId="ADAL" clId="{48FB226F-732D-4FDA-9591-E5537808FDFF}" dt="2023-10-03T16:09:58.065" v="361" actId="1076"/>
+          <ac:picMkLst>
+            <pc:docMk/>
+            <pc:sldMk cId="2247828135" sldId="290"/>
+            <ac:picMk id="10" creationId="{26A0D02D-A1B3-1783-327F-D19FD9AAC4AA}"/>
+          </ac:picMkLst>
+        </pc:picChg>
+        <pc:picChg chg="add mod">
+          <ac:chgData name="Armando Lacerda" userId="6ac139bb-b445-447a-8efe-92d4a0b8d73e" providerId="ADAL" clId="{48FB226F-732D-4FDA-9591-E5537808FDFF}" dt="2023-10-03T16:09:58.065" v="361" actId="1076"/>
+          <ac:picMkLst>
+            <pc:docMk/>
+            <pc:sldMk cId="2247828135" sldId="290"/>
+            <ac:picMk id="11" creationId="{13AB51D7-6A24-1214-EF17-8DA504A93354}"/>
+          </ac:picMkLst>
+        </pc:picChg>
       </pc:sldChg>
-      <pc:sldChg chg="del">
-        <pc:chgData name="Armando Lacerda" userId="6ac139bb-b445-447a-8efe-92d4a0b8d73e" providerId="ADAL" clId="{69F408A4-DF4A-4710-8220-51297D0C0F30}" dt="2023-10-09T18:27:11.153" v="46" actId="47"/>
+      <pc:sldChg chg="addSp delSp modSp new del mod">
+        <pc:chgData name="Armando Lacerda" userId="6ac139bb-b445-447a-8efe-92d4a0b8d73e" providerId="ADAL" clId="{48FB226F-732D-4FDA-9591-E5537808FDFF}" dt="2023-10-02T18:04:34.834" v="226" actId="47"/>
+        <pc:sldMkLst>
+          <pc:docMk/>
+          <pc:sldMk cId="1570623444" sldId="291"/>
+        </pc:sldMkLst>
+        <pc:spChg chg="mod">
+          <ac:chgData name="Armando Lacerda" userId="6ac139bb-b445-447a-8efe-92d4a0b8d73e" providerId="ADAL" clId="{48FB226F-732D-4FDA-9591-E5537808FDFF}" dt="2023-10-02T18:00:05.139" v="189"/>
+          <ac:spMkLst>
+            <pc:docMk/>
+            <pc:sldMk cId="1570623444" sldId="291"/>
+            <ac:spMk id="3" creationId="{EE2BBE0D-0F6C-470B-67D3-B7BC1D7EA8A0}"/>
+          </ac:spMkLst>
+        </pc:spChg>
+        <pc:spChg chg="mod">
+          <ac:chgData name="Armando Lacerda" userId="6ac139bb-b445-447a-8efe-92d4a0b8d73e" providerId="ADAL" clId="{48FB226F-732D-4FDA-9591-E5537808FDFF}" dt="2023-10-02T18:00:05.139" v="189"/>
+          <ac:spMkLst>
+            <pc:docMk/>
+            <pc:sldMk cId="1570623444" sldId="291"/>
+            <ac:spMk id="4" creationId="{F1FC31F0-7F31-2ACB-8224-CF73B13E3C88}"/>
+          </ac:spMkLst>
+        </pc:spChg>
+        <pc:spChg chg="mod">
+          <ac:chgData name="Armando Lacerda" userId="6ac139bb-b445-447a-8efe-92d4a0b8d73e" providerId="ADAL" clId="{48FB226F-732D-4FDA-9591-E5537808FDFF}" dt="2023-10-02T18:00:05.139" v="189"/>
+          <ac:spMkLst>
+            <pc:docMk/>
+            <pc:sldMk cId="1570623444" sldId="291"/>
+            <ac:spMk id="6" creationId="{F9A2A918-4B4D-B8B7-0E24-9F80D7CB85F9}"/>
+          </ac:spMkLst>
+        </pc:spChg>
+        <pc:spChg chg="mod">
+          <ac:chgData name="Armando Lacerda" userId="6ac139bb-b445-447a-8efe-92d4a0b8d73e" providerId="ADAL" clId="{48FB226F-732D-4FDA-9591-E5537808FDFF}" dt="2023-10-02T18:00:05.139" v="189"/>
+          <ac:spMkLst>
+            <pc:docMk/>
+            <pc:sldMk cId="1570623444" sldId="291"/>
+            <ac:spMk id="7" creationId="{5B4F57D5-8190-B7EB-55FC-87CBA904DEE3}"/>
+          </ac:spMkLst>
+        </pc:spChg>
+        <pc:spChg chg="mod">
+          <ac:chgData name="Armando Lacerda" userId="6ac139bb-b445-447a-8efe-92d4a0b8d73e" providerId="ADAL" clId="{48FB226F-732D-4FDA-9591-E5537808FDFF}" dt="2023-10-02T18:00:05.139" v="189"/>
+          <ac:spMkLst>
+            <pc:docMk/>
+            <pc:sldMk cId="1570623444" sldId="291"/>
+            <ac:spMk id="9" creationId="{E747B504-30A6-DAF4-3005-9FA38668ABA2}"/>
+          </ac:spMkLst>
+        </pc:spChg>
+        <pc:spChg chg="mod">
+          <ac:chgData name="Armando Lacerda" userId="6ac139bb-b445-447a-8efe-92d4a0b8d73e" providerId="ADAL" clId="{48FB226F-732D-4FDA-9591-E5537808FDFF}" dt="2023-10-02T18:00:05.139" v="189"/>
+          <ac:spMkLst>
+            <pc:docMk/>
+            <pc:sldMk cId="1570623444" sldId="291"/>
+            <ac:spMk id="10" creationId="{57C08BF8-1774-F8E9-72DF-ED10C74644A4}"/>
+          </ac:spMkLst>
+        </pc:spChg>
+        <pc:spChg chg="mod">
+          <ac:chgData name="Armando Lacerda" userId="6ac139bb-b445-447a-8efe-92d4a0b8d73e" providerId="ADAL" clId="{48FB226F-732D-4FDA-9591-E5537808FDFF}" dt="2023-10-02T18:00:05.139" v="189"/>
+          <ac:spMkLst>
+            <pc:docMk/>
+            <pc:sldMk cId="1570623444" sldId="291"/>
+            <ac:spMk id="12" creationId="{D5F7EBB4-9A1D-3846-574B-1A37692E62BE}"/>
+          </ac:spMkLst>
+        </pc:spChg>
+        <pc:spChg chg="mod">
+          <ac:chgData name="Armando Lacerda" userId="6ac139bb-b445-447a-8efe-92d4a0b8d73e" providerId="ADAL" clId="{48FB226F-732D-4FDA-9591-E5537808FDFF}" dt="2023-10-02T18:00:05.139" v="189"/>
+          <ac:spMkLst>
+            <pc:docMk/>
+            <pc:sldMk cId="1570623444" sldId="291"/>
+            <ac:spMk id="13" creationId="{DBE9C30B-A1E1-AB07-8BDD-CE972820AE81}"/>
+          </ac:spMkLst>
+        </pc:spChg>
+        <pc:spChg chg="add del mod">
+          <ac:chgData name="Armando Lacerda" userId="6ac139bb-b445-447a-8efe-92d4a0b8d73e" providerId="ADAL" clId="{48FB226F-732D-4FDA-9591-E5537808FDFF}" dt="2023-10-02T18:00:06.025" v="190"/>
+          <ac:spMkLst>
+            <pc:docMk/>
+            <pc:sldMk cId="1570623444" sldId="291"/>
+            <ac:spMk id="15" creationId="{DC0FE01D-F089-B7FB-9D6A-C1F94911A84F}"/>
+          </ac:spMkLst>
+        </pc:spChg>
+        <pc:spChg chg="add del mod">
+          <ac:chgData name="Armando Lacerda" userId="6ac139bb-b445-447a-8efe-92d4a0b8d73e" providerId="ADAL" clId="{48FB226F-732D-4FDA-9591-E5537808FDFF}" dt="2023-10-02T18:00:06.025" v="190"/>
+          <ac:spMkLst>
+            <pc:docMk/>
+            <pc:sldMk cId="1570623444" sldId="291"/>
+            <ac:spMk id="17" creationId="{CD50665C-BE99-0350-C2EE-FFD78F690A5B}"/>
+          </ac:spMkLst>
+        </pc:spChg>
+        <pc:spChg chg="mod">
+          <ac:chgData name="Armando Lacerda" userId="6ac139bb-b445-447a-8efe-92d4a0b8d73e" providerId="ADAL" clId="{48FB226F-732D-4FDA-9591-E5537808FDFF}" dt="2023-10-02T18:00:13.513" v="193"/>
+          <ac:spMkLst>
+            <pc:docMk/>
+            <pc:sldMk cId="1570623444" sldId="291"/>
+            <ac:spMk id="24" creationId="{E0605C29-7333-F131-34E1-0655ECB7052E}"/>
+          </ac:spMkLst>
+        </pc:spChg>
+        <pc:spChg chg="mod">
+          <ac:chgData name="Armando Lacerda" userId="6ac139bb-b445-447a-8efe-92d4a0b8d73e" providerId="ADAL" clId="{48FB226F-732D-4FDA-9591-E5537808FDFF}" dt="2023-10-02T18:00:13.513" v="193"/>
+          <ac:spMkLst>
+            <pc:docMk/>
+            <pc:sldMk cId="1570623444" sldId="291"/>
+            <ac:spMk id="25" creationId="{EF909E00-0903-988C-3166-B9EA8EE84E60}"/>
+          </ac:spMkLst>
+        </pc:spChg>
+        <pc:spChg chg="mod">
+          <ac:chgData name="Armando Lacerda" userId="6ac139bb-b445-447a-8efe-92d4a0b8d73e" providerId="ADAL" clId="{48FB226F-732D-4FDA-9591-E5537808FDFF}" dt="2023-10-02T18:00:13.513" v="193"/>
+          <ac:spMkLst>
+            <pc:docMk/>
+            <pc:sldMk cId="1570623444" sldId="291"/>
+            <ac:spMk id="27" creationId="{9316B1D2-645E-C1C9-383D-9FFA0A177DAC}"/>
+          </ac:spMkLst>
+        </pc:spChg>
+        <pc:spChg chg="mod">
+          <ac:chgData name="Armando Lacerda" userId="6ac139bb-b445-447a-8efe-92d4a0b8d73e" providerId="ADAL" clId="{48FB226F-732D-4FDA-9591-E5537808FDFF}" dt="2023-10-02T18:00:13.513" v="193"/>
+          <ac:spMkLst>
+            <pc:docMk/>
+            <pc:sldMk cId="1570623444" sldId="291"/>
+            <ac:spMk id="28" creationId="{18208670-F4A0-D9E1-FFAB-DA2E4BFAB01C}"/>
+          </ac:spMkLst>
+        </pc:spChg>
+        <pc:spChg chg="mod">
+          <ac:chgData name="Armando Lacerda" userId="6ac139bb-b445-447a-8efe-92d4a0b8d73e" providerId="ADAL" clId="{48FB226F-732D-4FDA-9591-E5537808FDFF}" dt="2023-10-02T18:00:13.513" v="193"/>
+          <ac:spMkLst>
+            <pc:docMk/>
+            <pc:sldMk cId="1570623444" sldId="291"/>
+            <ac:spMk id="30" creationId="{E08F6CF8-DD25-CF24-ED41-0A294F021F6D}"/>
+          </ac:spMkLst>
+        </pc:spChg>
+        <pc:spChg chg="mod">
+          <ac:chgData name="Armando Lacerda" userId="6ac139bb-b445-447a-8efe-92d4a0b8d73e" providerId="ADAL" clId="{48FB226F-732D-4FDA-9591-E5537808FDFF}" dt="2023-10-02T18:00:13.513" v="193"/>
+          <ac:spMkLst>
+            <pc:docMk/>
+            <pc:sldMk cId="1570623444" sldId="291"/>
+            <ac:spMk id="31" creationId="{50E02B22-60A7-5D4E-D100-529F0A77C531}"/>
+          </ac:spMkLst>
+        </pc:spChg>
+        <pc:spChg chg="mod">
+          <ac:chgData name="Armando Lacerda" userId="6ac139bb-b445-447a-8efe-92d4a0b8d73e" providerId="ADAL" clId="{48FB226F-732D-4FDA-9591-E5537808FDFF}" dt="2023-10-02T18:00:13.513" v="193"/>
+          <ac:spMkLst>
+            <pc:docMk/>
+            <pc:sldMk cId="1570623444" sldId="291"/>
+            <ac:spMk id="33" creationId="{FE211A89-017B-B338-AD58-88D19F7A1FF4}"/>
+          </ac:spMkLst>
+        </pc:spChg>
+        <pc:spChg chg="mod">
+          <ac:chgData name="Armando Lacerda" userId="6ac139bb-b445-447a-8efe-92d4a0b8d73e" providerId="ADAL" clId="{48FB226F-732D-4FDA-9591-E5537808FDFF}" dt="2023-10-02T18:00:13.513" v="193"/>
+          <ac:spMkLst>
+            <pc:docMk/>
+            <pc:sldMk cId="1570623444" sldId="291"/>
+            <ac:spMk id="34" creationId="{E3A3E8E9-5539-D2AB-98D0-F35EB26BDDE7}"/>
+          </ac:spMkLst>
+        </pc:spChg>
+        <pc:spChg chg="add mod">
+          <ac:chgData name="Armando Lacerda" userId="6ac139bb-b445-447a-8efe-92d4a0b8d73e" providerId="ADAL" clId="{48FB226F-732D-4FDA-9591-E5537808FDFF}" dt="2023-10-02T18:02:35.141" v="208" actId="1076"/>
+          <ac:spMkLst>
+            <pc:docMk/>
+            <pc:sldMk cId="1570623444" sldId="291"/>
+            <ac:spMk id="36" creationId="{C13FD11E-5588-B1A7-5519-03031A8CC920}"/>
+          </ac:spMkLst>
+        </pc:spChg>
+        <pc:spChg chg="add mod">
+          <ac:chgData name="Armando Lacerda" userId="6ac139bb-b445-447a-8efe-92d4a0b8d73e" providerId="ADAL" clId="{48FB226F-732D-4FDA-9591-E5537808FDFF}" dt="2023-10-02T18:02:35.141" v="208" actId="1076"/>
+          <ac:spMkLst>
+            <pc:docMk/>
+            <pc:sldMk cId="1570623444" sldId="291"/>
+            <ac:spMk id="38" creationId="{3AA026CD-FD41-7902-D642-630CE11DA3B0}"/>
+          </ac:spMkLst>
+        </pc:spChg>
+        <pc:grpChg chg="add del mod">
+          <ac:chgData name="Armando Lacerda" userId="6ac139bb-b445-447a-8efe-92d4a0b8d73e" providerId="ADAL" clId="{48FB226F-732D-4FDA-9591-E5537808FDFF}" dt="2023-10-02T18:00:06.025" v="190"/>
+          <ac:grpSpMkLst>
+            <pc:docMk/>
+            <pc:sldMk cId="1570623444" sldId="291"/>
+            <ac:grpSpMk id="2" creationId="{5B87217E-18FD-A9FF-18F0-63E61767CC54}"/>
+          </ac:grpSpMkLst>
+        </pc:grpChg>
+        <pc:grpChg chg="add del mod">
+          <ac:chgData name="Armando Lacerda" userId="6ac139bb-b445-447a-8efe-92d4a0b8d73e" providerId="ADAL" clId="{48FB226F-732D-4FDA-9591-E5537808FDFF}" dt="2023-10-02T18:00:06.025" v="190"/>
+          <ac:grpSpMkLst>
+            <pc:docMk/>
+            <pc:sldMk cId="1570623444" sldId="291"/>
+            <ac:grpSpMk id="5" creationId="{B29802EE-B56E-8A69-E65C-1CB22AA646AC}"/>
+          </ac:grpSpMkLst>
+        </pc:grpChg>
+        <pc:grpChg chg="add del mod">
+          <ac:chgData name="Armando Lacerda" userId="6ac139bb-b445-447a-8efe-92d4a0b8d73e" providerId="ADAL" clId="{48FB226F-732D-4FDA-9591-E5537808FDFF}" dt="2023-10-02T18:00:06.025" v="190"/>
+          <ac:grpSpMkLst>
+            <pc:docMk/>
+            <pc:sldMk cId="1570623444" sldId="291"/>
+            <ac:grpSpMk id="8" creationId="{40543E38-1D8D-1966-E529-A6C432BB4F09}"/>
+          </ac:grpSpMkLst>
+        </pc:grpChg>
+        <pc:grpChg chg="add del mod">
+          <ac:chgData name="Armando Lacerda" userId="6ac139bb-b445-447a-8efe-92d4a0b8d73e" providerId="ADAL" clId="{48FB226F-732D-4FDA-9591-E5537808FDFF}" dt="2023-10-02T18:00:06.025" v="190"/>
+          <ac:grpSpMkLst>
+            <pc:docMk/>
+            <pc:sldMk cId="1570623444" sldId="291"/>
+            <ac:grpSpMk id="11" creationId="{D18EE545-ED87-F9E4-E5DE-6658BDAF3D3F}"/>
+          </ac:grpSpMkLst>
+        </pc:grpChg>
+        <pc:grpChg chg="add del mod">
+          <ac:chgData name="Armando Lacerda" userId="6ac139bb-b445-447a-8efe-92d4a0b8d73e" providerId="ADAL" clId="{48FB226F-732D-4FDA-9591-E5537808FDFF}" dt="2023-10-02T18:00:25.047" v="194" actId="478"/>
+          <ac:grpSpMkLst>
+            <pc:docMk/>
+            <pc:sldMk cId="1570623444" sldId="291"/>
+            <ac:grpSpMk id="23" creationId="{7DE1A5E5-380C-9E7C-43C6-1EFF27CA443F}"/>
+          </ac:grpSpMkLst>
+        </pc:grpChg>
+        <pc:grpChg chg="add del mod">
+          <ac:chgData name="Armando Lacerda" userId="6ac139bb-b445-447a-8efe-92d4a0b8d73e" providerId="ADAL" clId="{48FB226F-732D-4FDA-9591-E5537808FDFF}" dt="2023-10-02T18:00:25.047" v="194" actId="478"/>
+          <ac:grpSpMkLst>
+            <pc:docMk/>
+            <pc:sldMk cId="1570623444" sldId="291"/>
+            <ac:grpSpMk id="26" creationId="{3948164B-05C5-753F-60DF-5F9B641EB4BB}"/>
+          </ac:grpSpMkLst>
+        </pc:grpChg>
+        <pc:grpChg chg="add del mod">
+          <ac:chgData name="Armando Lacerda" userId="6ac139bb-b445-447a-8efe-92d4a0b8d73e" providerId="ADAL" clId="{48FB226F-732D-4FDA-9591-E5537808FDFF}" dt="2023-10-02T18:00:25.047" v="194" actId="478"/>
+          <ac:grpSpMkLst>
+            <pc:docMk/>
+            <pc:sldMk cId="1570623444" sldId="291"/>
+            <ac:grpSpMk id="29" creationId="{68A4B6A0-6A6E-604B-0C81-2304CB4A10B6}"/>
+          </ac:grpSpMkLst>
+        </pc:grpChg>
+        <pc:grpChg chg="add del mod">
+          <ac:chgData name="Armando Lacerda" userId="6ac139bb-b445-447a-8efe-92d4a0b8d73e" providerId="ADAL" clId="{48FB226F-732D-4FDA-9591-E5537808FDFF}" dt="2023-10-02T18:00:25.047" v="194" actId="478"/>
+          <ac:grpSpMkLst>
+            <pc:docMk/>
+            <pc:sldMk cId="1570623444" sldId="291"/>
+            <ac:grpSpMk id="32" creationId="{47026C71-441E-5354-03EB-FB3552513692}"/>
+          </ac:grpSpMkLst>
+        </pc:grpChg>
+        <pc:picChg chg="add del mod">
+          <ac:chgData name="Armando Lacerda" userId="6ac139bb-b445-447a-8efe-92d4a0b8d73e" providerId="ADAL" clId="{48FB226F-732D-4FDA-9591-E5537808FDFF}" dt="2023-10-02T18:00:06.025" v="190"/>
+          <ac:picMkLst>
+            <pc:docMk/>
+            <pc:sldMk cId="1570623444" sldId="291"/>
+            <ac:picMk id="18" creationId="{33A3ACB7-5DE8-509D-8B16-DB7976DA7409}"/>
+          </ac:picMkLst>
+        </pc:picChg>
+        <pc:picChg chg="add del mod">
+          <ac:chgData name="Armando Lacerda" userId="6ac139bb-b445-447a-8efe-92d4a0b8d73e" providerId="ADAL" clId="{48FB226F-732D-4FDA-9591-E5537808FDFF}" dt="2023-10-02T18:00:06.025" v="190"/>
+          <ac:picMkLst>
+            <pc:docMk/>
+            <pc:sldMk cId="1570623444" sldId="291"/>
+            <ac:picMk id="19" creationId="{D5BBDD23-9BE1-C430-F831-5D1D71BAFF73}"/>
+          </ac:picMkLst>
+        </pc:picChg>
+        <pc:picChg chg="add del mod">
+          <ac:chgData name="Armando Lacerda" userId="6ac139bb-b445-447a-8efe-92d4a0b8d73e" providerId="ADAL" clId="{48FB226F-732D-4FDA-9591-E5537808FDFF}" dt="2023-10-02T18:00:06.025" v="190"/>
+          <ac:picMkLst>
+            <pc:docMk/>
+            <pc:sldMk cId="1570623444" sldId="291"/>
+            <ac:picMk id="20" creationId="{226BD09D-1AC9-1D93-4599-AE96079FA9B5}"/>
+          </ac:picMkLst>
+        </pc:picChg>
+        <pc:picChg chg="add del mod">
+          <ac:chgData name="Armando Lacerda" userId="6ac139bb-b445-447a-8efe-92d4a0b8d73e" providerId="ADAL" clId="{48FB226F-732D-4FDA-9591-E5537808FDFF}" dt="2023-10-02T18:00:06.025" v="190"/>
+          <ac:picMkLst>
+            <pc:docMk/>
+            <pc:sldMk cId="1570623444" sldId="291"/>
+            <ac:picMk id="21" creationId="{2925F589-39FE-CB9B-8992-2D9A5A9D9650}"/>
+          </ac:picMkLst>
+        </pc:picChg>
+        <pc:picChg chg="add del">
+          <ac:chgData name="Armando Lacerda" userId="6ac139bb-b445-447a-8efe-92d4a0b8d73e" providerId="ADAL" clId="{48FB226F-732D-4FDA-9591-E5537808FDFF}" dt="2023-10-02T18:00:12.491" v="192"/>
+          <ac:picMkLst>
+            <pc:docMk/>
+            <pc:sldMk cId="1570623444" sldId="291"/>
+            <ac:picMk id="22" creationId="{6DA388F1-727D-FD75-8E37-2CE34A706305}"/>
+          </ac:picMkLst>
+        </pc:picChg>
+        <pc:picChg chg="add del mod">
+          <ac:chgData name="Armando Lacerda" userId="6ac139bb-b445-447a-8efe-92d4a0b8d73e" providerId="ADAL" clId="{48FB226F-732D-4FDA-9591-E5537808FDFF}" dt="2023-10-02T18:00:25.047" v="194" actId="478"/>
+          <ac:picMkLst>
+            <pc:docMk/>
+            <pc:sldMk cId="1570623444" sldId="291"/>
+            <ac:picMk id="39" creationId="{CC99D093-2D11-D23D-B1BA-EAB21F8A67F3}"/>
+          </ac:picMkLst>
+        </pc:picChg>
+        <pc:picChg chg="add del mod">
+          <ac:chgData name="Armando Lacerda" userId="6ac139bb-b445-447a-8efe-92d4a0b8d73e" providerId="ADAL" clId="{48FB226F-732D-4FDA-9591-E5537808FDFF}" dt="2023-10-02T18:00:25.047" v="194" actId="478"/>
+          <ac:picMkLst>
+            <pc:docMk/>
+            <pc:sldMk cId="1570623444" sldId="291"/>
+            <ac:picMk id="40" creationId="{23D32DDF-C4F6-D329-D031-E4DFC80A08AF}"/>
+          </ac:picMkLst>
+        </pc:picChg>
+        <pc:picChg chg="add del mod">
+          <ac:chgData name="Armando Lacerda" userId="6ac139bb-b445-447a-8efe-92d4a0b8d73e" providerId="ADAL" clId="{48FB226F-732D-4FDA-9591-E5537808FDFF}" dt="2023-10-02T18:00:25.047" v="194" actId="478"/>
+          <ac:picMkLst>
+            <pc:docMk/>
+            <pc:sldMk cId="1570623444" sldId="291"/>
+            <ac:picMk id="41" creationId="{9F1D731A-01EA-CD9B-7228-AEADCAF5ABC3}"/>
+          </ac:picMkLst>
+        </pc:picChg>
+        <pc:picChg chg="add del mod">
+          <ac:chgData name="Armando Lacerda" userId="6ac139bb-b445-447a-8efe-92d4a0b8d73e" providerId="ADAL" clId="{48FB226F-732D-4FDA-9591-E5537808FDFF}" dt="2023-10-02T18:00:25.047" v="194" actId="478"/>
+          <ac:picMkLst>
+            <pc:docMk/>
+            <pc:sldMk cId="1570623444" sldId="291"/>
+            <ac:picMk id="42" creationId="{C571B1ED-6E1F-FEA2-5BFB-A3B89FD2251E}"/>
+          </ac:picMkLst>
+        </pc:picChg>
+        <pc:picChg chg="add mod modCrop">
+          <ac:chgData name="Armando Lacerda" userId="6ac139bb-b445-447a-8efe-92d4a0b8d73e" providerId="ADAL" clId="{48FB226F-732D-4FDA-9591-E5537808FDFF}" dt="2023-10-02T18:02:35.141" v="208" actId="1076"/>
+          <ac:picMkLst>
+            <pc:docMk/>
+            <pc:sldMk cId="1570623444" sldId="291"/>
+            <ac:picMk id="43" creationId="{85217BC4-748E-61AD-CA33-A60E84549A90}"/>
+          </ac:picMkLst>
+        </pc:picChg>
+        <pc:cxnChg chg="add del mod">
+          <ac:chgData name="Armando Lacerda" userId="6ac139bb-b445-447a-8efe-92d4a0b8d73e" providerId="ADAL" clId="{48FB226F-732D-4FDA-9591-E5537808FDFF}" dt="2023-10-02T18:00:06.025" v="190"/>
+          <ac:cxnSpMkLst>
+            <pc:docMk/>
+            <pc:sldMk cId="1570623444" sldId="291"/>
+            <ac:cxnSpMk id="14" creationId="{F842303B-F764-FD5C-D631-1267C7E456FE}"/>
+          </ac:cxnSpMkLst>
+        </pc:cxnChg>
+        <pc:cxnChg chg="add del mod">
+          <ac:chgData name="Armando Lacerda" userId="6ac139bb-b445-447a-8efe-92d4a0b8d73e" providerId="ADAL" clId="{48FB226F-732D-4FDA-9591-E5537808FDFF}" dt="2023-10-02T18:00:06.025" v="190"/>
+          <ac:cxnSpMkLst>
+            <pc:docMk/>
+            <pc:sldMk cId="1570623444" sldId="291"/>
+            <ac:cxnSpMk id="16" creationId="{F34F4B6D-D0F3-058A-191F-9A907C2386E0}"/>
+          </ac:cxnSpMkLst>
+        </pc:cxnChg>
+        <pc:cxnChg chg="add mod">
+          <ac:chgData name="Armando Lacerda" userId="6ac139bb-b445-447a-8efe-92d4a0b8d73e" providerId="ADAL" clId="{48FB226F-732D-4FDA-9591-E5537808FDFF}" dt="2023-10-02T18:02:35.141" v="208" actId="1076"/>
+          <ac:cxnSpMkLst>
+            <pc:docMk/>
+            <pc:sldMk cId="1570623444" sldId="291"/>
+            <ac:cxnSpMk id="35" creationId="{6F347D31-30FA-B8F2-C9B7-40FB3F066F9B}"/>
+          </ac:cxnSpMkLst>
+        </pc:cxnChg>
+        <pc:cxnChg chg="add mod">
+          <ac:chgData name="Armando Lacerda" userId="6ac139bb-b445-447a-8efe-92d4a0b8d73e" providerId="ADAL" clId="{48FB226F-732D-4FDA-9591-E5537808FDFF}" dt="2023-10-02T18:02:35.141" v="208" actId="1076"/>
+          <ac:cxnSpMkLst>
+            <pc:docMk/>
+            <pc:sldMk cId="1570623444" sldId="291"/>
+            <ac:cxnSpMk id="37" creationId="{2DA5CBEF-5015-7BE5-6BAA-72295EB2E936}"/>
+          </ac:cxnSpMkLst>
+        </pc:cxnChg>
+      </pc:sldChg>
+      <pc:sldChg chg="addSp delSp modSp add mod">
+        <pc:chgData name="Armando Lacerda" userId="6ac139bb-b445-447a-8efe-92d4a0b8d73e" providerId="ADAL" clId="{48FB226F-732D-4FDA-9591-E5537808FDFF}" dt="2023-10-02T18:04:44.109" v="228" actId="478"/>
         <pc:sldMkLst>
           <pc:docMk/>
           <pc:sldMk cId="632778582" sldId="292"/>
         </pc:sldMkLst>
+        <pc:spChg chg="del mod">
+          <ac:chgData name="Armando Lacerda" userId="6ac139bb-b445-447a-8efe-92d4a0b8d73e" providerId="ADAL" clId="{48FB226F-732D-4FDA-9591-E5537808FDFF}" dt="2023-10-02T18:04:44.109" v="228" actId="478"/>
+          <ac:spMkLst>
+            <pc:docMk/>
+            <pc:sldMk cId="632778582" sldId="292"/>
+            <ac:spMk id="36" creationId="{C13FD11E-5588-B1A7-5519-03031A8CC920}"/>
+          </ac:spMkLst>
+        </pc:spChg>
+        <pc:spChg chg="mod">
+          <ac:chgData name="Armando Lacerda" userId="6ac139bb-b445-447a-8efe-92d4a0b8d73e" providerId="ADAL" clId="{48FB226F-732D-4FDA-9591-E5537808FDFF}" dt="2023-10-02T18:03:29.432" v="212" actId="1076"/>
+          <ac:spMkLst>
+            <pc:docMk/>
+            <pc:sldMk cId="632778582" sldId="292"/>
+            <ac:spMk id="38" creationId="{3AA026CD-FD41-7902-D642-630CE11DA3B0}"/>
+          </ac:spMkLst>
+        </pc:spChg>
+        <pc:picChg chg="add del mod modCrop">
+          <ac:chgData name="Armando Lacerda" userId="6ac139bb-b445-447a-8efe-92d4a0b8d73e" providerId="ADAL" clId="{48FB226F-732D-4FDA-9591-E5537808FDFF}" dt="2023-10-02T18:04:05.120" v="219" actId="478"/>
+          <ac:picMkLst>
+            <pc:docMk/>
+            <pc:sldMk cId="632778582" sldId="292"/>
+            <ac:picMk id="2" creationId="{52A1B7B7-6B41-55C3-F9FB-6067A0741CF4}"/>
+          </ac:picMkLst>
+        </pc:picChg>
+        <pc:picChg chg="add del mod modCrop">
+          <ac:chgData name="Armando Lacerda" userId="6ac139bb-b445-447a-8efe-92d4a0b8d73e" providerId="ADAL" clId="{48FB226F-732D-4FDA-9591-E5537808FDFF}" dt="2023-10-02T18:04:44.109" v="228" actId="478"/>
+          <ac:picMkLst>
+            <pc:docMk/>
+            <pc:sldMk cId="632778582" sldId="292"/>
+            <ac:picMk id="3" creationId="{A9BE841A-E4AE-EDBC-21EC-576DCC174A84}"/>
+          </ac:picMkLst>
+        </pc:picChg>
+        <pc:picChg chg="mod modCrop">
+          <ac:chgData name="Armando Lacerda" userId="6ac139bb-b445-447a-8efe-92d4a0b8d73e" providerId="ADAL" clId="{48FB226F-732D-4FDA-9591-E5537808FDFF}" dt="2023-10-02T18:03:29.432" v="212" actId="1076"/>
+          <ac:picMkLst>
+            <pc:docMk/>
+            <pc:sldMk cId="632778582" sldId="292"/>
+            <ac:picMk id="43" creationId="{85217BC4-748E-61AD-CA33-A60E84549A90}"/>
+          </ac:picMkLst>
+        </pc:picChg>
+        <pc:cxnChg chg="del mod">
+          <ac:chgData name="Armando Lacerda" userId="6ac139bb-b445-447a-8efe-92d4a0b8d73e" providerId="ADAL" clId="{48FB226F-732D-4FDA-9591-E5537808FDFF}" dt="2023-10-02T18:04:44.109" v="228" actId="478"/>
+          <ac:cxnSpMkLst>
+            <pc:docMk/>
+            <pc:sldMk cId="632778582" sldId="292"/>
+            <ac:cxnSpMk id="35" creationId="{6F347D31-30FA-B8F2-C9B7-40FB3F066F9B}"/>
+          </ac:cxnSpMkLst>
+        </pc:cxnChg>
+        <pc:cxnChg chg="mod">
+          <ac:chgData name="Armando Lacerda" userId="6ac139bb-b445-447a-8efe-92d4a0b8d73e" providerId="ADAL" clId="{48FB226F-732D-4FDA-9591-E5537808FDFF}" dt="2023-10-02T18:03:29.432" v="212" actId="1076"/>
+          <ac:cxnSpMkLst>
+            <pc:docMk/>
+            <pc:sldMk cId="632778582" sldId="292"/>
+            <ac:cxnSpMk id="37" creationId="{2DA5CBEF-5015-7BE5-6BAA-72295EB2E936}"/>
+          </ac:cxnSpMkLst>
+        </pc:cxnChg>
       </pc:sldChg>
-      <pc:sldChg chg="del">
-        <pc:chgData name="Armando Lacerda" userId="6ac139bb-b445-447a-8efe-92d4a0b8d73e" providerId="ADAL" clId="{69F408A4-DF4A-4710-8220-51297D0C0F30}" dt="2023-10-09T18:27:11.153" v="46" actId="47"/>
+      <pc:sldChg chg="addSp delSp modSp add mod">
+        <pc:chgData name="Armando Lacerda" userId="6ac139bb-b445-447a-8efe-92d4a0b8d73e" providerId="ADAL" clId="{48FB226F-732D-4FDA-9591-E5537808FDFF}" dt="2023-10-02T18:05:49.687" v="233"/>
         <pc:sldMkLst>
           <pc:docMk/>
           <pc:sldMk cId="1277820717" sldId="293"/>
         </pc:sldMkLst>
+        <pc:spChg chg="del">
+          <ac:chgData name="Armando Lacerda" userId="6ac139bb-b445-447a-8efe-92d4a0b8d73e" providerId="ADAL" clId="{48FB226F-732D-4FDA-9591-E5537808FDFF}" dt="2023-10-02T18:04:53.305" v="229" actId="21"/>
+          <ac:spMkLst>
+            <pc:docMk/>
+            <pc:sldMk cId="1277820717" sldId="293"/>
+            <ac:spMk id="38" creationId="{3AA026CD-FD41-7902-D642-630CE11DA3B0}"/>
+          </ac:spMkLst>
+        </pc:spChg>
+        <pc:picChg chg="add mod">
+          <ac:chgData name="Armando Lacerda" userId="6ac139bb-b445-447a-8efe-92d4a0b8d73e" providerId="ADAL" clId="{48FB226F-732D-4FDA-9591-E5537808FDFF}" dt="2023-10-02T18:05:49.687" v="233"/>
+          <ac:picMkLst>
+            <pc:docMk/>
+            <pc:sldMk cId="1277820717" sldId="293"/>
+            <ac:picMk id="2" creationId="{BA350459-0D14-3101-13AF-D7142BACFA8A}"/>
+          </ac:picMkLst>
+        </pc:picChg>
+        <pc:picChg chg="del">
+          <ac:chgData name="Armando Lacerda" userId="6ac139bb-b445-447a-8efe-92d4a0b8d73e" providerId="ADAL" clId="{48FB226F-732D-4FDA-9591-E5537808FDFF}" dt="2023-10-02T18:04:53.305" v="229" actId="21"/>
+          <ac:picMkLst>
+            <pc:docMk/>
+            <pc:sldMk cId="1277820717" sldId="293"/>
+            <ac:picMk id="43" creationId="{85217BC4-748E-61AD-CA33-A60E84549A90}"/>
+          </ac:picMkLst>
+        </pc:picChg>
+        <pc:cxnChg chg="del">
+          <ac:chgData name="Armando Lacerda" userId="6ac139bb-b445-447a-8efe-92d4a0b8d73e" providerId="ADAL" clId="{48FB226F-732D-4FDA-9591-E5537808FDFF}" dt="2023-10-02T18:04:53.305" v="229" actId="21"/>
+          <ac:cxnSpMkLst>
+            <pc:docMk/>
+            <pc:sldMk cId="1277820717" sldId="293"/>
+            <ac:cxnSpMk id="37" creationId="{2DA5CBEF-5015-7BE5-6BAA-72295EB2E936}"/>
+          </ac:cxnSpMkLst>
+        </pc:cxnChg>
       </pc:sldChg>
-      <pc:sldChg chg="del">
-        <pc:chgData name="Armando Lacerda" userId="6ac139bb-b445-447a-8efe-92d4a0b8d73e" providerId="ADAL" clId="{69F408A4-DF4A-4710-8220-51297D0C0F30}" dt="2023-10-09T18:27:11.153" v="46" actId="47"/>
+      <pc:sldChg chg="addSp delSp modSp new">
+        <pc:chgData name="Armando Lacerda" userId="6ac139bb-b445-447a-8efe-92d4a0b8d73e" providerId="ADAL" clId="{48FB226F-732D-4FDA-9591-E5537808FDFF}" dt="2023-10-02T18:14:13.718" v="237"/>
         <pc:sldMkLst>
           <pc:docMk/>
           <pc:sldMk cId="3344437992" sldId="294"/>
         </pc:sldMkLst>
+        <pc:spChg chg="add del mod">
+          <ac:chgData name="Armando Lacerda" userId="6ac139bb-b445-447a-8efe-92d4a0b8d73e" providerId="ADAL" clId="{48FB226F-732D-4FDA-9591-E5537808FDFF}" dt="2023-10-02T18:14:08.363" v="236"/>
+          <ac:spMkLst>
+            <pc:docMk/>
+            <pc:sldMk cId="3344437992" sldId="294"/>
+            <ac:spMk id="2" creationId="{45F72016-5B84-E852-42AB-23B3A739D255}"/>
+          </ac:spMkLst>
+        </pc:spChg>
+        <pc:spChg chg="add del mod">
+          <ac:chgData name="Armando Lacerda" userId="6ac139bb-b445-447a-8efe-92d4a0b8d73e" providerId="ADAL" clId="{48FB226F-732D-4FDA-9591-E5537808FDFF}" dt="2023-10-02T18:14:08.363" v="236"/>
+          <ac:spMkLst>
+            <pc:docMk/>
+            <pc:sldMk cId="3344437992" sldId="294"/>
+            <ac:spMk id="3" creationId="{41A1F696-373E-2448-3F5F-350D37BA16A8}"/>
+          </ac:spMkLst>
+        </pc:spChg>
+        <pc:spChg chg="add mod">
+          <ac:chgData name="Armando Lacerda" userId="6ac139bb-b445-447a-8efe-92d4a0b8d73e" providerId="ADAL" clId="{48FB226F-732D-4FDA-9591-E5537808FDFF}" dt="2023-10-02T18:14:13.718" v="237"/>
+          <ac:spMkLst>
+            <pc:docMk/>
+            <pc:sldMk cId="3344437992" sldId="294"/>
+            <ac:spMk id="4" creationId="{43C791BE-310D-0D09-C2E6-4EA3BCB1883A}"/>
+          </ac:spMkLst>
+        </pc:spChg>
+        <pc:spChg chg="add mod">
+          <ac:chgData name="Armando Lacerda" userId="6ac139bb-b445-447a-8efe-92d4a0b8d73e" providerId="ADAL" clId="{48FB226F-732D-4FDA-9591-E5537808FDFF}" dt="2023-10-02T18:14:13.718" v="237"/>
+          <ac:spMkLst>
+            <pc:docMk/>
+            <pc:sldMk cId="3344437992" sldId="294"/>
+            <ac:spMk id="5" creationId="{DCD3650D-7823-E5A8-D2C4-F4FF044FAC76}"/>
+          </ac:spMkLst>
+        </pc:spChg>
+        <pc:spChg chg="add mod">
+          <ac:chgData name="Armando Lacerda" userId="6ac139bb-b445-447a-8efe-92d4a0b8d73e" providerId="ADAL" clId="{48FB226F-732D-4FDA-9591-E5537808FDFF}" dt="2023-10-02T18:14:13.718" v="237"/>
+          <ac:spMkLst>
+            <pc:docMk/>
+            <pc:sldMk cId="3344437992" sldId="294"/>
+            <ac:spMk id="6" creationId="{DA861810-9463-A968-1E6D-BD326DE56429}"/>
+          </ac:spMkLst>
+        </pc:spChg>
       </pc:sldChg>
-      <pc:sldChg chg="del">
-        <pc:chgData name="Armando Lacerda" userId="6ac139bb-b445-447a-8efe-92d4a0b8d73e" providerId="ADAL" clId="{69F408A4-DF4A-4710-8220-51297D0C0F30}" dt="2023-10-09T18:27:11.153" v="46" actId="47"/>
+      <pc:sldChg chg="addSp modSp add mod ord">
+        <pc:chgData name="Armando Lacerda" userId="6ac139bb-b445-447a-8efe-92d4a0b8d73e" providerId="ADAL" clId="{48FB226F-732D-4FDA-9591-E5537808FDFF}" dt="2023-10-02T18:17:27.977" v="251" actId="692"/>
         <pc:sldMkLst>
           <pc:docMk/>
           <pc:sldMk cId="1669405212" sldId="295"/>
         </pc:sldMkLst>
+        <pc:spChg chg="add mod">
+          <ac:chgData name="Armando Lacerda" userId="6ac139bb-b445-447a-8efe-92d4a0b8d73e" providerId="ADAL" clId="{48FB226F-732D-4FDA-9591-E5537808FDFF}" dt="2023-10-02T18:14:44.604" v="241"/>
+          <ac:spMkLst>
+            <pc:docMk/>
+            <pc:sldMk cId="1669405212" sldId="295"/>
+            <ac:spMk id="2" creationId="{277024D2-71F3-DB6C-DD27-A9EE7C136460}"/>
+          </ac:spMkLst>
+        </pc:spChg>
+        <pc:spChg chg="add mod">
+          <ac:chgData name="Armando Lacerda" userId="6ac139bb-b445-447a-8efe-92d4a0b8d73e" providerId="ADAL" clId="{48FB226F-732D-4FDA-9591-E5537808FDFF}" dt="2023-10-02T18:14:44.604" v="241"/>
+          <ac:spMkLst>
+            <pc:docMk/>
+            <pc:sldMk cId="1669405212" sldId="295"/>
+            <ac:spMk id="3" creationId="{3A0DEBA3-93C1-A050-EE9D-98C2622EBDD7}"/>
+          </ac:spMkLst>
+        </pc:spChg>
+        <pc:spChg chg="mod">
+          <ac:chgData name="Armando Lacerda" userId="6ac139bb-b445-447a-8efe-92d4a0b8d73e" providerId="ADAL" clId="{48FB226F-732D-4FDA-9591-E5537808FDFF}" dt="2023-10-02T18:14:59.137" v="242" actId="207"/>
+          <ac:spMkLst>
+            <pc:docMk/>
+            <pc:sldMk cId="1669405212" sldId="295"/>
+            <ac:spMk id="4" creationId="{43C791BE-310D-0D09-C2E6-4EA3BCB1883A}"/>
+          </ac:spMkLst>
+        </pc:spChg>
+        <pc:spChg chg="mod">
+          <ac:chgData name="Armando Lacerda" userId="6ac139bb-b445-447a-8efe-92d4a0b8d73e" providerId="ADAL" clId="{48FB226F-732D-4FDA-9591-E5537808FDFF}" dt="2023-10-02T18:16:22.708" v="246" actId="207"/>
+          <ac:spMkLst>
+            <pc:docMk/>
+            <pc:sldMk cId="1669405212" sldId="295"/>
+            <ac:spMk id="5" creationId="{DCD3650D-7823-E5A8-D2C4-F4FF044FAC76}"/>
+          </ac:spMkLst>
+        </pc:spChg>
+        <pc:spChg chg="mod">
+          <ac:chgData name="Armando Lacerda" userId="6ac139bb-b445-447a-8efe-92d4a0b8d73e" providerId="ADAL" clId="{48FB226F-732D-4FDA-9591-E5537808FDFF}" dt="2023-10-02T18:17:27.977" v="251" actId="692"/>
+          <ac:spMkLst>
+            <pc:docMk/>
+            <pc:sldMk cId="1669405212" sldId="295"/>
+            <ac:spMk id="6" creationId="{DA861810-9463-A968-1E6D-BD326DE56429}"/>
+          </ac:spMkLst>
+        </pc:spChg>
+        <pc:spChg chg="add mod">
+          <ac:chgData name="Armando Lacerda" userId="6ac139bb-b445-447a-8efe-92d4a0b8d73e" providerId="ADAL" clId="{48FB226F-732D-4FDA-9591-E5537808FDFF}" dt="2023-10-02T18:14:44.604" v="241"/>
+          <ac:spMkLst>
+            <pc:docMk/>
+            <pc:sldMk cId="1669405212" sldId="295"/>
+            <ac:spMk id="7" creationId="{EF5CB085-BCEF-FF04-417C-278B7B882543}"/>
+          </ac:spMkLst>
+        </pc:spChg>
       </pc:sldChg>
-      <pc:sldChg chg="del">
-        <pc:chgData name="Armando Lacerda" userId="6ac139bb-b445-447a-8efe-92d4a0b8d73e" providerId="ADAL" clId="{69F408A4-DF4A-4710-8220-51297D0C0F30}" dt="2023-10-09T18:27:11.153" v="46" actId="47"/>
+      <pc:sldChg chg="addSp new">
+        <pc:chgData name="Armando Lacerda" userId="6ac139bb-b445-447a-8efe-92d4a0b8d73e" providerId="ADAL" clId="{48FB226F-732D-4FDA-9591-E5537808FDFF}" dt="2023-10-02T18:19:56.378" v="253"/>
         <pc:sldMkLst>
           <pc:docMk/>
           <pc:sldMk cId="2875670452" sldId="296"/>
         </pc:sldMkLst>
+        <pc:picChg chg="add">
+          <ac:chgData name="Armando Lacerda" userId="6ac139bb-b445-447a-8efe-92d4a0b8d73e" providerId="ADAL" clId="{48FB226F-732D-4FDA-9591-E5537808FDFF}" dt="2023-10-02T18:19:56.378" v="253"/>
+          <ac:picMkLst>
+            <pc:docMk/>
+            <pc:sldMk cId="2875670452" sldId="296"/>
+            <ac:picMk id="2" creationId="{7E6B02EE-F592-B5D0-9403-B70060CDCA52}"/>
+          </ac:picMkLst>
+        </pc:picChg>
       </pc:sldChg>
-      <pc:sldChg chg="del">
-        <pc:chgData name="Armando Lacerda" userId="6ac139bb-b445-447a-8efe-92d4a0b8d73e" providerId="ADAL" clId="{69F408A4-DF4A-4710-8220-51297D0C0F30}" dt="2023-10-09T18:27:11.153" v="46" actId="47"/>
+      <pc:sldChg chg="addSp modSp add mod ord">
+        <pc:chgData name="Armando Lacerda" userId="6ac139bb-b445-447a-8efe-92d4a0b8d73e" providerId="ADAL" clId="{48FB226F-732D-4FDA-9591-E5537808FDFF}" dt="2023-10-02T18:21:07.090" v="261" actId="207"/>
         <pc:sldMkLst>
           <pc:docMk/>
           <pc:sldMk cId="3424406947" sldId="297"/>
         </pc:sldMkLst>
+        <pc:spChg chg="mod">
+          <ac:chgData name="Armando Lacerda" userId="6ac139bb-b445-447a-8efe-92d4a0b8d73e" providerId="ADAL" clId="{48FB226F-732D-4FDA-9591-E5537808FDFF}" dt="2023-10-02T18:20:36.478" v="258" actId="108"/>
+          <ac:spMkLst>
+            <pc:docMk/>
+            <pc:sldMk cId="3424406947" sldId="297"/>
+            <ac:spMk id="2" creationId="{277024D2-71F3-DB6C-DD27-A9EE7C136460}"/>
+          </ac:spMkLst>
+        </pc:spChg>
+        <pc:spChg chg="mod">
+          <ac:chgData name="Armando Lacerda" userId="6ac139bb-b445-447a-8efe-92d4a0b8d73e" providerId="ADAL" clId="{48FB226F-732D-4FDA-9591-E5537808FDFF}" dt="2023-10-02T18:20:43.888" v="259" actId="108"/>
+          <ac:spMkLst>
+            <pc:docMk/>
+            <pc:sldMk cId="3424406947" sldId="297"/>
+            <ac:spMk id="3" creationId="{3A0DEBA3-93C1-A050-EE9D-98C2622EBDD7}"/>
+          </ac:spMkLst>
+        </pc:spChg>
+        <pc:spChg chg="mod">
+          <ac:chgData name="Armando Lacerda" userId="6ac139bb-b445-447a-8efe-92d4a0b8d73e" providerId="ADAL" clId="{48FB226F-732D-4FDA-9591-E5537808FDFF}" dt="2023-10-02T18:21:07.090" v="261" actId="207"/>
+          <ac:spMkLst>
+            <pc:docMk/>
+            <pc:sldMk cId="3424406947" sldId="297"/>
+            <ac:spMk id="7" creationId="{EF5CB085-BCEF-FF04-417C-278B7B882543}"/>
+          </ac:spMkLst>
+        </pc:spChg>
+        <pc:spChg chg="add mod">
+          <ac:chgData name="Armando Lacerda" userId="6ac139bb-b445-447a-8efe-92d4a0b8d73e" providerId="ADAL" clId="{48FB226F-732D-4FDA-9591-E5537808FDFF}" dt="2023-10-02T18:20:22.100" v="257"/>
+          <ac:spMkLst>
+            <pc:docMk/>
+            <pc:sldMk cId="3424406947" sldId="297"/>
+            <ac:spMk id="8" creationId="{5D880346-460A-49F4-E561-5ADA9A5CCD85}"/>
+          </ac:spMkLst>
+        </pc:spChg>
+        <pc:spChg chg="add mod">
+          <ac:chgData name="Armando Lacerda" userId="6ac139bb-b445-447a-8efe-92d4a0b8d73e" providerId="ADAL" clId="{48FB226F-732D-4FDA-9591-E5537808FDFF}" dt="2023-10-02T18:20:22.100" v="257"/>
+          <ac:spMkLst>
+            <pc:docMk/>
+            <pc:sldMk cId="3424406947" sldId="297"/>
+            <ac:spMk id="9" creationId="{79FD0D26-9162-90E2-C4ED-C64785815C87}"/>
+          </ac:spMkLst>
+        </pc:spChg>
+        <pc:spChg chg="add mod">
+          <ac:chgData name="Armando Lacerda" userId="6ac139bb-b445-447a-8efe-92d4a0b8d73e" providerId="ADAL" clId="{48FB226F-732D-4FDA-9591-E5537808FDFF}" dt="2023-10-02T18:20:22.100" v="257"/>
+          <ac:spMkLst>
+            <pc:docMk/>
+            <pc:sldMk cId="3424406947" sldId="297"/>
+            <ac:spMk id="10" creationId="{40829C50-0532-81AD-547B-0524C8E9810C}"/>
+          </ac:spMkLst>
+        </pc:spChg>
       </pc:sldChg>
-      <pc:sldChg chg="modSp add mod">
-        <pc:chgData name="Armando Lacerda" userId="6ac139bb-b445-447a-8efe-92d4a0b8d73e" providerId="ADAL" clId="{69F408A4-DF4A-4710-8220-51297D0C0F30}" dt="2023-10-09T18:14:52.822" v="31" actId="20577"/>
+      <pc:sldChg chg="addSp delSp modSp new mod">
+        <pc:chgData name="Armando Lacerda" userId="6ac139bb-b445-447a-8efe-92d4a0b8d73e" providerId="ADAL" clId="{48FB226F-732D-4FDA-9591-E5537808FDFF}" dt="2023-10-03T16:08:42.622" v="356"/>
         <pc:sldMkLst>
           <pc:docMk/>
-          <pc:sldMk cId="2172705607" sldId="303"/>
+          <pc:sldMk cId="3902582183" sldId="298"/>
         </pc:sldMkLst>
-        <pc:spChg chg="mod">
-          <ac:chgData name="Armando Lacerda" userId="6ac139bb-b445-447a-8efe-92d4a0b8d73e" providerId="ADAL" clId="{69F408A4-DF4A-4710-8220-51297D0C0F30}" dt="2023-10-09T18:14:52.822" v="31" actId="20577"/>
-          <ac:spMkLst>
-            <pc:docMk/>
-            <pc:sldMk cId="2172705607" sldId="303"/>
-            <ac:spMk id="3" creationId="{8689F898-B53E-EDFC-8FDB-7ED3601D517A}"/>
-          </ac:spMkLst>
-        </pc:spChg>
+        <pc:spChg chg="add del mod">
+          <ac:chgData name="Armando Lacerda" userId="6ac139bb-b445-447a-8efe-92d4a0b8d73e" providerId="ADAL" clId="{48FB226F-732D-4FDA-9591-E5537808FDFF}" dt="2023-10-02T18:31:46.679" v="299" actId="478"/>
+          <ac:spMkLst>
+            <pc:docMk/>
+            <pc:sldMk cId="3902582183" sldId="298"/>
+            <ac:spMk id="4" creationId="{E5C0F7C4-66DC-A8E8-FD8B-20D83A008985}"/>
+          </ac:spMkLst>
+        </pc:spChg>
+        <pc:spChg chg="add del mod">
+          <ac:chgData name="Armando Lacerda" userId="6ac139bb-b445-447a-8efe-92d4a0b8d73e" providerId="ADAL" clId="{48FB226F-732D-4FDA-9591-E5537808FDFF}" dt="2023-10-02T18:31:46.679" v="299" actId="478"/>
+          <ac:spMkLst>
+            <pc:docMk/>
+            <pc:sldMk cId="3902582183" sldId="298"/>
+            <ac:spMk id="5" creationId="{D2388BA3-9C7F-C236-60DD-91EB875DE8C2}"/>
+          </ac:spMkLst>
+        </pc:spChg>
+        <pc:spChg chg="add del mod">
+          <ac:chgData name="Armando Lacerda" userId="6ac139bb-b445-447a-8efe-92d4a0b8d73e" providerId="ADAL" clId="{48FB226F-732D-4FDA-9591-E5537808FDFF}" dt="2023-10-02T18:31:46.679" v="299" actId="478"/>
+          <ac:spMkLst>
+            <pc:docMk/>
+            <pc:sldMk cId="3902582183" sldId="298"/>
+            <ac:spMk id="6" creationId="{F0D5B5B5-70FE-69B9-2DD2-4BE1DA788EA7}"/>
+          </ac:spMkLst>
+        </pc:spChg>
+        <pc:spChg chg="add del mod">
+          <ac:chgData name="Armando Lacerda" userId="6ac139bb-b445-447a-8efe-92d4a0b8d73e" providerId="ADAL" clId="{48FB226F-732D-4FDA-9591-E5537808FDFF}" dt="2023-10-02T18:31:46.679" v="299" actId="478"/>
+          <ac:spMkLst>
+            <pc:docMk/>
+            <pc:sldMk cId="3902582183" sldId="298"/>
+            <ac:spMk id="10" creationId="{7B55015E-A289-F20B-3BB9-C592F9E31F54}"/>
+          </ac:spMkLst>
+        </pc:spChg>
+        <pc:spChg chg="add del mod">
+          <ac:chgData name="Armando Lacerda" userId="6ac139bb-b445-447a-8efe-92d4a0b8d73e" providerId="ADAL" clId="{48FB226F-732D-4FDA-9591-E5537808FDFF}" dt="2023-10-02T18:31:46.679" v="299" actId="478"/>
+          <ac:spMkLst>
+            <pc:docMk/>
+            <pc:sldMk cId="3902582183" sldId="298"/>
+            <ac:spMk id="15" creationId="{ED5E6291-E278-5EAE-A1D9-3EAC760BDD16}"/>
+          </ac:spMkLst>
+        </pc:spChg>
+        <pc:spChg chg="add del mod">
+          <ac:chgData name="Armando Lacerda" userId="6ac139bb-b445-447a-8efe-92d4a0b8d73e" providerId="ADAL" clId="{48FB226F-732D-4FDA-9591-E5537808FDFF}" dt="2023-10-02T18:31:46.679" v="299" actId="478"/>
+          <ac:spMkLst>
+            <pc:docMk/>
+            <pc:sldMk cId="3902582183" sldId="298"/>
+            <ac:spMk id="18" creationId="{E6F564BD-93F9-9D49-FE5D-50623C631953}"/>
+          </ac:spMkLst>
+        </pc:spChg>
+        <pc:spChg chg="add del mod">
+          <ac:chgData name="Armando Lacerda" userId="6ac139bb-b445-447a-8efe-92d4a0b8d73e" providerId="ADAL" clId="{48FB226F-732D-4FDA-9591-E5537808FDFF}" dt="2023-10-02T18:31:46.679" v="299" actId="478"/>
+          <ac:spMkLst>
+            <pc:docMk/>
+            <pc:sldMk cId="3902582183" sldId="298"/>
+            <ac:spMk id="19" creationId="{D0FD974C-D96D-DEF1-6EB6-99B0AD2CCE85}"/>
+          </ac:spMkLst>
+        </pc:spChg>
+        <pc:spChg chg="add del mod">
+          <ac:chgData name="Armando Lacerda" userId="6ac139bb-b445-447a-8efe-92d4a0b8d73e" providerId="ADAL" clId="{48FB226F-732D-4FDA-9591-E5537808FDFF}" dt="2023-10-02T18:31:46.679" v="299" actId="478"/>
+          <ac:spMkLst>
+            <pc:docMk/>
+            <pc:sldMk cId="3902582183" sldId="298"/>
+            <ac:spMk id="21" creationId="{6F84FD2F-8896-8F39-6494-F935C277E808}"/>
+          </ac:spMkLst>
+        </pc:spChg>
+        <pc:spChg chg="add del mod">
+          <ac:chgData name="Armando Lacerda" userId="6ac139bb-b445-447a-8efe-92d4a0b8d73e" providerId="ADAL" clId="{48FB226F-732D-4FDA-9591-E5537808FDFF}" dt="2023-10-02T18:31:46.679" v="299" actId="478"/>
+          <ac:spMkLst>
+            <pc:docMk/>
+            <pc:sldMk cId="3902582183" sldId="298"/>
+            <ac:spMk id="22" creationId="{37C737B0-BA90-859A-1FAC-593770A26C40}"/>
+          </ac:spMkLst>
+        </pc:spChg>
+        <pc:spChg chg="add mod">
+          <ac:chgData name="Armando Lacerda" userId="6ac139bb-b445-447a-8efe-92d4a0b8d73e" providerId="ADAL" clId="{48FB226F-732D-4FDA-9591-E5537808FDFF}" dt="2023-10-02T18:31:30.373" v="296" actId="1076"/>
+          <ac:spMkLst>
+            <pc:docMk/>
+            <pc:sldMk cId="3902582183" sldId="298"/>
+            <ac:spMk id="24" creationId="{97BC46F1-A678-EA76-32F8-275BB9F0946B}"/>
+          </ac:spMkLst>
+        </pc:spChg>
+        <pc:spChg chg="add del mod">
+          <ac:chgData name="Armando Lacerda" userId="6ac139bb-b445-447a-8efe-92d4a0b8d73e" providerId="ADAL" clId="{48FB226F-732D-4FDA-9591-E5537808FDFF}" dt="2023-10-02T18:31:46.679" v="299" actId="478"/>
+          <ac:spMkLst>
+            <pc:docMk/>
+            <pc:sldMk cId="3902582183" sldId="298"/>
+            <ac:spMk id="26" creationId="{C928BEC5-155A-6546-6B3E-D4AC32E98069}"/>
+          </ac:spMkLst>
+        </pc:spChg>
+        <pc:spChg chg="add mod">
+          <ac:chgData name="Armando Lacerda" userId="6ac139bb-b445-447a-8efe-92d4a0b8d73e" providerId="ADAL" clId="{48FB226F-732D-4FDA-9591-E5537808FDFF}" dt="2023-10-02T18:32:14.548" v="305" actId="1076"/>
+          <ac:spMkLst>
+            <pc:docMk/>
+            <pc:sldMk cId="3902582183" sldId="298"/>
+            <ac:spMk id="30" creationId="{0CA87E6E-028E-124A-138D-88BD32EAF099}"/>
+          </ac:spMkLst>
+        </pc:spChg>
+        <pc:graphicFrameChg chg="add del mod ord">
+          <ac:chgData name="Armando Lacerda" userId="6ac139bb-b445-447a-8efe-92d4a0b8d73e" providerId="ADAL" clId="{48FB226F-732D-4FDA-9591-E5537808FDFF}" dt="2023-10-02T18:31:46.679" v="299" actId="478"/>
+          <ac:graphicFrameMkLst>
+            <pc:docMk/>
+            <pc:sldMk cId="3902582183" sldId="298"/>
+            <ac:graphicFrameMk id="20" creationId="{7B90682C-A5EA-9B01-7120-441AFB397504}"/>
+          </ac:graphicFrameMkLst>
+        </pc:graphicFrameChg>
+        <pc:picChg chg="add del mod">
+          <ac:chgData name="Armando Lacerda" userId="6ac139bb-b445-447a-8efe-92d4a0b8d73e" providerId="ADAL" clId="{48FB226F-732D-4FDA-9591-E5537808FDFF}" dt="2023-10-02T18:31:46.679" v="299" actId="478"/>
+          <ac:picMkLst>
+            <pc:docMk/>
+            <pc:sldMk cId="3902582183" sldId="298"/>
+            <ac:picMk id="2" creationId="{42A957E3-CF69-5922-CE95-CF58579E335B}"/>
+          </ac:picMkLst>
+        </pc:picChg>
+        <pc:picChg chg="add mod">
+          <ac:chgData name="Armando Lacerda" userId="6ac139bb-b445-447a-8efe-92d4a0b8d73e" providerId="ADAL" clId="{48FB226F-732D-4FDA-9591-E5537808FDFF}" dt="2023-10-03T16:08:42.622" v="356"/>
+          <ac:picMkLst>
+            <pc:docMk/>
+            <pc:sldMk cId="3902582183" sldId="298"/>
+            <ac:picMk id="2" creationId="{CEF14872-A611-3E94-F2A0-A23BC3B2A010}"/>
+          </ac:picMkLst>
+        </pc:picChg>
+        <pc:picChg chg="add mod">
+          <ac:chgData name="Armando Lacerda" userId="6ac139bb-b445-447a-8efe-92d4a0b8d73e" providerId="ADAL" clId="{48FB226F-732D-4FDA-9591-E5537808FDFF}" dt="2023-10-03T16:08:42.622" v="356"/>
+          <ac:picMkLst>
+            <pc:docMk/>
+            <pc:sldMk cId="3902582183" sldId="298"/>
+            <ac:picMk id="3" creationId="{137CD37A-F262-2374-6E95-7E6FBE2B96D7}"/>
+          </ac:picMkLst>
+        </pc:picChg>
+        <pc:picChg chg="add del mod">
+          <ac:chgData name="Armando Lacerda" userId="6ac139bb-b445-447a-8efe-92d4a0b8d73e" providerId="ADAL" clId="{48FB226F-732D-4FDA-9591-E5537808FDFF}" dt="2023-10-02T18:31:46.679" v="299" actId="478"/>
+          <ac:picMkLst>
+            <pc:docMk/>
+            <pc:sldMk cId="3902582183" sldId="298"/>
+            <ac:picMk id="3" creationId="{A25C7D69-02AE-CF0B-D2EE-CE431757F798}"/>
+          </ac:picMkLst>
+        </pc:picChg>
+        <pc:picChg chg="add del mod">
+          <ac:chgData name="Armando Lacerda" userId="6ac139bb-b445-447a-8efe-92d4a0b8d73e" providerId="ADAL" clId="{48FB226F-732D-4FDA-9591-E5537808FDFF}" dt="2023-10-02T18:31:46.679" v="299" actId="478"/>
+          <ac:picMkLst>
+            <pc:docMk/>
+            <pc:sldMk cId="3902582183" sldId="298"/>
+            <ac:picMk id="7" creationId="{A19BCA45-2A31-43A0-E8BC-F8A3A6ACA659}"/>
+          </ac:picMkLst>
+        </pc:picChg>
+        <pc:picChg chg="add del mod">
+          <ac:chgData name="Armando Lacerda" userId="6ac139bb-b445-447a-8efe-92d4a0b8d73e" providerId="ADAL" clId="{48FB226F-732D-4FDA-9591-E5537808FDFF}" dt="2023-10-02T18:31:46.679" v="299" actId="478"/>
+          <ac:picMkLst>
+            <pc:docMk/>
+            <pc:sldMk cId="3902582183" sldId="298"/>
+            <ac:picMk id="8" creationId="{6659E6D0-1E30-EE20-37B5-604022018AB1}"/>
+          </ac:picMkLst>
+        </pc:picChg>
+        <pc:picChg chg="add del mod">
+          <ac:chgData name="Armando Lacerda" userId="6ac139bb-b445-447a-8efe-92d4a0b8d73e" providerId="ADAL" clId="{48FB226F-732D-4FDA-9591-E5537808FDFF}" dt="2023-10-02T18:31:46.679" v="299" actId="478"/>
+          <ac:picMkLst>
+            <pc:docMk/>
+            <pc:sldMk cId="3902582183" sldId="298"/>
+            <ac:picMk id="9" creationId="{CE73AC0F-F4FD-AF08-32B8-29E715B9C874}"/>
+          </ac:picMkLst>
+        </pc:picChg>
+        <pc:picChg chg="add del mod">
+          <ac:chgData name="Armando Lacerda" userId="6ac139bb-b445-447a-8efe-92d4a0b8d73e" providerId="ADAL" clId="{48FB226F-732D-4FDA-9591-E5537808FDFF}" dt="2023-10-02T18:31:46.679" v="299" actId="478"/>
+          <ac:picMkLst>
+            <pc:docMk/>
+            <pc:sldMk cId="3902582183" sldId="298"/>
+            <ac:picMk id="11" creationId="{AF963263-1B8B-DAAE-FC02-A5C6616BF5C9}"/>
+          </ac:picMkLst>
+        </pc:picChg>
+        <pc:picChg chg="add del mod">
+          <ac:chgData name="Armando Lacerda" userId="6ac139bb-b445-447a-8efe-92d4a0b8d73e" providerId="ADAL" clId="{48FB226F-732D-4FDA-9591-E5537808FDFF}" dt="2023-10-02T18:31:46.679" v="299" actId="478"/>
+          <ac:picMkLst>
+            <pc:docMk/>
+            <pc:sldMk cId="3902582183" sldId="298"/>
+            <ac:picMk id="12" creationId="{72295470-111A-0F13-F19A-8C3D3657A7BE}"/>
+          </ac:picMkLst>
+        </pc:picChg>
+        <pc:picChg chg="add del mod">
+          <ac:chgData name="Armando Lacerda" userId="6ac139bb-b445-447a-8efe-92d4a0b8d73e" providerId="ADAL" clId="{48FB226F-732D-4FDA-9591-E5537808FDFF}" dt="2023-10-02T18:31:46.679" v="299" actId="478"/>
+          <ac:picMkLst>
+            <pc:docMk/>
+            <pc:sldMk cId="3902582183" sldId="298"/>
+            <ac:picMk id="13" creationId="{CD094295-93B9-3B5A-A902-61B2B975C0C3}"/>
+          </ac:picMkLst>
+        </pc:picChg>
+        <pc:picChg chg="add del mod">
+          <ac:chgData name="Armando Lacerda" userId="6ac139bb-b445-447a-8efe-92d4a0b8d73e" providerId="ADAL" clId="{48FB226F-732D-4FDA-9591-E5537808FDFF}" dt="2023-10-02T18:31:46.679" v="299" actId="478"/>
+          <ac:picMkLst>
+            <pc:docMk/>
+            <pc:sldMk cId="3902582183" sldId="298"/>
+            <ac:picMk id="14" creationId="{DB673371-965F-EF51-67D9-EE4D7EA10F69}"/>
+          </ac:picMkLst>
+        </pc:picChg>
+        <pc:picChg chg="add del mod">
+          <ac:chgData name="Armando Lacerda" userId="6ac139bb-b445-447a-8efe-92d4a0b8d73e" providerId="ADAL" clId="{48FB226F-732D-4FDA-9591-E5537808FDFF}" dt="2023-10-02T18:31:46.679" v="299" actId="478"/>
+          <ac:picMkLst>
+            <pc:docMk/>
+            <pc:sldMk cId="3902582183" sldId="298"/>
+            <ac:picMk id="16" creationId="{DEC62DC6-8C8B-1F5C-F898-D1C9124D5E1F}"/>
+          </ac:picMkLst>
+        </pc:picChg>
+        <pc:picChg chg="add del mod">
+          <ac:chgData name="Armando Lacerda" userId="6ac139bb-b445-447a-8efe-92d4a0b8d73e" providerId="ADAL" clId="{48FB226F-732D-4FDA-9591-E5537808FDFF}" dt="2023-10-02T18:31:46.679" v="299" actId="478"/>
+          <ac:picMkLst>
+            <pc:docMk/>
+            <pc:sldMk cId="3902582183" sldId="298"/>
+            <ac:picMk id="17" creationId="{321CDD03-BE77-E1C5-01CF-8F30A0F2A94F}"/>
+          </ac:picMkLst>
+        </pc:picChg>
+        <pc:picChg chg="add mod">
+          <ac:chgData name="Armando Lacerda" userId="6ac139bb-b445-447a-8efe-92d4a0b8d73e" providerId="ADAL" clId="{48FB226F-732D-4FDA-9591-E5537808FDFF}" dt="2023-10-02T18:26:17.084" v="273" actId="571"/>
+          <ac:picMkLst>
+            <pc:docMk/>
+            <pc:sldMk cId="3902582183" sldId="298"/>
+            <ac:picMk id="23" creationId="{9C3330C8-E952-EB28-4372-2AA0C3DE2ACC}"/>
+          </ac:picMkLst>
+        </pc:picChg>
+        <pc:picChg chg="add del mod">
+          <ac:chgData name="Armando Lacerda" userId="6ac139bb-b445-447a-8efe-92d4a0b8d73e" providerId="ADAL" clId="{48FB226F-732D-4FDA-9591-E5537808FDFF}" dt="2023-10-03T16:08:42.145" v="355" actId="478"/>
+          <ac:picMkLst>
+            <pc:docMk/>
+            <pc:sldMk cId="3902582183" sldId="298"/>
+            <ac:picMk id="25" creationId="{7AF5F54C-05CB-949B-019E-51D75AC7B049}"/>
+          </ac:picMkLst>
+        </pc:picChg>
+        <pc:picChg chg="add del mod">
+          <ac:chgData name="Armando Lacerda" userId="6ac139bb-b445-447a-8efe-92d4a0b8d73e" providerId="ADAL" clId="{48FB226F-732D-4FDA-9591-E5537808FDFF}" dt="2023-10-03T16:08:42.145" v="355" actId="478"/>
+          <ac:picMkLst>
+            <pc:docMk/>
+            <pc:sldMk cId="3902582183" sldId="298"/>
+            <ac:picMk id="28" creationId="{323C78CB-BBE3-B20A-7E1C-9E88706C7488}"/>
+          </ac:picMkLst>
+        </pc:picChg>
+        <pc:picChg chg="add mod">
+          <ac:chgData name="Armando Lacerda" userId="6ac139bb-b445-447a-8efe-92d4a0b8d73e" providerId="ADAL" clId="{48FB226F-732D-4FDA-9591-E5537808FDFF}" dt="2023-10-02T18:32:14.548" v="305" actId="1076"/>
+          <ac:picMkLst>
+            <pc:docMk/>
+            <pc:sldMk cId="3902582183" sldId="298"/>
+            <ac:picMk id="29" creationId="{D7A61C8F-580C-2D2D-D811-75B5CC526AA3}"/>
+          </ac:picMkLst>
+        </pc:picChg>
       </pc:sldChg>
-      <pc:sldChg chg="addSp delSp modSp new mod modAnim">
-        <pc:chgData name="Armando Lacerda" userId="6ac139bb-b445-447a-8efe-92d4a0b8d73e" providerId="ADAL" clId="{69F408A4-DF4A-4710-8220-51297D0C0F30}" dt="2023-10-09T18:30:59.901" v="69"/>
+      <pc:sldChg chg="addSp delSp modSp add mod">
+        <pc:chgData name="Armando Lacerda" userId="6ac139bb-b445-447a-8efe-92d4a0b8d73e" providerId="ADAL" clId="{48FB226F-732D-4FDA-9591-E5537808FDFF}" dt="2023-10-02T18:53:25.805" v="349"/>
         <pc:sldMkLst>
           <pc:docMk/>
-          <pc:sldMk cId="581148840" sldId="304"/>
+          <pc:sldMk cId="612099732" sldId="299"/>
         </pc:sldMkLst>
+        <pc:spChg chg="del">
+          <ac:chgData name="Armando Lacerda" userId="6ac139bb-b445-447a-8efe-92d4a0b8d73e" providerId="ADAL" clId="{48FB226F-732D-4FDA-9591-E5537808FDFF}" dt="2023-10-02T18:32:50.226" v="311" actId="478"/>
+          <ac:spMkLst>
+            <pc:docMk/>
+            <pc:sldMk cId="612099732" sldId="299"/>
+            <ac:spMk id="4" creationId="{E5C0F7C4-66DC-A8E8-FD8B-20D83A008985}"/>
+          </ac:spMkLst>
+        </pc:spChg>
+        <pc:spChg chg="del">
+          <ac:chgData name="Armando Lacerda" userId="6ac139bb-b445-447a-8efe-92d4a0b8d73e" providerId="ADAL" clId="{48FB226F-732D-4FDA-9591-E5537808FDFF}" dt="2023-10-02T18:33:18.360" v="317" actId="478"/>
+          <ac:spMkLst>
+            <pc:docMk/>
+            <pc:sldMk cId="612099732" sldId="299"/>
+            <ac:spMk id="5" creationId="{D2388BA3-9C7F-C236-60DD-91EB875DE8C2}"/>
+          </ac:spMkLst>
+        </pc:spChg>
+        <pc:spChg chg="del">
+          <ac:chgData name="Armando Lacerda" userId="6ac139bb-b445-447a-8efe-92d4a0b8d73e" providerId="ADAL" clId="{48FB226F-732D-4FDA-9591-E5537808FDFF}" dt="2023-10-02T18:32:47.035" v="310" actId="478"/>
+          <ac:spMkLst>
+            <pc:docMk/>
+            <pc:sldMk cId="612099732" sldId="299"/>
+            <ac:spMk id="10" creationId="{7B55015E-A289-F20B-3BB9-C592F9E31F54}"/>
+          </ac:spMkLst>
+        </pc:spChg>
+        <pc:spChg chg="del">
+          <ac:chgData name="Armando Lacerda" userId="6ac139bb-b445-447a-8efe-92d4a0b8d73e" providerId="ADAL" clId="{48FB226F-732D-4FDA-9591-E5537808FDFF}" dt="2023-10-02T18:32:33.915" v="308" actId="478"/>
+          <ac:spMkLst>
+            <pc:docMk/>
+            <pc:sldMk cId="612099732" sldId="299"/>
+            <ac:spMk id="15" creationId="{ED5E6291-E278-5EAE-A1D9-3EAC760BDD16}"/>
+          </ac:spMkLst>
+        </pc:spChg>
+        <pc:spChg chg="del">
+          <ac:chgData name="Armando Lacerda" userId="6ac139bb-b445-447a-8efe-92d4a0b8d73e" providerId="ADAL" clId="{48FB226F-732D-4FDA-9591-E5537808FDFF}" dt="2023-10-02T18:32:33.915" v="308" actId="478"/>
+          <ac:spMkLst>
+            <pc:docMk/>
+            <pc:sldMk cId="612099732" sldId="299"/>
+            <ac:spMk id="19" creationId="{D0FD974C-D96D-DEF1-6EB6-99B0AD2CCE85}"/>
+          </ac:spMkLst>
+        </pc:spChg>
+        <pc:spChg chg="del">
+          <ac:chgData name="Armando Lacerda" userId="6ac139bb-b445-447a-8efe-92d4a0b8d73e" providerId="ADAL" clId="{48FB226F-732D-4FDA-9591-E5537808FDFF}" dt="2023-10-02T18:32:52.895" v="312" actId="478"/>
+          <ac:spMkLst>
+            <pc:docMk/>
+            <pc:sldMk cId="612099732" sldId="299"/>
+            <ac:spMk id="22" creationId="{37C737B0-BA90-859A-1FAC-593770A26C40}"/>
+          </ac:spMkLst>
+        </pc:spChg>
+        <pc:spChg chg="del">
+          <ac:chgData name="Armando Lacerda" userId="6ac139bb-b445-447a-8efe-92d4a0b8d73e" providerId="ADAL" clId="{48FB226F-732D-4FDA-9591-E5537808FDFF}" dt="2023-10-02T18:32:47.035" v="310" actId="478"/>
+          <ac:spMkLst>
+            <pc:docMk/>
+            <pc:sldMk cId="612099732" sldId="299"/>
+            <ac:spMk id="26" creationId="{C928BEC5-155A-6546-6B3E-D4AC32E98069}"/>
+          </ac:spMkLst>
+        </pc:spChg>
+        <pc:spChg chg="add mod">
+          <ac:chgData name="Armando Lacerda" userId="6ac139bb-b445-447a-8efe-92d4a0b8d73e" providerId="ADAL" clId="{48FB226F-732D-4FDA-9591-E5537808FDFF}" dt="2023-10-02T18:32:17.769" v="306"/>
+          <ac:spMkLst>
+            <pc:docMk/>
+            <pc:sldMk cId="612099732" sldId="299"/>
+            <ac:spMk id="29" creationId="{E21832FB-8657-C5BC-0202-9AE8F44693A9}"/>
+          </ac:spMkLst>
+        </pc:spChg>
         <pc:spChg chg="add del mod">
-          <ac:chgData name="Armando Lacerda" userId="6ac139bb-b445-447a-8efe-92d4a0b8d73e" providerId="ADAL" clId="{69F408A4-DF4A-4710-8220-51297D0C0F30}" dt="2023-10-09T18:28:51.767" v="51"/>
-          <ac:spMkLst>
-            <pc:docMk/>
-            <pc:sldMk cId="581148840" sldId="304"/>
-            <ac:spMk id="2" creationId="{2849E656-3003-3285-91E4-D71CA5DABF29}"/>
-          </ac:spMkLst>
-        </pc:spChg>
-        <pc:spChg chg="add mod">
-          <ac:chgData name="Armando Lacerda" userId="6ac139bb-b445-447a-8efe-92d4a0b8d73e" providerId="ADAL" clId="{69F408A4-DF4A-4710-8220-51297D0C0F30}" dt="2023-10-09T18:29:34.512" v="65" actId="1076"/>
-          <ac:spMkLst>
-            <pc:docMk/>
-            <pc:sldMk cId="581148840" sldId="304"/>
-            <ac:spMk id="3" creationId="{6BFEA687-7F40-1A61-9541-A3CD2B7C3B36}"/>
-          </ac:spMkLst>
-        </pc:spChg>
-        <pc:spChg chg="add mod">
-          <ac:chgData name="Armando Lacerda" userId="6ac139bb-b445-447a-8efe-92d4a0b8d73e" providerId="ADAL" clId="{69F408A4-DF4A-4710-8220-51297D0C0F30}" dt="2023-10-09T18:29:32.314" v="64" actId="1076"/>
-          <ac:spMkLst>
-            <pc:docMk/>
-            <pc:sldMk cId="581148840" sldId="304"/>
-            <ac:spMk id="5" creationId="{50EB1746-0D8C-A9BE-30FD-35A949D54A30}"/>
-          </ac:spMkLst>
-        </pc:spChg>
+          <ac:chgData name="Armando Lacerda" userId="6ac139bb-b445-447a-8efe-92d4a0b8d73e" providerId="ADAL" clId="{48FB226F-732D-4FDA-9591-E5537808FDFF}" dt="2023-10-02T18:46:51.973" v="332"/>
+          <ac:spMkLst>
+            <pc:docMk/>
+            <pc:sldMk cId="612099732" sldId="299"/>
+            <ac:spMk id="30" creationId="{871FA33D-BC4F-7214-F025-5BD403D26B74}"/>
+          </ac:spMkLst>
+        </pc:spChg>
+        <pc:picChg chg="del">
+          <ac:chgData name="Armando Lacerda" userId="6ac139bb-b445-447a-8efe-92d4a0b8d73e" providerId="ADAL" clId="{48FB226F-732D-4FDA-9591-E5537808FDFF}" dt="2023-10-02T18:32:47.035" v="310" actId="478"/>
+          <ac:picMkLst>
+            <pc:docMk/>
+            <pc:sldMk cId="612099732" sldId="299"/>
+            <ac:picMk id="2" creationId="{42A957E3-CF69-5922-CE95-CF58579E335B}"/>
+          </ac:picMkLst>
+        </pc:picChg>
+        <pc:picChg chg="del">
+          <ac:chgData name="Armando Lacerda" userId="6ac139bb-b445-447a-8efe-92d4a0b8d73e" providerId="ADAL" clId="{48FB226F-732D-4FDA-9591-E5537808FDFF}" dt="2023-10-02T18:32:33.915" v="308" actId="478"/>
+          <ac:picMkLst>
+            <pc:docMk/>
+            <pc:sldMk cId="612099732" sldId="299"/>
+            <ac:picMk id="7" creationId="{A19BCA45-2A31-43A0-E8BC-F8A3A6ACA659}"/>
+          </ac:picMkLst>
+        </pc:picChg>
+        <pc:picChg chg="del">
+          <ac:chgData name="Armando Lacerda" userId="6ac139bb-b445-447a-8efe-92d4a0b8d73e" providerId="ADAL" clId="{48FB226F-732D-4FDA-9591-E5537808FDFF}" dt="2023-10-02T18:32:47.035" v="310" actId="478"/>
+          <ac:picMkLst>
+            <pc:docMk/>
+            <pc:sldMk cId="612099732" sldId="299"/>
+            <ac:picMk id="8" creationId="{6659E6D0-1E30-EE20-37B5-604022018AB1}"/>
+          </ac:picMkLst>
+        </pc:picChg>
+        <pc:picChg chg="del">
+          <ac:chgData name="Armando Lacerda" userId="6ac139bb-b445-447a-8efe-92d4a0b8d73e" providerId="ADAL" clId="{48FB226F-732D-4FDA-9591-E5537808FDFF}" dt="2023-10-02T18:32:47.035" v="310" actId="478"/>
+          <ac:picMkLst>
+            <pc:docMk/>
+            <pc:sldMk cId="612099732" sldId="299"/>
+            <ac:picMk id="9" creationId="{CE73AC0F-F4FD-AF08-32B8-29E715B9C874}"/>
+          </ac:picMkLst>
+        </pc:picChg>
+        <pc:picChg chg="del">
+          <ac:chgData name="Armando Lacerda" userId="6ac139bb-b445-447a-8efe-92d4a0b8d73e" providerId="ADAL" clId="{48FB226F-732D-4FDA-9591-E5537808FDFF}" dt="2023-10-02T18:32:47.035" v="310" actId="478"/>
+          <ac:picMkLst>
+            <pc:docMk/>
+            <pc:sldMk cId="612099732" sldId="299"/>
+            <ac:picMk id="11" creationId="{AF963263-1B8B-DAAE-FC02-A5C6616BF5C9}"/>
+          </ac:picMkLst>
+        </pc:picChg>
+        <pc:picChg chg="del">
+          <ac:chgData name="Armando Lacerda" userId="6ac139bb-b445-447a-8efe-92d4a0b8d73e" providerId="ADAL" clId="{48FB226F-732D-4FDA-9591-E5537808FDFF}" dt="2023-10-02T18:32:47.035" v="310" actId="478"/>
+          <ac:picMkLst>
+            <pc:docMk/>
+            <pc:sldMk cId="612099732" sldId="299"/>
+            <ac:picMk id="12" creationId="{72295470-111A-0F13-F19A-8C3D3657A7BE}"/>
+          </ac:picMkLst>
+        </pc:picChg>
+        <pc:picChg chg="del">
+          <ac:chgData name="Armando Lacerda" userId="6ac139bb-b445-447a-8efe-92d4a0b8d73e" providerId="ADAL" clId="{48FB226F-732D-4FDA-9591-E5537808FDFF}" dt="2023-10-02T18:32:33.915" v="308" actId="478"/>
+          <ac:picMkLst>
+            <pc:docMk/>
+            <pc:sldMk cId="612099732" sldId="299"/>
+            <ac:picMk id="13" creationId="{CD094295-93B9-3B5A-A902-61B2B975C0C3}"/>
+          </ac:picMkLst>
+        </pc:picChg>
+        <pc:picChg chg="del">
+          <ac:chgData name="Armando Lacerda" userId="6ac139bb-b445-447a-8efe-92d4a0b8d73e" providerId="ADAL" clId="{48FB226F-732D-4FDA-9591-E5537808FDFF}" dt="2023-10-02T18:32:33.915" v="308" actId="478"/>
+          <ac:picMkLst>
+            <pc:docMk/>
+            <pc:sldMk cId="612099732" sldId="299"/>
+            <ac:picMk id="14" creationId="{DB673371-965F-EF51-67D9-EE4D7EA10F69}"/>
+          </ac:picMkLst>
+        </pc:picChg>
+        <pc:picChg chg="del">
+          <ac:chgData name="Armando Lacerda" userId="6ac139bb-b445-447a-8efe-92d4a0b8d73e" providerId="ADAL" clId="{48FB226F-732D-4FDA-9591-E5537808FDFF}" dt="2023-10-02T18:32:33.915" v="308" actId="478"/>
+          <ac:picMkLst>
+            <pc:docMk/>
+            <pc:sldMk cId="612099732" sldId="299"/>
+            <ac:picMk id="16" creationId="{DEC62DC6-8C8B-1F5C-F898-D1C9124D5E1F}"/>
+          </ac:picMkLst>
+        </pc:picChg>
+        <pc:picChg chg="del">
+          <ac:chgData name="Armando Lacerda" userId="6ac139bb-b445-447a-8efe-92d4a0b8d73e" providerId="ADAL" clId="{48FB226F-732D-4FDA-9591-E5537808FDFF}" dt="2023-10-02T18:32:40.794" v="309" actId="478"/>
+          <ac:picMkLst>
+            <pc:docMk/>
+            <pc:sldMk cId="612099732" sldId="299"/>
+            <ac:picMk id="17" creationId="{321CDD03-BE77-E1C5-01CF-8F30A0F2A94F}"/>
+          </ac:picMkLst>
+        </pc:picChg>
+        <pc:picChg chg="add del mod">
+          <ac:chgData name="Armando Lacerda" userId="6ac139bb-b445-447a-8efe-92d4a0b8d73e" providerId="ADAL" clId="{48FB226F-732D-4FDA-9591-E5537808FDFF}" dt="2023-10-02T18:53:25.305" v="348" actId="478"/>
+          <ac:picMkLst>
+            <pc:docMk/>
+            <pc:sldMk cId="612099732" sldId="299"/>
+            <ac:picMk id="25" creationId="{7AF5F54C-05CB-949B-019E-51D75AC7B049}"/>
+          </ac:picMkLst>
+        </pc:picChg>
         <pc:picChg chg="add mod">
-          <ac:chgData name="Armando Lacerda" userId="6ac139bb-b445-447a-8efe-92d4a0b8d73e" providerId="ADAL" clId="{69F408A4-DF4A-4710-8220-51297D0C0F30}" dt="2023-10-09T18:29:28.925" v="63" actId="14100"/>
-          <ac:picMkLst>
-            <pc:docMk/>
-            <pc:sldMk cId="581148840" sldId="304"/>
-            <ac:picMk id="4" creationId="{DD5017B4-5C9B-10FF-928E-C01FD153629F}"/>
+          <ac:chgData name="Armando Lacerda" userId="6ac139bb-b445-447a-8efe-92d4a0b8d73e" providerId="ADAL" clId="{48FB226F-732D-4FDA-9591-E5537808FDFF}" dt="2023-10-02T18:32:17.769" v="306"/>
+          <ac:picMkLst>
+            <pc:docMk/>
+            <pc:sldMk cId="612099732" sldId="299"/>
+            <ac:picMk id="27" creationId="{E4D3DD93-D76C-4DB6-ADBF-624FD0C43420}"/>
+          </ac:picMkLst>
+        </pc:picChg>
+        <pc:picChg chg="del">
+          <ac:chgData name="Armando Lacerda" userId="6ac139bb-b445-447a-8efe-92d4a0b8d73e" providerId="ADAL" clId="{48FB226F-732D-4FDA-9591-E5537808FDFF}" dt="2023-10-02T18:53:25.305" v="348" actId="478"/>
+          <ac:picMkLst>
+            <pc:docMk/>
+            <pc:sldMk cId="612099732" sldId="299"/>
+            <ac:picMk id="28" creationId="{323C78CB-BBE3-B20A-7E1C-9E88706C7488}"/>
+          </ac:picMkLst>
+        </pc:picChg>
+        <pc:picChg chg="add mod">
+          <ac:chgData name="Armando Lacerda" userId="6ac139bb-b445-447a-8efe-92d4a0b8d73e" providerId="ADAL" clId="{48FB226F-732D-4FDA-9591-E5537808FDFF}" dt="2023-10-02T18:53:25.805" v="349"/>
+          <ac:picMkLst>
+            <pc:docMk/>
+            <pc:sldMk cId="612099732" sldId="299"/>
+            <ac:picMk id="31" creationId="{53234377-631E-A48E-3450-8097761303B2}"/>
+          </ac:picMkLst>
+        </pc:picChg>
+        <pc:picChg chg="add mod">
+          <ac:chgData name="Armando Lacerda" userId="6ac139bb-b445-447a-8efe-92d4a0b8d73e" providerId="ADAL" clId="{48FB226F-732D-4FDA-9591-E5537808FDFF}" dt="2023-10-02T18:53:25.805" v="349"/>
+          <ac:picMkLst>
+            <pc:docMk/>
+            <pc:sldMk cId="612099732" sldId="299"/>
+            <ac:picMk id="32" creationId="{E42C5D72-C6ED-E2AD-6B96-912F1786C8C5}"/>
           </ac:picMkLst>
         </pc:picChg>
       </pc:sldChg>
-      <pc:sldChg chg="new del">
-        <pc:chgData name="Armando Lacerda" userId="6ac139bb-b445-447a-8efe-92d4a0b8d73e" providerId="ADAL" clId="{69F408A4-DF4A-4710-8220-51297D0C0F30}" dt="2023-10-09T18:31:33.201" v="71" actId="680"/>
+      <pc:sldChg chg="addSp delSp modSp add mod modTransition">
+        <pc:chgData name="Armando Lacerda" userId="6ac139bb-b445-447a-8efe-92d4a0b8d73e" providerId="ADAL" clId="{48FB226F-732D-4FDA-9591-E5537808FDFF}" dt="2023-10-02T18:53:58.658" v="354"/>
         <pc:sldMkLst>
           <pc:docMk/>
-          <pc:sldMk cId="1618289556" sldId="305"/>
+          <pc:sldMk cId="2516310762" sldId="300"/>
         </pc:sldMkLst>
+        <pc:picChg chg="del">
+          <ac:chgData name="Armando Lacerda" userId="6ac139bb-b445-447a-8efe-92d4a0b8d73e" providerId="ADAL" clId="{48FB226F-732D-4FDA-9591-E5537808FDFF}" dt="2023-10-02T18:33:37.650" v="321" actId="478"/>
+          <ac:picMkLst>
+            <pc:docMk/>
+            <pc:sldMk cId="2516310762" sldId="300"/>
+            <ac:picMk id="11" creationId="{AF963263-1B8B-DAAE-FC02-A5C6616BF5C9}"/>
+          </ac:picMkLst>
+        </pc:picChg>
+        <pc:picChg chg="del">
+          <ac:chgData name="Armando Lacerda" userId="6ac139bb-b445-447a-8efe-92d4a0b8d73e" providerId="ADAL" clId="{48FB226F-732D-4FDA-9591-E5537808FDFF}" dt="2023-10-02T18:33:37.650" v="321" actId="478"/>
+          <ac:picMkLst>
+            <pc:docMk/>
+            <pc:sldMk cId="2516310762" sldId="300"/>
+            <ac:picMk id="12" creationId="{72295470-111A-0F13-F19A-8C3D3657A7BE}"/>
+          </ac:picMkLst>
+        </pc:picChg>
+        <pc:picChg chg="del">
+          <ac:chgData name="Armando Lacerda" userId="6ac139bb-b445-447a-8efe-92d4a0b8d73e" providerId="ADAL" clId="{48FB226F-732D-4FDA-9591-E5537808FDFF}" dt="2023-10-02T18:45:52.704" v="329" actId="478"/>
+          <ac:picMkLst>
+            <pc:docMk/>
+            <pc:sldMk cId="2516310762" sldId="300"/>
+            <ac:picMk id="16" creationId="{DEC62DC6-8C8B-1F5C-F898-D1C9124D5E1F}"/>
+          </ac:picMkLst>
+        </pc:picChg>
+        <pc:picChg chg="del mod">
+          <ac:chgData name="Armando Lacerda" userId="6ac139bb-b445-447a-8efe-92d4a0b8d73e" providerId="ADAL" clId="{48FB226F-732D-4FDA-9591-E5537808FDFF}" dt="2023-10-02T18:53:39.412" v="352" actId="478"/>
+          <ac:picMkLst>
+            <pc:docMk/>
+            <pc:sldMk cId="2516310762" sldId="300"/>
+            <ac:picMk id="25" creationId="{7AF5F54C-05CB-949B-019E-51D75AC7B049}"/>
+          </ac:picMkLst>
+        </pc:picChg>
+        <pc:picChg chg="del">
+          <ac:chgData name="Armando Lacerda" userId="6ac139bb-b445-447a-8efe-92d4a0b8d73e" providerId="ADAL" clId="{48FB226F-732D-4FDA-9591-E5537808FDFF}" dt="2023-10-02T18:53:39.412" v="352" actId="478"/>
+          <ac:picMkLst>
+            <pc:docMk/>
+            <pc:sldMk cId="2516310762" sldId="300"/>
+            <ac:picMk id="28" creationId="{323C78CB-BBE3-B20A-7E1C-9E88706C7488}"/>
+          </ac:picMkLst>
+        </pc:picChg>
+        <pc:picChg chg="add del mod">
+          <ac:chgData name="Armando Lacerda" userId="6ac139bb-b445-447a-8efe-92d4a0b8d73e" providerId="ADAL" clId="{48FB226F-732D-4FDA-9591-E5537808FDFF}" dt="2023-10-02T18:52:19.324" v="341" actId="21"/>
+          <ac:picMkLst>
+            <pc:docMk/>
+            <pc:sldMk cId="2516310762" sldId="300"/>
+            <ac:picMk id="31" creationId="{C0A7A4FA-ACAB-6109-7F3D-525BF53AF865}"/>
+          </ac:picMkLst>
+        </pc:picChg>
+        <pc:picChg chg="add mod">
+          <ac:chgData name="Armando Lacerda" userId="6ac139bb-b445-447a-8efe-92d4a0b8d73e" providerId="ADAL" clId="{48FB226F-732D-4FDA-9591-E5537808FDFF}" dt="2023-10-02T18:53:40.071" v="353"/>
+          <ac:picMkLst>
+            <pc:docMk/>
+            <pc:sldMk cId="2516310762" sldId="300"/>
+            <ac:picMk id="32" creationId="{53AEC14D-391D-55B9-CE59-EBB78327F4C6}"/>
+          </ac:picMkLst>
+        </pc:picChg>
+        <pc:picChg chg="add mod">
+          <ac:chgData name="Armando Lacerda" userId="6ac139bb-b445-447a-8efe-92d4a0b8d73e" providerId="ADAL" clId="{48FB226F-732D-4FDA-9591-E5537808FDFF}" dt="2023-10-02T18:53:40.071" v="353"/>
+          <ac:picMkLst>
+            <pc:docMk/>
+            <pc:sldMk cId="2516310762" sldId="300"/>
+            <ac:picMk id="33" creationId="{A71DA61B-724E-8457-04B1-3199014F6AAC}"/>
+          </ac:picMkLst>
+        </pc:picChg>
       </pc:sldChg>
-      <pc:sldChg chg="addSp delSp modSp add mod delAnim modAnim">
-        <pc:chgData name="Armando Lacerda" userId="6ac139bb-b445-447a-8efe-92d4a0b8d73e" providerId="ADAL" clId="{69F408A4-DF4A-4710-8220-51297D0C0F30}" dt="2023-10-09T18:33:40.551" v="81"/>
+      <pc:sldChg chg="delSp modSp add mod ord modTransition">
+        <pc:chgData name="Armando Lacerda" userId="6ac139bb-b445-447a-8efe-92d4a0b8d73e" providerId="ADAL" clId="{48FB226F-732D-4FDA-9591-E5537808FDFF}" dt="2023-10-02T18:53:58.658" v="354"/>
         <pc:sldMkLst>
           <pc:docMk/>
-          <pc:sldMk cId="2794196314" sldId="305"/>
+          <pc:sldMk cId="3627345990" sldId="301"/>
         </pc:sldMkLst>
-        <pc:spChg chg="add mod">
-          <ac:chgData name="Armando Lacerda" userId="6ac139bb-b445-447a-8efe-92d4a0b8d73e" providerId="ADAL" clId="{69F408A4-DF4A-4710-8220-51297D0C0F30}" dt="2023-10-09T18:32:16.994" v="75" actId="207"/>
-          <ac:spMkLst>
-            <pc:docMk/>
-            <pc:sldMk cId="2794196314" sldId="305"/>
-            <ac:spMk id="2" creationId="{C66DC9E1-2EAA-9674-B190-D25DAE17866C}"/>
-          </ac:spMkLst>
-        </pc:spChg>
         <pc:spChg chg="del">
-          <ac:chgData name="Armando Lacerda" userId="6ac139bb-b445-447a-8efe-92d4a0b8d73e" providerId="ADAL" clId="{69F408A4-DF4A-4710-8220-51297D0C0F30}" dt="2023-10-09T18:31:37.232" v="73" actId="478"/>
-          <ac:spMkLst>
-            <pc:docMk/>
-            <pc:sldMk cId="2794196314" sldId="305"/>
-            <ac:spMk id="3" creationId="{6BFEA687-7F40-1A61-9541-A3CD2B7C3B36}"/>
-          </ac:spMkLst>
-        </pc:spChg>
-        <pc:spChg chg="add mod">
-          <ac:chgData name="Armando Lacerda" userId="6ac139bb-b445-447a-8efe-92d4a0b8d73e" providerId="ADAL" clId="{69F408A4-DF4A-4710-8220-51297D0C0F30}" dt="2023-10-09T18:32:16.994" v="75" actId="207"/>
-          <ac:spMkLst>
-            <pc:docMk/>
-            <pc:sldMk cId="2794196314" sldId="305"/>
-            <ac:spMk id="7" creationId="{234C357B-F40E-4615-4353-9B7ED0B68F7C}"/>
-          </ac:spMkLst>
-        </pc:spChg>
-        <pc:spChg chg="add mod">
-          <ac:chgData name="Armando Lacerda" userId="6ac139bb-b445-447a-8efe-92d4a0b8d73e" providerId="ADAL" clId="{69F408A4-DF4A-4710-8220-51297D0C0F30}" dt="2023-10-09T18:32:16.994" v="75" actId="207"/>
-          <ac:spMkLst>
-            <pc:docMk/>
-            <pc:sldMk cId="2794196314" sldId="305"/>
-            <ac:spMk id="9" creationId="{D82B102A-8B69-927E-5801-F639AA188624}"/>
-          </ac:spMkLst>
-        </pc:spChg>
-        <pc:spChg chg="add mod">
-          <ac:chgData name="Armando Lacerda" userId="6ac139bb-b445-447a-8efe-92d4a0b8d73e" providerId="ADAL" clId="{69F408A4-DF4A-4710-8220-51297D0C0F30}" dt="2023-10-09T18:32:16.994" v="75" actId="207"/>
-          <ac:spMkLst>
-            <pc:docMk/>
-            <pc:sldMk cId="2794196314" sldId="305"/>
-            <ac:spMk id="11" creationId="{1981FCF9-3185-ED17-E0C4-24A02BA54D79}"/>
-          </ac:spMkLst>
-        </pc:spChg>
-        <pc:spChg chg="add mod">
-          <ac:chgData name="Armando Lacerda" userId="6ac139bb-b445-447a-8efe-92d4a0b8d73e" providerId="ADAL" clId="{69F408A4-DF4A-4710-8220-51297D0C0F30}" dt="2023-10-09T18:31:47.956" v="74"/>
-          <ac:spMkLst>
-            <pc:docMk/>
-            <pc:sldMk cId="2794196314" sldId="305"/>
-            <ac:spMk id="12" creationId="{BEC89A4E-0A94-9F8F-447A-B1B722168003}"/>
-          </ac:spMkLst>
-        </pc:spChg>
-        <pc:spChg chg="add mod">
-          <ac:chgData name="Armando Lacerda" userId="6ac139bb-b445-447a-8efe-92d4a0b8d73e" providerId="ADAL" clId="{69F408A4-DF4A-4710-8220-51297D0C0F30}" dt="2023-10-09T18:32:29.898" v="77" actId="1076"/>
-          <ac:spMkLst>
-            <pc:docMk/>
-            <pc:sldMk cId="2794196314" sldId="305"/>
-            <ac:spMk id="13" creationId="{C5166861-69D9-479E-CB35-C60AA8126652}"/>
-          </ac:spMkLst>
-        </pc:spChg>
-        <pc:spChg chg="add mod">
-          <ac:chgData name="Armando Lacerda" userId="6ac139bb-b445-447a-8efe-92d4a0b8d73e" providerId="ADAL" clId="{69F408A4-DF4A-4710-8220-51297D0C0F30}" dt="2023-10-09T18:32:29.898" v="77" actId="1076"/>
-          <ac:spMkLst>
-            <pc:docMk/>
-            <pc:sldMk cId="2794196314" sldId="305"/>
-            <ac:spMk id="14" creationId="{78CEADFF-18DC-F3A8-4BB9-BADACA694077}"/>
-          </ac:spMkLst>
-        </pc:spChg>
-        <pc:spChg chg="add mod">
-          <ac:chgData name="Armando Lacerda" userId="6ac139bb-b445-447a-8efe-92d4a0b8d73e" providerId="ADAL" clId="{69F408A4-DF4A-4710-8220-51297D0C0F30}" dt="2023-10-09T18:32:29.898" v="77" actId="1076"/>
-          <ac:spMkLst>
-            <pc:docMk/>
-            <pc:sldMk cId="2794196314" sldId="305"/>
-            <ac:spMk id="15" creationId="{E4651091-18B6-D807-6330-EBE9B72B32E7}"/>
-          </ac:spMkLst>
-        </pc:spChg>
-        <pc:spChg chg="add mod">
-          <ac:chgData name="Armando Lacerda" userId="6ac139bb-b445-447a-8efe-92d4a0b8d73e" providerId="ADAL" clId="{69F408A4-DF4A-4710-8220-51297D0C0F30}" dt="2023-10-09T18:32:29.898" v="77" actId="1076"/>
-          <ac:spMkLst>
-            <pc:docMk/>
-            <pc:sldMk cId="2794196314" sldId="305"/>
-            <ac:spMk id="16" creationId="{4AA9E03A-8DA2-E14A-BC3E-BCF8D525A31B}"/>
-          </ac:spMkLst>
-        </pc:spChg>
-        <pc:picChg chg="add mod">
-          <ac:chgData name="Armando Lacerda" userId="6ac139bb-b445-447a-8efe-92d4a0b8d73e" providerId="ADAL" clId="{69F408A4-DF4A-4710-8220-51297D0C0F30}" dt="2023-10-09T18:31:47.956" v="74"/>
-          <ac:picMkLst>
-            <pc:docMk/>
-            <pc:sldMk cId="2794196314" sldId="305"/>
-            <ac:picMk id="6" creationId="{A3438387-7453-8B43-A2CF-784F05435AFA}"/>
-          </ac:picMkLst>
-        </pc:picChg>
-        <pc:picChg chg="add mod">
-          <ac:chgData name="Armando Lacerda" userId="6ac139bb-b445-447a-8efe-92d4a0b8d73e" providerId="ADAL" clId="{69F408A4-DF4A-4710-8220-51297D0C0F30}" dt="2023-10-09T18:31:47.956" v="74"/>
-          <ac:picMkLst>
-            <pc:docMk/>
-            <pc:sldMk cId="2794196314" sldId="305"/>
-            <ac:picMk id="8" creationId="{2588EDC6-F436-05DB-76B0-68BE7DECC20E}"/>
-          </ac:picMkLst>
-        </pc:picChg>
-        <pc:picChg chg="add mod">
-          <ac:chgData name="Armando Lacerda" userId="6ac139bb-b445-447a-8efe-92d4a0b8d73e" providerId="ADAL" clId="{69F408A4-DF4A-4710-8220-51297D0C0F30}" dt="2023-10-09T18:31:47.956" v="74"/>
-          <ac:picMkLst>
-            <pc:docMk/>
-            <pc:sldMk cId="2794196314" sldId="305"/>
-            <ac:picMk id="10" creationId="{1F3488EF-7DDD-C602-8BCD-7A607D981403}"/>
+          <ac:chgData name="Armando Lacerda" userId="6ac139bb-b445-447a-8efe-92d4a0b8d73e" providerId="ADAL" clId="{48FB226F-732D-4FDA-9591-E5537808FDFF}" dt="2023-10-02T18:33:12.124" v="316" actId="478"/>
+          <ac:spMkLst>
+            <pc:docMk/>
+            <pc:sldMk cId="3627345990" sldId="301"/>
+            <ac:spMk id="4" creationId="{E5C0F7C4-66DC-A8E8-FD8B-20D83A008985}"/>
+          </ac:spMkLst>
+        </pc:spChg>
+        <pc:spChg chg="del">
+          <ac:chgData name="Armando Lacerda" userId="6ac139bb-b445-447a-8efe-92d4a0b8d73e" providerId="ADAL" clId="{48FB226F-732D-4FDA-9591-E5537808FDFF}" dt="2023-10-02T18:33:10.059" v="315" actId="478"/>
+          <ac:spMkLst>
+            <pc:docMk/>
+            <pc:sldMk cId="3627345990" sldId="301"/>
+            <ac:spMk id="10" creationId="{7B55015E-A289-F20B-3BB9-C592F9E31F54}"/>
+          </ac:spMkLst>
+        </pc:spChg>
+        <pc:spChg chg="del">
+          <ac:chgData name="Armando Lacerda" userId="6ac139bb-b445-447a-8efe-92d4a0b8d73e" providerId="ADAL" clId="{48FB226F-732D-4FDA-9591-E5537808FDFF}" dt="2023-10-02T18:33:10.059" v="315" actId="478"/>
+          <ac:spMkLst>
+            <pc:docMk/>
+            <pc:sldMk cId="3627345990" sldId="301"/>
+            <ac:spMk id="26" creationId="{C928BEC5-155A-6546-6B3E-D4AC32E98069}"/>
+          </ac:spMkLst>
+        </pc:spChg>
+        <pc:picChg chg="del">
+          <ac:chgData name="Armando Lacerda" userId="6ac139bb-b445-447a-8efe-92d4a0b8d73e" providerId="ADAL" clId="{48FB226F-732D-4FDA-9591-E5537808FDFF}" dt="2023-10-02T18:33:10.059" v="315" actId="478"/>
+          <ac:picMkLst>
+            <pc:docMk/>
+            <pc:sldMk cId="3627345990" sldId="301"/>
+            <ac:picMk id="2" creationId="{42A957E3-CF69-5922-CE95-CF58579E335B}"/>
+          </ac:picMkLst>
+        </pc:picChg>
+        <pc:picChg chg="del">
+          <ac:chgData name="Armando Lacerda" userId="6ac139bb-b445-447a-8efe-92d4a0b8d73e" providerId="ADAL" clId="{48FB226F-732D-4FDA-9591-E5537808FDFF}" dt="2023-10-02T18:33:10.059" v="315" actId="478"/>
+          <ac:picMkLst>
+            <pc:docMk/>
+            <pc:sldMk cId="3627345990" sldId="301"/>
+            <ac:picMk id="8" creationId="{6659E6D0-1E30-EE20-37B5-604022018AB1}"/>
+          </ac:picMkLst>
+        </pc:picChg>
+        <pc:picChg chg="del">
+          <ac:chgData name="Armando Lacerda" userId="6ac139bb-b445-447a-8efe-92d4a0b8d73e" providerId="ADAL" clId="{48FB226F-732D-4FDA-9591-E5537808FDFF}" dt="2023-10-02T18:33:10.059" v="315" actId="478"/>
+          <ac:picMkLst>
+            <pc:docMk/>
+            <pc:sldMk cId="3627345990" sldId="301"/>
+            <ac:picMk id="9" creationId="{CE73AC0F-F4FD-AF08-32B8-29E715B9C874}"/>
+          </ac:picMkLst>
+        </pc:picChg>
+        <pc:picChg chg="del">
+          <ac:chgData name="Armando Lacerda" userId="6ac139bb-b445-447a-8efe-92d4a0b8d73e" providerId="ADAL" clId="{48FB226F-732D-4FDA-9591-E5537808FDFF}" dt="2023-10-02T18:33:10.059" v="315" actId="478"/>
+          <ac:picMkLst>
+            <pc:docMk/>
+            <pc:sldMk cId="3627345990" sldId="301"/>
+            <ac:picMk id="11" creationId="{AF963263-1B8B-DAAE-FC02-A5C6616BF5C9}"/>
+          </ac:picMkLst>
+        </pc:picChg>
+        <pc:picChg chg="del">
+          <ac:chgData name="Armando Lacerda" userId="6ac139bb-b445-447a-8efe-92d4a0b8d73e" providerId="ADAL" clId="{48FB226F-732D-4FDA-9591-E5537808FDFF}" dt="2023-10-02T18:33:10.059" v="315" actId="478"/>
+          <ac:picMkLst>
+            <pc:docMk/>
+            <pc:sldMk cId="3627345990" sldId="301"/>
+            <ac:picMk id="12" creationId="{72295470-111A-0F13-F19A-8C3D3657A7BE}"/>
+          </ac:picMkLst>
+        </pc:picChg>
+        <pc:picChg chg="del">
+          <ac:chgData name="Armando Lacerda" userId="6ac139bb-b445-447a-8efe-92d4a0b8d73e" providerId="ADAL" clId="{48FB226F-732D-4FDA-9591-E5537808FDFF}" dt="2023-10-02T18:33:32.433" v="320" actId="478"/>
+          <ac:picMkLst>
+            <pc:docMk/>
+            <pc:sldMk cId="3627345990" sldId="301"/>
+            <ac:picMk id="16" creationId="{DEC62DC6-8C8B-1F5C-F898-D1C9124D5E1F}"/>
+          </ac:picMkLst>
+        </pc:picChg>
+        <pc:picChg chg="del">
+          <ac:chgData name="Armando Lacerda" userId="6ac139bb-b445-447a-8efe-92d4a0b8d73e" providerId="ADAL" clId="{48FB226F-732D-4FDA-9591-E5537808FDFF}" dt="2023-10-02T18:33:05.879" v="314" actId="478"/>
+          <ac:picMkLst>
+            <pc:docMk/>
+            <pc:sldMk cId="3627345990" sldId="301"/>
+            <ac:picMk id="17" creationId="{321CDD03-BE77-E1C5-01CF-8F30A0F2A94F}"/>
+          </ac:picMkLst>
+        </pc:picChg>
+        <pc:picChg chg="mod">
+          <ac:chgData name="Armando Lacerda" userId="6ac139bb-b445-447a-8efe-92d4a0b8d73e" providerId="ADAL" clId="{48FB226F-732D-4FDA-9591-E5537808FDFF}" dt="2023-10-02T18:53:12.355" v="347" actId="1076"/>
+          <ac:picMkLst>
+            <pc:docMk/>
+            <pc:sldMk cId="3627345990" sldId="301"/>
+            <ac:picMk id="25" creationId="{7AF5F54C-05CB-949B-019E-51D75AC7B049}"/>
+          </ac:picMkLst>
+        </pc:picChg>
+        <pc:picChg chg="mod">
+          <ac:chgData name="Armando Lacerda" userId="6ac139bb-b445-447a-8efe-92d4a0b8d73e" providerId="ADAL" clId="{48FB226F-732D-4FDA-9591-E5537808FDFF}" dt="2023-10-02T18:53:12.355" v="347" actId="1076"/>
+          <ac:picMkLst>
+            <pc:docMk/>
+            <pc:sldMk cId="3627345990" sldId="301"/>
+            <ac:picMk id="28" creationId="{323C78CB-BBE3-B20A-7E1C-9E88706C7488}"/>
           </ac:picMkLst>
         </pc:picChg>
       </pc:sldChg>
-      <pc:sldChg chg="modSp add mod ord modAnim">
-        <pc:chgData name="Armando Lacerda" userId="6ac139bb-b445-447a-8efe-92d4a0b8d73e" providerId="ADAL" clId="{69F408A4-DF4A-4710-8220-51297D0C0F30}" dt="2023-10-09T18:48:37.095" v="135"/>
+      <pc:sldChg chg="addSp delSp modSp add modTransition">
+        <pc:chgData name="Armando Lacerda" userId="6ac139bb-b445-447a-8efe-92d4a0b8d73e" providerId="ADAL" clId="{48FB226F-732D-4FDA-9591-E5537808FDFF}" dt="2023-10-02T18:53:58.658" v="354"/>
         <pc:sldMkLst>
           <pc:docMk/>
-          <pc:sldMk cId="4001649869" sldId="306"/>
+          <pc:sldMk cId="1902282215" sldId="302"/>
         </pc:sldMkLst>
-        <pc:spChg chg="mod">
-          <ac:chgData name="Armando Lacerda" userId="6ac139bb-b445-447a-8efe-92d4a0b8d73e" providerId="ADAL" clId="{69F408A4-DF4A-4710-8220-51297D0C0F30}" dt="2023-10-09T18:37:24.745" v="97" actId="20577"/>
-          <ac:spMkLst>
-            <pc:docMk/>
-            <pc:sldMk cId="4001649869" sldId="306"/>
-            <ac:spMk id="3" creationId="{6BFEA687-7F40-1A61-9541-A3CD2B7C3B36}"/>
-          </ac:spMkLst>
-        </pc:spChg>
-        <pc:spChg chg="mod">
-          <ac:chgData name="Armando Lacerda" userId="6ac139bb-b445-447a-8efe-92d4a0b8d73e" providerId="ADAL" clId="{69F408A4-DF4A-4710-8220-51297D0C0F30}" dt="2023-10-09T18:37:44.827" v="119" actId="20577"/>
-          <ac:spMkLst>
-            <pc:docMk/>
-            <pc:sldMk cId="4001649869" sldId="306"/>
-            <ac:spMk id="5" creationId="{50EB1746-0D8C-A9BE-30FD-35A949D54A30}"/>
-          </ac:spMkLst>
-        </pc:spChg>
-        <pc:picChg chg="mod">
-          <ac:chgData name="Armando Lacerda" userId="6ac139bb-b445-447a-8efe-92d4a0b8d73e" providerId="ADAL" clId="{69F408A4-DF4A-4710-8220-51297D0C0F30}" dt="2023-10-09T18:37:36.509" v="98" actId="14826"/>
-          <ac:picMkLst>
-            <pc:docMk/>
-            <pc:sldMk cId="4001649869" sldId="306"/>
-            <ac:picMk id="4" creationId="{DD5017B4-5C9B-10FF-928E-C01FD153629F}"/>
-          </ac:picMkLst>
-        </pc:picChg>
-      </pc:sldChg>
-      <pc:sldChg chg="modSp add modAnim">
-        <pc:chgData name="Armando Lacerda" userId="6ac139bb-b445-447a-8efe-92d4a0b8d73e" providerId="ADAL" clId="{69F408A4-DF4A-4710-8220-51297D0C0F30}" dt="2023-10-09T18:38:52.904" v="122"/>
-        <pc:sldMkLst>
-          <pc:docMk/>
-          <pc:sldMk cId="3662552447" sldId="307"/>
-        </pc:sldMkLst>
-        <pc:spChg chg="mod">
-          <ac:chgData name="Armando Lacerda" userId="6ac139bb-b445-447a-8efe-92d4a0b8d73e" providerId="ADAL" clId="{69F408A4-DF4A-4710-8220-51297D0C0F30}" dt="2023-10-09T18:38:46.194" v="121"/>
-          <ac:spMkLst>
-            <pc:docMk/>
-            <pc:sldMk cId="3662552447" sldId="307"/>
-            <ac:spMk id="3" creationId="{6BFEA687-7F40-1A61-9541-A3CD2B7C3B36}"/>
-          </ac:spMkLst>
-        </pc:spChg>
-      </pc:sldChg>
-      <pc:sldChg chg="addSp delSp modSp new del mod">
-        <pc:chgData name="Armando Lacerda" userId="6ac139bb-b445-447a-8efe-92d4a0b8d73e" providerId="ADAL" clId="{69F408A4-DF4A-4710-8220-51297D0C0F30}" dt="2023-10-09T18:40:12.464" v="131" actId="47"/>
-        <pc:sldMkLst>
-          <pc:docMk/>
-          <pc:sldMk cId="3331520821" sldId="308"/>
-        </pc:sldMkLst>
-        <pc:picChg chg="add del mod">
-          <ac:chgData name="Armando Lacerda" userId="6ac139bb-b445-447a-8efe-92d4a0b8d73e" providerId="ADAL" clId="{69F408A4-DF4A-4710-8220-51297D0C0F30}" dt="2023-10-09T18:39:58.384" v="126" actId="21"/>
-          <ac:picMkLst>
-            <pc:docMk/>
-            <pc:sldMk cId="3331520821" sldId="308"/>
-            <ac:picMk id="2" creationId="{E20707ED-BE47-9E59-BDC1-88FCD56BF1FF}"/>
-          </ac:picMkLst>
-        </pc:picChg>
-      </pc:sldChg>
-      <pc:sldChg chg="addSp delSp modSp add mod delAnim">
-        <pc:chgData name="Armando Lacerda" userId="6ac139bb-b445-447a-8efe-92d4a0b8d73e" providerId="ADAL" clId="{69F408A4-DF4A-4710-8220-51297D0C0F30}" dt="2023-10-09T18:40:06.351" v="130" actId="1076"/>
-        <pc:sldMkLst>
-          <pc:docMk/>
-          <pc:sldMk cId="4222163375" sldId="309"/>
-        </pc:sldMkLst>
-        <pc:spChg chg="del">
-          <ac:chgData name="Armando Lacerda" userId="6ac139bb-b445-447a-8efe-92d4a0b8d73e" providerId="ADAL" clId="{69F408A4-DF4A-4710-8220-51297D0C0F30}" dt="2023-10-09T18:40:01.698" v="127" actId="478"/>
-          <ac:spMkLst>
-            <pc:docMk/>
-            <pc:sldMk cId="4222163375" sldId="309"/>
-            <ac:spMk id="3" creationId="{6BFEA687-7F40-1A61-9541-A3CD2B7C3B36}"/>
-          </ac:spMkLst>
-        </pc:spChg>
         <pc:picChg chg="add mod">
-          <ac:chgData name="Armando Lacerda" userId="6ac139bb-b445-447a-8efe-92d4a0b8d73e" providerId="ADAL" clId="{69F408A4-DF4A-4710-8220-51297D0C0F30}" dt="2023-10-09T18:40:06.351" v="130" actId="1076"/>
-          <ac:picMkLst>
-            <pc:docMk/>
-            <pc:sldMk cId="4222163375" sldId="309"/>
-            <ac:picMk id="2" creationId="{9813853B-CF50-26E5-A092-BAB788515EDC}"/>
-          </ac:picMkLst>
-        </pc:picChg>
-      </pc:sldChg>
-      <pc:sldChg chg="add ord">
-        <pc:chgData name="Armando Lacerda" userId="6ac139bb-b445-447a-8efe-92d4a0b8d73e" providerId="ADAL" clId="{69F408A4-DF4A-4710-8220-51297D0C0F30}" dt="2023-10-09T18:40:17.707" v="134"/>
-        <pc:sldMkLst>
-          <pc:docMk/>
-          <pc:sldMk cId="53806175" sldId="310"/>
-        </pc:sldMkLst>
-      </pc:sldChg>
-    </pc:docChg>
-  </pc:docChgLst>
-  <pc:docChgLst>
-    <pc:chgData name="Armando Lacerda" userId="6ac139bb-b445-447a-8efe-92d4a0b8d73e" providerId="ADAL" clId="{51BA71F7-FC04-41B8-930C-C6A55A2B5965}"/>
-    <pc:docChg chg="undo redo custSel addSld delSld modSld modSection">
-      <pc:chgData name="Armando Lacerda" userId="6ac139bb-b445-447a-8efe-92d4a0b8d73e" providerId="ADAL" clId="{51BA71F7-FC04-41B8-930C-C6A55A2B5965}" dt="2023-09-11T18:15:00.095" v="227"/>
-      <pc:docMkLst>
-        <pc:docMk/>
-      </pc:docMkLst>
-      <pc:sldChg chg="del">
-        <pc:chgData name="Armando Lacerda" userId="6ac139bb-b445-447a-8efe-92d4a0b8d73e" providerId="ADAL" clId="{51BA71F7-FC04-41B8-930C-C6A55A2B5965}" dt="2023-09-11T17:44:36.335" v="0" actId="47"/>
-        <pc:sldMkLst>
-          <pc:docMk/>
-          <pc:sldMk cId="50343982" sldId="260"/>
-        </pc:sldMkLst>
-      </pc:sldChg>
-      <pc:sldChg chg="del">
-        <pc:chgData name="Armando Lacerda" userId="6ac139bb-b445-447a-8efe-92d4a0b8d73e" providerId="ADAL" clId="{51BA71F7-FC04-41B8-930C-C6A55A2B5965}" dt="2023-09-11T17:44:37.578" v="1" actId="47"/>
-        <pc:sldMkLst>
-          <pc:docMk/>
-          <pc:sldMk cId="1668804900" sldId="261"/>
-        </pc:sldMkLst>
-      </pc:sldChg>
-      <pc:sldChg chg="add del">
-        <pc:chgData name="Armando Lacerda" userId="6ac139bb-b445-447a-8efe-92d4a0b8d73e" providerId="ADAL" clId="{51BA71F7-FC04-41B8-930C-C6A55A2B5965}" dt="2023-09-11T18:01:07.119" v="41" actId="47"/>
-        <pc:sldMkLst>
-          <pc:docMk/>
-          <pc:sldMk cId="166890380" sldId="262"/>
-        </pc:sldMkLst>
-      </pc:sldChg>
-      <pc:sldChg chg="add del">
-        <pc:chgData name="Armando Lacerda" userId="6ac139bb-b445-447a-8efe-92d4a0b8d73e" providerId="ADAL" clId="{51BA71F7-FC04-41B8-930C-C6A55A2B5965}" dt="2023-09-11T18:01:07.119" v="41" actId="47"/>
-        <pc:sldMkLst>
-          <pc:docMk/>
-          <pc:sldMk cId="1804377006" sldId="263"/>
-        </pc:sldMkLst>
-      </pc:sldChg>
-      <pc:sldChg chg="add del">
-        <pc:chgData name="Armando Lacerda" userId="6ac139bb-b445-447a-8efe-92d4a0b8d73e" providerId="ADAL" clId="{51BA71F7-FC04-41B8-930C-C6A55A2B5965}" dt="2023-09-11T18:01:07.119" v="41" actId="47"/>
-        <pc:sldMkLst>
-          <pc:docMk/>
-          <pc:sldMk cId="4231599728" sldId="264"/>
-        </pc:sldMkLst>
-      </pc:sldChg>
-      <pc:sldChg chg="add del">
-        <pc:chgData name="Armando Lacerda" userId="6ac139bb-b445-447a-8efe-92d4a0b8d73e" providerId="ADAL" clId="{51BA71F7-FC04-41B8-930C-C6A55A2B5965}" dt="2023-09-11T18:01:07.119" v="41" actId="47"/>
-        <pc:sldMkLst>
-          <pc:docMk/>
-          <pc:sldMk cId="290515348" sldId="265"/>
-        </pc:sldMkLst>
-      </pc:sldChg>
-      <pc:sldChg chg="add del">
-        <pc:chgData name="Armando Lacerda" userId="6ac139bb-b445-447a-8efe-92d4a0b8d73e" providerId="ADAL" clId="{51BA71F7-FC04-41B8-930C-C6A55A2B5965}" dt="2023-09-11T18:01:07.119" v="41" actId="47"/>
-        <pc:sldMkLst>
-          <pc:docMk/>
-          <pc:sldMk cId="111765456" sldId="266"/>
-        </pc:sldMkLst>
-      </pc:sldChg>
-      <pc:sldChg chg="add del">
-        <pc:chgData name="Armando Lacerda" userId="6ac139bb-b445-447a-8efe-92d4a0b8d73e" providerId="ADAL" clId="{51BA71F7-FC04-41B8-930C-C6A55A2B5965}" dt="2023-09-11T18:01:07.119" v="41" actId="47"/>
-        <pc:sldMkLst>
-          <pc:docMk/>
-          <pc:sldMk cId="962972893" sldId="267"/>
-        </pc:sldMkLst>
-      </pc:sldChg>
-      <pc:sldChg chg="add del">
-        <pc:chgData name="Armando Lacerda" userId="6ac139bb-b445-447a-8efe-92d4a0b8d73e" providerId="ADAL" clId="{51BA71F7-FC04-41B8-930C-C6A55A2B5965}" dt="2023-09-11T18:01:07.119" v="41" actId="47"/>
-        <pc:sldMkLst>
-          <pc:docMk/>
-          <pc:sldMk cId="1886314929" sldId="268"/>
-        </pc:sldMkLst>
-      </pc:sldChg>
-      <pc:sldChg chg="modSp mod">
-        <pc:chgData name="Armando Lacerda" userId="6ac139bb-b445-447a-8efe-92d4a0b8d73e" providerId="ADAL" clId="{51BA71F7-FC04-41B8-930C-C6A55A2B5965}" dt="2023-09-11T17:44:56.322" v="24" actId="20577"/>
-        <pc:sldMkLst>
-          <pc:docMk/>
-          <pc:sldMk cId="4215762931" sldId="269"/>
-        </pc:sldMkLst>
-        <pc:spChg chg="mod">
-          <ac:chgData name="Armando Lacerda" userId="6ac139bb-b445-447a-8efe-92d4a0b8d73e" providerId="ADAL" clId="{51BA71F7-FC04-41B8-930C-C6A55A2B5965}" dt="2023-09-11T17:44:56.322" v="24" actId="20577"/>
-          <ac:spMkLst>
-            <pc:docMk/>
-            <pc:sldMk cId="4215762931" sldId="269"/>
-            <ac:spMk id="3" creationId="{8689F898-B53E-EDFC-8FDB-7ED3601D517A}"/>
-          </ac:spMkLst>
-        </pc:spChg>
-      </pc:sldChg>
-      <pc:sldChg chg="add del">
-        <pc:chgData name="Armando Lacerda" userId="6ac139bb-b445-447a-8efe-92d4a0b8d73e" providerId="ADAL" clId="{51BA71F7-FC04-41B8-930C-C6A55A2B5965}" dt="2023-09-11T18:01:07.119" v="41" actId="47"/>
-        <pc:sldMkLst>
-          <pc:docMk/>
-          <pc:sldMk cId="2482732293" sldId="270"/>
-        </pc:sldMkLst>
-      </pc:sldChg>
-      <pc:sldChg chg="add del">
-        <pc:chgData name="Armando Lacerda" userId="6ac139bb-b445-447a-8efe-92d4a0b8d73e" providerId="ADAL" clId="{51BA71F7-FC04-41B8-930C-C6A55A2B5965}" dt="2023-09-11T18:01:07.119" v="41" actId="47"/>
-        <pc:sldMkLst>
-          <pc:docMk/>
-          <pc:sldMk cId="1096368585" sldId="271"/>
-        </pc:sldMkLst>
-      </pc:sldChg>
-      <pc:sldChg chg="add del">
-        <pc:chgData name="Armando Lacerda" userId="6ac139bb-b445-447a-8efe-92d4a0b8d73e" providerId="ADAL" clId="{51BA71F7-FC04-41B8-930C-C6A55A2B5965}" dt="2023-09-11T18:01:07.119" v="41" actId="47"/>
-        <pc:sldMkLst>
-          <pc:docMk/>
-          <pc:sldMk cId="4272693023" sldId="272"/>
-        </pc:sldMkLst>
-      </pc:sldChg>
-      <pc:sldChg chg="add del">
-        <pc:chgData name="Armando Lacerda" userId="6ac139bb-b445-447a-8efe-92d4a0b8d73e" providerId="ADAL" clId="{51BA71F7-FC04-41B8-930C-C6A55A2B5965}" dt="2023-09-11T18:01:07.119" v="41" actId="47"/>
-        <pc:sldMkLst>
-          <pc:docMk/>
-          <pc:sldMk cId="2581644574" sldId="273"/>
-        </pc:sldMkLst>
-      </pc:sldChg>
-      <pc:sldChg chg="add del">
-        <pc:chgData name="Armando Lacerda" userId="6ac139bb-b445-447a-8efe-92d4a0b8d73e" providerId="ADAL" clId="{51BA71F7-FC04-41B8-930C-C6A55A2B5965}" dt="2023-09-11T18:01:07.119" v="41" actId="47"/>
-        <pc:sldMkLst>
-          <pc:docMk/>
-          <pc:sldMk cId="2955989480" sldId="274"/>
-        </pc:sldMkLst>
-      </pc:sldChg>
-      <pc:sldChg chg="add del">
-        <pc:chgData name="Armando Lacerda" userId="6ac139bb-b445-447a-8efe-92d4a0b8d73e" providerId="ADAL" clId="{51BA71F7-FC04-41B8-930C-C6A55A2B5965}" dt="2023-09-11T18:01:07.119" v="41" actId="47"/>
-        <pc:sldMkLst>
-          <pc:docMk/>
-          <pc:sldMk cId="1257119810" sldId="276"/>
-        </pc:sldMkLst>
-      </pc:sldChg>
-      <pc:sldChg chg="add del">
-        <pc:chgData name="Armando Lacerda" userId="6ac139bb-b445-447a-8efe-92d4a0b8d73e" providerId="ADAL" clId="{51BA71F7-FC04-41B8-930C-C6A55A2B5965}" dt="2023-09-11T18:01:07.119" v="41" actId="47"/>
-        <pc:sldMkLst>
-          <pc:docMk/>
-          <pc:sldMk cId="3086416996" sldId="277"/>
-        </pc:sldMkLst>
-      </pc:sldChg>
-      <pc:sldChg chg="add del">
-        <pc:chgData name="Armando Lacerda" userId="6ac139bb-b445-447a-8efe-92d4a0b8d73e" providerId="ADAL" clId="{51BA71F7-FC04-41B8-930C-C6A55A2B5965}" dt="2023-09-11T18:01:07.119" v="41" actId="47"/>
-        <pc:sldMkLst>
-          <pc:docMk/>
-          <pc:sldMk cId="1899731844" sldId="278"/>
-        </pc:sldMkLst>
-      </pc:sldChg>
-      <pc:sldChg chg="addSp delSp modSp new add del mod modClrScheme modAnim chgLayout">
-        <pc:chgData name="Armando Lacerda" userId="6ac139bb-b445-447a-8efe-92d4a0b8d73e" providerId="ADAL" clId="{51BA71F7-FC04-41B8-930C-C6A55A2B5965}" dt="2023-09-11T18:04:26.526" v="137"/>
-        <pc:sldMkLst>
-          <pc:docMk/>
-          <pc:sldMk cId="596348077" sldId="280"/>
-        </pc:sldMkLst>
-        <pc:spChg chg="add del">
-          <ac:chgData name="Armando Lacerda" userId="6ac139bb-b445-447a-8efe-92d4a0b8d73e" providerId="ADAL" clId="{51BA71F7-FC04-41B8-930C-C6A55A2B5965}" dt="2023-09-11T18:01:07.234" v="43" actId="700"/>
-          <ac:spMkLst>
-            <pc:docMk/>
-            <pc:sldMk cId="596348077" sldId="280"/>
-            <ac:spMk id="2" creationId="{521F9B6E-4D4A-1BCF-7330-19911A0D732C}"/>
-          </ac:spMkLst>
-        </pc:spChg>
-        <pc:spChg chg="add del">
-          <ac:chgData name="Armando Lacerda" userId="6ac139bb-b445-447a-8efe-92d4a0b8d73e" providerId="ADAL" clId="{51BA71F7-FC04-41B8-930C-C6A55A2B5965}" dt="2023-09-11T18:01:07.234" v="43" actId="700"/>
-          <ac:spMkLst>
-            <pc:docMk/>
-            <pc:sldMk cId="596348077" sldId="280"/>
-            <ac:spMk id="3" creationId="{4FF895E9-F4E2-0210-7276-4ED3387DAB97}"/>
-          </ac:spMkLst>
-        </pc:spChg>
-        <pc:spChg chg="mod">
-          <ac:chgData name="Armando Lacerda" userId="6ac139bb-b445-447a-8efe-92d4a0b8d73e" providerId="ADAL" clId="{51BA71F7-FC04-41B8-930C-C6A55A2B5965}" dt="2023-09-11T17:59:39.083" v="28"/>
-          <ac:spMkLst>
-            <pc:docMk/>
-            <pc:sldMk cId="596348077" sldId="280"/>
-            <ac:spMk id="5" creationId="{812415C3-393D-D5C0-2E6A-0D0A01974638}"/>
-          </ac:spMkLst>
-        </pc:spChg>
-        <pc:spChg chg="mod">
-          <ac:chgData name="Armando Lacerda" userId="6ac139bb-b445-447a-8efe-92d4a0b8d73e" providerId="ADAL" clId="{51BA71F7-FC04-41B8-930C-C6A55A2B5965}" dt="2023-09-11T17:59:39.083" v="28"/>
-          <ac:spMkLst>
-            <pc:docMk/>
-            <pc:sldMk cId="596348077" sldId="280"/>
-            <ac:spMk id="6" creationId="{C8F36E1F-5ECF-1EF4-A61F-7D1810FDD4CB}"/>
-          </ac:spMkLst>
-        </pc:spChg>
-        <pc:spChg chg="mod">
-          <ac:chgData name="Armando Lacerda" userId="6ac139bb-b445-447a-8efe-92d4a0b8d73e" providerId="ADAL" clId="{51BA71F7-FC04-41B8-930C-C6A55A2B5965}" dt="2023-09-11T17:59:39.083" v="28"/>
-          <ac:spMkLst>
-            <pc:docMk/>
-            <pc:sldMk cId="596348077" sldId="280"/>
-            <ac:spMk id="7" creationId="{90265833-8BDD-5EA9-E8E2-C9683BF6076E}"/>
-          </ac:spMkLst>
-        </pc:spChg>
-        <pc:spChg chg="mod">
-          <ac:chgData name="Armando Lacerda" userId="6ac139bb-b445-447a-8efe-92d4a0b8d73e" providerId="ADAL" clId="{51BA71F7-FC04-41B8-930C-C6A55A2B5965}" dt="2023-09-11T17:59:39.083" v="28"/>
-          <ac:spMkLst>
-            <pc:docMk/>
-            <pc:sldMk cId="596348077" sldId="280"/>
-            <ac:spMk id="10" creationId="{21B37C70-81CA-7D3F-F5D8-BE7E643EE472}"/>
-          </ac:spMkLst>
-        </pc:spChg>
-        <pc:spChg chg="mod">
-          <ac:chgData name="Armando Lacerda" userId="6ac139bb-b445-447a-8efe-92d4a0b8d73e" providerId="ADAL" clId="{51BA71F7-FC04-41B8-930C-C6A55A2B5965}" dt="2023-09-11T17:59:39.083" v="28"/>
-          <ac:spMkLst>
-            <pc:docMk/>
-            <pc:sldMk cId="596348077" sldId="280"/>
-            <ac:spMk id="11" creationId="{3E7A5D80-39A7-27D2-93DA-36DB754F301B}"/>
-          </ac:spMkLst>
-        </pc:spChg>
-        <pc:spChg chg="mod">
-          <ac:chgData name="Armando Lacerda" userId="6ac139bb-b445-447a-8efe-92d4a0b8d73e" providerId="ADAL" clId="{51BA71F7-FC04-41B8-930C-C6A55A2B5965}" dt="2023-09-11T17:59:39.083" v="28"/>
-          <ac:spMkLst>
-            <pc:docMk/>
-            <pc:sldMk cId="596348077" sldId="280"/>
-            <ac:spMk id="12" creationId="{A86A765A-640F-1B36-A94C-577482B9012E}"/>
-          </ac:spMkLst>
-        </pc:spChg>
-        <pc:spChg chg="mod">
-          <ac:chgData name="Armando Lacerda" userId="6ac139bb-b445-447a-8efe-92d4a0b8d73e" providerId="ADAL" clId="{51BA71F7-FC04-41B8-930C-C6A55A2B5965}" dt="2023-09-11T17:59:39.083" v="28"/>
-          <ac:spMkLst>
-            <pc:docMk/>
-            <pc:sldMk cId="596348077" sldId="280"/>
-            <ac:spMk id="13" creationId="{B2A80603-7A99-1E77-D134-7791919E8EB5}"/>
-          </ac:spMkLst>
-        </pc:spChg>
-        <pc:spChg chg="mod">
-          <ac:chgData name="Armando Lacerda" userId="6ac139bb-b445-447a-8efe-92d4a0b8d73e" providerId="ADAL" clId="{51BA71F7-FC04-41B8-930C-C6A55A2B5965}" dt="2023-09-11T17:59:39.083" v="28"/>
-          <ac:spMkLst>
-            <pc:docMk/>
-            <pc:sldMk cId="596348077" sldId="280"/>
-            <ac:spMk id="14" creationId="{E3463B37-29AC-80B2-B9AF-A33A2AC8C77C}"/>
-          </ac:spMkLst>
-        </pc:spChg>
-        <pc:spChg chg="mod">
-          <ac:chgData name="Armando Lacerda" userId="6ac139bb-b445-447a-8efe-92d4a0b8d73e" providerId="ADAL" clId="{51BA71F7-FC04-41B8-930C-C6A55A2B5965}" dt="2023-09-11T17:59:39.083" v="28"/>
-          <ac:spMkLst>
-            <pc:docMk/>
-            <pc:sldMk cId="596348077" sldId="280"/>
-            <ac:spMk id="15" creationId="{603DC255-3CDD-A19C-2C4F-24B6CB5D84F1}"/>
-          </ac:spMkLst>
-        </pc:spChg>
-        <pc:spChg chg="mod">
-          <ac:chgData name="Armando Lacerda" userId="6ac139bb-b445-447a-8efe-92d4a0b8d73e" providerId="ADAL" clId="{51BA71F7-FC04-41B8-930C-C6A55A2B5965}" dt="2023-09-11T17:59:39.083" v="28"/>
-          <ac:spMkLst>
-            <pc:docMk/>
-            <pc:sldMk cId="596348077" sldId="280"/>
-            <ac:spMk id="16" creationId="{5CE615FB-BC6F-F3DA-66C1-F8EA84B90CE7}"/>
-          </ac:spMkLst>
-        </pc:spChg>
-        <pc:spChg chg="mod">
-          <ac:chgData name="Armando Lacerda" userId="6ac139bb-b445-447a-8efe-92d4a0b8d73e" providerId="ADAL" clId="{51BA71F7-FC04-41B8-930C-C6A55A2B5965}" dt="2023-09-11T17:59:39.083" v="28"/>
-          <ac:spMkLst>
-            <pc:docMk/>
-            <pc:sldMk cId="596348077" sldId="280"/>
-            <ac:spMk id="17" creationId="{94A64A2A-CE4D-7A27-A3D8-4B31C83B1C51}"/>
-          </ac:spMkLst>
-        </pc:spChg>
-        <pc:spChg chg="mod">
-          <ac:chgData name="Armando Lacerda" userId="6ac139bb-b445-447a-8efe-92d4a0b8d73e" providerId="ADAL" clId="{51BA71F7-FC04-41B8-930C-C6A55A2B5965}" dt="2023-09-11T17:59:39.083" v="28"/>
-          <ac:spMkLst>
-            <pc:docMk/>
-            <pc:sldMk cId="596348077" sldId="280"/>
-            <ac:spMk id="18" creationId="{2C368F47-6DC4-BAEF-3638-EDC7EDA42E77}"/>
-          </ac:spMkLst>
-        </pc:spChg>
-        <pc:spChg chg="mod">
-          <ac:chgData name="Armando Lacerda" userId="6ac139bb-b445-447a-8efe-92d4a0b8d73e" providerId="ADAL" clId="{51BA71F7-FC04-41B8-930C-C6A55A2B5965}" dt="2023-09-11T17:59:39.083" v="28"/>
-          <ac:spMkLst>
-            <pc:docMk/>
-            <pc:sldMk cId="596348077" sldId="280"/>
-            <ac:spMk id="19" creationId="{3252483A-8049-A374-C1E5-731260344FF9}"/>
-          </ac:spMkLst>
-        </pc:spChg>
-        <pc:spChg chg="mod">
-          <ac:chgData name="Armando Lacerda" userId="6ac139bb-b445-447a-8efe-92d4a0b8d73e" providerId="ADAL" clId="{51BA71F7-FC04-41B8-930C-C6A55A2B5965}" dt="2023-09-11T17:59:39.083" v="28"/>
-          <ac:spMkLst>
-            <pc:docMk/>
-            <pc:sldMk cId="596348077" sldId="280"/>
-            <ac:spMk id="20" creationId="{B5C2021C-D3D9-A345-0201-91D22933D5D6}"/>
-          </ac:spMkLst>
-        </pc:spChg>
-        <pc:spChg chg="add mod">
-          <ac:chgData name="Armando Lacerda" userId="6ac139bb-b445-447a-8efe-92d4a0b8d73e" providerId="ADAL" clId="{51BA71F7-FC04-41B8-930C-C6A55A2B5965}" dt="2023-09-11T18:01:36.237" v="56" actId="20577"/>
-          <ac:spMkLst>
-            <pc:docMk/>
-            <pc:sldMk cId="596348077" sldId="280"/>
-            <ac:spMk id="21" creationId="{EFDF5BB8-DACF-BE4F-AF8A-155F19F3D710}"/>
-          </ac:spMkLst>
-        </pc:spChg>
-        <pc:spChg chg="add mod">
-          <ac:chgData name="Armando Lacerda" userId="6ac139bb-b445-447a-8efe-92d4a0b8d73e" providerId="ADAL" clId="{51BA71F7-FC04-41B8-930C-C6A55A2B5965}" dt="2023-09-11T18:03:02.380" v="133" actId="14100"/>
-          <ac:spMkLst>
-            <pc:docMk/>
-            <pc:sldMk cId="596348077" sldId="280"/>
-            <ac:spMk id="22" creationId="{DA40C0DE-D1D1-9E5A-E384-BE006862881C}"/>
-          </ac:spMkLst>
-        </pc:spChg>
-        <pc:spChg chg="add del mod">
-          <ac:chgData name="Armando Lacerda" userId="6ac139bb-b445-447a-8efe-92d4a0b8d73e" providerId="ADAL" clId="{51BA71F7-FC04-41B8-930C-C6A55A2B5965}" dt="2023-09-11T18:01:51.900" v="95" actId="478"/>
-          <ac:spMkLst>
-            <pc:docMk/>
-            <pc:sldMk cId="596348077" sldId="280"/>
-            <ac:spMk id="23" creationId="{020BFDA0-BAA7-8691-4C7B-90BECA3227E0}"/>
-          </ac:spMkLst>
-        </pc:spChg>
-        <pc:grpChg chg="add del mod">
-          <ac:chgData name="Armando Lacerda" userId="6ac139bb-b445-447a-8efe-92d4a0b8d73e" providerId="ADAL" clId="{51BA71F7-FC04-41B8-930C-C6A55A2B5965}" dt="2023-09-11T18:01:10.843" v="48" actId="478"/>
-          <ac:grpSpMkLst>
-            <pc:docMk/>
-            <pc:sldMk cId="596348077" sldId="280"/>
-            <ac:grpSpMk id="4" creationId="{8486DE2E-FAF4-CD0B-46C9-51DCFB50A3F1}"/>
-          </ac:grpSpMkLst>
-        </pc:grpChg>
-        <pc:grpChg chg="mod">
-          <ac:chgData name="Armando Lacerda" userId="6ac139bb-b445-447a-8efe-92d4a0b8d73e" providerId="ADAL" clId="{51BA71F7-FC04-41B8-930C-C6A55A2B5965}" dt="2023-09-11T17:59:39.083" v="28"/>
-          <ac:grpSpMkLst>
-            <pc:docMk/>
-            <pc:sldMk cId="596348077" sldId="280"/>
-            <ac:grpSpMk id="8" creationId="{92CB7F95-9B78-928E-1912-86E3093FF7FD}"/>
-          </ac:grpSpMkLst>
-        </pc:grpChg>
-        <pc:grpChg chg="mod">
-          <ac:chgData name="Armando Lacerda" userId="6ac139bb-b445-447a-8efe-92d4a0b8d73e" providerId="ADAL" clId="{51BA71F7-FC04-41B8-930C-C6A55A2B5965}" dt="2023-09-11T17:59:39.083" v="28"/>
-          <ac:grpSpMkLst>
-            <pc:docMk/>
-            <pc:sldMk cId="596348077" sldId="280"/>
-            <ac:grpSpMk id="9" creationId="{D7749C1D-582E-AFCF-2804-7DCCA49DC8BF}"/>
-          </ac:grpSpMkLst>
-        </pc:grpChg>
-      </pc:sldChg>
-      <pc:sldChg chg="add del">
-        <pc:chgData name="Armando Lacerda" userId="6ac139bb-b445-447a-8efe-92d4a0b8d73e" providerId="ADAL" clId="{51BA71F7-FC04-41B8-930C-C6A55A2B5965}" dt="2023-09-11T18:01:07.119" v="41" actId="47"/>
-        <pc:sldMkLst>
-          <pc:docMk/>
-          <pc:sldMk cId="1868718338" sldId="280"/>
-        </pc:sldMkLst>
-      </pc:sldChg>
-      <pc:sldChg chg="add del">
-        <pc:chgData name="Armando Lacerda" userId="6ac139bb-b445-447a-8efe-92d4a0b8d73e" providerId="ADAL" clId="{51BA71F7-FC04-41B8-930C-C6A55A2B5965}" dt="2023-09-11T18:01:07.119" v="41" actId="47"/>
-        <pc:sldMkLst>
-          <pc:docMk/>
-          <pc:sldMk cId="601533493" sldId="281"/>
-        </pc:sldMkLst>
-      </pc:sldChg>
-      <pc:sldChg chg="addSp delSp modSp new mod">
-        <pc:chgData name="Armando Lacerda" userId="6ac139bb-b445-447a-8efe-92d4a0b8d73e" providerId="ADAL" clId="{51BA71F7-FC04-41B8-930C-C6A55A2B5965}" dt="2023-09-11T18:06:46.943" v="148" actId="21"/>
-        <pc:sldMkLst>
-          <pc:docMk/>
-          <pc:sldMk cId="3755161727" sldId="281"/>
-        </pc:sldMkLst>
-        <pc:spChg chg="add mod">
-          <ac:chgData name="Armando Lacerda" userId="6ac139bb-b445-447a-8efe-92d4a0b8d73e" providerId="ADAL" clId="{51BA71F7-FC04-41B8-930C-C6A55A2B5965}" dt="2023-09-11T18:05:23.216" v="138"/>
-          <ac:spMkLst>
-            <pc:docMk/>
-            <pc:sldMk cId="3755161727" sldId="281"/>
-            <ac:spMk id="2" creationId="{3E706106-EC24-558D-FDFA-6F150E5089EB}"/>
-          </ac:spMkLst>
-        </pc:spChg>
-        <pc:spChg chg="add mod">
-          <ac:chgData name="Armando Lacerda" userId="6ac139bb-b445-447a-8efe-92d4a0b8d73e" providerId="ADAL" clId="{51BA71F7-FC04-41B8-930C-C6A55A2B5965}" dt="2023-09-11T18:05:23.216" v="138"/>
-          <ac:spMkLst>
-            <pc:docMk/>
-            <pc:sldMk cId="3755161727" sldId="281"/>
-            <ac:spMk id="3" creationId="{F328B2C2-B01A-1C17-3647-BDEA008685C4}"/>
-          </ac:spMkLst>
-        </pc:spChg>
-        <pc:spChg chg="add mod">
-          <ac:chgData name="Armando Lacerda" userId="6ac139bb-b445-447a-8efe-92d4a0b8d73e" providerId="ADAL" clId="{51BA71F7-FC04-41B8-930C-C6A55A2B5965}" dt="2023-09-11T18:05:23.216" v="138"/>
-          <ac:spMkLst>
-            <pc:docMk/>
-            <pc:sldMk cId="3755161727" sldId="281"/>
-            <ac:spMk id="12" creationId="{CAFE3EA6-6595-EB3E-A595-421C5233A2C1}"/>
-          </ac:spMkLst>
-        </pc:spChg>
-        <pc:spChg chg="add mod">
-          <ac:chgData name="Armando Lacerda" userId="6ac139bb-b445-447a-8efe-92d4a0b8d73e" providerId="ADAL" clId="{51BA71F7-FC04-41B8-930C-C6A55A2B5965}" dt="2023-09-11T18:05:23.216" v="138"/>
-          <ac:spMkLst>
-            <pc:docMk/>
-            <pc:sldMk cId="3755161727" sldId="281"/>
-            <ac:spMk id="13" creationId="{96EE597D-0033-5797-71C4-9506D9729D17}"/>
-          </ac:spMkLst>
-        </pc:spChg>
-        <pc:spChg chg="add mod">
-          <ac:chgData name="Armando Lacerda" userId="6ac139bb-b445-447a-8efe-92d4a0b8d73e" providerId="ADAL" clId="{51BA71F7-FC04-41B8-930C-C6A55A2B5965}" dt="2023-09-11T18:05:23.216" v="138"/>
-          <ac:spMkLst>
-            <pc:docMk/>
-            <pc:sldMk cId="3755161727" sldId="281"/>
-            <ac:spMk id="14" creationId="{D6810250-7349-67CF-279B-B30AF16F8BB7}"/>
-          </ac:spMkLst>
-        </pc:spChg>
-        <pc:spChg chg="add mod">
-          <ac:chgData name="Armando Lacerda" userId="6ac139bb-b445-447a-8efe-92d4a0b8d73e" providerId="ADAL" clId="{51BA71F7-FC04-41B8-930C-C6A55A2B5965}" dt="2023-09-11T18:05:23.216" v="138"/>
-          <ac:spMkLst>
-            <pc:docMk/>
-            <pc:sldMk cId="3755161727" sldId="281"/>
-            <ac:spMk id="15" creationId="{085DF88A-A1F8-6414-FB4E-CDCE767154B0}"/>
-          </ac:spMkLst>
-        </pc:spChg>
-        <pc:spChg chg="add mod">
-          <ac:chgData name="Armando Lacerda" userId="6ac139bb-b445-447a-8efe-92d4a0b8d73e" providerId="ADAL" clId="{51BA71F7-FC04-41B8-930C-C6A55A2B5965}" dt="2023-09-11T18:05:23.216" v="138"/>
-          <ac:spMkLst>
-            <pc:docMk/>
-            <pc:sldMk cId="3755161727" sldId="281"/>
-            <ac:spMk id="16" creationId="{855D9F13-2D24-E7FE-2F3E-F48E3BB15306}"/>
-          </ac:spMkLst>
-        </pc:spChg>
-        <pc:spChg chg="add mod">
-          <ac:chgData name="Armando Lacerda" userId="6ac139bb-b445-447a-8efe-92d4a0b8d73e" providerId="ADAL" clId="{51BA71F7-FC04-41B8-930C-C6A55A2B5965}" dt="2023-09-11T18:05:23.216" v="138"/>
-          <ac:spMkLst>
-            <pc:docMk/>
-            <pc:sldMk cId="3755161727" sldId="281"/>
-            <ac:spMk id="17" creationId="{A6C6D8E2-3021-EE28-0632-7D94D3F5C3B0}"/>
-          </ac:spMkLst>
-        </pc:spChg>
-        <pc:spChg chg="add mod">
-          <ac:chgData name="Armando Lacerda" userId="6ac139bb-b445-447a-8efe-92d4a0b8d73e" providerId="ADAL" clId="{51BA71F7-FC04-41B8-930C-C6A55A2B5965}" dt="2023-09-11T18:05:23.216" v="138"/>
-          <ac:spMkLst>
-            <pc:docMk/>
-            <pc:sldMk cId="3755161727" sldId="281"/>
-            <ac:spMk id="18" creationId="{2A18731F-553F-E0BE-9B9F-C41CF526A1A6}"/>
-          </ac:spMkLst>
-        </pc:spChg>
-        <pc:spChg chg="add mod">
-          <ac:chgData name="Armando Lacerda" userId="6ac139bb-b445-447a-8efe-92d4a0b8d73e" providerId="ADAL" clId="{51BA71F7-FC04-41B8-930C-C6A55A2B5965}" dt="2023-09-11T18:05:23.216" v="138"/>
-          <ac:spMkLst>
-            <pc:docMk/>
-            <pc:sldMk cId="3755161727" sldId="281"/>
-            <ac:spMk id="19" creationId="{655F5043-E3A6-FED4-E5C9-2D6289A875A8}"/>
-          </ac:spMkLst>
-        </pc:spChg>
+          <ac:chgData name="Armando Lacerda" userId="6ac139bb-b445-447a-8efe-92d4a0b8d73e" providerId="ADAL" clId="{48FB226F-732D-4FDA-9591-E5537808FDFF}" dt="2023-10-02T18:34:01.554" v="323"/>
+          <ac:picMkLst>
+            <pc:docMk/>
+            <pc:sldMk cId="1902282215" sldId="302"/>
+            <ac:picMk id="2" creationId="{01A2DD63-7195-3435-B450-F7E895C52D6C}"/>
+          </ac:picMkLst>
+        </pc:picChg>
         <pc:picChg chg="add mod">
-          <ac:chgData name="Armando Lacerda" userId="6ac139bb-b445-447a-8efe-92d4a0b8d73e" providerId="ADAL" clId="{51BA71F7-FC04-41B8-930C-C6A55A2B5965}" dt="2023-09-11T18:05:23.216" v="138"/>
-          <ac:picMkLst>
-            <pc:docMk/>
-            <pc:sldMk cId="3755161727" sldId="281"/>
-            <ac:picMk id="4" creationId="{B736FBF7-98A5-489E-DC22-FB39A892901B}"/>
+          <ac:chgData name="Armando Lacerda" userId="6ac139bb-b445-447a-8efe-92d4a0b8d73e" providerId="ADAL" clId="{48FB226F-732D-4FDA-9591-E5537808FDFF}" dt="2023-10-02T18:53:32.999" v="351"/>
+          <ac:picMkLst>
+            <pc:docMk/>
+            <pc:sldMk cId="1902282215" sldId="302"/>
+            <ac:picMk id="4" creationId="{B47BE5B9-F8C0-C7B0-8516-32048A31C87A}"/>
           </ac:picMkLst>
         </pc:picChg>
         <pc:picChg chg="add mod">
-          <ac:chgData name="Armando Lacerda" userId="6ac139bb-b445-447a-8efe-92d4a0b8d73e" providerId="ADAL" clId="{51BA71F7-FC04-41B8-930C-C6A55A2B5965}" dt="2023-09-11T18:05:23.216" v="138"/>
-          <ac:picMkLst>
-            <pc:docMk/>
-            <pc:sldMk cId="3755161727" sldId="281"/>
-            <ac:picMk id="5" creationId="{B2FE4F27-B762-DCE9-FE4B-0B8E109DE778}"/>
-          </ac:picMkLst>
-        </pc:picChg>
-        <pc:picChg chg="add mod">
-          <ac:chgData name="Armando Lacerda" userId="6ac139bb-b445-447a-8efe-92d4a0b8d73e" providerId="ADAL" clId="{51BA71F7-FC04-41B8-930C-C6A55A2B5965}" dt="2023-09-11T18:05:23.216" v="138"/>
-          <ac:picMkLst>
-            <pc:docMk/>
-            <pc:sldMk cId="3755161727" sldId="281"/>
-            <ac:picMk id="6" creationId="{444ED943-BCF9-0FFD-8D7A-5D601CE4BCBF}"/>
-          </ac:picMkLst>
-        </pc:picChg>
-        <pc:picChg chg="add mod">
-          <ac:chgData name="Armando Lacerda" userId="6ac139bb-b445-447a-8efe-92d4a0b8d73e" providerId="ADAL" clId="{51BA71F7-FC04-41B8-930C-C6A55A2B5965}" dt="2023-09-11T18:05:23.216" v="138"/>
-          <ac:picMkLst>
-            <pc:docMk/>
-            <pc:sldMk cId="3755161727" sldId="281"/>
-            <ac:picMk id="7" creationId="{6E2D42D6-73BB-A87C-614C-432CB789EB41}"/>
-          </ac:picMkLst>
-        </pc:picChg>
-        <pc:picChg chg="add mod">
-          <ac:chgData name="Armando Lacerda" userId="6ac139bb-b445-447a-8efe-92d4a0b8d73e" providerId="ADAL" clId="{51BA71F7-FC04-41B8-930C-C6A55A2B5965}" dt="2023-09-11T18:05:23.216" v="138"/>
-          <ac:picMkLst>
-            <pc:docMk/>
-            <pc:sldMk cId="3755161727" sldId="281"/>
-            <ac:picMk id="8" creationId="{FF3CE267-383C-9874-B90F-C48316623D74}"/>
-          </ac:picMkLst>
-        </pc:picChg>
-        <pc:picChg chg="add mod">
-          <ac:chgData name="Armando Lacerda" userId="6ac139bb-b445-447a-8efe-92d4a0b8d73e" providerId="ADAL" clId="{51BA71F7-FC04-41B8-930C-C6A55A2B5965}" dt="2023-09-11T18:05:23.216" v="138"/>
-          <ac:picMkLst>
-            <pc:docMk/>
-            <pc:sldMk cId="3755161727" sldId="281"/>
-            <ac:picMk id="9" creationId="{A8A4403B-1631-C7E6-44C6-ED3331B458D0}"/>
-          </ac:picMkLst>
-        </pc:picChg>
-        <pc:picChg chg="add mod">
-          <ac:chgData name="Armando Lacerda" userId="6ac139bb-b445-447a-8efe-92d4a0b8d73e" providerId="ADAL" clId="{51BA71F7-FC04-41B8-930C-C6A55A2B5965}" dt="2023-09-11T18:05:23.216" v="138"/>
-          <ac:picMkLst>
-            <pc:docMk/>
-            <pc:sldMk cId="3755161727" sldId="281"/>
-            <ac:picMk id="10" creationId="{35A8CF9F-D67F-0072-F9AA-22D84ADBB659}"/>
-          </ac:picMkLst>
-        </pc:picChg>
-        <pc:picChg chg="add mod">
-          <ac:chgData name="Armando Lacerda" userId="6ac139bb-b445-447a-8efe-92d4a0b8d73e" providerId="ADAL" clId="{51BA71F7-FC04-41B8-930C-C6A55A2B5965}" dt="2023-09-11T18:05:23.216" v="138"/>
-          <ac:picMkLst>
-            <pc:docMk/>
-            <pc:sldMk cId="3755161727" sldId="281"/>
-            <ac:picMk id="11" creationId="{ADAEE618-00B6-0DF4-940B-55EE640734C3}"/>
-          </ac:picMkLst>
-        </pc:picChg>
-        <pc:picChg chg="add del mod">
-          <ac:chgData name="Armando Lacerda" userId="6ac139bb-b445-447a-8efe-92d4a0b8d73e" providerId="ADAL" clId="{51BA71F7-FC04-41B8-930C-C6A55A2B5965}" dt="2023-09-11T18:06:46.943" v="148" actId="21"/>
-          <ac:picMkLst>
-            <pc:docMk/>
-            <pc:sldMk cId="3755161727" sldId="281"/>
-            <ac:picMk id="20" creationId="{BEAD7796-FA51-B74A-94CB-F2386E4AB1A4}"/>
-          </ac:picMkLst>
-        </pc:picChg>
-      </pc:sldChg>
-      <pc:sldChg chg="addSp delSp modSp add mod">
-        <pc:chgData name="Armando Lacerda" userId="6ac139bb-b445-447a-8efe-92d4a0b8d73e" providerId="ADAL" clId="{51BA71F7-FC04-41B8-930C-C6A55A2B5965}" dt="2023-09-11T18:06:48.867" v="149"/>
-        <pc:sldMkLst>
-          <pc:docMk/>
-          <pc:sldMk cId="2869170872" sldId="282"/>
-        </pc:sldMkLst>
-        <pc:spChg chg="del">
-          <ac:chgData name="Armando Lacerda" userId="6ac139bb-b445-447a-8efe-92d4a0b8d73e" providerId="ADAL" clId="{51BA71F7-FC04-41B8-930C-C6A55A2B5965}" dt="2023-09-11T18:05:47" v="140" actId="21"/>
-          <ac:spMkLst>
-            <pc:docMk/>
-            <pc:sldMk cId="2869170872" sldId="282"/>
-            <ac:spMk id="13" creationId="{96EE597D-0033-5797-71C4-9506D9729D17}"/>
-          </ac:spMkLst>
-        </pc:spChg>
-        <pc:spChg chg="del">
-          <ac:chgData name="Armando Lacerda" userId="6ac139bb-b445-447a-8efe-92d4a0b8d73e" providerId="ADAL" clId="{51BA71F7-FC04-41B8-930C-C6A55A2B5965}" dt="2023-09-11T18:05:47" v="140" actId="21"/>
-          <ac:spMkLst>
-            <pc:docMk/>
-            <pc:sldMk cId="2869170872" sldId="282"/>
-            <ac:spMk id="14" creationId="{D6810250-7349-67CF-279B-B30AF16F8BB7}"/>
-          </ac:spMkLst>
-        </pc:spChg>
-        <pc:spChg chg="del">
-          <ac:chgData name="Armando Lacerda" userId="6ac139bb-b445-447a-8efe-92d4a0b8d73e" providerId="ADAL" clId="{51BA71F7-FC04-41B8-930C-C6A55A2B5965}" dt="2023-09-11T18:05:47" v="140" actId="21"/>
-          <ac:spMkLst>
-            <pc:docMk/>
-            <pc:sldMk cId="2869170872" sldId="282"/>
-            <ac:spMk id="15" creationId="{085DF88A-A1F8-6414-FB4E-CDCE767154B0}"/>
-          </ac:spMkLst>
-        </pc:spChg>
-        <pc:spChg chg="del">
-          <ac:chgData name="Armando Lacerda" userId="6ac139bb-b445-447a-8efe-92d4a0b8d73e" providerId="ADAL" clId="{51BA71F7-FC04-41B8-930C-C6A55A2B5965}" dt="2023-09-11T18:05:47" v="140" actId="21"/>
-          <ac:spMkLst>
-            <pc:docMk/>
-            <pc:sldMk cId="2869170872" sldId="282"/>
-            <ac:spMk id="16" creationId="{855D9F13-2D24-E7FE-2F3E-F48E3BB15306}"/>
-          </ac:spMkLst>
-        </pc:spChg>
-        <pc:spChg chg="del">
-          <ac:chgData name="Armando Lacerda" userId="6ac139bb-b445-447a-8efe-92d4a0b8d73e" providerId="ADAL" clId="{51BA71F7-FC04-41B8-930C-C6A55A2B5965}" dt="2023-09-11T18:05:47" v="140" actId="21"/>
-          <ac:spMkLst>
-            <pc:docMk/>
-            <pc:sldMk cId="2869170872" sldId="282"/>
-            <ac:spMk id="17" creationId="{A6C6D8E2-3021-EE28-0632-7D94D3F5C3B0}"/>
-          </ac:spMkLst>
-        </pc:spChg>
-        <pc:spChg chg="del">
-          <ac:chgData name="Armando Lacerda" userId="6ac139bb-b445-447a-8efe-92d4a0b8d73e" providerId="ADAL" clId="{51BA71F7-FC04-41B8-930C-C6A55A2B5965}" dt="2023-09-11T18:05:47" v="140" actId="21"/>
-          <ac:spMkLst>
-            <pc:docMk/>
-            <pc:sldMk cId="2869170872" sldId="282"/>
-            <ac:spMk id="18" creationId="{2A18731F-553F-E0BE-9B9F-C41CF526A1A6}"/>
-          </ac:spMkLst>
-        </pc:spChg>
-        <pc:spChg chg="del">
-          <ac:chgData name="Armando Lacerda" userId="6ac139bb-b445-447a-8efe-92d4a0b8d73e" providerId="ADAL" clId="{51BA71F7-FC04-41B8-930C-C6A55A2B5965}" dt="2023-09-11T18:05:47" v="140" actId="21"/>
-          <ac:spMkLst>
-            <pc:docMk/>
-            <pc:sldMk cId="2869170872" sldId="282"/>
-            <ac:spMk id="19" creationId="{655F5043-E3A6-FED4-E5C9-2D6289A875A8}"/>
-          </ac:spMkLst>
-        </pc:spChg>
+          <ac:chgData name="Armando Lacerda" userId="6ac139bb-b445-447a-8efe-92d4a0b8d73e" providerId="ADAL" clId="{48FB226F-732D-4FDA-9591-E5537808FDFF}" dt="2023-10-02T18:53:32.999" v="351"/>
+          <ac:picMkLst>
+            <pc:docMk/>
+            <pc:sldMk cId="1902282215" sldId="302"/>
+            <ac:picMk id="8" creationId="{599A1872-0D49-EE40-8D09-78417996D6C3}"/>
+          </ac:picMkLst>
+        </pc:picChg>
+        <pc:picChg chg="del mod">
+          <ac:chgData name="Armando Lacerda" userId="6ac139bb-b445-447a-8efe-92d4a0b8d73e" providerId="ADAL" clId="{48FB226F-732D-4FDA-9591-E5537808FDFF}" dt="2023-10-02T18:53:32.226" v="350" actId="478"/>
+          <ac:picMkLst>
+            <pc:docMk/>
+            <pc:sldMk cId="1902282215" sldId="302"/>
+            <ac:picMk id="25" creationId="{7AF5F54C-05CB-949B-019E-51D75AC7B049}"/>
+          </ac:picMkLst>
+        </pc:picChg>
         <pc:picChg chg="del">
-          <ac:chgData name="Armando Lacerda" userId="6ac139bb-b445-447a-8efe-92d4a0b8d73e" providerId="ADAL" clId="{51BA71F7-FC04-41B8-930C-C6A55A2B5965}" dt="2023-09-11T18:05:47" v="140" actId="21"/>
-          <ac:picMkLst>
-            <pc:docMk/>
-            <pc:sldMk cId="2869170872" sldId="282"/>
-            <ac:picMk id="5" creationId="{B2FE4F27-B762-DCE9-FE4B-0B8E109DE778}"/>
-          </ac:picMkLst>
-        </pc:picChg>
-        <pc:picChg chg="del">
-          <ac:chgData name="Armando Lacerda" userId="6ac139bb-b445-447a-8efe-92d4a0b8d73e" providerId="ADAL" clId="{51BA71F7-FC04-41B8-930C-C6A55A2B5965}" dt="2023-09-11T18:05:47" v="140" actId="21"/>
-          <ac:picMkLst>
-            <pc:docMk/>
-            <pc:sldMk cId="2869170872" sldId="282"/>
-            <ac:picMk id="6" creationId="{444ED943-BCF9-0FFD-8D7A-5D601CE4BCBF}"/>
-          </ac:picMkLst>
-        </pc:picChg>
-        <pc:picChg chg="del">
-          <ac:chgData name="Armando Lacerda" userId="6ac139bb-b445-447a-8efe-92d4a0b8d73e" providerId="ADAL" clId="{51BA71F7-FC04-41B8-930C-C6A55A2B5965}" dt="2023-09-11T18:05:47" v="140" actId="21"/>
-          <ac:picMkLst>
-            <pc:docMk/>
-            <pc:sldMk cId="2869170872" sldId="282"/>
-            <ac:picMk id="7" creationId="{6E2D42D6-73BB-A87C-614C-432CB789EB41}"/>
-          </ac:picMkLst>
-        </pc:picChg>
-        <pc:picChg chg="del">
-          <ac:chgData name="Armando Lacerda" userId="6ac139bb-b445-447a-8efe-92d4a0b8d73e" providerId="ADAL" clId="{51BA71F7-FC04-41B8-930C-C6A55A2B5965}" dt="2023-09-11T18:05:47" v="140" actId="21"/>
-          <ac:picMkLst>
-            <pc:docMk/>
-            <pc:sldMk cId="2869170872" sldId="282"/>
-            <ac:picMk id="8" creationId="{FF3CE267-383C-9874-B90F-C48316623D74}"/>
-          </ac:picMkLst>
-        </pc:picChg>
-        <pc:picChg chg="del">
-          <ac:chgData name="Armando Lacerda" userId="6ac139bb-b445-447a-8efe-92d4a0b8d73e" providerId="ADAL" clId="{51BA71F7-FC04-41B8-930C-C6A55A2B5965}" dt="2023-09-11T18:05:47" v="140" actId="21"/>
-          <ac:picMkLst>
-            <pc:docMk/>
-            <pc:sldMk cId="2869170872" sldId="282"/>
-            <ac:picMk id="9" creationId="{A8A4403B-1631-C7E6-44C6-ED3331B458D0}"/>
-          </ac:picMkLst>
-        </pc:picChg>
-        <pc:picChg chg="del">
-          <ac:chgData name="Armando Lacerda" userId="6ac139bb-b445-447a-8efe-92d4a0b8d73e" providerId="ADAL" clId="{51BA71F7-FC04-41B8-930C-C6A55A2B5965}" dt="2023-09-11T18:05:47" v="140" actId="21"/>
-          <ac:picMkLst>
-            <pc:docMk/>
-            <pc:sldMk cId="2869170872" sldId="282"/>
-            <ac:picMk id="10" creationId="{35A8CF9F-D67F-0072-F9AA-22D84ADBB659}"/>
-          </ac:picMkLst>
-        </pc:picChg>
-        <pc:picChg chg="del">
-          <ac:chgData name="Armando Lacerda" userId="6ac139bb-b445-447a-8efe-92d4a0b8d73e" providerId="ADAL" clId="{51BA71F7-FC04-41B8-930C-C6A55A2B5965}" dt="2023-09-11T18:05:47" v="140" actId="21"/>
-          <ac:picMkLst>
-            <pc:docMk/>
-            <pc:sldMk cId="2869170872" sldId="282"/>
-            <ac:picMk id="11" creationId="{ADAEE618-00B6-0DF4-940B-55EE640734C3}"/>
-          </ac:picMkLst>
-        </pc:picChg>
-        <pc:picChg chg="add del mod">
-          <ac:chgData name="Armando Lacerda" userId="6ac139bb-b445-447a-8efe-92d4a0b8d73e" providerId="ADAL" clId="{51BA71F7-FC04-41B8-930C-C6A55A2B5965}" dt="2023-09-11T18:06:39.879" v="145" actId="21"/>
-          <ac:picMkLst>
-            <pc:docMk/>
-            <pc:sldMk cId="2869170872" sldId="282"/>
-            <ac:picMk id="20" creationId="{83BAB643-8E1A-B31D-1655-FAD11E5E0E10}"/>
-          </ac:picMkLst>
-        </pc:picChg>
-        <pc:picChg chg="add mod">
-          <ac:chgData name="Armando Lacerda" userId="6ac139bb-b445-447a-8efe-92d4a0b8d73e" providerId="ADAL" clId="{51BA71F7-FC04-41B8-930C-C6A55A2B5965}" dt="2023-09-11T18:06:48.867" v="149"/>
-          <ac:picMkLst>
-            <pc:docMk/>
-            <pc:sldMk cId="2869170872" sldId="282"/>
-            <ac:picMk id="21" creationId="{B11A9D1C-1343-5EF3-F607-B00D682A9C6F}"/>
-          </ac:picMkLst>
-        </pc:picChg>
-      </pc:sldChg>
-      <pc:sldChg chg="add del">
-        <pc:chgData name="Armando Lacerda" userId="6ac139bb-b445-447a-8efe-92d4a0b8d73e" providerId="ADAL" clId="{51BA71F7-FC04-41B8-930C-C6A55A2B5965}" dt="2023-09-11T18:01:07.119" v="41" actId="47"/>
-        <pc:sldMkLst>
-          <pc:docMk/>
-          <pc:sldMk cId="2894434822" sldId="282"/>
-        </pc:sldMkLst>
-      </pc:sldChg>
-      <pc:sldChg chg="addSp delSp modSp new mod modAnim">
-        <pc:chgData name="Armando Lacerda" userId="6ac139bb-b445-447a-8efe-92d4a0b8d73e" providerId="ADAL" clId="{51BA71F7-FC04-41B8-930C-C6A55A2B5965}" dt="2023-09-11T18:10:55.435" v="182" actId="21"/>
-        <pc:sldMkLst>
-          <pc:docMk/>
-          <pc:sldMk cId="1541593639" sldId="283"/>
-        </pc:sldMkLst>
-        <pc:spChg chg="add del mod">
-          <ac:chgData name="Armando Lacerda" userId="6ac139bb-b445-447a-8efe-92d4a0b8d73e" providerId="ADAL" clId="{51BA71F7-FC04-41B8-930C-C6A55A2B5965}" dt="2023-09-11T18:09:28.923" v="171" actId="21"/>
-          <ac:spMkLst>
-            <pc:docMk/>
-            <pc:sldMk cId="1541593639" sldId="283"/>
-            <ac:spMk id="2" creationId="{6ECAA5B4-F0EF-B826-2EBD-EF841A32E130}"/>
-          </ac:spMkLst>
-        </pc:spChg>
-        <pc:spChg chg="add del mod">
-          <ac:chgData name="Armando Lacerda" userId="6ac139bb-b445-447a-8efe-92d4a0b8d73e" providerId="ADAL" clId="{51BA71F7-FC04-41B8-930C-C6A55A2B5965}" dt="2023-09-11T18:09:28.923" v="171" actId="21"/>
-          <ac:spMkLst>
-            <pc:docMk/>
-            <pc:sldMk cId="1541593639" sldId="283"/>
-            <ac:spMk id="3" creationId="{D1DC3D2F-3082-FFB4-4064-362442A087EF}"/>
-          </ac:spMkLst>
-        </pc:spChg>
-        <pc:spChg chg="add del mod">
-          <ac:chgData name="Armando Lacerda" userId="6ac139bb-b445-447a-8efe-92d4a0b8d73e" providerId="ADAL" clId="{51BA71F7-FC04-41B8-930C-C6A55A2B5965}" dt="2023-09-11T18:09:28.923" v="171" actId="21"/>
-          <ac:spMkLst>
-            <pc:docMk/>
-            <pc:sldMk cId="1541593639" sldId="283"/>
-            <ac:spMk id="4" creationId="{8676D68A-925A-84A8-F39E-1D7E77E07113}"/>
-          </ac:spMkLst>
-        </pc:spChg>
-        <pc:spChg chg="add del mod">
-          <ac:chgData name="Armando Lacerda" userId="6ac139bb-b445-447a-8efe-92d4a0b8d73e" providerId="ADAL" clId="{51BA71F7-FC04-41B8-930C-C6A55A2B5965}" dt="2023-09-11T18:09:28.923" v="171" actId="21"/>
-          <ac:spMkLst>
-            <pc:docMk/>
-            <pc:sldMk cId="1541593639" sldId="283"/>
-            <ac:spMk id="5" creationId="{34714645-A77A-4F28-1766-43A6EBAC70CF}"/>
-          </ac:spMkLst>
-        </pc:spChg>
-        <pc:spChg chg="add del mod">
-          <ac:chgData name="Armando Lacerda" userId="6ac139bb-b445-447a-8efe-92d4a0b8d73e" providerId="ADAL" clId="{51BA71F7-FC04-41B8-930C-C6A55A2B5965}" dt="2023-09-11T18:08:09.035" v="159" actId="478"/>
-          <ac:spMkLst>
-            <pc:docMk/>
-            <pc:sldMk cId="1541593639" sldId="283"/>
-            <ac:spMk id="6" creationId="{64A0CA0D-CB2D-1427-A7DC-9034FE381E57}"/>
-          </ac:spMkLst>
-        </pc:spChg>
-        <pc:spChg chg="add del mod">
-          <ac:chgData name="Armando Lacerda" userId="6ac139bb-b445-447a-8efe-92d4a0b8d73e" providerId="ADAL" clId="{51BA71F7-FC04-41B8-930C-C6A55A2B5965}" dt="2023-09-11T18:08:09.035" v="159" actId="478"/>
-          <ac:spMkLst>
-            <pc:docMk/>
-            <pc:sldMk cId="1541593639" sldId="283"/>
-            <ac:spMk id="7" creationId="{0E0C971D-096D-B293-0EC8-0AB1F63179D8}"/>
-          </ac:spMkLst>
-        </pc:spChg>
-        <pc:spChg chg="add del mod">
-          <ac:chgData name="Armando Lacerda" userId="6ac139bb-b445-447a-8efe-92d4a0b8d73e" providerId="ADAL" clId="{51BA71F7-FC04-41B8-930C-C6A55A2B5965}" dt="2023-09-11T18:08:09.035" v="159" actId="478"/>
-          <ac:spMkLst>
-            <pc:docMk/>
-            <pc:sldMk cId="1541593639" sldId="283"/>
-            <ac:spMk id="8" creationId="{E5060BE4-03CC-E0F0-B27C-16F39DF88DA7}"/>
-          </ac:spMkLst>
-        </pc:spChg>
-        <pc:spChg chg="add del mod">
-          <ac:chgData name="Armando Lacerda" userId="6ac139bb-b445-447a-8efe-92d4a0b8d73e" providerId="ADAL" clId="{51BA71F7-FC04-41B8-930C-C6A55A2B5965}" dt="2023-09-11T18:08:09.035" v="159" actId="478"/>
-          <ac:spMkLst>
-            <pc:docMk/>
-            <pc:sldMk cId="1541593639" sldId="283"/>
-            <ac:spMk id="9" creationId="{40D9655D-1D8C-BBB0-ABFA-A9ED79125543}"/>
-          </ac:spMkLst>
-        </pc:spChg>
-        <pc:spChg chg="mod">
-          <ac:chgData name="Armando Lacerda" userId="6ac139bb-b445-447a-8efe-92d4a0b8d73e" providerId="ADAL" clId="{51BA71F7-FC04-41B8-930C-C6A55A2B5965}" dt="2023-09-11T18:07:16.978" v="151"/>
-          <ac:spMkLst>
-            <pc:docMk/>
-            <pc:sldMk cId="1541593639" sldId="283"/>
-            <ac:spMk id="14" creationId="{2DDEB36D-1832-DF8F-12A9-108ECFCB633B}"/>
-          </ac:spMkLst>
-        </pc:spChg>
-        <pc:spChg chg="mod">
-          <ac:chgData name="Armando Lacerda" userId="6ac139bb-b445-447a-8efe-92d4a0b8d73e" providerId="ADAL" clId="{51BA71F7-FC04-41B8-930C-C6A55A2B5965}" dt="2023-09-11T18:07:16.978" v="151"/>
-          <ac:spMkLst>
-            <pc:docMk/>
-            <pc:sldMk cId="1541593639" sldId="283"/>
-            <ac:spMk id="15" creationId="{9AED1265-8A2E-A162-0593-2944E91D7438}"/>
-          </ac:spMkLst>
-        </pc:spChg>
-        <pc:spChg chg="mod">
-          <ac:chgData name="Armando Lacerda" userId="6ac139bb-b445-447a-8efe-92d4a0b8d73e" providerId="ADAL" clId="{51BA71F7-FC04-41B8-930C-C6A55A2B5965}" dt="2023-09-11T18:07:16.978" v="151"/>
-          <ac:spMkLst>
-            <pc:docMk/>
-            <pc:sldMk cId="1541593639" sldId="283"/>
-            <ac:spMk id="20" creationId="{86044071-4D8D-C2CF-3C47-ECC81759A519}"/>
-          </ac:spMkLst>
-        </pc:spChg>
-        <pc:spChg chg="mod">
-          <ac:chgData name="Armando Lacerda" userId="6ac139bb-b445-447a-8efe-92d4a0b8d73e" providerId="ADAL" clId="{51BA71F7-FC04-41B8-930C-C6A55A2B5965}" dt="2023-09-11T18:07:16.978" v="151"/>
-          <ac:spMkLst>
-            <pc:docMk/>
-            <pc:sldMk cId="1541593639" sldId="283"/>
-            <ac:spMk id="21" creationId="{5487AA8F-1659-2239-8152-BD8BE51D7A45}"/>
-          </ac:spMkLst>
-        </pc:spChg>
-        <pc:spChg chg="mod">
-          <ac:chgData name="Armando Lacerda" userId="6ac139bb-b445-447a-8efe-92d4a0b8d73e" providerId="ADAL" clId="{51BA71F7-FC04-41B8-930C-C6A55A2B5965}" dt="2023-09-11T18:07:16.978" v="151"/>
-          <ac:spMkLst>
-            <pc:docMk/>
-            <pc:sldMk cId="1541593639" sldId="283"/>
-            <ac:spMk id="26" creationId="{37F6BD63-F879-2777-4ED0-5613D9FD96ED}"/>
-          </ac:spMkLst>
-        </pc:spChg>
-        <pc:spChg chg="mod">
-          <ac:chgData name="Armando Lacerda" userId="6ac139bb-b445-447a-8efe-92d4a0b8d73e" providerId="ADAL" clId="{51BA71F7-FC04-41B8-930C-C6A55A2B5965}" dt="2023-09-11T18:07:16.978" v="151"/>
-          <ac:spMkLst>
-            <pc:docMk/>
-            <pc:sldMk cId="1541593639" sldId="283"/>
-            <ac:spMk id="27" creationId="{4F71BCB3-2CF8-6C50-C688-C8FE53262423}"/>
-          </ac:spMkLst>
-        </pc:spChg>
-        <pc:spChg chg="add del mod">
-          <ac:chgData name="Armando Lacerda" userId="6ac139bb-b445-447a-8efe-92d4a0b8d73e" providerId="ADAL" clId="{51BA71F7-FC04-41B8-930C-C6A55A2B5965}" dt="2023-09-11T18:09:28.923" v="171" actId="21"/>
-          <ac:spMkLst>
-            <pc:docMk/>
-            <pc:sldMk cId="1541593639" sldId="283"/>
-            <ac:spMk id="32" creationId="{1CFAD0E8-2185-7013-64B9-B8BBF22AEB27}"/>
-          </ac:spMkLst>
-        </pc:spChg>
-        <pc:spChg chg="add del mod">
-          <ac:chgData name="Armando Lacerda" userId="6ac139bb-b445-447a-8efe-92d4a0b8d73e" providerId="ADAL" clId="{51BA71F7-FC04-41B8-930C-C6A55A2B5965}" dt="2023-09-11T18:09:28.923" v="171" actId="21"/>
-          <ac:spMkLst>
-            <pc:docMk/>
-            <pc:sldMk cId="1541593639" sldId="283"/>
-            <ac:spMk id="33" creationId="{8786358E-C82E-6F04-CF12-9F7C59B2FE33}"/>
-          </ac:spMkLst>
-        </pc:spChg>
-        <pc:spChg chg="add del mod">
-          <ac:chgData name="Armando Lacerda" userId="6ac139bb-b445-447a-8efe-92d4a0b8d73e" providerId="ADAL" clId="{51BA71F7-FC04-41B8-930C-C6A55A2B5965}" dt="2023-09-11T18:09:28.923" v="171" actId="21"/>
-          <ac:spMkLst>
-            <pc:docMk/>
-            <pc:sldMk cId="1541593639" sldId="283"/>
-            <ac:spMk id="34" creationId="{18E261B8-95A6-ACC5-EFFD-B52FBB83D0C3}"/>
-          </ac:spMkLst>
-        </pc:spChg>
-        <pc:spChg chg="add del mod">
-          <ac:chgData name="Armando Lacerda" userId="6ac139bb-b445-447a-8efe-92d4a0b8d73e" providerId="ADAL" clId="{51BA71F7-FC04-41B8-930C-C6A55A2B5965}" dt="2023-09-11T18:09:28.923" v="171" actId="21"/>
-          <ac:spMkLst>
-            <pc:docMk/>
-            <pc:sldMk cId="1541593639" sldId="283"/>
-            <ac:spMk id="35" creationId="{011D93E9-9C70-6088-23BA-F84F14075F36}"/>
-          </ac:spMkLst>
-        </pc:spChg>
-        <pc:spChg chg="add del mod">
-          <ac:chgData name="Armando Lacerda" userId="6ac139bb-b445-447a-8efe-92d4a0b8d73e" providerId="ADAL" clId="{51BA71F7-FC04-41B8-930C-C6A55A2B5965}" dt="2023-09-11T18:08:04.189" v="158" actId="478"/>
-          <ac:spMkLst>
-            <pc:docMk/>
-            <pc:sldMk cId="1541593639" sldId="283"/>
-            <ac:spMk id="36" creationId="{6F3FABA1-5DAE-F4F8-D7D5-2E75EE0EFBC7}"/>
-          </ac:spMkLst>
-        </pc:spChg>
-        <pc:spChg chg="add del mod">
-          <ac:chgData name="Armando Lacerda" userId="6ac139bb-b445-447a-8efe-92d4a0b8d73e" providerId="ADAL" clId="{51BA71F7-FC04-41B8-930C-C6A55A2B5965}" dt="2023-09-11T18:08:04.189" v="158" actId="478"/>
-          <ac:spMkLst>
-            <pc:docMk/>
-            <pc:sldMk cId="1541593639" sldId="283"/>
-            <ac:spMk id="37" creationId="{F0868446-18C0-8FE5-6DEC-3D49FC6B6899}"/>
-          </ac:spMkLst>
-        </pc:spChg>
-        <pc:spChg chg="add del mod">
-          <ac:chgData name="Armando Lacerda" userId="6ac139bb-b445-447a-8efe-92d4a0b8d73e" providerId="ADAL" clId="{51BA71F7-FC04-41B8-930C-C6A55A2B5965}" dt="2023-09-11T18:08:04.189" v="158" actId="478"/>
-          <ac:spMkLst>
-            <pc:docMk/>
-            <pc:sldMk cId="1541593639" sldId="283"/>
-            <ac:spMk id="38" creationId="{0C52B099-BD4F-2BBD-CBAC-7F42A347FEB6}"/>
-          </ac:spMkLst>
-        </pc:spChg>
-        <pc:spChg chg="add del mod">
-          <ac:chgData name="Armando Lacerda" userId="6ac139bb-b445-447a-8efe-92d4a0b8d73e" providerId="ADAL" clId="{51BA71F7-FC04-41B8-930C-C6A55A2B5965}" dt="2023-09-11T18:08:04.189" v="158" actId="478"/>
-          <ac:spMkLst>
-            <pc:docMk/>
-            <pc:sldMk cId="1541593639" sldId="283"/>
-            <ac:spMk id="39" creationId="{D5283852-F0C9-F726-669B-76A85C7F02F5}"/>
-          </ac:spMkLst>
-        </pc:spChg>
-        <pc:spChg chg="add del mod">
-          <ac:chgData name="Armando Lacerda" userId="6ac139bb-b445-447a-8efe-92d4a0b8d73e" providerId="ADAL" clId="{51BA71F7-FC04-41B8-930C-C6A55A2B5965}" dt="2023-09-11T18:09:28.923" v="171" actId="21"/>
-          <ac:spMkLst>
-            <pc:docMk/>
-            <pc:sldMk cId="1541593639" sldId="283"/>
-            <ac:spMk id="40" creationId="{418A93D4-B9E0-ADFC-3B28-3E60233F9083}"/>
-          </ac:spMkLst>
-        </pc:spChg>
-        <pc:spChg chg="add del mod">
-          <ac:chgData name="Armando Lacerda" userId="6ac139bb-b445-447a-8efe-92d4a0b8d73e" providerId="ADAL" clId="{51BA71F7-FC04-41B8-930C-C6A55A2B5965}" dt="2023-09-11T18:09:28.923" v="171" actId="21"/>
-          <ac:spMkLst>
-            <pc:docMk/>
-            <pc:sldMk cId="1541593639" sldId="283"/>
-            <ac:spMk id="41" creationId="{CA344216-95FC-B365-541E-6B143DBA1FC9}"/>
-          </ac:spMkLst>
-        </pc:spChg>
-        <pc:spChg chg="add del mod">
-          <ac:chgData name="Armando Lacerda" userId="6ac139bb-b445-447a-8efe-92d4a0b8d73e" providerId="ADAL" clId="{51BA71F7-FC04-41B8-930C-C6A55A2B5965}" dt="2023-09-11T18:09:28.923" v="171" actId="21"/>
-          <ac:spMkLst>
-            <pc:docMk/>
-            <pc:sldMk cId="1541593639" sldId="283"/>
-            <ac:spMk id="42" creationId="{C6B0A264-E201-D160-AAEA-627F8ED9E0F6}"/>
-          </ac:spMkLst>
-        </pc:spChg>
-        <pc:spChg chg="add del mod">
-          <ac:chgData name="Armando Lacerda" userId="6ac139bb-b445-447a-8efe-92d4a0b8d73e" providerId="ADAL" clId="{51BA71F7-FC04-41B8-930C-C6A55A2B5965}" dt="2023-09-11T18:09:28.923" v="171" actId="21"/>
-          <ac:spMkLst>
-            <pc:docMk/>
-            <pc:sldMk cId="1541593639" sldId="283"/>
-            <ac:spMk id="43" creationId="{75911AAC-D93B-4BC8-7C5A-E24377E58D46}"/>
-          </ac:spMkLst>
-        </pc:spChg>
-        <pc:spChg chg="add del mod">
-          <ac:chgData name="Armando Lacerda" userId="6ac139bb-b445-447a-8efe-92d4a0b8d73e" providerId="ADAL" clId="{51BA71F7-FC04-41B8-930C-C6A55A2B5965}" dt="2023-09-11T18:09:28.923" v="171" actId="21"/>
-          <ac:spMkLst>
-            <pc:docMk/>
-            <pc:sldMk cId="1541593639" sldId="283"/>
-            <ac:spMk id="44" creationId="{6AD6A2F6-FC43-9693-46E9-6492C9CC670A}"/>
-          </ac:spMkLst>
-        </pc:spChg>
-        <pc:spChg chg="add del mod">
-          <ac:chgData name="Armando Lacerda" userId="6ac139bb-b445-447a-8efe-92d4a0b8d73e" providerId="ADAL" clId="{51BA71F7-FC04-41B8-930C-C6A55A2B5965}" dt="2023-09-11T18:09:28.923" v="171" actId="21"/>
-          <ac:spMkLst>
-            <pc:docMk/>
-            <pc:sldMk cId="1541593639" sldId="283"/>
-            <ac:spMk id="45" creationId="{233491EE-D89E-5DC7-2DB6-07F84BBCB7A8}"/>
-          </ac:spMkLst>
-        </pc:spChg>
-        <pc:grpChg chg="add del mod">
-          <ac:chgData name="Armando Lacerda" userId="6ac139bb-b445-447a-8efe-92d4a0b8d73e" providerId="ADAL" clId="{51BA71F7-FC04-41B8-930C-C6A55A2B5965}" dt="2023-09-11T18:09:01.724" v="167" actId="478"/>
-          <ac:grpSpMkLst>
-            <pc:docMk/>
-            <pc:sldMk cId="1541593639" sldId="283"/>
-            <ac:grpSpMk id="10" creationId="{7942F397-A7F3-6E4F-8772-B596CA90A1A0}"/>
-          </ac:grpSpMkLst>
-        </pc:grpChg>
-        <pc:grpChg chg="mod">
-          <ac:chgData name="Armando Lacerda" userId="6ac139bb-b445-447a-8efe-92d4a0b8d73e" providerId="ADAL" clId="{51BA71F7-FC04-41B8-930C-C6A55A2B5965}" dt="2023-09-11T18:07:16.978" v="151"/>
-          <ac:grpSpMkLst>
-            <pc:docMk/>
-            <pc:sldMk cId="1541593639" sldId="283"/>
-            <ac:grpSpMk id="11" creationId="{F0EEA6B1-C188-DFEB-BC7A-2B4B77951809}"/>
-          </ac:grpSpMkLst>
-        </pc:grpChg>
-        <pc:grpChg chg="add del mod">
-          <ac:chgData name="Armando Lacerda" userId="6ac139bb-b445-447a-8efe-92d4a0b8d73e" providerId="ADAL" clId="{51BA71F7-FC04-41B8-930C-C6A55A2B5965}" dt="2023-09-11T18:09:03.349" v="168" actId="478"/>
-          <ac:grpSpMkLst>
-            <pc:docMk/>
-            <pc:sldMk cId="1541593639" sldId="283"/>
-            <ac:grpSpMk id="17" creationId="{35072736-3060-F13E-5BE0-619C6104C65D}"/>
-          </ac:grpSpMkLst>
-        </pc:grpChg>
-        <pc:grpChg chg="mod">
-          <ac:chgData name="Armando Lacerda" userId="6ac139bb-b445-447a-8efe-92d4a0b8d73e" providerId="ADAL" clId="{51BA71F7-FC04-41B8-930C-C6A55A2B5965}" dt="2023-09-11T18:07:16.978" v="151"/>
-          <ac:grpSpMkLst>
-            <pc:docMk/>
-            <pc:sldMk cId="1541593639" sldId="283"/>
-            <ac:grpSpMk id="18" creationId="{14F7A0E1-A6CA-2285-5DA6-21E30780D444}"/>
-          </ac:grpSpMkLst>
-        </pc:grpChg>
-        <pc:grpChg chg="add del mod">
-          <ac:chgData name="Armando Lacerda" userId="6ac139bb-b445-447a-8efe-92d4a0b8d73e" providerId="ADAL" clId="{51BA71F7-FC04-41B8-930C-C6A55A2B5965}" dt="2023-09-11T18:09:25.252" v="170" actId="478"/>
-          <ac:grpSpMkLst>
-            <pc:docMk/>
-            <pc:sldMk cId="1541593639" sldId="283"/>
-            <ac:grpSpMk id="23" creationId="{C90591C4-3460-BDCB-1C11-79D87978DD01}"/>
-          </ac:grpSpMkLst>
-        </pc:grpChg>
-        <pc:grpChg chg="mod">
-          <ac:chgData name="Armando Lacerda" userId="6ac139bb-b445-447a-8efe-92d4a0b8d73e" providerId="ADAL" clId="{51BA71F7-FC04-41B8-930C-C6A55A2B5965}" dt="2023-09-11T18:07:16.978" v="151"/>
-          <ac:grpSpMkLst>
-            <pc:docMk/>
-            <pc:sldMk cId="1541593639" sldId="283"/>
-            <ac:grpSpMk id="24" creationId="{D7FC5809-6F0B-B151-B470-EEC6D32B2503}"/>
-          </ac:grpSpMkLst>
-        </pc:grpChg>
-        <pc:grpChg chg="add del mod">
-          <ac:chgData name="Armando Lacerda" userId="6ac139bb-b445-447a-8efe-92d4a0b8d73e" providerId="ADAL" clId="{51BA71F7-FC04-41B8-930C-C6A55A2B5965}" dt="2023-09-11T18:09:23.445" v="169" actId="478"/>
-          <ac:grpSpMkLst>
-            <pc:docMk/>
-            <pc:sldMk cId="1541593639" sldId="283"/>
-            <ac:grpSpMk id="29" creationId="{943EC9A8-13B3-5696-54BC-EFC5B004F660}"/>
-          </ac:grpSpMkLst>
-        </pc:grpChg>
-        <pc:picChg chg="add del mod">
-          <ac:chgData name="Armando Lacerda" userId="6ac139bb-b445-447a-8efe-92d4a0b8d73e" providerId="ADAL" clId="{51BA71F7-FC04-41B8-930C-C6A55A2B5965}" dt="2023-09-11T18:09:28.923" v="171" actId="21"/>
-          <ac:picMkLst>
-            <pc:docMk/>
-            <pc:sldMk cId="1541593639" sldId="283"/>
-            <ac:picMk id="46" creationId="{FD294052-BEC9-069E-38D4-0F455430EBEE}"/>
-          </ac:picMkLst>
-        </pc:picChg>
-        <pc:picChg chg="add mod">
-          <ac:chgData name="Armando Lacerda" userId="6ac139bb-b445-447a-8efe-92d4a0b8d73e" providerId="ADAL" clId="{51BA71F7-FC04-41B8-930C-C6A55A2B5965}" dt="2023-09-11T18:09:36.184" v="174" actId="1076"/>
-          <ac:picMkLst>
-            <pc:docMk/>
-            <pc:sldMk cId="1541593639" sldId="283"/>
-            <ac:picMk id="47" creationId="{AA6FC6AE-5973-AFE9-FF74-B168A6A47EED}"/>
-          </ac:picMkLst>
-        </pc:picChg>
-        <pc:picChg chg="add del mod">
-          <ac:chgData name="Armando Lacerda" userId="6ac139bb-b445-447a-8efe-92d4a0b8d73e" providerId="ADAL" clId="{51BA71F7-FC04-41B8-930C-C6A55A2B5965}" dt="2023-09-11T18:10:55.435" v="182" actId="21"/>
-          <ac:picMkLst>
-            <pc:docMk/>
-            <pc:sldMk cId="1541593639" sldId="283"/>
-            <ac:picMk id="48" creationId="{767EE754-8ED2-0277-10C8-2C956DBBA335}"/>
-          </ac:picMkLst>
-        </pc:picChg>
-        <pc:cxnChg chg="mod">
-          <ac:chgData name="Armando Lacerda" userId="6ac139bb-b445-447a-8efe-92d4a0b8d73e" providerId="ADAL" clId="{51BA71F7-FC04-41B8-930C-C6A55A2B5965}" dt="2023-09-11T18:07:16.978" v="151"/>
-          <ac:cxnSpMkLst>
-            <pc:docMk/>
-            <pc:sldMk cId="1541593639" sldId="283"/>
-            <ac:cxnSpMk id="12" creationId="{D591ECD5-AEAC-4A9A-17C2-10E4F0B48399}"/>
-          </ac:cxnSpMkLst>
-        </pc:cxnChg>
-        <pc:cxnChg chg="mod">
-          <ac:chgData name="Armando Lacerda" userId="6ac139bb-b445-447a-8efe-92d4a0b8d73e" providerId="ADAL" clId="{51BA71F7-FC04-41B8-930C-C6A55A2B5965}" dt="2023-09-11T18:08:09.035" v="159" actId="478"/>
-          <ac:cxnSpMkLst>
-            <pc:docMk/>
-            <pc:sldMk cId="1541593639" sldId="283"/>
-            <ac:cxnSpMk id="13" creationId="{EFA824BF-696B-A579-36C3-7CF9F088FBED}"/>
-          </ac:cxnSpMkLst>
-        </pc:cxnChg>
-        <pc:cxnChg chg="mod">
-          <ac:chgData name="Armando Lacerda" userId="6ac139bb-b445-447a-8efe-92d4a0b8d73e" providerId="ADAL" clId="{51BA71F7-FC04-41B8-930C-C6A55A2B5965}" dt="2023-09-11T18:07:16.978" v="151"/>
-          <ac:cxnSpMkLst>
-            <pc:docMk/>
-            <pc:sldMk cId="1541593639" sldId="283"/>
-            <ac:cxnSpMk id="16" creationId="{5EB3E168-D5FC-46BF-D3C1-C78479EFC927}"/>
-          </ac:cxnSpMkLst>
-        </pc:cxnChg>
-        <pc:cxnChg chg="mod">
-          <ac:chgData name="Armando Lacerda" userId="6ac139bb-b445-447a-8efe-92d4a0b8d73e" providerId="ADAL" clId="{51BA71F7-FC04-41B8-930C-C6A55A2B5965}" dt="2023-09-11T18:08:09.035" v="159" actId="478"/>
-          <ac:cxnSpMkLst>
-            <pc:docMk/>
-            <pc:sldMk cId="1541593639" sldId="283"/>
-            <ac:cxnSpMk id="19" creationId="{26FEAF0F-A52F-8518-37CE-8C06B2224EA8}"/>
-          </ac:cxnSpMkLst>
-        </pc:cxnChg>
-        <pc:cxnChg chg="mod">
-          <ac:chgData name="Armando Lacerda" userId="6ac139bb-b445-447a-8efe-92d4a0b8d73e" providerId="ADAL" clId="{51BA71F7-FC04-41B8-930C-C6A55A2B5965}" dt="2023-09-11T18:07:16.978" v="151"/>
-          <ac:cxnSpMkLst>
-            <pc:docMk/>
-            <pc:sldMk cId="1541593639" sldId="283"/>
-            <ac:cxnSpMk id="22" creationId="{0E274F6C-5BE8-B45A-60A0-77AA9DE6A4DD}"/>
-          </ac:cxnSpMkLst>
-        </pc:cxnChg>
-        <pc:cxnChg chg="mod">
-          <ac:chgData name="Armando Lacerda" userId="6ac139bb-b445-447a-8efe-92d4a0b8d73e" providerId="ADAL" clId="{51BA71F7-FC04-41B8-930C-C6A55A2B5965}" dt="2023-09-11T18:07:16.978" v="151"/>
-          <ac:cxnSpMkLst>
-            <pc:docMk/>
-            <pc:sldMk cId="1541593639" sldId="283"/>
-            <ac:cxnSpMk id="25" creationId="{176FDFE6-0EB1-31E2-224E-56931D2EE06C}"/>
-          </ac:cxnSpMkLst>
-        </pc:cxnChg>
-        <pc:cxnChg chg="mod">
-          <ac:chgData name="Armando Lacerda" userId="6ac139bb-b445-447a-8efe-92d4a0b8d73e" providerId="ADAL" clId="{51BA71F7-FC04-41B8-930C-C6A55A2B5965}" dt="2023-09-11T18:07:16.978" v="151"/>
-          <ac:cxnSpMkLst>
-            <pc:docMk/>
-            <pc:sldMk cId="1541593639" sldId="283"/>
-            <ac:cxnSpMk id="28" creationId="{1FF2E71C-AFD9-FAA4-BEBF-DC5CB854A864}"/>
-          </ac:cxnSpMkLst>
-        </pc:cxnChg>
-        <pc:cxnChg chg="mod">
-          <ac:chgData name="Armando Lacerda" userId="6ac139bb-b445-447a-8efe-92d4a0b8d73e" providerId="ADAL" clId="{51BA71F7-FC04-41B8-930C-C6A55A2B5965}" dt="2023-09-11T18:07:16.978" v="151"/>
-          <ac:cxnSpMkLst>
-            <pc:docMk/>
-            <pc:sldMk cId="1541593639" sldId="283"/>
-            <ac:cxnSpMk id="30" creationId="{AAFF7227-169F-C330-4D2C-5253DC7524C7}"/>
-          </ac:cxnSpMkLst>
-        </pc:cxnChg>
-        <pc:cxnChg chg="mod">
-          <ac:chgData name="Armando Lacerda" userId="6ac139bb-b445-447a-8efe-92d4a0b8d73e" providerId="ADAL" clId="{51BA71F7-FC04-41B8-930C-C6A55A2B5965}" dt="2023-09-11T18:08:09.035" v="159" actId="478"/>
-          <ac:cxnSpMkLst>
-            <pc:docMk/>
-            <pc:sldMk cId="1541593639" sldId="283"/>
-            <ac:cxnSpMk id="31" creationId="{D1E04554-0CB7-510D-8B9D-233804616CEA}"/>
-          </ac:cxnSpMkLst>
-        </pc:cxnChg>
-      </pc:sldChg>
-      <pc:sldChg chg="addSp delSp modSp add mod modAnim">
-        <pc:chgData name="Armando Lacerda" userId="6ac139bb-b445-447a-8efe-92d4a0b8d73e" providerId="ADAL" clId="{51BA71F7-FC04-41B8-930C-C6A55A2B5965}" dt="2023-09-11T18:10:57.271" v="183"/>
-        <pc:sldMkLst>
-          <pc:docMk/>
-          <pc:sldMk cId="3203687222" sldId="284"/>
-        </pc:sldMkLst>
-        <pc:spChg chg="del">
-          <ac:chgData name="Armando Lacerda" userId="6ac139bb-b445-447a-8efe-92d4a0b8d73e" providerId="ADAL" clId="{51BA71F7-FC04-41B8-930C-C6A55A2B5965}" dt="2023-09-11T18:10:35.277" v="176" actId="21"/>
-          <ac:spMkLst>
-            <pc:docMk/>
-            <pc:sldMk cId="3203687222" sldId="284"/>
-            <ac:spMk id="2" creationId="{6ECAA5B4-F0EF-B826-2EBD-EF841A32E130}"/>
-          </ac:spMkLst>
-        </pc:spChg>
-        <pc:spChg chg="del">
-          <ac:chgData name="Armando Lacerda" userId="6ac139bb-b445-447a-8efe-92d4a0b8d73e" providerId="ADAL" clId="{51BA71F7-FC04-41B8-930C-C6A55A2B5965}" dt="2023-09-11T18:10:35.277" v="176" actId="21"/>
-          <ac:spMkLst>
-            <pc:docMk/>
-            <pc:sldMk cId="3203687222" sldId="284"/>
-            <ac:spMk id="3" creationId="{D1DC3D2F-3082-FFB4-4064-362442A087EF}"/>
-          </ac:spMkLst>
-        </pc:spChg>
-        <pc:spChg chg="del">
-          <ac:chgData name="Armando Lacerda" userId="6ac139bb-b445-447a-8efe-92d4a0b8d73e" providerId="ADAL" clId="{51BA71F7-FC04-41B8-930C-C6A55A2B5965}" dt="2023-09-11T18:10:35.277" v="176" actId="21"/>
-          <ac:spMkLst>
-            <pc:docMk/>
-            <pc:sldMk cId="3203687222" sldId="284"/>
-            <ac:spMk id="4" creationId="{8676D68A-925A-84A8-F39E-1D7E77E07113}"/>
-          </ac:spMkLst>
-        </pc:spChg>
-        <pc:spChg chg="del">
-          <ac:chgData name="Armando Lacerda" userId="6ac139bb-b445-447a-8efe-92d4a0b8d73e" providerId="ADAL" clId="{51BA71F7-FC04-41B8-930C-C6A55A2B5965}" dt="2023-09-11T18:10:35.277" v="176" actId="21"/>
-          <ac:spMkLst>
-            <pc:docMk/>
-            <pc:sldMk cId="3203687222" sldId="284"/>
-            <ac:spMk id="5" creationId="{34714645-A77A-4F28-1766-43A6EBAC70CF}"/>
-          </ac:spMkLst>
-        </pc:spChg>
-        <pc:spChg chg="del">
-          <ac:chgData name="Armando Lacerda" userId="6ac139bb-b445-447a-8efe-92d4a0b8d73e" providerId="ADAL" clId="{51BA71F7-FC04-41B8-930C-C6A55A2B5965}" dt="2023-09-11T18:10:35.277" v="176" actId="21"/>
-          <ac:spMkLst>
-            <pc:docMk/>
-            <pc:sldMk cId="3203687222" sldId="284"/>
-            <ac:spMk id="6" creationId="{64A0CA0D-CB2D-1427-A7DC-9034FE381E57}"/>
-          </ac:spMkLst>
-        </pc:spChg>
-        <pc:spChg chg="del">
-          <ac:chgData name="Armando Lacerda" userId="6ac139bb-b445-447a-8efe-92d4a0b8d73e" providerId="ADAL" clId="{51BA71F7-FC04-41B8-930C-C6A55A2B5965}" dt="2023-09-11T18:10:35.277" v="176" actId="21"/>
-          <ac:spMkLst>
-            <pc:docMk/>
-            <pc:sldMk cId="3203687222" sldId="284"/>
-            <ac:spMk id="7" creationId="{0E0C971D-096D-B293-0EC8-0AB1F63179D8}"/>
-          </ac:spMkLst>
-        </pc:spChg>
-        <pc:spChg chg="del">
-          <ac:chgData name="Armando Lacerda" userId="6ac139bb-b445-447a-8efe-92d4a0b8d73e" providerId="ADAL" clId="{51BA71F7-FC04-41B8-930C-C6A55A2B5965}" dt="2023-09-11T18:10:35.277" v="176" actId="21"/>
-          <ac:spMkLst>
-            <pc:docMk/>
-            <pc:sldMk cId="3203687222" sldId="284"/>
-            <ac:spMk id="8" creationId="{E5060BE4-03CC-E0F0-B27C-16F39DF88DA7}"/>
-          </ac:spMkLst>
-        </pc:spChg>
-        <pc:spChg chg="del">
-          <ac:chgData name="Armando Lacerda" userId="6ac139bb-b445-447a-8efe-92d4a0b8d73e" providerId="ADAL" clId="{51BA71F7-FC04-41B8-930C-C6A55A2B5965}" dt="2023-09-11T18:10:35.277" v="176" actId="21"/>
-          <ac:spMkLst>
-            <pc:docMk/>
-            <pc:sldMk cId="3203687222" sldId="284"/>
-            <ac:spMk id="9" creationId="{40D9655D-1D8C-BBB0-ABFA-A9ED79125543}"/>
-          </ac:spMkLst>
-        </pc:spChg>
-        <pc:spChg chg="del">
-          <ac:chgData name="Armando Lacerda" userId="6ac139bb-b445-447a-8efe-92d4a0b8d73e" providerId="ADAL" clId="{51BA71F7-FC04-41B8-930C-C6A55A2B5965}" dt="2023-09-11T18:10:35.277" v="176" actId="21"/>
-          <ac:spMkLst>
-            <pc:docMk/>
-            <pc:sldMk cId="3203687222" sldId="284"/>
-            <ac:spMk id="32" creationId="{1CFAD0E8-2185-7013-64B9-B8BBF22AEB27}"/>
-          </ac:spMkLst>
-        </pc:spChg>
-        <pc:spChg chg="del">
-          <ac:chgData name="Armando Lacerda" userId="6ac139bb-b445-447a-8efe-92d4a0b8d73e" providerId="ADAL" clId="{51BA71F7-FC04-41B8-930C-C6A55A2B5965}" dt="2023-09-11T18:10:35.277" v="176" actId="21"/>
-          <ac:spMkLst>
-            <pc:docMk/>
-            <pc:sldMk cId="3203687222" sldId="284"/>
-            <ac:spMk id="33" creationId="{8786358E-C82E-6F04-CF12-9F7C59B2FE33}"/>
-          </ac:spMkLst>
-        </pc:spChg>
-        <pc:spChg chg="del">
-          <ac:chgData name="Armando Lacerda" userId="6ac139bb-b445-447a-8efe-92d4a0b8d73e" providerId="ADAL" clId="{51BA71F7-FC04-41B8-930C-C6A55A2B5965}" dt="2023-09-11T18:10:35.277" v="176" actId="21"/>
-          <ac:spMkLst>
-            <pc:docMk/>
-            <pc:sldMk cId="3203687222" sldId="284"/>
-            <ac:spMk id="34" creationId="{18E261B8-95A6-ACC5-EFFD-B52FBB83D0C3}"/>
-          </ac:spMkLst>
-        </pc:spChg>
-        <pc:spChg chg="del">
-          <ac:chgData name="Armando Lacerda" userId="6ac139bb-b445-447a-8efe-92d4a0b8d73e" providerId="ADAL" clId="{51BA71F7-FC04-41B8-930C-C6A55A2B5965}" dt="2023-09-11T18:10:35.277" v="176" actId="21"/>
-          <ac:spMkLst>
-            <pc:docMk/>
-            <pc:sldMk cId="3203687222" sldId="284"/>
-            <ac:spMk id="35" creationId="{011D93E9-9C70-6088-23BA-F84F14075F36}"/>
-          </ac:spMkLst>
-        </pc:spChg>
-        <pc:spChg chg="del">
-          <ac:chgData name="Armando Lacerda" userId="6ac139bb-b445-447a-8efe-92d4a0b8d73e" providerId="ADAL" clId="{51BA71F7-FC04-41B8-930C-C6A55A2B5965}" dt="2023-09-11T18:10:35.277" v="176" actId="21"/>
-          <ac:spMkLst>
-            <pc:docMk/>
-            <pc:sldMk cId="3203687222" sldId="284"/>
-            <ac:spMk id="36" creationId="{6F3FABA1-5DAE-F4F8-D7D5-2E75EE0EFBC7}"/>
-          </ac:spMkLst>
-        </pc:spChg>
-        <pc:spChg chg="del">
-          <ac:chgData name="Armando Lacerda" userId="6ac139bb-b445-447a-8efe-92d4a0b8d73e" providerId="ADAL" clId="{51BA71F7-FC04-41B8-930C-C6A55A2B5965}" dt="2023-09-11T18:10:35.277" v="176" actId="21"/>
-          <ac:spMkLst>
-            <pc:docMk/>
-            <pc:sldMk cId="3203687222" sldId="284"/>
-            <ac:spMk id="37" creationId="{F0868446-18C0-8FE5-6DEC-3D49FC6B6899}"/>
-          </ac:spMkLst>
-        </pc:spChg>
-        <pc:spChg chg="del">
-          <ac:chgData name="Armando Lacerda" userId="6ac139bb-b445-447a-8efe-92d4a0b8d73e" providerId="ADAL" clId="{51BA71F7-FC04-41B8-930C-C6A55A2B5965}" dt="2023-09-11T18:10:35.277" v="176" actId="21"/>
-          <ac:spMkLst>
-            <pc:docMk/>
-            <pc:sldMk cId="3203687222" sldId="284"/>
-            <ac:spMk id="38" creationId="{0C52B099-BD4F-2BBD-CBAC-7F42A347FEB6}"/>
-          </ac:spMkLst>
-        </pc:spChg>
-        <pc:spChg chg="del">
-          <ac:chgData name="Armando Lacerda" userId="6ac139bb-b445-447a-8efe-92d4a0b8d73e" providerId="ADAL" clId="{51BA71F7-FC04-41B8-930C-C6A55A2B5965}" dt="2023-09-11T18:10:35.277" v="176" actId="21"/>
-          <ac:spMkLst>
-            <pc:docMk/>
-            <pc:sldMk cId="3203687222" sldId="284"/>
-            <ac:spMk id="39" creationId="{D5283852-F0C9-F726-669B-76A85C7F02F5}"/>
-          </ac:spMkLst>
-        </pc:spChg>
-        <pc:spChg chg="del">
-          <ac:chgData name="Armando Lacerda" userId="6ac139bb-b445-447a-8efe-92d4a0b8d73e" providerId="ADAL" clId="{51BA71F7-FC04-41B8-930C-C6A55A2B5965}" dt="2023-09-11T18:10:35.277" v="176" actId="21"/>
-          <ac:spMkLst>
-            <pc:docMk/>
-            <pc:sldMk cId="3203687222" sldId="284"/>
-            <ac:spMk id="40" creationId="{418A93D4-B9E0-ADFC-3B28-3E60233F9083}"/>
-          </ac:spMkLst>
-        </pc:spChg>
-        <pc:spChg chg="del">
-          <ac:chgData name="Armando Lacerda" userId="6ac139bb-b445-447a-8efe-92d4a0b8d73e" providerId="ADAL" clId="{51BA71F7-FC04-41B8-930C-C6A55A2B5965}" dt="2023-09-11T18:10:35.277" v="176" actId="21"/>
-          <ac:spMkLst>
-            <pc:docMk/>
-            <pc:sldMk cId="3203687222" sldId="284"/>
-            <ac:spMk id="41" creationId="{CA344216-95FC-B365-541E-6B143DBA1FC9}"/>
-          </ac:spMkLst>
-        </pc:spChg>
-        <pc:spChg chg="del">
-          <ac:chgData name="Armando Lacerda" userId="6ac139bb-b445-447a-8efe-92d4a0b8d73e" providerId="ADAL" clId="{51BA71F7-FC04-41B8-930C-C6A55A2B5965}" dt="2023-09-11T18:10:35.277" v="176" actId="21"/>
-          <ac:spMkLst>
-            <pc:docMk/>
-            <pc:sldMk cId="3203687222" sldId="284"/>
-            <ac:spMk id="42" creationId="{C6B0A264-E201-D160-AAEA-627F8ED9E0F6}"/>
-          </ac:spMkLst>
-        </pc:spChg>
-        <pc:spChg chg="del">
-          <ac:chgData name="Armando Lacerda" userId="6ac139bb-b445-447a-8efe-92d4a0b8d73e" providerId="ADAL" clId="{51BA71F7-FC04-41B8-930C-C6A55A2B5965}" dt="2023-09-11T18:10:35.277" v="176" actId="21"/>
-          <ac:spMkLst>
-            <pc:docMk/>
-            <pc:sldMk cId="3203687222" sldId="284"/>
-            <ac:spMk id="43" creationId="{75911AAC-D93B-4BC8-7C5A-E24377E58D46}"/>
-          </ac:spMkLst>
-        </pc:spChg>
-        <pc:spChg chg="del">
-          <ac:chgData name="Armando Lacerda" userId="6ac139bb-b445-447a-8efe-92d4a0b8d73e" providerId="ADAL" clId="{51BA71F7-FC04-41B8-930C-C6A55A2B5965}" dt="2023-09-11T18:10:35.277" v="176" actId="21"/>
-          <ac:spMkLst>
-            <pc:docMk/>
-            <pc:sldMk cId="3203687222" sldId="284"/>
-            <ac:spMk id="44" creationId="{6AD6A2F6-FC43-9693-46E9-6492C9CC670A}"/>
-          </ac:spMkLst>
-        </pc:spChg>
-        <pc:spChg chg="del">
-          <ac:chgData name="Armando Lacerda" userId="6ac139bb-b445-447a-8efe-92d4a0b8d73e" providerId="ADAL" clId="{51BA71F7-FC04-41B8-930C-C6A55A2B5965}" dt="2023-09-11T18:10:35.277" v="176" actId="21"/>
-          <ac:spMkLst>
-            <pc:docMk/>
-            <pc:sldMk cId="3203687222" sldId="284"/>
-            <ac:spMk id="45" creationId="{233491EE-D89E-5DC7-2DB6-07F84BBCB7A8}"/>
-          </ac:spMkLst>
-        </pc:spChg>
-        <pc:grpChg chg="del">
-          <ac:chgData name="Armando Lacerda" userId="6ac139bb-b445-447a-8efe-92d4a0b8d73e" providerId="ADAL" clId="{51BA71F7-FC04-41B8-930C-C6A55A2B5965}" dt="2023-09-11T18:10:35.277" v="176" actId="21"/>
-          <ac:grpSpMkLst>
-            <pc:docMk/>
-            <pc:sldMk cId="3203687222" sldId="284"/>
-            <ac:grpSpMk id="10" creationId="{7942F397-A7F3-6E4F-8772-B596CA90A1A0}"/>
-          </ac:grpSpMkLst>
-        </pc:grpChg>
-        <pc:grpChg chg="del">
-          <ac:chgData name="Armando Lacerda" userId="6ac139bb-b445-447a-8efe-92d4a0b8d73e" providerId="ADAL" clId="{51BA71F7-FC04-41B8-930C-C6A55A2B5965}" dt="2023-09-11T18:10:35.277" v="176" actId="21"/>
-          <ac:grpSpMkLst>
-            <pc:docMk/>
-            <pc:sldMk cId="3203687222" sldId="284"/>
-            <ac:grpSpMk id="17" creationId="{35072736-3060-F13E-5BE0-619C6104C65D}"/>
-          </ac:grpSpMkLst>
-        </pc:grpChg>
-        <pc:grpChg chg="del">
-          <ac:chgData name="Armando Lacerda" userId="6ac139bb-b445-447a-8efe-92d4a0b8d73e" providerId="ADAL" clId="{51BA71F7-FC04-41B8-930C-C6A55A2B5965}" dt="2023-09-11T18:10:35.277" v="176" actId="21"/>
-          <ac:grpSpMkLst>
-            <pc:docMk/>
-            <pc:sldMk cId="3203687222" sldId="284"/>
-            <ac:grpSpMk id="23" creationId="{C90591C4-3460-BDCB-1C11-79D87978DD01}"/>
-          </ac:grpSpMkLst>
-        </pc:grpChg>
-        <pc:grpChg chg="del">
-          <ac:chgData name="Armando Lacerda" userId="6ac139bb-b445-447a-8efe-92d4a0b8d73e" providerId="ADAL" clId="{51BA71F7-FC04-41B8-930C-C6A55A2B5965}" dt="2023-09-11T18:10:35.277" v="176" actId="21"/>
-          <ac:grpSpMkLst>
-            <pc:docMk/>
-            <pc:sldMk cId="3203687222" sldId="284"/>
-            <ac:grpSpMk id="29" creationId="{943EC9A8-13B3-5696-54BC-EFC5B004F660}"/>
-          </ac:grpSpMkLst>
-        </pc:grpChg>
-        <pc:picChg chg="add del">
-          <ac:chgData name="Armando Lacerda" userId="6ac139bb-b445-447a-8efe-92d4a0b8d73e" providerId="ADAL" clId="{51BA71F7-FC04-41B8-930C-C6A55A2B5965}" dt="2023-09-11T18:10:45.275" v="178" actId="21"/>
-          <ac:picMkLst>
-            <pc:docMk/>
-            <pc:sldMk cId="3203687222" sldId="284"/>
-            <ac:picMk id="46" creationId="{303F03D8-18EA-7728-E501-1BDA9F16DB28}"/>
-          </ac:picMkLst>
-        </pc:picChg>
-        <pc:picChg chg="add mod">
-          <ac:chgData name="Armando Lacerda" userId="6ac139bb-b445-447a-8efe-92d4a0b8d73e" providerId="ADAL" clId="{51BA71F7-FC04-41B8-930C-C6A55A2B5965}" dt="2023-09-11T18:10:57.271" v="183"/>
-          <ac:picMkLst>
-            <pc:docMk/>
-            <pc:sldMk cId="3203687222" sldId="284"/>
-            <ac:picMk id="47" creationId="{A05D0150-309D-D7BA-7835-90E3F58F917E}"/>
-          </ac:picMkLst>
-        </pc:picChg>
-        <pc:cxnChg chg="mod">
-          <ac:chgData name="Armando Lacerda" userId="6ac139bb-b445-447a-8efe-92d4a0b8d73e" providerId="ADAL" clId="{51BA71F7-FC04-41B8-930C-C6A55A2B5965}" dt="2023-09-11T18:10:35.277" v="176" actId="21"/>
-          <ac:cxnSpMkLst>
-            <pc:docMk/>
-            <pc:sldMk cId="3203687222" sldId="284"/>
-            <ac:cxnSpMk id="13" creationId="{EFA824BF-696B-A579-36C3-7CF9F088FBED}"/>
-          </ac:cxnSpMkLst>
-        </pc:cxnChg>
-        <pc:cxnChg chg="mod">
-          <ac:chgData name="Armando Lacerda" userId="6ac139bb-b445-447a-8efe-92d4a0b8d73e" providerId="ADAL" clId="{51BA71F7-FC04-41B8-930C-C6A55A2B5965}" dt="2023-09-11T18:10:35.277" v="176" actId="21"/>
-          <ac:cxnSpMkLst>
-            <pc:docMk/>
-            <pc:sldMk cId="3203687222" sldId="284"/>
-            <ac:cxnSpMk id="19" creationId="{26FEAF0F-A52F-8518-37CE-8C06B2224EA8}"/>
-          </ac:cxnSpMkLst>
-        </pc:cxnChg>
-        <pc:cxnChg chg="mod">
-          <ac:chgData name="Armando Lacerda" userId="6ac139bb-b445-447a-8efe-92d4a0b8d73e" providerId="ADAL" clId="{51BA71F7-FC04-41B8-930C-C6A55A2B5965}" dt="2023-09-11T18:10:35.277" v="176" actId="21"/>
-          <ac:cxnSpMkLst>
-            <pc:docMk/>
-            <pc:sldMk cId="3203687222" sldId="284"/>
-            <ac:cxnSpMk id="31" creationId="{D1E04554-0CB7-510D-8B9D-233804616CEA}"/>
-          </ac:cxnSpMkLst>
-        </pc:cxnChg>
-      </pc:sldChg>
-      <pc:sldChg chg="addSp delSp modSp new mod">
-        <pc:chgData name="Armando Lacerda" userId="6ac139bb-b445-447a-8efe-92d4a0b8d73e" providerId="ADAL" clId="{51BA71F7-FC04-41B8-930C-C6A55A2B5965}" dt="2023-09-11T18:15:00.095" v="227"/>
-        <pc:sldMkLst>
-          <pc:docMk/>
-          <pc:sldMk cId="3784362222" sldId="285"/>
-        </pc:sldMkLst>
-        <pc:spChg chg="add mod">
-          <ac:chgData name="Armando Lacerda" userId="6ac139bb-b445-447a-8efe-92d4a0b8d73e" providerId="ADAL" clId="{51BA71F7-FC04-41B8-930C-C6A55A2B5965}" dt="2023-09-11T18:14:18.064" v="225" actId="1076"/>
-          <ac:spMkLst>
-            <pc:docMk/>
-            <pc:sldMk cId="3784362222" sldId="285"/>
-            <ac:spMk id="4" creationId="{A730D6C7-2218-5CCD-70E4-29C49ACE13F8}"/>
-          </ac:spMkLst>
-        </pc:spChg>
-        <pc:picChg chg="add del">
-          <ac:chgData name="Armando Lacerda" userId="6ac139bb-b445-447a-8efe-92d4a0b8d73e" providerId="ADAL" clId="{51BA71F7-FC04-41B8-930C-C6A55A2B5965}" dt="2023-09-11T18:11:45.913" v="186" actId="21"/>
-          <ac:picMkLst>
-            <pc:docMk/>
-            <pc:sldMk cId="3784362222" sldId="285"/>
-            <ac:picMk id="2" creationId="{FA786BCF-8C62-F789-745D-DBF208E4C435}"/>
-          </ac:picMkLst>
-        </pc:picChg>
-        <pc:picChg chg="add del mod">
-          <ac:chgData name="Armando Lacerda" userId="6ac139bb-b445-447a-8efe-92d4a0b8d73e" providerId="ADAL" clId="{51BA71F7-FC04-41B8-930C-C6A55A2B5965}" dt="2023-09-11T18:14:59.733" v="226" actId="478"/>
-          <ac:picMkLst>
-            <pc:docMk/>
-            <pc:sldMk cId="3784362222" sldId="285"/>
-            <ac:picMk id="3" creationId="{360FC11D-BA1F-9BD1-E6E0-A81390474DEC}"/>
-          </ac:picMkLst>
-        </pc:picChg>
-        <pc:picChg chg="add mod">
-          <ac:chgData name="Armando Lacerda" userId="6ac139bb-b445-447a-8efe-92d4a0b8d73e" providerId="ADAL" clId="{51BA71F7-FC04-41B8-930C-C6A55A2B5965}" dt="2023-09-11T18:15:00.095" v="227"/>
-          <ac:picMkLst>
-            <pc:docMk/>
-            <pc:sldMk cId="3784362222" sldId="285"/>
-            <ac:picMk id="5" creationId="{5A2D8DA3-75F2-81EF-DE90-8C9F6F91450C}"/>
-          </ac:picMkLst>
-        </pc:picChg>
-      </pc:sldChg>
-      <pc:sldChg chg="modSp add mod">
-        <pc:chgData name="Armando Lacerda" userId="6ac139bb-b445-447a-8efe-92d4a0b8d73e" providerId="ADAL" clId="{51BA71F7-FC04-41B8-930C-C6A55A2B5965}" dt="2023-09-11T18:11:54.504" v="188" actId="14826"/>
-        <pc:sldMkLst>
-          <pc:docMk/>
-          <pc:sldMk cId="61821553" sldId="286"/>
-        </pc:sldMkLst>
-        <pc:picChg chg="mod">
-          <ac:chgData name="Armando Lacerda" userId="6ac139bb-b445-447a-8efe-92d4a0b8d73e" providerId="ADAL" clId="{51BA71F7-FC04-41B8-930C-C6A55A2B5965}" dt="2023-09-11T18:11:54.504" v="188" actId="14826"/>
-          <ac:picMkLst>
-            <pc:docMk/>
-            <pc:sldMk cId="61821553" sldId="286"/>
-            <ac:picMk id="47" creationId="{A05D0150-309D-D7BA-7835-90E3F58F917E}"/>
+          <ac:chgData name="Armando Lacerda" userId="6ac139bb-b445-447a-8efe-92d4a0b8d73e" providerId="ADAL" clId="{48FB226F-732D-4FDA-9591-E5537808FDFF}" dt="2023-10-02T18:53:32.226" v="350" actId="478"/>
+          <ac:picMkLst>
+            <pc:docMk/>
+            <pc:sldMk cId="1902282215" sldId="302"/>
+            <ac:picMk id="28" creationId="{323C78CB-BBE3-B20A-7E1C-9E88706C7488}"/>
           </ac:picMkLst>
         </pc:picChg>
       </pc:sldChg>
@@ -7043,1695 +8732,6 @@
           <pc:docMk/>
           <pc:sldMk cId="1883895007" sldId="316"/>
         </pc:sldMkLst>
-      </pc:sldChg>
-    </pc:docChg>
-  </pc:docChgLst>
-  <pc:docChgLst>
-    <pc:chgData name="Armando Lacerda" userId="6ac139bb-b445-447a-8efe-92d4a0b8d73e" providerId="ADAL" clId="{48FB226F-732D-4FDA-9591-E5537808FDFF}"/>
-    <pc:docChg chg="undo custSel addSld delSld modSld sldOrd modSection">
-      <pc:chgData name="Armando Lacerda" userId="6ac139bb-b445-447a-8efe-92d4a0b8d73e" providerId="ADAL" clId="{48FB226F-732D-4FDA-9591-E5537808FDFF}" dt="2023-10-03T16:10:28.365" v="365"/>
-      <pc:docMkLst>
-        <pc:docMk/>
-      </pc:docMkLst>
-      <pc:sldChg chg="addSp delSp modSp mod">
-        <pc:chgData name="Armando Lacerda" userId="6ac139bb-b445-447a-8efe-92d4a0b8d73e" providerId="ADAL" clId="{48FB226F-732D-4FDA-9591-E5537808FDFF}" dt="2023-10-03T16:10:19.541" v="363"/>
-        <pc:sldMkLst>
-          <pc:docMk/>
-          <pc:sldMk cId="4215762931" sldId="269"/>
-        </pc:sldMkLst>
-        <pc:spChg chg="mod">
-          <ac:chgData name="Armando Lacerda" userId="6ac139bb-b445-447a-8efe-92d4a0b8d73e" providerId="ADAL" clId="{48FB226F-732D-4FDA-9591-E5537808FDFF}" dt="2023-10-02T17:55:13.777" v="51" actId="20577"/>
-          <ac:spMkLst>
-            <pc:docMk/>
-            <pc:sldMk cId="4215762931" sldId="269"/>
-            <ac:spMk id="3" creationId="{8689F898-B53E-EDFC-8FDB-7ED3601D517A}"/>
-          </ac:spMkLst>
-        </pc:spChg>
-        <pc:spChg chg="del mod">
-          <ac:chgData name="Armando Lacerda" userId="6ac139bb-b445-447a-8efe-92d4a0b8d73e" providerId="ADAL" clId="{48FB226F-732D-4FDA-9591-E5537808FDFF}" dt="2023-10-03T16:10:18.938" v="362" actId="478"/>
-          <ac:spMkLst>
-            <pc:docMk/>
-            <pc:sldMk cId="4215762931" sldId="269"/>
-            <ac:spMk id="4" creationId="{A2D57629-D96A-76F7-DD09-39EE4C4DA695}"/>
-          </ac:spMkLst>
-        </pc:spChg>
-        <pc:spChg chg="del mod">
-          <ac:chgData name="Armando Lacerda" userId="6ac139bb-b445-447a-8efe-92d4a0b8d73e" providerId="ADAL" clId="{48FB226F-732D-4FDA-9591-E5537808FDFF}" dt="2023-10-03T16:10:18.938" v="362" actId="478"/>
-          <ac:spMkLst>
-            <pc:docMk/>
-            <pc:sldMk cId="4215762931" sldId="269"/>
-            <ac:spMk id="5" creationId="{EDD48D05-DABA-464E-79A7-4FCD78DACE72}"/>
-          </ac:spMkLst>
-        </pc:spChg>
-        <pc:spChg chg="add mod">
-          <ac:chgData name="Armando Lacerda" userId="6ac139bb-b445-447a-8efe-92d4a0b8d73e" providerId="ADAL" clId="{48FB226F-732D-4FDA-9591-E5537808FDFF}" dt="2023-10-03T16:10:19.541" v="363"/>
-          <ac:spMkLst>
-            <pc:docMk/>
-            <pc:sldMk cId="4215762931" sldId="269"/>
-            <ac:spMk id="7" creationId="{E8C1F7F3-CED3-A094-6A17-2C9BCCBB46B1}"/>
-          </ac:spMkLst>
-        </pc:spChg>
-        <pc:spChg chg="add mod">
-          <ac:chgData name="Armando Lacerda" userId="6ac139bb-b445-447a-8efe-92d4a0b8d73e" providerId="ADAL" clId="{48FB226F-732D-4FDA-9591-E5537808FDFF}" dt="2023-10-03T16:10:19.541" v="363"/>
-          <ac:spMkLst>
-            <pc:docMk/>
-            <pc:sldMk cId="4215762931" sldId="269"/>
-            <ac:spMk id="9" creationId="{1396A417-1B11-F3AD-9FA4-1A5DCDB0D748}"/>
-          </ac:spMkLst>
-        </pc:spChg>
-        <pc:picChg chg="del mod">
-          <ac:chgData name="Armando Lacerda" userId="6ac139bb-b445-447a-8efe-92d4a0b8d73e" providerId="ADAL" clId="{48FB226F-732D-4FDA-9591-E5537808FDFF}" dt="2023-10-03T16:10:18.938" v="362" actId="478"/>
-          <ac:picMkLst>
-            <pc:docMk/>
-            <pc:sldMk cId="4215762931" sldId="269"/>
-            <ac:picMk id="6" creationId="{431D6752-85E3-3A33-B6E2-2B56588857DA}"/>
-          </ac:picMkLst>
-        </pc:picChg>
-        <pc:picChg chg="del mod">
-          <ac:chgData name="Armando Lacerda" userId="6ac139bb-b445-447a-8efe-92d4a0b8d73e" providerId="ADAL" clId="{48FB226F-732D-4FDA-9591-E5537808FDFF}" dt="2023-10-03T16:10:18.938" v="362" actId="478"/>
-          <ac:picMkLst>
-            <pc:docMk/>
-            <pc:sldMk cId="4215762931" sldId="269"/>
-            <ac:picMk id="8" creationId="{47391659-2FDC-D820-F6DF-C6CF645C0051}"/>
-          </ac:picMkLst>
-        </pc:picChg>
-        <pc:picChg chg="add mod">
-          <ac:chgData name="Armando Lacerda" userId="6ac139bb-b445-447a-8efe-92d4a0b8d73e" providerId="ADAL" clId="{48FB226F-732D-4FDA-9591-E5537808FDFF}" dt="2023-10-03T16:10:19.541" v="363"/>
-          <ac:picMkLst>
-            <pc:docMk/>
-            <pc:sldMk cId="4215762931" sldId="269"/>
-            <ac:picMk id="10" creationId="{E67A373E-72E6-0A04-7B1E-B03D0C9AF1D7}"/>
-          </ac:picMkLst>
-        </pc:picChg>
-        <pc:picChg chg="add mod">
-          <ac:chgData name="Armando Lacerda" userId="6ac139bb-b445-447a-8efe-92d4a0b8d73e" providerId="ADAL" clId="{48FB226F-732D-4FDA-9591-E5537808FDFF}" dt="2023-10-03T16:10:19.541" v="363"/>
-          <ac:picMkLst>
-            <pc:docMk/>
-            <pc:sldMk cId="4215762931" sldId="269"/>
-            <ac:picMk id="11" creationId="{D73E6A5F-9C7B-D6A8-7922-29DC83FD4719}"/>
-          </ac:picMkLst>
-        </pc:picChg>
-      </pc:sldChg>
-      <pc:sldChg chg="addSp delSp modSp mod">
-        <pc:chgData name="Armando Lacerda" userId="6ac139bb-b445-447a-8efe-92d4a0b8d73e" providerId="ADAL" clId="{48FB226F-732D-4FDA-9591-E5537808FDFF}" dt="2023-10-03T16:10:28.365" v="365"/>
-        <pc:sldMkLst>
-          <pc:docMk/>
-          <pc:sldMk cId="418171170" sldId="279"/>
-        </pc:sldMkLst>
-        <pc:spChg chg="add mod">
-          <ac:chgData name="Armando Lacerda" userId="6ac139bb-b445-447a-8efe-92d4a0b8d73e" providerId="ADAL" clId="{48FB226F-732D-4FDA-9591-E5537808FDFF}" dt="2023-10-03T16:10:28.365" v="365"/>
-          <ac:spMkLst>
-            <pc:docMk/>
-            <pc:sldMk cId="418171170" sldId="279"/>
-            <ac:spMk id="4" creationId="{48F616B1-2C2F-BC73-90FC-2D7ADB1F9FB1}"/>
-          </ac:spMkLst>
-        </pc:spChg>
-        <pc:spChg chg="add mod">
-          <ac:chgData name="Armando Lacerda" userId="6ac139bb-b445-447a-8efe-92d4a0b8d73e" providerId="ADAL" clId="{48FB226F-732D-4FDA-9591-E5537808FDFF}" dt="2023-10-03T16:10:28.365" v="365"/>
-          <ac:spMkLst>
-            <pc:docMk/>
-            <pc:sldMk cId="418171170" sldId="279"/>
-            <ac:spMk id="5" creationId="{BB5A3CDC-CE97-E6AE-70DE-8EEF5D864432}"/>
-          </ac:spMkLst>
-        </pc:spChg>
-        <pc:spChg chg="del">
-          <ac:chgData name="Armando Lacerda" userId="6ac139bb-b445-447a-8efe-92d4a0b8d73e" providerId="ADAL" clId="{48FB226F-732D-4FDA-9591-E5537808FDFF}" dt="2023-10-03T16:10:28.037" v="364" actId="478"/>
-          <ac:spMkLst>
-            <pc:docMk/>
-            <pc:sldMk cId="418171170" sldId="279"/>
-            <ac:spMk id="7" creationId="{10D487E5-9EAC-F715-477D-BED2FE10DD18}"/>
-          </ac:spMkLst>
-        </pc:spChg>
-        <pc:spChg chg="del">
-          <ac:chgData name="Armando Lacerda" userId="6ac139bb-b445-447a-8efe-92d4a0b8d73e" providerId="ADAL" clId="{48FB226F-732D-4FDA-9591-E5537808FDFF}" dt="2023-10-03T16:10:28.037" v="364" actId="478"/>
-          <ac:spMkLst>
-            <pc:docMk/>
-            <pc:sldMk cId="418171170" sldId="279"/>
-            <ac:spMk id="9" creationId="{00A55661-B3A5-BD10-AA9D-50A075618655}"/>
-          </ac:spMkLst>
-        </pc:spChg>
-        <pc:picChg chg="add mod">
-          <ac:chgData name="Armando Lacerda" userId="6ac139bb-b445-447a-8efe-92d4a0b8d73e" providerId="ADAL" clId="{48FB226F-732D-4FDA-9591-E5537808FDFF}" dt="2023-10-03T16:10:28.365" v="365"/>
-          <ac:picMkLst>
-            <pc:docMk/>
-            <pc:sldMk cId="418171170" sldId="279"/>
-            <ac:picMk id="6" creationId="{445B83A7-E3A4-BA05-113F-3D78DF8F5454}"/>
-          </ac:picMkLst>
-        </pc:picChg>
-        <pc:picChg chg="add mod">
-          <ac:chgData name="Armando Lacerda" userId="6ac139bb-b445-447a-8efe-92d4a0b8d73e" providerId="ADAL" clId="{48FB226F-732D-4FDA-9591-E5537808FDFF}" dt="2023-10-03T16:10:28.365" v="365"/>
-          <ac:picMkLst>
-            <pc:docMk/>
-            <pc:sldMk cId="418171170" sldId="279"/>
-            <ac:picMk id="8" creationId="{9F35F8E4-A791-7E31-733B-CAD6D12AD056}"/>
-          </ac:picMkLst>
-        </pc:picChg>
-        <pc:picChg chg="del">
-          <ac:chgData name="Armando Lacerda" userId="6ac139bb-b445-447a-8efe-92d4a0b8d73e" providerId="ADAL" clId="{48FB226F-732D-4FDA-9591-E5537808FDFF}" dt="2023-10-03T16:10:28.037" v="364" actId="478"/>
-          <ac:picMkLst>
-            <pc:docMk/>
-            <pc:sldMk cId="418171170" sldId="279"/>
-            <ac:picMk id="10" creationId="{FC4C5E7C-20B9-3FFC-40A5-88727EA7D31A}"/>
-          </ac:picMkLst>
-        </pc:picChg>
-        <pc:picChg chg="del">
-          <ac:chgData name="Armando Lacerda" userId="6ac139bb-b445-447a-8efe-92d4a0b8d73e" providerId="ADAL" clId="{48FB226F-732D-4FDA-9591-E5537808FDFF}" dt="2023-10-03T16:10:28.037" v="364" actId="478"/>
-          <ac:picMkLst>
-            <pc:docMk/>
-            <pc:sldMk cId="418171170" sldId="279"/>
-            <ac:picMk id="11" creationId="{CBC98618-545C-588E-BA26-8EE31BD665F1}"/>
-          </ac:picMkLst>
-        </pc:picChg>
-      </pc:sldChg>
-      <pc:sldChg chg="modSp">
-        <pc:chgData name="Armando Lacerda" userId="6ac139bb-b445-447a-8efe-92d4a0b8d73e" providerId="ADAL" clId="{48FB226F-732D-4FDA-9591-E5537808FDFF}" dt="2023-10-02T17:57:13.478" v="172" actId="20577"/>
-        <pc:sldMkLst>
-          <pc:docMk/>
-          <pc:sldMk cId="596348077" sldId="280"/>
-        </pc:sldMkLst>
-        <pc:spChg chg="mod">
-          <ac:chgData name="Armando Lacerda" userId="6ac139bb-b445-447a-8efe-92d4a0b8d73e" providerId="ADAL" clId="{48FB226F-732D-4FDA-9591-E5537808FDFF}" dt="2023-10-02T17:57:13.478" v="172" actId="20577"/>
-          <ac:spMkLst>
-            <pc:docMk/>
-            <pc:sldMk cId="596348077" sldId="280"/>
-            <ac:spMk id="22" creationId="{DA40C0DE-D1D1-9E5A-E384-BE006862881C}"/>
-          </ac:spMkLst>
-        </pc:spChg>
-      </pc:sldChg>
-      <pc:sldChg chg="addSp delSp modSp mod">
-        <pc:chgData name="Armando Lacerda" userId="6ac139bb-b445-447a-8efe-92d4a0b8d73e" providerId="ADAL" clId="{48FB226F-732D-4FDA-9591-E5537808FDFF}" dt="2023-10-02T17:58:03.772" v="182" actId="21"/>
-        <pc:sldMkLst>
-          <pc:docMk/>
-          <pc:sldMk cId="3755161727" sldId="281"/>
-        </pc:sldMkLst>
-        <pc:picChg chg="add del mod">
-          <ac:chgData name="Armando Lacerda" userId="6ac139bb-b445-447a-8efe-92d4a0b8d73e" providerId="ADAL" clId="{48FB226F-732D-4FDA-9591-E5537808FDFF}" dt="2023-10-02T17:58:03.772" v="182" actId="21"/>
-          <ac:picMkLst>
-            <pc:docMk/>
-            <pc:sldMk cId="3755161727" sldId="281"/>
-            <ac:picMk id="20" creationId="{70C67A06-EC5F-787B-B455-5E23AAF3B689}"/>
-          </ac:picMkLst>
-        </pc:picChg>
-      </pc:sldChg>
-      <pc:sldChg chg="del">
-        <pc:chgData name="Armando Lacerda" userId="6ac139bb-b445-447a-8efe-92d4a0b8d73e" providerId="ADAL" clId="{48FB226F-732D-4FDA-9591-E5537808FDFF}" dt="2023-10-02T17:59:06.484" v="187" actId="47"/>
-        <pc:sldMkLst>
-          <pc:docMk/>
-          <pc:sldMk cId="1541593639" sldId="283"/>
-        </pc:sldMkLst>
-      </pc:sldChg>
-      <pc:sldChg chg="del">
-        <pc:chgData name="Armando Lacerda" userId="6ac139bb-b445-447a-8efe-92d4a0b8d73e" providerId="ADAL" clId="{48FB226F-732D-4FDA-9591-E5537808FDFF}" dt="2023-10-02T17:59:06.484" v="187" actId="47"/>
-        <pc:sldMkLst>
-          <pc:docMk/>
-          <pc:sldMk cId="3203687222" sldId="284"/>
-        </pc:sldMkLst>
-      </pc:sldChg>
-      <pc:sldChg chg="del">
-        <pc:chgData name="Armando Lacerda" userId="6ac139bb-b445-447a-8efe-92d4a0b8d73e" providerId="ADAL" clId="{48FB226F-732D-4FDA-9591-E5537808FDFF}" dt="2023-10-02T17:59:06.484" v="187" actId="47"/>
-        <pc:sldMkLst>
-          <pc:docMk/>
-          <pc:sldMk cId="61821553" sldId="286"/>
-        </pc:sldMkLst>
-      </pc:sldChg>
-      <pc:sldChg chg="addSp delSp modSp mod">
-        <pc:chgData name="Armando Lacerda" userId="6ac139bb-b445-447a-8efe-92d4a0b8d73e" providerId="ADAL" clId="{48FB226F-732D-4FDA-9591-E5537808FDFF}" dt="2023-10-02T17:58:48.825" v="186"/>
-        <pc:sldMkLst>
-          <pc:docMk/>
-          <pc:sldMk cId="3420727763" sldId="287"/>
-        </pc:sldMkLst>
-        <pc:spChg chg="add mod">
-          <ac:chgData name="Armando Lacerda" userId="6ac139bb-b445-447a-8efe-92d4a0b8d73e" providerId="ADAL" clId="{48FB226F-732D-4FDA-9591-E5537808FDFF}" dt="2023-10-02T17:58:48.825" v="186"/>
-          <ac:spMkLst>
-            <pc:docMk/>
-            <pc:sldMk cId="3420727763" sldId="287"/>
-            <ac:spMk id="6" creationId="{E3916775-FA7F-E891-FA23-F496253D67D9}"/>
-          </ac:spMkLst>
-        </pc:spChg>
-        <pc:spChg chg="del">
-          <ac:chgData name="Armando Lacerda" userId="6ac139bb-b445-447a-8efe-92d4a0b8d73e" providerId="ADAL" clId="{48FB226F-732D-4FDA-9591-E5537808FDFF}" dt="2023-10-02T17:57:37.944" v="175" actId="478"/>
-          <ac:spMkLst>
-            <pc:docMk/>
-            <pc:sldMk cId="3420727763" sldId="287"/>
-            <ac:spMk id="18" creationId="{2A18731F-553F-E0BE-9B9F-C41CF526A1A6}"/>
-          </ac:spMkLst>
-        </pc:spChg>
-        <pc:picChg chg="add mod">
-          <ac:chgData name="Armando Lacerda" userId="6ac139bb-b445-447a-8efe-92d4a0b8d73e" providerId="ADAL" clId="{48FB226F-732D-4FDA-9591-E5537808FDFF}" dt="2023-10-02T17:58:33.496" v="185"/>
-          <ac:picMkLst>
-            <pc:docMk/>
-            <pc:sldMk cId="3420727763" sldId="287"/>
-            <ac:picMk id="4" creationId="{1FD36976-A25A-ED22-4A48-EE4B957F87EA}"/>
-          </ac:picMkLst>
-        </pc:picChg>
-        <pc:picChg chg="add mod">
-          <ac:chgData name="Armando Lacerda" userId="6ac139bb-b445-447a-8efe-92d4a0b8d73e" providerId="ADAL" clId="{48FB226F-732D-4FDA-9591-E5537808FDFF}" dt="2023-10-02T17:58:48.825" v="186"/>
-          <ac:picMkLst>
-            <pc:docMk/>
-            <pc:sldMk cId="3420727763" sldId="287"/>
-            <ac:picMk id="5" creationId="{7EC221BC-1890-EB86-6B09-E788DCBFE12D}"/>
-          </ac:picMkLst>
-        </pc:picChg>
-        <pc:picChg chg="del">
-          <ac:chgData name="Armando Lacerda" userId="6ac139bb-b445-447a-8efe-92d4a0b8d73e" providerId="ADAL" clId="{48FB226F-732D-4FDA-9591-E5537808FDFF}" dt="2023-10-02T17:57:35.952" v="174" actId="478"/>
-          <ac:picMkLst>
-            <pc:docMk/>
-            <pc:sldMk cId="3420727763" sldId="287"/>
-            <ac:picMk id="10" creationId="{35A8CF9F-D67F-0072-F9AA-22D84ADBB659}"/>
-          </ac:picMkLst>
-        </pc:picChg>
-        <pc:picChg chg="del">
-          <ac:chgData name="Armando Lacerda" userId="6ac139bb-b445-447a-8efe-92d4a0b8d73e" providerId="ADAL" clId="{48FB226F-732D-4FDA-9591-E5537808FDFF}" dt="2023-10-02T17:57:34.466" v="173" actId="478"/>
-          <ac:picMkLst>
-            <pc:docMk/>
-            <pc:sldMk cId="3420727763" sldId="287"/>
-            <ac:picMk id="21" creationId="{DDC2805E-64A9-592A-A2F6-C1583AFA3C75}"/>
-          </ac:picMkLst>
-        </pc:picChg>
-      </pc:sldChg>
-      <pc:sldChg chg="del">
-        <pc:chgData name="Armando Lacerda" userId="6ac139bb-b445-447a-8efe-92d4a0b8d73e" providerId="ADAL" clId="{48FB226F-732D-4FDA-9591-E5537808FDFF}" dt="2023-10-02T17:59:06.484" v="187" actId="47"/>
-        <pc:sldMkLst>
-          <pc:docMk/>
-          <pc:sldMk cId="854338865" sldId="288"/>
-        </pc:sldMkLst>
-      </pc:sldChg>
-      <pc:sldChg chg="del">
-        <pc:chgData name="Armando Lacerda" userId="6ac139bb-b445-447a-8efe-92d4a0b8d73e" providerId="ADAL" clId="{48FB226F-732D-4FDA-9591-E5537808FDFF}" dt="2023-10-02T17:59:06.484" v="187" actId="47"/>
-        <pc:sldMkLst>
-          <pc:docMk/>
-          <pc:sldMk cId="4249768268" sldId="289"/>
-        </pc:sldMkLst>
-      </pc:sldChg>
-      <pc:sldChg chg="addSp delSp modSp add mod">
-        <pc:chgData name="Armando Lacerda" userId="6ac139bb-b445-447a-8efe-92d4a0b8d73e" providerId="ADAL" clId="{48FB226F-732D-4FDA-9591-E5537808FDFF}" dt="2023-10-03T16:09:58.065" v="361" actId="1076"/>
-        <pc:sldMkLst>
-          <pc:docMk/>
-          <pc:sldMk cId="2247828135" sldId="290"/>
-        </pc:sldMkLst>
-        <pc:spChg chg="mod">
-          <ac:chgData name="Armando Lacerda" userId="6ac139bb-b445-447a-8efe-92d4a0b8d73e" providerId="ADAL" clId="{48FB226F-732D-4FDA-9591-E5537808FDFF}" dt="2023-10-02T17:55:51.902" v="110" actId="20577"/>
-          <ac:spMkLst>
-            <pc:docMk/>
-            <pc:sldMk cId="2247828135" sldId="290"/>
-            <ac:spMk id="3" creationId="{8689F898-B53E-EDFC-8FDB-7ED3601D517A}"/>
-          </ac:spMkLst>
-        </pc:spChg>
-        <pc:spChg chg="del">
-          <ac:chgData name="Armando Lacerda" userId="6ac139bb-b445-447a-8efe-92d4a0b8d73e" providerId="ADAL" clId="{48FB226F-732D-4FDA-9591-E5537808FDFF}" dt="2023-10-02T18:41:41.125" v="327" actId="478"/>
-          <ac:spMkLst>
-            <pc:docMk/>
-            <pc:sldMk cId="2247828135" sldId="290"/>
-            <ac:spMk id="4" creationId="{A2D57629-D96A-76F7-DD09-39EE4C4DA695}"/>
-          </ac:spMkLst>
-        </pc:spChg>
-        <pc:spChg chg="del">
-          <ac:chgData name="Armando Lacerda" userId="6ac139bb-b445-447a-8efe-92d4a0b8d73e" providerId="ADAL" clId="{48FB226F-732D-4FDA-9591-E5537808FDFF}" dt="2023-10-02T18:41:41.125" v="327" actId="478"/>
-          <ac:spMkLst>
-            <pc:docMk/>
-            <pc:sldMk cId="2247828135" sldId="290"/>
-            <ac:spMk id="5" creationId="{EDD48D05-DABA-464E-79A7-4FCD78DACE72}"/>
-          </ac:spMkLst>
-        </pc:spChg>
-        <pc:spChg chg="add mod">
-          <ac:chgData name="Armando Lacerda" userId="6ac139bb-b445-447a-8efe-92d4a0b8d73e" providerId="ADAL" clId="{48FB226F-732D-4FDA-9591-E5537808FDFF}" dt="2023-10-03T16:09:58.065" v="361" actId="1076"/>
-          <ac:spMkLst>
-            <pc:docMk/>
-            <pc:sldMk cId="2247828135" sldId="290"/>
-            <ac:spMk id="7" creationId="{2707DEDF-9026-AA78-9D1F-F8C51FA2CBF7}"/>
-          </ac:spMkLst>
-        </pc:spChg>
-        <pc:spChg chg="add mod">
-          <ac:chgData name="Armando Lacerda" userId="6ac139bb-b445-447a-8efe-92d4a0b8d73e" providerId="ADAL" clId="{48FB226F-732D-4FDA-9591-E5537808FDFF}" dt="2023-10-03T16:09:58.065" v="361" actId="1076"/>
-          <ac:spMkLst>
-            <pc:docMk/>
-            <pc:sldMk cId="2247828135" sldId="290"/>
-            <ac:spMk id="9" creationId="{DF2776A6-8C79-2B03-97AF-53F22297D863}"/>
-          </ac:spMkLst>
-        </pc:spChg>
-        <pc:picChg chg="del">
-          <ac:chgData name="Armando Lacerda" userId="6ac139bb-b445-447a-8efe-92d4a0b8d73e" providerId="ADAL" clId="{48FB226F-732D-4FDA-9591-E5537808FDFF}" dt="2023-10-02T18:41:41.125" v="327" actId="478"/>
-          <ac:picMkLst>
-            <pc:docMk/>
-            <pc:sldMk cId="2247828135" sldId="290"/>
-            <ac:picMk id="6" creationId="{431D6752-85E3-3A33-B6E2-2B56588857DA}"/>
-          </ac:picMkLst>
-        </pc:picChg>
-        <pc:picChg chg="del">
-          <ac:chgData name="Armando Lacerda" userId="6ac139bb-b445-447a-8efe-92d4a0b8d73e" providerId="ADAL" clId="{48FB226F-732D-4FDA-9591-E5537808FDFF}" dt="2023-10-02T18:41:41.125" v="327" actId="478"/>
-          <ac:picMkLst>
-            <pc:docMk/>
-            <pc:sldMk cId="2247828135" sldId="290"/>
-            <ac:picMk id="8" creationId="{47391659-2FDC-D820-F6DF-C6CF645C0051}"/>
-          </ac:picMkLst>
-        </pc:picChg>
-        <pc:picChg chg="add mod">
-          <ac:chgData name="Armando Lacerda" userId="6ac139bb-b445-447a-8efe-92d4a0b8d73e" providerId="ADAL" clId="{48FB226F-732D-4FDA-9591-E5537808FDFF}" dt="2023-10-03T16:09:58.065" v="361" actId="1076"/>
-          <ac:picMkLst>
-            <pc:docMk/>
-            <pc:sldMk cId="2247828135" sldId="290"/>
-            <ac:picMk id="10" creationId="{26A0D02D-A1B3-1783-327F-D19FD9AAC4AA}"/>
-          </ac:picMkLst>
-        </pc:picChg>
-        <pc:picChg chg="add mod">
-          <ac:chgData name="Armando Lacerda" userId="6ac139bb-b445-447a-8efe-92d4a0b8d73e" providerId="ADAL" clId="{48FB226F-732D-4FDA-9591-E5537808FDFF}" dt="2023-10-03T16:09:58.065" v="361" actId="1076"/>
-          <ac:picMkLst>
-            <pc:docMk/>
-            <pc:sldMk cId="2247828135" sldId="290"/>
-            <ac:picMk id="11" creationId="{13AB51D7-6A24-1214-EF17-8DA504A93354}"/>
-          </ac:picMkLst>
-        </pc:picChg>
-      </pc:sldChg>
-      <pc:sldChg chg="addSp delSp modSp new del mod">
-        <pc:chgData name="Armando Lacerda" userId="6ac139bb-b445-447a-8efe-92d4a0b8d73e" providerId="ADAL" clId="{48FB226F-732D-4FDA-9591-E5537808FDFF}" dt="2023-10-02T18:04:34.834" v="226" actId="47"/>
-        <pc:sldMkLst>
-          <pc:docMk/>
-          <pc:sldMk cId="1570623444" sldId="291"/>
-        </pc:sldMkLst>
-        <pc:spChg chg="mod">
-          <ac:chgData name="Armando Lacerda" userId="6ac139bb-b445-447a-8efe-92d4a0b8d73e" providerId="ADAL" clId="{48FB226F-732D-4FDA-9591-E5537808FDFF}" dt="2023-10-02T18:00:05.139" v="189"/>
-          <ac:spMkLst>
-            <pc:docMk/>
-            <pc:sldMk cId="1570623444" sldId="291"/>
-            <ac:spMk id="3" creationId="{EE2BBE0D-0F6C-470B-67D3-B7BC1D7EA8A0}"/>
-          </ac:spMkLst>
-        </pc:spChg>
-        <pc:spChg chg="mod">
-          <ac:chgData name="Armando Lacerda" userId="6ac139bb-b445-447a-8efe-92d4a0b8d73e" providerId="ADAL" clId="{48FB226F-732D-4FDA-9591-E5537808FDFF}" dt="2023-10-02T18:00:05.139" v="189"/>
-          <ac:spMkLst>
-            <pc:docMk/>
-            <pc:sldMk cId="1570623444" sldId="291"/>
-            <ac:spMk id="4" creationId="{F1FC31F0-7F31-2ACB-8224-CF73B13E3C88}"/>
-          </ac:spMkLst>
-        </pc:spChg>
-        <pc:spChg chg="mod">
-          <ac:chgData name="Armando Lacerda" userId="6ac139bb-b445-447a-8efe-92d4a0b8d73e" providerId="ADAL" clId="{48FB226F-732D-4FDA-9591-E5537808FDFF}" dt="2023-10-02T18:00:05.139" v="189"/>
-          <ac:spMkLst>
-            <pc:docMk/>
-            <pc:sldMk cId="1570623444" sldId="291"/>
-            <ac:spMk id="6" creationId="{F9A2A918-4B4D-B8B7-0E24-9F80D7CB85F9}"/>
-          </ac:spMkLst>
-        </pc:spChg>
-        <pc:spChg chg="mod">
-          <ac:chgData name="Armando Lacerda" userId="6ac139bb-b445-447a-8efe-92d4a0b8d73e" providerId="ADAL" clId="{48FB226F-732D-4FDA-9591-E5537808FDFF}" dt="2023-10-02T18:00:05.139" v="189"/>
-          <ac:spMkLst>
-            <pc:docMk/>
-            <pc:sldMk cId="1570623444" sldId="291"/>
-            <ac:spMk id="7" creationId="{5B4F57D5-8190-B7EB-55FC-87CBA904DEE3}"/>
-          </ac:spMkLst>
-        </pc:spChg>
-        <pc:spChg chg="mod">
-          <ac:chgData name="Armando Lacerda" userId="6ac139bb-b445-447a-8efe-92d4a0b8d73e" providerId="ADAL" clId="{48FB226F-732D-4FDA-9591-E5537808FDFF}" dt="2023-10-02T18:00:05.139" v="189"/>
-          <ac:spMkLst>
-            <pc:docMk/>
-            <pc:sldMk cId="1570623444" sldId="291"/>
-            <ac:spMk id="9" creationId="{E747B504-30A6-DAF4-3005-9FA38668ABA2}"/>
-          </ac:spMkLst>
-        </pc:spChg>
-        <pc:spChg chg="mod">
-          <ac:chgData name="Armando Lacerda" userId="6ac139bb-b445-447a-8efe-92d4a0b8d73e" providerId="ADAL" clId="{48FB226F-732D-4FDA-9591-E5537808FDFF}" dt="2023-10-02T18:00:05.139" v="189"/>
-          <ac:spMkLst>
-            <pc:docMk/>
-            <pc:sldMk cId="1570623444" sldId="291"/>
-            <ac:spMk id="10" creationId="{57C08BF8-1774-F8E9-72DF-ED10C74644A4}"/>
-          </ac:spMkLst>
-        </pc:spChg>
-        <pc:spChg chg="mod">
-          <ac:chgData name="Armando Lacerda" userId="6ac139bb-b445-447a-8efe-92d4a0b8d73e" providerId="ADAL" clId="{48FB226F-732D-4FDA-9591-E5537808FDFF}" dt="2023-10-02T18:00:05.139" v="189"/>
-          <ac:spMkLst>
-            <pc:docMk/>
-            <pc:sldMk cId="1570623444" sldId="291"/>
-            <ac:spMk id="12" creationId="{D5F7EBB4-9A1D-3846-574B-1A37692E62BE}"/>
-          </ac:spMkLst>
-        </pc:spChg>
-        <pc:spChg chg="mod">
-          <ac:chgData name="Armando Lacerda" userId="6ac139bb-b445-447a-8efe-92d4a0b8d73e" providerId="ADAL" clId="{48FB226F-732D-4FDA-9591-E5537808FDFF}" dt="2023-10-02T18:00:05.139" v="189"/>
-          <ac:spMkLst>
-            <pc:docMk/>
-            <pc:sldMk cId="1570623444" sldId="291"/>
-            <ac:spMk id="13" creationId="{DBE9C30B-A1E1-AB07-8BDD-CE972820AE81}"/>
-          </ac:spMkLst>
-        </pc:spChg>
-        <pc:spChg chg="add del mod">
-          <ac:chgData name="Armando Lacerda" userId="6ac139bb-b445-447a-8efe-92d4a0b8d73e" providerId="ADAL" clId="{48FB226F-732D-4FDA-9591-E5537808FDFF}" dt="2023-10-02T18:00:06.025" v="190"/>
-          <ac:spMkLst>
-            <pc:docMk/>
-            <pc:sldMk cId="1570623444" sldId="291"/>
-            <ac:spMk id="15" creationId="{DC0FE01D-F089-B7FB-9D6A-C1F94911A84F}"/>
-          </ac:spMkLst>
-        </pc:spChg>
-        <pc:spChg chg="add del mod">
-          <ac:chgData name="Armando Lacerda" userId="6ac139bb-b445-447a-8efe-92d4a0b8d73e" providerId="ADAL" clId="{48FB226F-732D-4FDA-9591-E5537808FDFF}" dt="2023-10-02T18:00:06.025" v="190"/>
-          <ac:spMkLst>
-            <pc:docMk/>
-            <pc:sldMk cId="1570623444" sldId="291"/>
-            <ac:spMk id="17" creationId="{CD50665C-BE99-0350-C2EE-FFD78F690A5B}"/>
-          </ac:spMkLst>
-        </pc:spChg>
-        <pc:spChg chg="mod">
-          <ac:chgData name="Armando Lacerda" userId="6ac139bb-b445-447a-8efe-92d4a0b8d73e" providerId="ADAL" clId="{48FB226F-732D-4FDA-9591-E5537808FDFF}" dt="2023-10-02T18:00:13.513" v="193"/>
-          <ac:spMkLst>
-            <pc:docMk/>
-            <pc:sldMk cId="1570623444" sldId="291"/>
-            <ac:spMk id="24" creationId="{E0605C29-7333-F131-34E1-0655ECB7052E}"/>
-          </ac:spMkLst>
-        </pc:spChg>
-        <pc:spChg chg="mod">
-          <ac:chgData name="Armando Lacerda" userId="6ac139bb-b445-447a-8efe-92d4a0b8d73e" providerId="ADAL" clId="{48FB226F-732D-4FDA-9591-E5537808FDFF}" dt="2023-10-02T18:00:13.513" v="193"/>
-          <ac:spMkLst>
-            <pc:docMk/>
-            <pc:sldMk cId="1570623444" sldId="291"/>
-            <ac:spMk id="25" creationId="{EF909E00-0903-988C-3166-B9EA8EE84E60}"/>
-          </ac:spMkLst>
-        </pc:spChg>
-        <pc:spChg chg="mod">
-          <ac:chgData name="Armando Lacerda" userId="6ac139bb-b445-447a-8efe-92d4a0b8d73e" providerId="ADAL" clId="{48FB226F-732D-4FDA-9591-E5537808FDFF}" dt="2023-10-02T18:00:13.513" v="193"/>
-          <ac:spMkLst>
-            <pc:docMk/>
-            <pc:sldMk cId="1570623444" sldId="291"/>
-            <ac:spMk id="27" creationId="{9316B1D2-645E-C1C9-383D-9FFA0A177DAC}"/>
-          </ac:spMkLst>
-        </pc:spChg>
-        <pc:spChg chg="mod">
-          <ac:chgData name="Armando Lacerda" userId="6ac139bb-b445-447a-8efe-92d4a0b8d73e" providerId="ADAL" clId="{48FB226F-732D-4FDA-9591-E5537808FDFF}" dt="2023-10-02T18:00:13.513" v="193"/>
-          <ac:spMkLst>
-            <pc:docMk/>
-            <pc:sldMk cId="1570623444" sldId="291"/>
-            <ac:spMk id="28" creationId="{18208670-F4A0-D9E1-FFAB-DA2E4BFAB01C}"/>
-          </ac:spMkLst>
-        </pc:spChg>
-        <pc:spChg chg="mod">
-          <ac:chgData name="Armando Lacerda" userId="6ac139bb-b445-447a-8efe-92d4a0b8d73e" providerId="ADAL" clId="{48FB226F-732D-4FDA-9591-E5537808FDFF}" dt="2023-10-02T18:00:13.513" v="193"/>
-          <ac:spMkLst>
-            <pc:docMk/>
-            <pc:sldMk cId="1570623444" sldId="291"/>
-            <ac:spMk id="30" creationId="{E08F6CF8-DD25-CF24-ED41-0A294F021F6D}"/>
-          </ac:spMkLst>
-        </pc:spChg>
-        <pc:spChg chg="mod">
-          <ac:chgData name="Armando Lacerda" userId="6ac139bb-b445-447a-8efe-92d4a0b8d73e" providerId="ADAL" clId="{48FB226F-732D-4FDA-9591-E5537808FDFF}" dt="2023-10-02T18:00:13.513" v="193"/>
-          <ac:spMkLst>
-            <pc:docMk/>
-            <pc:sldMk cId="1570623444" sldId="291"/>
-            <ac:spMk id="31" creationId="{50E02B22-60A7-5D4E-D100-529F0A77C531}"/>
-          </ac:spMkLst>
-        </pc:spChg>
-        <pc:spChg chg="mod">
-          <ac:chgData name="Armando Lacerda" userId="6ac139bb-b445-447a-8efe-92d4a0b8d73e" providerId="ADAL" clId="{48FB226F-732D-4FDA-9591-E5537808FDFF}" dt="2023-10-02T18:00:13.513" v="193"/>
-          <ac:spMkLst>
-            <pc:docMk/>
-            <pc:sldMk cId="1570623444" sldId="291"/>
-            <ac:spMk id="33" creationId="{FE211A89-017B-B338-AD58-88D19F7A1FF4}"/>
-          </ac:spMkLst>
-        </pc:spChg>
-        <pc:spChg chg="mod">
-          <ac:chgData name="Armando Lacerda" userId="6ac139bb-b445-447a-8efe-92d4a0b8d73e" providerId="ADAL" clId="{48FB226F-732D-4FDA-9591-E5537808FDFF}" dt="2023-10-02T18:00:13.513" v="193"/>
-          <ac:spMkLst>
-            <pc:docMk/>
-            <pc:sldMk cId="1570623444" sldId="291"/>
-            <ac:spMk id="34" creationId="{E3A3E8E9-5539-D2AB-98D0-F35EB26BDDE7}"/>
-          </ac:spMkLst>
-        </pc:spChg>
-        <pc:spChg chg="add mod">
-          <ac:chgData name="Armando Lacerda" userId="6ac139bb-b445-447a-8efe-92d4a0b8d73e" providerId="ADAL" clId="{48FB226F-732D-4FDA-9591-E5537808FDFF}" dt="2023-10-02T18:02:35.141" v="208" actId="1076"/>
-          <ac:spMkLst>
-            <pc:docMk/>
-            <pc:sldMk cId="1570623444" sldId="291"/>
-            <ac:spMk id="36" creationId="{C13FD11E-5588-B1A7-5519-03031A8CC920}"/>
-          </ac:spMkLst>
-        </pc:spChg>
-        <pc:spChg chg="add mod">
-          <ac:chgData name="Armando Lacerda" userId="6ac139bb-b445-447a-8efe-92d4a0b8d73e" providerId="ADAL" clId="{48FB226F-732D-4FDA-9591-E5537808FDFF}" dt="2023-10-02T18:02:35.141" v="208" actId="1076"/>
-          <ac:spMkLst>
-            <pc:docMk/>
-            <pc:sldMk cId="1570623444" sldId="291"/>
-            <ac:spMk id="38" creationId="{3AA026CD-FD41-7902-D642-630CE11DA3B0}"/>
-          </ac:spMkLst>
-        </pc:spChg>
-        <pc:grpChg chg="add del mod">
-          <ac:chgData name="Armando Lacerda" userId="6ac139bb-b445-447a-8efe-92d4a0b8d73e" providerId="ADAL" clId="{48FB226F-732D-4FDA-9591-E5537808FDFF}" dt="2023-10-02T18:00:06.025" v="190"/>
-          <ac:grpSpMkLst>
-            <pc:docMk/>
-            <pc:sldMk cId="1570623444" sldId="291"/>
-            <ac:grpSpMk id="2" creationId="{5B87217E-18FD-A9FF-18F0-63E61767CC54}"/>
-          </ac:grpSpMkLst>
-        </pc:grpChg>
-        <pc:grpChg chg="add del mod">
-          <ac:chgData name="Armando Lacerda" userId="6ac139bb-b445-447a-8efe-92d4a0b8d73e" providerId="ADAL" clId="{48FB226F-732D-4FDA-9591-E5537808FDFF}" dt="2023-10-02T18:00:06.025" v="190"/>
-          <ac:grpSpMkLst>
-            <pc:docMk/>
-            <pc:sldMk cId="1570623444" sldId="291"/>
-            <ac:grpSpMk id="5" creationId="{B29802EE-B56E-8A69-E65C-1CB22AA646AC}"/>
-          </ac:grpSpMkLst>
-        </pc:grpChg>
-        <pc:grpChg chg="add del mod">
-          <ac:chgData name="Armando Lacerda" userId="6ac139bb-b445-447a-8efe-92d4a0b8d73e" providerId="ADAL" clId="{48FB226F-732D-4FDA-9591-E5537808FDFF}" dt="2023-10-02T18:00:06.025" v="190"/>
-          <ac:grpSpMkLst>
-            <pc:docMk/>
-            <pc:sldMk cId="1570623444" sldId="291"/>
-            <ac:grpSpMk id="8" creationId="{40543E38-1D8D-1966-E529-A6C432BB4F09}"/>
-          </ac:grpSpMkLst>
-        </pc:grpChg>
-        <pc:grpChg chg="add del mod">
-          <ac:chgData name="Armando Lacerda" userId="6ac139bb-b445-447a-8efe-92d4a0b8d73e" providerId="ADAL" clId="{48FB226F-732D-4FDA-9591-E5537808FDFF}" dt="2023-10-02T18:00:06.025" v="190"/>
-          <ac:grpSpMkLst>
-            <pc:docMk/>
-            <pc:sldMk cId="1570623444" sldId="291"/>
-            <ac:grpSpMk id="11" creationId="{D18EE545-ED87-F9E4-E5DE-6658BDAF3D3F}"/>
-          </ac:grpSpMkLst>
-        </pc:grpChg>
-        <pc:grpChg chg="add del mod">
-          <ac:chgData name="Armando Lacerda" userId="6ac139bb-b445-447a-8efe-92d4a0b8d73e" providerId="ADAL" clId="{48FB226F-732D-4FDA-9591-E5537808FDFF}" dt="2023-10-02T18:00:25.047" v="194" actId="478"/>
-          <ac:grpSpMkLst>
-            <pc:docMk/>
-            <pc:sldMk cId="1570623444" sldId="291"/>
-            <ac:grpSpMk id="23" creationId="{7DE1A5E5-380C-9E7C-43C6-1EFF27CA443F}"/>
-          </ac:grpSpMkLst>
-        </pc:grpChg>
-        <pc:grpChg chg="add del mod">
-          <ac:chgData name="Armando Lacerda" userId="6ac139bb-b445-447a-8efe-92d4a0b8d73e" providerId="ADAL" clId="{48FB226F-732D-4FDA-9591-E5537808FDFF}" dt="2023-10-02T18:00:25.047" v="194" actId="478"/>
-          <ac:grpSpMkLst>
-            <pc:docMk/>
-            <pc:sldMk cId="1570623444" sldId="291"/>
-            <ac:grpSpMk id="26" creationId="{3948164B-05C5-753F-60DF-5F9B641EB4BB}"/>
-          </ac:grpSpMkLst>
-        </pc:grpChg>
-        <pc:grpChg chg="add del mod">
-          <ac:chgData name="Armando Lacerda" userId="6ac139bb-b445-447a-8efe-92d4a0b8d73e" providerId="ADAL" clId="{48FB226F-732D-4FDA-9591-E5537808FDFF}" dt="2023-10-02T18:00:25.047" v="194" actId="478"/>
-          <ac:grpSpMkLst>
-            <pc:docMk/>
-            <pc:sldMk cId="1570623444" sldId="291"/>
-            <ac:grpSpMk id="29" creationId="{68A4B6A0-6A6E-604B-0C81-2304CB4A10B6}"/>
-          </ac:grpSpMkLst>
-        </pc:grpChg>
-        <pc:grpChg chg="add del mod">
-          <ac:chgData name="Armando Lacerda" userId="6ac139bb-b445-447a-8efe-92d4a0b8d73e" providerId="ADAL" clId="{48FB226F-732D-4FDA-9591-E5537808FDFF}" dt="2023-10-02T18:00:25.047" v="194" actId="478"/>
-          <ac:grpSpMkLst>
-            <pc:docMk/>
-            <pc:sldMk cId="1570623444" sldId="291"/>
-            <ac:grpSpMk id="32" creationId="{47026C71-441E-5354-03EB-FB3552513692}"/>
-          </ac:grpSpMkLst>
-        </pc:grpChg>
-        <pc:picChg chg="add del mod">
-          <ac:chgData name="Armando Lacerda" userId="6ac139bb-b445-447a-8efe-92d4a0b8d73e" providerId="ADAL" clId="{48FB226F-732D-4FDA-9591-E5537808FDFF}" dt="2023-10-02T18:00:06.025" v="190"/>
-          <ac:picMkLst>
-            <pc:docMk/>
-            <pc:sldMk cId="1570623444" sldId="291"/>
-            <ac:picMk id="18" creationId="{33A3ACB7-5DE8-509D-8B16-DB7976DA7409}"/>
-          </ac:picMkLst>
-        </pc:picChg>
-        <pc:picChg chg="add del mod">
-          <ac:chgData name="Armando Lacerda" userId="6ac139bb-b445-447a-8efe-92d4a0b8d73e" providerId="ADAL" clId="{48FB226F-732D-4FDA-9591-E5537808FDFF}" dt="2023-10-02T18:00:06.025" v="190"/>
-          <ac:picMkLst>
-            <pc:docMk/>
-            <pc:sldMk cId="1570623444" sldId="291"/>
-            <ac:picMk id="19" creationId="{D5BBDD23-9BE1-C430-F831-5D1D71BAFF73}"/>
-          </ac:picMkLst>
-        </pc:picChg>
-        <pc:picChg chg="add del mod">
-          <ac:chgData name="Armando Lacerda" userId="6ac139bb-b445-447a-8efe-92d4a0b8d73e" providerId="ADAL" clId="{48FB226F-732D-4FDA-9591-E5537808FDFF}" dt="2023-10-02T18:00:06.025" v="190"/>
-          <ac:picMkLst>
-            <pc:docMk/>
-            <pc:sldMk cId="1570623444" sldId="291"/>
-            <ac:picMk id="20" creationId="{226BD09D-1AC9-1D93-4599-AE96079FA9B5}"/>
-          </ac:picMkLst>
-        </pc:picChg>
-        <pc:picChg chg="add del mod">
-          <ac:chgData name="Armando Lacerda" userId="6ac139bb-b445-447a-8efe-92d4a0b8d73e" providerId="ADAL" clId="{48FB226F-732D-4FDA-9591-E5537808FDFF}" dt="2023-10-02T18:00:06.025" v="190"/>
-          <ac:picMkLst>
-            <pc:docMk/>
-            <pc:sldMk cId="1570623444" sldId="291"/>
-            <ac:picMk id="21" creationId="{2925F589-39FE-CB9B-8992-2D9A5A9D9650}"/>
-          </ac:picMkLst>
-        </pc:picChg>
-        <pc:picChg chg="add del">
-          <ac:chgData name="Armando Lacerda" userId="6ac139bb-b445-447a-8efe-92d4a0b8d73e" providerId="ADAL" clId="{48FB226F-732D-4FDA-9591-E5537808FDFF}" dt="2023-10-02T18:00:12.491" v="192"/>
-          <ac:picMkLst>
-            <pc:docMk/>
-            <pc:sldMk cId="1570623444" sldId="291"/>
-            <ac:picMk id="22" creationId="{6DA388F1-727D-FD75-8E37-2CE34A706305}"/>
-          </ac:picMkLst>
-        </pc:picChg>
-        <pc:picChg chg="add del mod">
-          <ac:chgData name="Armando Lacerda" userId="6ac139bb-b445-447a-8efe-92d4a0b8d73e" providerId="ADAL" clId="{48FB226F-732D-4FDA-9591-E5537808FDFF}" dt="2023-10-02T18:00:25.047" v="194" actId="478"/>
-          <ac:picMkLst>
-            <pc:docMk/>
-            <pc:sldMk cId="1570623444" sldId="291"/>
-            <ac:picMk id="39" creationId="{CC99D093-2D11-D23D-B1BA-EAB21F8A67F3}"/>
-          </ac:picMkLst>
-        </pc:picChg>
-        <pc:picChg chg="add del mod">
-          <ac:chgData name="Armando Lacerda" userId="6ac139bb-b445-447a-8efe-92d4a0b8d73e" providerId="ADAL" clId="{48FB226F-732D-4FDA-9591-E5537808FDFF}" dt="2023-10-02T18:00:25.047" v="194" actId="478"/>
-          <ac:picMkLst>
-            <pc:docMk/>
-            <pc:sldMk cId="1570623444" sldId="291"/>
-            <ac:picMk id="40" creationId="{23D32DDF-C4F6-D329-D031-E4DFC80A08AF}"/>
-          </ac:picMkLst>
-        </pc:picChg>
-        <pc:picChg chg="add del mod">
-          <ac:chgData name="Armando Lacerda" userId="6ac139bb-b445-447a-8efe-92d4a0b8d73e" providerId="ADAL" clId="{48FB226F-732D-4FDA-9591-E5537808FDFF}" dt="2023-10-02T18:00:25.047" v="194" actId="478"/>
-          <ac:picMkLst>
-            <pc:docMk/>
-            <pc:sldMk cId="1570623444" sldId="291"/>
-            <ac:picMk id="41" creationId="{9F1D731A-01EA-CD9B-7228-AEADCAF5ABC3}"/>
-          </ac:picMkLst>
-        </pc:picChg>
-        <pc:picChg chg="add del mod">
-          <ac:chgData name="Armando Lacerda" userId="6ac139bb-b445-447a-8efe-92d4a0b8d73e" providerId="ADAL" clId="{48FB226F-732D-4FDA-9591-E5537808FDFF}" dt="2023-10-02T18:00:25.047" v="194" actId="478"/>
-          <ac:picMkLst>
-            <pc:docMk/>
-            <pc:sldMk cId="1570623444" sldId="291"/>
-            <ac:picMk id="42" creationId="{C571B1ED-6E1F-FEA2-5BFB-A3B89FD2251E}"/>
-          </ac:picMkLst>
-        </pc:picChg>
-        <pc:picChg chg="add mod modCrop">
-          <ac:chgData name="Armando Lacerda" userId="6ac139bb-b445-447a-8efe-92d4a0b8d73e" providerId="ADAL" clId="{48FB226F-732D-4FDA-9591-E5537808FDFF}" dt="2023-10-02T18:02:35.141" v="208" actId="1076"/>
-          <ac:picMkLst>
-            <pc:docMk/>
-            <pc:sldMk cId="1570623444" sldId="291"/>
-            <ac:picMk id="43" creationId="{85217BC4-748E-61AD-CA33-A60E84549A90}"/>
-          </ac:picMkLst>
-        </pc:picChg>
-        <pc:cxnChg chg="add del mod">
-          <ac:chgData name="Armando Lacerda" userId="6ac139bb-b445-447a-8efe-92d4a0b8d73e" providerId="ADAL" clId="{48FB226F-732D-4FDA-9591-E5537808FDFF}" dt="2023-10-02T18:00:06.025" v="190"/>
-          <ac:cxnSpMkLst>
-            <pc:docMk/>
-            <pc:sldMk cId="1570623444" sldId="291"/>
-            <ac:cxnSpMk id="14" creationId="{F842303B-F764-FD5C-D631-1267C7E456FE}"/>
-          </ac:cxnSpMkLst>
-        </pc:cxnChg>
-        <pc:cxnChg chg="add del mod">
-          <ac:chgData name="Armando Lacerda" userId="6ac139bb-b445-447a-8efe-92d4a0b8d73e" providerId="ADAL" clId="{48FB226F-732D-4FDA-9591-E5537808FDFF}" dt="2023-10-02T18:00:06.025" v="190"/>
-          <ac:cxnSpMkLst>
-            <pc:docMk/>
-            <pc:sldMk cId="1570623444" sldId="291"/>
-            <ac:cxnSpMk id="16" creationId="{F34F4B6D-D0F3-058A-191F-9A907C2386E0}"/>
-          </ac:cxnSpMkLst>
-        </pc:cxnChg>
-        <pc:cxnChg chg="add mod">
-          <ac:chgData name="Armando Lacerda" userId="6ac139bb-b445-447a-8efe-92d4a0b8d73e" providerId="ADAL" clId="{48FB226F-732D-4FDA-9591-E5537808FDFF}" dt="2023-10-02T18:02:35.141" v="208" actId="1076"/>
-          <ac:cxnSpMkLst>
-            <pc:docMk/>
-            <pc:sldMk cId="1570623444" sldId="291"/>
-            <ac:cxnSpMk id="35" creationId="{6F347D31-30FA-B8F2-C9B7-40FB3F066F9B}"/>
-          </ac:cxnSpMkLst>
-        </pc:cxnChg>
-        <pc:cxnChg chg="add mod">
-          <ac:chgData name="Armando Lacerda" userId="6ac139bb-b445-447a-8efe-92d4a0b8d73e" providerId="ADAL" clId="{48FB226F-732D-4FDA-9591-E5537808FDFF}" dt="2023-10-02T18:02:35.141" v="208" actId="1076"/>
-          <ac:cxnSpMkLst>
-            <pc:docMk/>
-            <pc:sldMk cId="1570623444" sldId="291"/>
-            <ac:cxnSpMk id="37" creationId="{2DA5CBEF-5015-7BE5-6BAA-72295EB2E936}"/>
-          </ac:cxnSpMkLst>
-        </pc:cxnChg>
-      </pc:sldChg>
-      <pc:sldChg chg="addSp delSp modSp add mod">
-        <pc:chgData name="Armando Lacerda" userId="6ac139bb-b445-447a-8efe-92d4a0b8d73e" providerId="ADAL" clId="{48FB226F-732D-4FDA-9591-E5537808FDFF}" dt="2023-10-02T18:04:44.109" v="228" actId="478"/>
-        <pc:sldMkLst>
-          <pc:docMk/>
-          <pc:sldMk cId="632778582" sldId="292"/>
-        </pc:sldMkLst>
-        <pc:spChg chg="del mod">
-          <ac:chgData name="Armando Lacerda" userId="6ac139bb-b445-447a-8efe-92d4a0b8d73e" providerId="ADAL" clId="{48FB226F-732D-4FDA-9591-E5537808FDFF}" dt="2023-10-02T18:04:44.109" v="228" actId="478"/>
-          <ac:spMkLst>
-            <pc:docMk/>
-            <pc:sldMk cId="632778582" sldId="292"/>
-            <ac:spMk id="36" creationId="{C13FD11E-5588-B1A7-5519-03031A8CC920}"/>
-          </ac:spMkLst>
-        </pc:spChg>
-        <pc:spChg chg="mod">
-          <ac:chgData name="Armando Lacerda" userId="6ac139bb-b445-447a-8efe-92d4a0b8d73e" providerId="ADAL" clId="{48FB226F-732D-4FDA-9591-E5537808FDFF}" dt="2023-10-02T18:03:29.432" v="212" actId="1076"/>
-          <ac:spMkLst>
-            <pc:docMk/>
-            <pc:sldMk cId="632778582" sldId="292"/>
-            <ac:spMk id="38" creationId="{3AA026CD-FD41-7902-D642-630CE11DA3B0}"/>
-          </ac:spMkLst>
-        </pc:spChg>
-        <pc:picChg chg="add del mod modCrop">
-          <ac:chgData name="Armando Lacerda" userId="6ac139bb-b445-447a-8efe-92d4a0b8d73e" providerId="ADAL" clId="{48FB226F-732D-4FDA-9591-E5537808FDFF}" dt="2023-10-02T18:04:05.120" v="219" actId="478"/>
-          <ac:picMkLst>
-            <pc:docMk/>
-            <pc:sldMk cId="632778582" sldId="292"/>
-            <ac:picMk id="2" creationId="{52A1B7B7-6B41-55C3-F9FB-6067A0741CF4}"/>
-          </ac:picMkLst>
-        </pc:picChg>
-        <pc:picChg chg="add del mod modCrop">
-          <ac:chgData name="Armando Lacerda" userId="6ac139bb-b445-447a-8efe-92d4a0b8d73e" providerId="ADAL" clId="{48FB226F-732D-4FDA-9591-E5537808FDFF}" dt="2023-10-02T18:04:44.109" v="228" actId="478"/>
-          <ac:picMkLst>
-            <pc:docMk/>
-            <pc:sldMk cId="632778582" sldId="292"/>
-            <ac:picMk id="3" creationId="{A9BE841A-E4AE-EDBC-21EC-576DCC174A84}"/>
-          </ac:picMkLst>
-        </pc:picChg>
-        <pc:picChg chg="mod modCrop">
-          <ac:chgData name="Armando Lacerda" userId="6ac139bb-b445-447a-8efe-92d4a0b8d73e" providerId="ADAL" clId="{48FB226F-732D-4FDA-9591-E5537808FDFF}" dt="2023-10-02T18:03:29.432" v="212" actId="1076"/>
-          <ac:picMkLst>
-            <pc:docMk/>
-            <pc:sldMk cId="632778582" sldId="292"/>
-            <ac:picMk id="43" creationId="{85217BC4-748E-61AD-CA33-A60E84549A90}"/>
-          </ac:picMkLst>
-        </pc:picChg>
-        <pc:cxnChg chg="del mod">
-          <ac:chgData name="Armando Lacerda" userId="6ac139bb-b445-447a-8efe-92d4a0b8d73e" providerId="ADAL" clId="{48FB226F-732D-4FDA-9591-E5537808FDFF}" dt="2023-10-02T18:04:44.109" v="228" actId="478"/>
-          <ac:cxnSpMkLst>
-            <pc:docMk/>
-            <pc:sldMk cId="632778582" sldId="292"/>
-            <ac:cxnSpMk id="35" creationId="{6F347D31-30FA-B8F2-C9B7-40FB3F066F9B}"/>
-          </ac:cxnSpMkLst>
-        </pc:cxnChg>
-        <pc:cxnChg chg="mod">
-          <ac:chgData name="Armando Lacerda" userId="6ac139bb-b445-447a-8efe-92d4a0b8d73e" providerId="ADAL" clId="{48FB226F-732D-4FDA-9591-E5537808FDFF}" dt="2023-10-02T18:03:29.432" v="212" actId="1076"/>
-          <ac:cxnSpMkLst>
-            <pc:docMk/>
-            <pc:sldMk cId="632778582" sldId="292"/>
-            <ac:cxnSpMk id="37" creationId="{2DA5CBEF-5015-7BE5-6BAA-72295EB2E936}"/>
-          </ac:cxnSpMkLst>
-        </pc:cxnChg>
-      </pc:sldChg>
-      <pc:sldChg chg="addSp delSp modSp add mod">
-        <pc:chgData name="Armando Lacerda" userId="6ac139bb-b445-447a-8efe-92d4a0b8d73e" providerId="ADAL" clId="{48FB226F-732D-4FDA-9591-E5537808FDFF}" dt="2023-10-02T18:05:49.687" v="233"/>
-        <pc:sldMkLst>
-          <pc:docMk/>
-          <pc:sldMk cId="1277820717" sldId="293"/>
-        </pc:sldMkLst>
-        <pc:spChg chg="del">
-          <ac:chgData name="Armando Lacerda" userId="6ac139bb-b445-447a-8efe-92d4a0b8d73e" providerId="ADAL" clId="{48FB226F-732D-4FDA-9591-E5537808FDFF}" dt="2023-10-02T18:04:53.305" v="229" actId="21"/>
-          <ac:spMkLst>
-            <pc:docMk/>
-            <pc:sldMk cId="1277820717" sldId="293"/>
-            <ac:spMk id="38" creationId="{3AA026CD-FD41-7902-D642-630CE11DA3B0}"/>
-          </ac:spMkLst>
-        </pc:spChg>
-        <pc:picChg chg="add mod">
-          <ac:chgData name="Armando Lacerda" userId="6ac139bb-b445-447a-8efe-92d4a0b8d73e" providerId="ADAL" clId="{48FB226F-732D-4FDA-9591-E5537808FDFF}" dt="2023-10-02T18:05:49.687" v="233"/>
-          <ac:picMkLst>
-            <pc:docMk/>
-            <pc:sldMk cId="1277820717" sldId="293"/>
-            <ac:picMk id="2" creationId="{BA350459-0D14-3101-13AF-D7142BACFA8A}"/>
-          </ac:picMkLst>
-        </pc:picChg>
-        <pc:picChg chg="del">
-          <ac:chgData name="Armando Lacerda" userId="6ac139bb-b445-447a-8efe-92d4a0b8d73e" providerId="ADAL" clId="{48FB226F-732D-4FDA-9591-E5537808FDFF}" dt="2023-10-02T18:04:53.305" v="229" actId="21"/>
-          <ac:picMkLst>
-            <pc:docMk/>
-            <pc:sldMk cId="1277820717" sldId="293"/>
-            <ac:picMk id="43" creationId="{85217BC4-748E-61AD-CA33-A60E84549A90}"/>
-          </ac:picMkLst>
-        </pc:picChg>
-        <pc:cxnChg chg="del">
-          <ac:chgData name="Armando Lacerda" userId="6ac139bb-b445-447a-8efe-92d4a0b8d73e" providerId="ADAL" clId="{48FB226F-732D-4FDA-9591-E5537808FDFF}" dt="2023-10-02T18:04:53.305" v="229" actId="21"/>
-          <ac:cxnSpMkLst>
-            <pc:docMk/>
-            <pc:sldMk cId="1277820717" sldId="293"/>
-            <ac:cxnSpMk id="37" creationId="{2DA5CBEF-5015-7BE5-6BAA-72295EB2E936}"/>
-          </ac:cxnSpMkLst>
-        </pc:cxnChg>
-      </pc:sldChg>
-      <pc:sldChg chg="addSp delSp modSp new">
-        <pc:chgData name="Armando Lacerda" userId="6ac139bb-b445-447a-8efe-92d4a0b8d73e" providerId="ADAL" clId="{48FB226F-732D-4FDA-9591-E5537808FDFF}" dt="2023-10-02T18:14:13.718" v="237"/>
-        <pc:sldMkLst>
-          <pc:docMk/>
-          <pc:sldMk cId="3344437992" sldId="294"/>
-        </pc:sldMkLst>
-        <pc:spChg chg="add del mod">
-          <ac:chgData name="Armando Lacerda" userId="6ac139bb-b445-447a-8efe-92d4a0b8d73e" providerId="ADAL" clId="{48FB226F-732D-4FDA-9591-E5537808FDFF}" dt="2023-10-02T18:14:08.363" v="236"/>
-          <ac:spMkLst>
-            <pc:docMk/>
-            <pc:sldMk cId="3344437992" sldId="294"/>
-            <ac:spMk id="2" creationId="{45F72016-5B84-E852-42AB-23B3A739D255}"/>
-          </ac:spMkLst>
-        </pc:spChg>
-        <pc:spChg chg="add del mod">
-          <ac:chgData name="Armando Lacerda" userId="6ac139bb-b445-447a-8efe-92d4a0b8d73e" providerId="ADAL" clId="{48FB226F-732D-4FDA-9591-E5537808FDFF}" dt="2023-10-02T18:14:08.363" v="236"/>
-          <ac:spMkLst>
-            <pc:docMk/>
-            <pc:sldMk cId="3344437992" sldId="294"/>
-            <ac:spMk id="3" creationId="{41A1F696-373E-2448-3F5F-350D37BA16A8}"/>
-          </ac:spMkLst>
-        </pc:spChg>
-        <pc:spChg chg="add mod">
-          <ac:chgData name="Armando Lacerda" userId="6ac139bb-b445-447a-8efe-92d4a0b8d73e" providerId="ADAL" clId="{48FB226F-732D-4FDA-9591-E5537808FDFF}" dt="2023-10-02T18:14:13.718" v="237"/>
-          <ac:spMkLst>
-            <pc:docMk/>
-            <pc:sldMk cId="3344437992" sldId="294"/>
-            <ac:spMk id="4" creationId="{43C791BE-310D-0D09-C2E6-4EA3BCB1883A}"/>
-          </ac:spMkLst>
-        </pc:spChg>
-        <pc:spChg chg="add mod">
-          <ac:chgData name="Armando Lacerda" userId="6ac139bb-b445-447a-8efe-92d4a0b8d73e" providerId="ADAL" clId="{48FB226F-732D-4FDA-9591-E5537808FDFF}" dt="2023-10-02T18:14:13.718" v="237"/>
-          <ac:spMkLst>
-            <pc:docMk/>
-            <pc:sldMk cId="3344437992" sldId="294"/>
-            <ac:spMk id="5" creationId="{DCD3650D-7823-E5A8-D2C4-F4FF044FAC76}"/>
-          </ac:spMkLst>
-        </pc:spChg>
-        <pc:spChg chg="add mod">
-          <ac:chgData name="Armando Lacerda" userId="6ac139bb-b445-447a-8efe-92d4a0b8d73e" providerId="ADAL" clId="{48FB226F-732D-4FDA-9591-E5537808FDFF}" dt="2023-10-02T18:14:13.718" v="237"/>
-          <ac:spMkLst>
-            <pc:docMk/>
-            <pc:sldMk cId="3344437992" sldId="294"/>
-            <ac:spMk id="6" creationId="{DA861810-9463-A968-1E6D-BD326DE56429}"/>
-          </ac:spMkLst>
-        </pc:spChg>
-      </pc:sldChg>
-      <pc:sldChg chg="addSp modSp add mod ord">
-        <pc:chgData name="Armando Lacerda" userId="6ac139bb-b445-447a-8efe-92d4a0b8d73e" providerId="ADAL" clId="{48FB226F-732D-4FDA-9591-E5537808FDFF}" dt="2023-10-02T18:17:27.977" v="251" actId="692"/>
-        <pc:sldMkLst>
-          <pc:docMk/>
-          <pc:sldMk cId="1669405212" sldId="295"/>
-        </pc:sldMkLst>
-        <pc:spChg chg="add mod">
-          <ac:chgData name="Armando Lacerda" userId="6ac139bb-b445-447a-8efe-92d4a0b8d73e" providerId="ADAL" clId="{48FB226F-732D-4FDA-9591-E5537808FDFF}" dt="2023-10-02T18:14:44.604" v="241"/>
-          <ac:spMkLst>
-            <pc:docMk/>
-            <pc:sldMk cId="1669405212" sldId="295"/>
-            <ac:spMk id="2" creationId="{277024D2-71F3-DB6C-DD27-A9EE7C136460}"/>
-          </ac:spMkLst>
-        </pc:spChg>
-        <pc:spChg chg="add mod">
-          <ac:chgData name="Armando Lacerda" userId="6ac139bb-b445-447a-8efe-92d4a0b8d73e" providerId="ADAL" clId="{48FB226F-732D-4FDA-9591-E5537808FDFF}" dt="2023-10-02T18:14:44.604" v="241"/>
-          <ac:spMkLst>
-            <pc:docMk/>
-            <pc:sldMk cId="1669405212" sldId="295"/>
-            <ac:spMk id="3" creationId="{3A0DEBA3-93C1-A050-EE9D-98C2622EBDD7}"/>
-          </ac:spMkLst>
-        </pc:spChg>
-        <pc:spChg chg="mod">
-          <ac:chgData name="Armando Lacerda" userId="6ac139bb-b445-447a-8efe-92d4a0b8d73e" providerId="ADAL" clId="{48FB226F-732D-4FDA-9591-E5537808FDFF}" dt="2023-10-02T18:14:59.137" v="242" actId="207"/>
-          <ac:spMkLst>
-            <pc:docMk/>
-            <pc:sldMk cId="1669405212" sldId="295"/>
-            <ac:spMk id="4" creationId="{43C791BE-310D-0D09-C2E6-4EA3BCB1883A}"/>
-          </ac:spMkLst>
-        </pc:spChg>
-        <pc:spChg chg="mod">
-          <ac:chgData name="Armando Lacerda" userId="6ac139bb-b445-447a-8efe-92d4a0b8d73e" providerId="ADAL" clId="{48FB226F-732D-4FDA-9591-E5537808FDFF}" dt="2023-10-02T18:16:22.708" v="246" actId="207"/>
-          <ac:spMkLst>
-            <pc:docMk/>
-            <pc:sldMk cId="1669405212" sldId="295"/>
-            <ac:spMk id="5" creationId="{DCD3650D-7823-E5A8-D2C4-F4FF044FAC76}"/>
-          </ac:spMkLst>
-        </pc:spChg>
-        <pc:spChg chg="mod">
-          <ac:chgData name="Armando Lacerda" userId="6ac139bb-b445-447a-8efe-92d4a0b8d73e" providerId="ADAL" clId="{48FB226F-732D-4FDA-9591-E5537808FDFF}" dt="2023-10-02T18:17:27.977" v="251" actId="692"/>
-          <ac:spMkLst>
-            <pc:docMk/>
-            <pc:sldMk cId="1669405212" sldId="295"/>
-            <ac:spMk id="6" creationId="{DA861810-9463-A968-1E6D-BD326DE56429}"/>
-          </ac:spMkLst>
-        </pc:spChg>
-        <pc:spChg chg="add mod">
-          <ac:chgData name="Armando Lacerda" userId="6ac139bb-b445-447a-8efe-92d4a0b8d73e" providerId="ADAL" clId="{48FB226F-732D-4FDA-9591-E5537808FDFF}" dt="2023-10-02T18:14:44.604" v="241"/>
-          <ac:spMkLst>
-            <pc:docMk/>
-            <pc:sldMk cId="1669405212" sldId="295"/>
-            <ac:spMk id="7" creationId="{EF5CB085-BCEF-FF04-417C-278B7B882543}"/>
-          </ac:spMkLst>
-        </pc:spChg>
-      </pc:sldChg>
-      <pc:sldChg chg="addSp new">
-        <pc:chgData name="Armando Lacerda" userId="6ac139bb-b445-447a-8efe-92d4a0b8d73e" providerId="ADAL" clId="{48FB226F-732D-4FDA-9591-E5537808FDFF}" dt="2023-10-02T18:19:56.378" v="253"/>
-        <pc:sldMkLst>
-          <pc:docMk/>
-          <pc:sldMk cId="2875670452" sldId="296"/>
-        </pc:sldMkLst>
-        <pc:picChg chg="add">
-          <ac:chgData name="Armando Lacerda" userId="6ac139bb-b445-447a-8efe-92d4a0b8d73e" providerId="ADAL" clId="{48FB226F-732D-4FDA-9591-E5537808FDFF}" dt="2023-10-02T18:19:56.378" v="253"/>
-          <ac:picMkLst>
-            <pc:docMk/>
-            <pc:sldMk cId="2875670452" sldId="296"/>
-            <ac:picMk id="2" creationId="{7E6B02EE-F592-B5D0-9403-B70060CDCA52}"/>
-          </ac:picMkLst>
-        </pc:picChg>
-      </pc:sldChg>
-      <pc:sldChg chg="addSp modSp add mod ord">
-        <pc:chgData name="Armando Lacerda" userId="6ac139bb-b445-447a-8efe-92d4a0b8d73e" providerId="ADAL" clId="{48FB226F-732D-4FDA-9591-E5537808FDFF}" dt="2023-10-02T18:21:07.090" v="261" actId="207"/>
-        <pc:sldMkLst>
-          <pc:docMk/>
-          <pc:sldMk cId="3424406947" sldId="297"/>
-        </pc:sldMkLst>
-        <pc:spChg chg="mod">
-          <ac:chgData name="Armando Lacerda" userId="6ac139bb-b445-447a-8efe-92d4a0b8d73e" providerId="ADAL" clId="{48FB226F-732D-4FDA-9591-E5537808FDFF}" dt="2023-10-02T18:20:36.478" v="258" actId="108"/>
-          <ac:spMkLst>
-            <pc:docMk/>
-            <pc:sldMk cId="3424406947" sldId="297"/>
-            <ac:spMk id="2" creationId="{277024D2-71F3-DB6C-DD27-A9EE7C136460}"/>
-          </ac:spMkLst>
-        </pc:spChg>
-        <pc:spChg chg="mod">
-          <ac:chgData name="Armando Lacerda" userId="6ac139bb-b445-447a-8efe-92d4a0b8d73e" providerId="ADAL" clId="{48FB226F-732D-4FDA-9591-E5537808FDFF}" dt="2023-10-02T18:20:43.888" v="259" actId="108"/>
-          <ac:spMkLst>
-            <pc:docMk/>
-            <pc:sldMk cId="3424406947" sldId="297"/>
-            <ac:spMk id="3" creationId="{3A0DEBA3-93C1-A050-EE9D-98C2622EBDD7}"/>
-          </ac:spMkLst>
-        </pc:spChg>
-        <pc:spChg chg="mod">
-          <ac:chgData name="Armando Lacerda" userId="6ac139bb-b445-447a-8efe-92d4a0b8d73e" providerId="ADAL" clId="{48FB226F-732D-4FDA-9591-E5537808FDFF}" dt="2023-10-02T18:21:07.090" v="261" actId="207"/>
-          <ac:spMkLst>
-            <pc:docMk/>
-            <pc:sldMk cId="3424406947" sldId="297"/>
-            <ac:spMk id="7" creationId="{EF5CB085-BCEF-FF04-417C-278B7B882543}"/>
-          </ac:spMkLst>
-        </pc:spChg>
-        <pc:spChg chg="add mod">
-          <ac:chgData name="Armando Lacerda" userId="6ac139bb-b445-447a-8efe-92d4a0b8d73e" providerId="ADAL" clId="{48FB226F-732D-4FDA-9591-E5537808FDFF}" dt="2023-10-02T18:20:22.100" v="257"/>
-          <ac:spMkLst>
-            <pc:docMk/>
-            <pc:sldMk cId="3424406947" sldId="297"/>
-            <ac:spMk id="8" creationId="{5D880346-460A-49F4-E561-5ADA9A5CCD85}"/>
-          </ac:spMkLst>
-        </pc:spChg>
-        <pc:spChg chg="add mod">
-          <ac:chgData name="Armando Lacerda" userId="6ac139bb-b445-447a-8efe-92d4a0b8d73e" providerId="ADAL" clId="{48FB226F-732D-4FDA-9591-E5537808FDFF}" dt="2023-10-02T18:20:22.100" v="257"/>
-          <ac:spMkLst>
-            <pc:docMk/>
-            <pc:sldMk cId="3424406947" sldId="297"/>
-            <ac:spMk id="9" creationId="{79FD0D26-9162-90E2-C4ED-C64785815C87}"/>
-          </ac:spMkLst>
-        </pc:spChg>
-        <pc:spChg chg="add mod">
-          <ac:chgData name="Armando Lacerda" userId="6ac139bb-b445-447a-8efe-92d4a0b8d73e" providerId="ADAL" clId="{48FB226F-732D-4FDA-9591-E5537808FDFF}" dt="2023-10-02T18:20:22.100" v="257"/>
-          <ac:spMkLst>
-            <pc:docMk/>
-            <pc:sldMk cId="3424406947" sldId="297"/>
-            <ac:spMk id="10" creationId="{40829C50-0532-81AD-547B-0524C8E9810C}"/>
-          </ac:spMkLst>
-        </pc:spChg>
-      </pc:sldChg>
-      <pc:sldChg chg="addSp delSp modSp new mod">
-        <pc:chgData name="Armando Lacerda" userId="6ac139bb-b445-447a-8efe-92d4a0b8d73e" providerId="ADAL" clId="{48FB226F-732D-4FDA-9591-E5537808FDFF}" dt="2023-10-03T16:08:42.622" v="356"/>
-        <pc:sldMkLst>
-          <pc:docMk/>
-          <pc:sldMk cId="3902582183" sldId="298"/>
-        </pc:sldMkLst>
-        <pc:spChg chg="add del mod">
-          <ac:chgData name="Armando Lacerda" userId="6ac139bb-b445-447a-8efe-92d4a0b8d73e" providerId="ADAL" clId="{48FB226F-732D-4FDA-9591-E5537808FDFF}" dt="2023-10-02T18:31:46.679" v="299" actId="478"/>
-          <ac:spMkLst>
-            <pc:docMk/>
-            <pc:sldMk cId="3902582183" sldId="298"/>
-            <ac:spMk id="4" creationId="{E5C0F7C4-66DC-A8E8-FD8B-20D83A008985}"/>
-          </ac:spMkLst>
-        </pc:spChg>
-        <pc:spChg chg="add del mod">
-          <ac:chgData name="Armando Lacerda" userId="6ac139bb-b445-447a-8efe-92d4a0b8d73e" providerId="ADAL" clId="{48FB226F-732D-4FDA-9591-E5537808FDFF}" dt="2023-10-02T18:31:46.679" v="299" actId="478"/>
-          <ac:spMkLst>
-            <pc:docMk/>
-            <pc:sldMk cId="3902582183" sldId="298"/>
-            <ac:spMk id="5" creationId="{D2388BA3-9C7F-C236-60DD-91EB875DE8C2}"/>
-          </ac:spMkLst>
-        </pc:spChg>
-        <pc:spChg chg="add del mod">
-          <ac:chgData name="Armando Lacerda" userId="6ac139bb-b445-447a-8efe-92d4a0b8d73e" providerId="ADAL" clId="{48FB226F-732D-4FDA-9591-E5537808FDFF}" dt="2023-10-02T18:31:46.679" v="299" actId="478"/>
-          <ac:spMkLst>
-            <pc:docMk/>
-            <pc:sldMk cId="3902582183" sldId="298"/>
-            <ac:spMk id="6" creationId="{F0D5B5B5-70FE-69B9-2DD2-4BE1DA788EA7}"/>
-          </ac:spMkLst>
-        </pc:spChg>
-        <pc:spChg chg="add del mod">
-          <ac:chgData name="Armando Lacerda" userId="6ac139bb-b445-447a-8efe-92d4a0b8d73e" providerId="ADAL" clId="{48FB226F-732D-4FDA-9591-E5537808FDFF}" dt="2023-10-02T18:31:46.679" v="299" actId="478"/>
-          <ac:spMkLst>
-            <pc:docMk/>
-            <pc:sldMk cId="3902582183" sldId="298"/>
-            <ac:spMk id="10" creationId="{7B55015E-A289-F20B-3BB9-C592F9E31F54}"/>
-          </ac:spMkLst>
-        </pc:spChg>
-        <pc:spChg chg="add del mod">
-          <ac:chgData name="Armando Lacerda" userId="6ac139bb-b445-447a-8efe-92d4a0b8d73e" providerId="ADAL" clId="{48FB226F-732D-4FDA-9591-E5537808FDFF}" dt="2023-10-02T18:31:46.679" v="299" actId="478"/>
-          <ac:spMkLst>
-            <pc:docMk/>
-            <pc:sldMk cId="3902582183" sldId="298"/>
-            <ac:spMk id="15" creationId="{ED5E6291-E278-5EAE-A1D9-3EAC760BDD16}"/>
-          </ac:spMkLst>
-        </pc:spChg>
-        <pc:spChg chg="add del mod">
-          <ac:chgData name="Armando Lacerda" userId="6ac139bb-b445-447a-8efe-92d4a0b8d73e" providerId="ADAL" clId="{48FB226F-732D-4FDA-9591-E5537808FDFF}" dt="2023-10-02T18:31:46.679" v="299" actId="478"/>
-          <ac:spMkLst>
-            <pc:docMk/>
-            <pc:sldMk cId="3902582183" sldId="298"/>
-            <ac:spMk id="18" creationId="{E6F564BD-93F9-9D49-FE5D-50623C631953}"/>
-          </ac:spMkLst>
-        </pc:spChg>
-        <pc:spChg chg="add del mod">
-          <ac:chgData name="Armando Lacerda" userId="6ac139bb-b445-447a-8efe-92d4a0b8d73e" providerId="ADAL" clId="{48FB226F-732D-4FDA-9591-E5537808FDFF}" dt="2023-10-02T18:31:46.679" v="299" actId="478"/>
-          <ac:spMkLst>
-            <pc:docMk/>
-            <pc:sldMk cId="3902582183" sldId="298"/>
-            <ac:spMk id="19" creationId="{D0FD974C-D96D-DEF1-6EB6-99B0AD2CCE85}"/>
-          </ac:spMkLst>
-        </pc:spChg>
-        <pc:spChg chg="add del mod">
-          <ac:chgData name="Armando Lacerda" userId="6ac139bb-b445-447a-8efe-92d4a0b8d73e" providerId="ADAL" clId="{48FB226F-732D-4FDA-9591-E5537808FDFF}" dt="2023-10-02T18:31:46.679" v="299" actId="478"/>
-          <ac:spMkLst>
-            <pc:docMk/>
-            <pc:sldMk cId="3902582183" sldId="298"/>
-            <ac:spMk id="21" creationId="{6F84FD2F-8896-8F39-6494-F935C277E808}"/>
-          </ac:spMkLst>
-        </pc:spChg>
-        <pc:spChg chg="add del mod">
-          <ac:chgData name="Armando Lacerda" userId="6ac139bb-b445-447a-8efe-92d4a0b8d73e" providerId="ADAL" clId="{48FB226F-732D-4FDA-9591-E5537808FDFF}" dt="2023-10-02T18:31:46.679" v="299" actId="478"/>
-          <ac:spMkLst>
-            <pc:docMk/>
-            <pc:sldMk cId="3902582183" sldId="298"/>
-            <ac:spMk id="22" creationId="{37C737B0-BA90-859A-1FAC-593770A26C40}"/>
-          </ac:spMkLst>
-        </pc:spChg>
-        <pc:spChg chg="add mod">
-          <ac:chgData name="Armando Lacerda" userId="6ac139bb-b445-447a-8efe-92d4a0b8d73e" providerId="ADAL" clId="{48FB226F-732D-4FDA-9591-E5537808FDFF}" dt="2023-10-02T18:31:30.373" v="296" actId="1076"/>
-          <ac:spMkLst>
-            <pc:docMk/>
-            <pc:sldMk cId="3902582183" sldId="298"/>
-            <ac:spMk id="24" creationId="{97BC46F1-A678-EA76-32F8-275BB9F0946B}"/>
-          </ac:spMkLst>
-        </pc:spChg>
-        <pc:spChg chg="add del mod">
-          <ac:chgData name="Armando Lacerda" userId="6ac139bb-b445-447a-8efe-92d4a0b8d73e" providerId="ADAL" clId="{48FB226F-732D-4FDA-9591-E5537808FDFF}" dt="2023-10-02T18:31:46.679" v="299" actId="478"/>
-          <ac:spMkLst>
-            <pc:docMk/>
-            <pc:sldMk cId="3902582183" sldId="298"/>
-            <ac:spMk id="26" creationId="{C928BEC5-155A-6546-6B3E-D4AC32E98069}"/>
-          </ac:spMkLst>
-        </pc:spChg>
-        <pc:spChg chg="add mod">
-          <ac:chgData name="Armando Lacerda" userId="6ac139bb-b445-447a-8efe-92d4a0b8d73e" providerId="ADAL" clId="{48FB226F-732D-4FDA-9591-E5537808FDFF}" dt="2023-10-02T18:32:14.548" v="305" actId="1076"/>
-          <ac:spMkLst>
-            <pc:docMk/>
-            <pc:sldMk cId="3902582183" sldId="298"/>
-            <ac:spMk id="30" creationId="{0CA87E6E-028E-124A-138D-88BD32EAF099}"/>
-          </ac:spMkLst>
-        </pc:spChg>
-        <pc:graphicFrameChg chg="add del mod ord">
-          <ac:chgData name="Armando Lacerda" userId="6ac139bb-b445-447a-8efe-92d4a0b8d73e" providerId="ADAL" clId="{48FB226F-732D-4FDA-9591-E5537808FDFF}" dt="2023-10-02T18:31:46.679" v="299" actId="478"/>
-          <ac:graphicFrameMkLst>
-            <pc:docMk/>
-            <pc:sldMk cId="3902582183" sldId="298"/>
-            <ac:graphicFrameMk id="20" creationId="{7B90682C-A5EA-9B01-7120-441AFB397504}"/>
-          </ac:graphicFrameMkLst>
-        </pc:graphicFrameChg>
-        <pc:picChg chg="add del mod">
-          <ac:chgData name="Armando Lacerda" userId="6ac139bb-b445-447a-8efe-92d4a0b8d73e" providerId="ADAL" clId="{48FB226F-732D-4FDA-9591-E5537808FDFF}" dt="2023-10-02T18:31:46.679" v="299" actId="478"/>
-          <ac:picMkLst>
-            <pc:docMk/>
-            <pc:sldMk cId="3902582183" sldId="298"/>
-            <ac:picMk id="2" creationId="{42A957E3-CF69-5922-CE95-CF58579E335B}"/>
-          </ac:picMkLst>
-        </pc:picChg>
-        <pc:picChg chg="add mod">
-          <ac:chgData name="Armando Lacerda" userId="6ac139bb-b445-447a-8efe-92d4a0b8d73e" providerId="ADAL" clId="{48FB226F-732D-4FDA-9591-E5537808FDFF}" dt="2023-10-03T16:08:42.622" v="356"/>
-          <ac:picMkLst>
-            <pc:docMk/>
-            <pc:sldMk cId="3902582183" sldId="298"/>
-            <ac:picMk id="2" creationId="{CEF14872-A611-3E94-F2A0-A23BC3B2A010}"/>
-          </ac:picMkLst>
-        </pc:picChg>
-        <pc:picChg chg="add mod">
-          <ac:chgData name="Armando Lacerda" userId="6ac139bb-b445-447a-8efe-92d4a0b8d73e" providerId="ADAL" clId="{48FB226F-732D-4FDA-9591-E5537808FDFF}" dt="2023-10-03T16:08:42.622" v="356"/>
-          <ac:picMkLst>
-            <pc:docMk/>
-            <pc:sldMk cId="3902582183" sldId="298"/>
-            <ac:picMk id="3" creationId="{137CD37A-F262-2374-6E95-7E6FBE2B96D7}"/>
-          </ac:picMkLst>
-        </pc:picChg>
-        <pc:picChg chg="add del mod">
-          <ac:chgData name="Armando Lacerda" userId="6ac139bb-b445-447a-8efe-92d4a0b8d73e" providerId="ADAL" clId="{48FB226F-732D-4FDA-9591-E5537808FDFF}" dt="2023-10-02T18:31:46.679" v="299" actId="478"/>
-          <ac:picMkLst>
-            <pc:docMk/>
-            <pc:sldMk cId="3902582183" sldId="298"/>
-            <ac:picMk id="3" creationId="{A25C7D69-02AE-CF0B-D2EE-CE431757F798}"/>
-          </ac:picMkLst>
-        </pc:picChg>
-        <pc:picChg chg="add del mod">
-          <ac:chgData name="Armando Lacerda" userId="6ac139bb-b445-447a-8efe-92d4a0b8d73e" providerId="ADAL" clId="{48FB226F-732D-4FDA-9591-E5537808FDFF}" dt="2023-10-02T18:31:46.679" v="299" actId="478"/>
-          <ac:picMkLst>
-            <pc:docMk/>
-            <pc:sldMk cId="3902582183" sldId="298"/>
-            <ac:picMk id="7" creationId="{A19BCA45-2A31-43A0-E8BC-F8A3A6ACA659}"/>
-          </ac:picMkLst>
-        </pc:picChg>
-        <pc:picChg chg="add del mod">
-          <ac:chgData name="Armando Lacerda" userId="6ac139bb-b445-447a-8efe-92d4a0b8d73e" providerId="ADAL" clId="{48FB226F-732D-4FDA-9591-E5537808FDFF}" dt="2023-10-02T18:31:46.679" v="299" actId="478"/>
-          <ac:picMkLst>
-            <pc:docMk/>
-            <pc:sldMk cId="3902582183" sldId="298"/>
-            <ac:picMk id="8" creationId="{6659E6D0-1E30-EE20-37B5-604022018AB1}"/>
-          </ac:picMkLst>
-        </pc:picChg>
-        <pc:picChg chg="add del mod">
-          <ac:chgData name="Armando Lacerda" userId="6ac139bb-b445-447a-8efe-92d4a0b8d73e" providerId="ADAL" clId="{48FB226F-732D-4FDA-9591-E5537808FDFF}" dt="2023-10-02T18:31:46.679" v="299" actId="478"/>
-          <ac:picMkLst>
-            <pc:docMk/>
-            <pc:sldMk cId="3902582183" sldId="298"/>
-            <ac:picMk id="9" creationId="{CE73AC0F-F4FD-AF08-32B8-29E715B9C874}"/>
-          </ac:picMkLst>
-        </pc:picChg>
-        <pc:picChg chg="add del mod">
-          <ac:chgData name="Armando Lacerda" userId="6ac139bb-b445-447a-8efe-92d4a0b8d73e" providerId="ADAL" clId="{48FB226F-732D-4FDA-9591-E5537808FDFF}" dt="2023-10-02T18:31:46.679" v="299" actId="478"/>
-          <ac:picMkLst>
-            <pc:docMk/>
-            <pc:sldMk cId="3902582183" sldId="298"/>
-            <ac:picMk id="11" creationId="{AF963263-1B8B-DAAE-FC02-A5C6616BF5C9}"/>
-          </ac:picMkLst>
-        </pc:picChg>
-        <pc:picChg chg="add del mod">
-          <ac:chgData name="Armando Lacerda" userId="6ac139bb-b445-447a-8efe-92d4a0b8d73e" providerId="ADAL" clId="{48FB226F-732D-4FDA-9591-E5537808FDFF}" dt="2023-10-02T18:31:46.679" v="299" actId="478"/>
-          <ac:picMkLst>
-            <pc:docMk/>
-            <pc:sldMk cId="3902582183" sldId="298"/>
-            <ac:picMk id="12" creationId="{72295470-111A-0F13-F19A-8C3D3657A7BE}"/>
-          </ac:picMkLst>
-        </pc:picChg>
-        <pc:picChg chg="add del mod">
-          <ac:chgData name="Armando Lacerda" userId="6ac139bb-b445-447a-8efe-92d4a0b8d73e" providerId="ADAL" clId="{48FB226F-732D-4FDA-9591-E5537808FDFF}" dt="2023-10-02T18:31:46.679" v="299" actId="478"/>
-          <ac:picMkLst>
-            <pc:docMk/>
-            <pc:sldMk cId="3902582183" sldId="298"/>
-            <ac:picMk id="13" creationId="{CD094295-93B9-3B5A-A902-61B2B975C0C3}"/>
-          </ac:picMkLst>
-        </pc:picChg>
-        <pc:picChg chg="add del mod">
-          <ac:chgData name="Armando Lacerda" userId="6ac139bb-b445-447a-8efe-92d4a0b8d73e" providerId="ADAL" clId="{48FB226F-732D-4FDA-9591-E5537808FDFF}" dt="2023-10-02T18:31:46.679" v="299" actId="478"/>
-          <ac:picMkLst>
-            <pc:docMk/>
-            <pc:sldMk cId="3902582183" sldId="298"/>
-            <ac:picMk id="14" creationId="{DB673371-965F-EF51-67D9-EE4D7EA10F69}"/>
-          </ac:picMkLst>
-        </pc:picChg>
-        <pc:picChg chg="add del mod">
-          <ac:chgData name="Armando Lacerda" userId="6ac139bb-b445-447a-8efe-92d4a0b8d73e" providerId="ADAL" clId="{48FB226F-732D-4FDA-9591-E5537808FDFF}" dt="2023-10-02T18:31:46.679" v="299" actId="478"/>
-          <ac:picMkLst>
-            <pc:docMk/>
-            <pc:sldMk cId="3902582183" sldId="298"/>
-            <ac:picMk id="16" creationId="{DEC62DC6-8C8B-1F5C-F898-D1C9124D5E1F}"/>
-          </ac:picMkLst>
-        </pc:picChg>
-        <pc:picChg chg="add del mod">
-          <ac:chgData name="Armando Lacerda" userId="6ac139bb-b445-447a-8efe-92d4a0b8d73e" providerId="ADAL" clId="{48FB226F-732D-4FDA-9591-E5537808FDFF}" dt="2023-10-02T18:31:46.679" v="299" actId="478"/>
-          <ac:picMkLst>
-            <pc:docMk/>
-            <pc:sldMk cId="3902582183" sldId="298"/>
-            <ac:picMk id="17" creationId="{321CDD03-BE77-E1C5-01CF-8F30A0F2A94F}"/>
-          </ac:picMkLst>
-        </pc:picChg>
-        <pc:picChg chg="add mod">
-          <ac:chgData name="Armando Lacerda" userId="6ac139bb-b445-447a-8efe-92d4a0b8d73e" providerId="ADAL" clId="{48FB226F-732D-4FDA-9591-E5537808FDFF}" dt="2023-10-02T18:26:17.084" v="273" actId="571"/>
-          <ac:picMkLst>
-            <pc:docMk/>
-            <pc:sldMk cId="3902582183" sldId="298"/>
-            <ac:picMk id="23" creationId="{9C3330C8-E952-EB28-4372-2AA0C3DE2ACC}"/>
-          </ac:picMkLst>
-        </pc:picChg>
-        <pc:picChg chg="add del mod">
-          <ac:chgData name="Armando Lacerda" userId="6ac139bb-b445-447a-8efe-92d4a0b8d73e" providerId="ADAL" clId="{48FB226F-732D-4FDA-9591-E5537808FDFF}" dt="2023-10-03T16:08:42.145" v="355" actId="478"/>
-          <ac:picMkLst>
-            <pc:docMk/>
-            <pc:sldMk cId="3902582183" sldId="298"/>
-            <ac:picMk id="25" creationId="{7AF5F54C-05CB-949B-019E-51D75AC7B049}"/>
-          </ac:picMkLst>
-        </pc:picChg>
-        <pc:picChg chg="add del mod">
-          <ac:chgData name="Armando Lacerda" userId="6ac139bb-b445-447a-8efe-92d4a0b8d73e" providerId="ADAL" clId="{48FB226F-732D-4FDA-9591-E5537808FDFF}" dt="2023-10-03T16:08:42.145" v="355" actId="478"/>
-          <ac:picMkLst>
-            <pc:docMk/>
-            <pc:sldMk cId="3902582183" sldId="298"/>
-            <ac:picMk id="28" creationId="{323C78CB-BBE3-B20A-7E1C-9E88706C7488}"/>
-          </ac:picMkLst>
-        </pc:picChg>
-        <pc:picChg chg="add mod">
-          <ac:chgData name="Armando Lacerda" userId="6ac139bb-b445-447a-8efe-92d4a0b8d73e" providerId="ADAL" clId="{48FB226F-732D-4FDA-9591-E5537808FDFF}" dt="2023-10-02T18:32:14.548" v="305" actId="1076"/>
-          <ac:picMkLst>
-            <pc:docMk/>
-            <pc:sldMk cId="3902582183" sldId="298"/>
-            <ac:picMk id="29" creationId="{D7A61C8F-580C-2D2D-D811-75B5CC526AA3}"/>
-          </ac:picMkLst>
-        </pc:picChg>
-      </pc:sldChg>
-      <pc:sldChg chg="addSp delSp modSp add mod">
-        <pc:chgData name="Armando Lacerda" userId="6ac139bb-b445-447a-8efe-92d4a0b8d73e" providerId="ADAL" clId="{48FB226F-732D-4FDA-9591-E5537808FDFF}" dt="2023-10-02T18:53:25.805" v="349"/>
-        <pc:sldMkLst>
-          <pc:docMk/>
-          <pc:sldMk cId="612099732" sldId="299"/>
-        </pc:sldMkLst>
-        <pc:spChg chg="del">
-          <ac:chgData name="Armando Lacerda" userId="6ac139bb-b445-447a-8efe-92d4a0b8d73e" providerId="ADAL" clId="{48FB226F-732D-4FDA-9591-E5537808FDFF}" dt="2023-10-02T18:32:50.226" v="311" actId="478"/>
-          <ac:spMkLst>
-            <pc:docMk/>
-            <pc:sldMk cId="612099732" sldId="299"/>
-            <ac:spMk id="4" creationId="{E5C0F7C4-66DC-A8E8-FD8B-20D83A008985}"/>
-          </ac:spMkLst>
-        </pc:spChg>
-        <pc:spChg chg="del">
-          <ac:chgData name="Armando Lacerda" userId="6ac139bb-b445-447a-8efe-92d4a0b8d73e" providerId="ADAL" clId="{48FB226F-732D-4FDA-9591-E5537808FDFF}" dt="2023-10-02T18:33:18.360" v="317" actId="478"/>
-          <ac:spMkLst>
-            <pc:docMk/>
-            <pc:sldMk cId="612099732" sldId="299"/>
-            <ac:spMk id="5" creationId="{D2388BA3-9C7F-C236-60DD-91EB875DE8C2}"/>
-          </ac:spMkLst>
-        </pc:spChg>
-        <pc:spChg chg="del">
-          <ac:chgData name="Armando Lacerda" userId="6ac139bb-b445-447a-8efe-92d4a0b8d73e" providerId="ADAL" clId="{48FB226F-732D-4FDA-9591-E5537808FDFF}" dt="2023-10-02T18:32:47.035" v="310" actId="478"/>
-          <ac:spMkLst>
-            <pc:docMk/>
-            <pc:sldMk cId="612099732" sldId="299"/>
-            <ac:spMk id="10" creationId="{7B55015E-A289-F20B-3BB9-C592F9E31F54}"/>
-          </ac:spMkLst>
-        </pc:spChg>
-        <pc:spChg chg="del">
-          <ac:chgData name="Armando Lacerda" userId="6ac139bb-b445-447a-8efe-92d4a0b8d73e" providerId="ADAL" clId="{48FB226F-732D-4FDA-9591-E5537808FDFF}" dt="2023-10-02T18:32:33.915" v="308" actId="478"/>
-          <ac:spMkLst>
-            <pc:docMk/>
-            <pc:sldMk cId="612099732" sldId="299"/>
-            <ac:spMk id="15" creationId="{ED5E6291-E278-5EAE-A1D9-3EAC760BDD16}"/>
-          </ac:spMkLst>
-        </pc:spChg>
-        <pc:spChg chg="del">
-          <ac:chgData name="Armando Lacerda" userId="6ac139bb-b445-447a-8efe-92d4a0b8d73e" providerId="ADAL" clId="{48FB226F-732D-4FDA-9591-E5537808FDFF}" dt="2023-10-02T18:32:33.915" v="308" actId="478"/>
-          <ac:spMkLst>
-            <pc:docMk/>
-            <pc:sldMk cId="612099732" sldId="299"/>
-            <ac:spMk id="19" creationId="{D0FD974C-D96D-DEF1-6EB6-99B0AD2CCE85}"/>
-          </ac:spMkLst>
-        </pc:spChg>
-        <pc:spChg chg="del">
-          <ac:chgData name="Armando Lacerda" userId="6ac139bb-b445-447a-8efe-92d4a0b8d73e" providerId="ADAL" clId="{48FB226F-732D-4FDA-9591-E5537808FDFF}" dt="2023-10-02T18:32:52.895" v="312" actId="478"/>
-          <ac:spMkLst>
-            <pc:docMk/>
-            <pc:sldMk cId="612099732" sldId="299"/>
-            <ac:spMk id="22" creationId="{37C737B0-BA90-859A-1FAC-593770A26C40}"/>
-          </ac:spMkLst>
-        </pc:spChg>
-        <pc:spChg chg="del">
-          <ac:chgData name="Armando Lacerda" userId="6ac139bb-b445-447a-8efe-92d4a0b8d73e" providerId="ADAL" clId="{48FB226F-732D-4FDA-9591-E5537808FDFF}" dt="2023-10-02T18:32:47.035" v="310" actId="478"/>
-          <ac:spMkLst>
-            <pc:docMk/>
-            <pc:sldMk cId="612099732" sldId="299"/>
-            <ac:spMk id="26" creationId="{C928BEC5-155A-6546-6B3E-D4AC32E98069}"/>
-          </ac:spMkLst>
-        </pc:spChg>
-        <pc:spChg chg="add mod">
-          <ac:chgData name="Armando Lacerda" userId="6ac139bb-b445-447a-8efe-92d4a0b8d73e" providerId="ADAL" clId="{48FB226F-732D-4FDA-9591-E5537808FDFF}" dt="2023-10-02T18:32:17.769" v="306"/>
-          <ac:spMkLst>
-            <pc:docMk/>
-            <pc:sldMk cId="612099732" sldId="299"/>
-            <ac:spMk id="29" creationId="{E21832FB-8657-C5BC-0202-9AE8F44693A9}"/>
-          </ac:spMkLst>
-        </pc:spChg>
-        <pc:spChg chg="add del mod">
-          <ac:chgData name="Armando Lacerda" userId="6ac139bb-b445-447a-8efe-92d4a0b8d73e" providerId="ADAL" clId="{48FB226F-732D-4FDA-9591-E5537808FDFF}" dt="2023-10-02T18:46:51.973" v="332"/>
-          <ac:spMkLst>
-            <pc:docMk/>
-            <pc:sldMk cId="612099732" sldId="299"/>
-            <ac:spMk id="30" creationId="{871FA33D-BC4F-7214-F025-5BD403D26B74}"/>
-          </ac:spMkLst>
-        </pc:spChg>
-        <pc:picChg chg="del">
-          <ac:chgData name="Armando Lacerda" userId="6ac139bb-b445-447a-8efe-92d4a0b8d73e" providerId="ADAL" clId="{48FB226F-732D-4FDA-9591-E5537808FDFF}" dt="2023-10-02T18:32:47.035" v="310" actId="478"/>
-          <ac:picMkLst>
-            <pc:docMk/>
-            <pc:sldMk cId="612099732" sldId="299"/>
-            <ac:picMk id="2" creationId="{42A957E3-CF69-5922-CE95-CF58579E335B}"/>
-          </ac:picMkLst>
-        </pc:picChg>
-        <pc:picChg chg="del">
-          <ac:chgData name="Armando Lacerda" userId="6ac139bb-b445-447a-8efe-92d4a0b8d73e" providerId="ADAL" clId="{48FB226F-732D-4FDA-9591-E5537808FDFF}" dt="2023-10-02T18:32:33.915" v="308" actId="478"/>
-          <ac:picMkLst>
-            <pc:docMk/>
-            <pc:sldMk cId="612099732" sldId="299"/>
-            <ac:picMk id="7" creationId="{A19BCA45-2A31-43A0-E8BC-F8A3A6ACA659}"/>
-          </ac:picMkLst>
-        </pc:picChg>
-        <pc:picChg chg="del">
-          <ac:chgData name="Armando Lacerda" userId="6ac139bb-b445-447a-8efe-92d4a0b8d73e" providerId="ADAL" clId="{48FB226F-732D-4FDA-9591-E5537808FDFF}" dt="2023-10-02T18:32:47.035" v="310" actId="478"/>
-          <ac:picMkLst>
-            <pc:docMk/>
-            <pc:sldMk cId="612099732" sldId="299"/>
-            <ac:picMk id="8" creationId="{6659E6D0-1E30-EE20-37B5-604022018AB1}"/>
-          </ac:picMkLst>
-        </pc:picChg>
-        <pc:picChg chg="del">
-          <ac:chgData name="Armando Lacerda" userId="6ac139bb-b445-447a-8efe-92d4a0b8d73e" providerId="ADAL" clId="{48FB226F-732D-4FDA-9591-E5537808FDFF}" dt="2023-10-02T18:32:47.035" v="310" actId="478"/>
-          <ac:picMkLst>
-            <pc:docMk/>
-            <pc:sldMk cId="612099732" sldId="299"/>
-            <ac:picMk id="9" creationId="{CE73AC0F-F4FD-AF08-32B8-29E715B9C874}"/>
-          </ac:picMkLst>
-        </pc:picChg>
-        <pc:picChg chg="del">
-          <ac:chgData name="Armando Lacerda" userId="6ac139bb-b445-447a-8efe-92d4a0b8d73e" providerId="ADAL" clId="{48FB226F-732D-4FDA-9591-E5537808FDFF}" dt="2023-10-02T18:32:47.035" v="310" actId="478"/>
-          <ac:picMkLst>
-            <pc:docMk/>
-            <pc:sldMk cId="612099732" sldId="299"/>
-            <ac:picMk id="11" creationId="{AF963263-1B8B-DAAE-FC02-A5C6616BF5C9}"/>
-          </ac:picMkLst>
-        </pc:picChg>
-        <pc:picChg chg="del">
-          <ac:chgData name="Armando Lacerda" userId="6ac139bb-b445-447a-8efe-92d4a0b8d73e" providerId="ADAL" clId="{48FB226F-732D-4FDA-9591-E5537808FDFF}" dt="2023-10-02T18:32:47.035" v="310" actId="478"/>
-          <ac:picMkLst>
-            <pc:docMk/>
-            <pc:sldMk cId="612099732" sldId="299"/>
-            <ac:picMk id="12" creationId="{72295470-111A-0F13-F19A-8C3D3657A7BE}"/>
-          </ac:picMkLst>
-        </pc:picChg>
-        <pc:picChg chg="del">
-          <ac:chgData name="Armando Lacerda" userId="6ac139bb-b445-447a-8efe-92d4a0b8d73e" providerId="ADAL" clId="{48FB226F-732D-4FDA-9591-E5537808FDFF}" dt="2023-10-02T18:32:33.915" v="308" actId="478"/>
-          <ac:picMkLst>
-            <pc:docMk/>
-            <pc:sldMk cId="612099732" sldId="299"/>
-            <ac:picMk id="13" creationId="{CD094295-93B9-3B5A-A902-61B2B975C0C3}"/>
-          </ac:picMkLst>
-        </pc:picChg>
-        <pc:picChg chg="del">
-          <ac:chgData name="Armando Lacerda" userId="6ac139bb-b445-447a-8efe-92d4a0b8d73e" providerId="ADAL" clId="{48FB226F-732D-4FDA-9591-E5537808FDFF}" dt="2023-10-02T18:32:33.915" v="308" actId="478"/>
-          <ac:picMkLst>
-            <pc:docMk/>
-            <pc:sldMk cId="612099732" sldId="299"/>
-            <ac:picMk id="14" creationId="{DB673371-965F-EF51-67D9-EE4D7EA10F69}"/>
-          </ac:picMkLst>
-        </pc:picChg>
-        <pc:picChg chg="del">
-          <ac:chgData name="Armando Lacerda" userId="6ac139bb-b445-447a-8efe-92d4a0b8d73e" providerId="ADAL" clId="{48FB226F-732D-4FDA-9591-E5537808FDFF}" dt="2023-10-02T18:32:33.915" v="308" actId="478"/>
-          <ac:picMkLst>
-            <pc:docMk/>
-            <pc:sldMk cId="612099732" sldId="299"/>
-            <ac:picMk id="16" creationId="{DEC62DC6-8C8B-1F5C-F898-D1C9124D5E1F}"/>
-          </ac:picMkLst>
-        </pc:picChg>
-        <pc:picChg chg="del">
-          <ac:chgData name="Armando Lacerda" userId="6ac139bb-b445-447a-8efe-92d4a0b8d73e" providerId="ADAL" clId="{48FB226F-732D-4FDA-9591-E5537808FDFF}" dt="2023-10-02T18:32:40.794" v="309" actId="478"/>
-          <ac:picMkLst>
-            <pc:docMk/>
-            <pc:sldMk cId="612099732" sldId="299"/>
-            <ac:picMk id="17" creationId="{321CDD03-BE77-E1C5-01CF-8F30A0F2A94F}"/>
-          </ac:picMkLst>
-        </pc:picChg>
-        <pc:picChg chg="add del mod">
-          <ac:chgData name="Armando Lacerda" userId="6ac139bb-b445-447a-8efe-92d4a0b8d73e" providerId="ADAL" clId="{48FB226F-732D-4FDA-9591-E5537808FDFF}" dt="2023-10-02T18:53:25.305" v="348" actId="478"/>
-          <ac:picMkLst>
-            <pc:docMk/>
-            <pc:sldMk cId="612099732" sldId="299"/>
-            <ac:picMk id="25" creationId="{7AF5F54C-05CB-949B-019E-51D75AC7B049}"/>
-          </ac:picMkLst>
-        </pc:picChg>
-        <pc:picChg chg="add mod">
-          <ac:chgData name="Armando Lacerda" userId="6ac139bb-b445-447a-8efe-92d4a0b8d73e" providerId="ADAL" clId="{48FB226F-732D-4FDA-9591-E5537808FDFF}" dt="2023-10-02T18:32:17.769" v="306"/>
-          <ac:picMkLst>
-            <pc:docMk/>
-            <pc:sldMk cId="612099732" sldId="299"/>
-            <ac:picMk id="27" creationId="{E4D3DD93-D76C-4DB6-ADBF-624FD0C43420}"/>
-          </ac:picMkLst>
-        </pc:picChg>
-        <pc:picChg chg="del">
-          <ac:chgData name="Armando Lacerda" userId="6ac139bb-b445-447a-8efe-92d4a0b8d73e" providerId="ADAL" clId="{48FB226F-732D-4FDA-9591-E5537808FDFF}" dt="2023-10-02T18:53:25.305" v="348" actId="478"/>
-          <ac:picMkLst>
-            <pc:docMk/>
-            <pc:sldMk cId="612099732" sldId="299"/>
-            <ac:picMk id="28" creationId="{323C78CB-BBE3-B20A-7E1C-9E88706C7488}"/>
-          </ac:picMkLst>
-        </pc:picChg>
-        <pc:picChg chg="add mod">
-          <ac:chgData name="Armando Lacerda" userId="6ac139bb-b445-447a-8efe-92d4a0b8d73e" providerId="ADAL" clId="{48FB226F-732D-4FDA-9591-E5537808FDFF}" dt="2023-10-02T18:53:25.805" v="349"/>
-          <ac:picMkLst>
-            <pc:docMk/>
-            <pc:sldMk cId="612099732" sldId="299"/>
-            <ac:picMk id="31" creationId="{53234377-631E-A48E-3450-8097761303B2}"/>
-          </ac:picMkLst>
-        </pc:picChg>
-        <pc:picChg chg="add mod">
-          <ac:chgData name="Armando Lacerda" userId="6ac139bb-b445-447a-8efe-92d4a0b8d73e" providerId="ADAL" clId="{48FB226F-732D-4FDA-9591-E5537808FDFF}" dt="2023-10-02T18:53:25.805" v="349"/>
-          <ac:picMkLst>
-            <pc:docMk/>
-            <pc:sldMk cId="612099732" sldId="299"/>
-            <ac:picMk id="32" creationId="{E42C5D72-C6ED-E2AD-6B96-912F1786C8C5}"/>
-          </ac:picMkLst>
-        </pc:picChg>
-      </pc:sldChg>
-      <pc:sldChg chg="addSp delSp modSp add mod modTransition">
-        <pc:chgData name="Armando Lacerda" userId="6ac139bb-b445-447a-8efe-92d4a0b8d73e" providerId="ADAL" clId="{48FB226F-732D-4FDA-9591-E5537808FDFF}" dt="2023-10-02T18:53:58.658" v="354"/>
-        <pc:sldMkLst>
-          <pc:docMk/>
-          <pc:sldMk cId="2516310762" sldId="300"/>
-        </pc:sldMkLst>
-        <pc:picChg chg="del">
-          <ac:chgData name="Armando Lacerda" userId="6ac139bb-b445-447a-8efe-92d4a0b8d73e" providerId="ADAL" clId="{48FB226F-732D-4FDA-9591-E5537808FDFF}" dt="2023-10-02T18:33:37.650" v="321" actId="478"/>
-          <ac:picMkLst>
-            <pc:docMk/>
-            <pc:sldMk cId="2516310762" sldId="300"/>
-            <ac:picMk id="11" creationId="{AF963263-1B8B-DAAE-FC02-A5C6616BF5C9}"/>
-          </ac:picMkLst>
-        </pc:picChg>
-        <pc:picChg chg="del">
-          <ac:chgData name="Armando Lacerda" userId="6ac139bb-b445-447a-8efe-92d4a0b8d73e" providerId="ADAL" clId="{48FB226F-732D-4FDA-9591-E5537808FDFF}" dt="2023-10-02T18:33:37.650" v="321" actId="478"/>
-          <ac:picMkLst>
-            <pc:docMk/>
-            <pc:sldMk cId="2516310762" sldId="300"/>
-            <ac:picMk id="12" creationId="{72295470-111A-0F13-F19A-8C3D3657A7BE}"/>
-          </ac:picMkLst>
-        </pc:picChg>
-        <pc:picChg chg="del">
-          <ac:chgData name="Armando Lacerda" userId="6ac139bb-b445-447a-8efe-92d4a0b8d73e" providerId="ADAL" clId="{48FB226F-732D-4FDA-9591-E5537808FDFF}" dt="2023-10-02T18:45:52.704" v="329" actId="478"/>
-          <ac:picMkLst>
-            <pc:docMk/>
-            <pc:sldMk cId="2516310762" sldId="300"/>
-            <ac:picMk id="16" creationId="{DEC62DC6-8C8B-1F5C-F898-D1C9124D5E1F}"/>
-          </ac:picMkLst>
-        </pc:picChg>
-        <pc:picChg chg="del mod">
-          <ac:chgData name="Armando Lacerda" userId="6ac139bb-b445-447a-8efe-92d4a0b8d73e" providerId="ADAL" clId="{48FB226F-732D-4FDA-9591-E5537808FDFF}" dt="2023-10-02T18:53:39.412" v="352" actId="478"/>
-          <ac:picMkLst>
-            <pc:docMk/>
-            <pc:sldMk cId="2516310762" sldId="300"/>
-            <ac:picMk id="25" creationId="{7AF5F54C-05CB-949B-019E-51D75AC7B049}"/>
-          </ac:picMkLst>
-        </pc:picChg>
-        <pc:picChg chg="del">
-          <ac:chgData name="Armando Lacerda" userId="6ac139bb-b445-447a-8efe-92d4a0b8d73e" providerId="ADAL" clId="{48FB226F-732D-4FDA-9591-E5537808FDFF}" dt="2023-10-02T18:53:39.412" v="352" actId="478"/>
-          <ac:picMkLst>
-            <pc:docMk/>
-            <pc:sldMk cId="2516310762" sldId="300"/>
-            <ac:picMk id="28" creationId="{323C78CB-BBE3-B20A-7E1C-9E88706C7488}"/>
-          </ac:picMkLst>
-        </pc:picChg>
-        <pc:picChg chg="add del mod">
-          <ac:chgData name="Armando Lacerda" userId="6ac139bb-b445-447a-8efe-92d4a0b8d73e" providerId="ADAL" clId="{48FB226F-732D-4FDA-9591-E5537808FDFF}" dt="2023-10-02T18:52:19.324" v="341" actId="21"/>
-          <ac:picMkLst>
-            <pc:docMk/>
-            <pc:sldMk cId="2516310762" sldId="300"/>
-            <ac:picMk id="31" creationId="{C0A7A4FA-ACAB-6109-7F3D-525BF53AF865}"/>
-          </ac:picMkLst>
-        </pc:picChg>
-        <pc:picChg chg="add mod">
-          <ac:chgData name="Armando Lacerda" userId="6ac139bb-b445-447a-8efe-92d4a0b8d73e" providerId="ADAL" clId="{48FB226F-732D-4FDA-9591-E5537808FDFF}" dt="2023-10-02T18:53:40.071" v="353"/>
-          <ac:picMkLst>
-            <pc:docMk/>
-            <pc:sldMk cId="2516310762" sldId="300"/>
-            <ac:picMk id="32" creationId="{53AEC14D-391D-55B9-CE59-EBB78327F4C6}"/>
-          </ac:picMkLst>
-        </pc:picChg>
-        <pc:picChg chg="add mod">
-          <ac:chgData name="Armando Lacerda" userId="6ac139bb-b445-447a-8efe-92d4a0b8d73e" providerId="ADAL" clId="{48FB226F-732D-4FDA-9591-E5537808FDFF}" dt="2023-10-02T18:53:40.071" v="353"/>
-          <ac:picMkLst>
-            <pc:docMk/>
-            <pc:sldMk cId="2516310762" sldId="300"/>
-            <ac:picMk id="33" creationId="{A71DA61B-724E-8457-04B1-3199014F6AAC}"/>
-          </ac:picMkLst>
-        </pc:picChg>
-      </pc:sldChg>
-      <pc:sldChg chg="delSp modSp add mod ord modTransition">
-        <pc:chgData name="Armando Lacerda" userId="6ac139bb-b445-447a-8efe-92d4a0b8d73e" providerId="ADAL" clId="{48FB226F-732D-4FDA-9591-E5537808FDFF}" dt="2023-10-02T18:53:58.658" v="354"/>
-        <pc:sldMkLst>
-          <pc:docMk/>
-          <pc:sldMk cId="3627345990" sldId="301"/>
-        </pc:sldMkLst>
-        <pc:spChg chg="del">
-          <ac:chgData name="Armando Lacerda" userId="6ac139bb-b445-447a-8efe-92d4a0b8d73e" providerId="ADAL" clId="{48FB226F-732D-4FDA-9591-E5537808FDFF}" dt="2023-10-02T18:33:12.124" v="316" actId="478"/>
-          <ac:spMkLst>
-            <pc:docMk/>
-            <pc:sldMk cId="3627345990" sldId="301"/>
-            <ac:spMk id="4" creationId="{E5C0F7C4-66DC-A8E8-FD8B-20D83A008985}"/>
-          </ac:spMkLst>
-        </pc:spChg>
-        <pc:spChg chg="del">
-          <ac:chgData name="Armando Lacerda" userId="6ac139bb-b445-447a-8efe-92d4a0b8d73e" providerId="ADAL" clId="{48FB226F-732D-4FDA-9591-E5537808FDFF}" dt="2023-10-02T18:33:10.059" v="315" actId="478"/>
-          <ac:spMkLst>
-            <pc:docMk/>
-            <pc:sldMk cId="3627345990" sldId="301"/>
-            <ac:spMk id="10" creationId="{7B55015E-A289-F20B-3BB9-C592F9E31F54}"/>
-          </ac:spMkLst>
-        </pc:spChg>
-        <pc:spChg chg="del">
-          <ac:chgData name="Armando Lacerda" userId="6ac139bb-b445-447a-8efe-92d4a0b8d73e" providerId="ADAL" clId="{48FB226F-732D-4FDA-9591-E5537808FDFF}" dt="2023-10-02T18:33:10.059" v="315" actId="478"/>
-          <ac:spMkLst>
-            <pc:docMk/>
-            <pc:sldMk cId="3627345990" sldId="301"/>
-            <ac:spMk id="26" creationId="{C928BEC5-155A-6546-6B3E-D4AC32E98069}"/>
-          </ac:spMkLst>
-        </pc:spChg>
-        <pc:picChg chg="del">
-          <ac:chgData name="Armando Lacerda" userId="6ac139bb-b445-447a-8efe-92d4a0b8d73e" providerId="ADAL" clId="{48FB226F-732D-4FDA-9591-E5537808FDFF}" dt="2023-10-02T18:33:10.059" v="315" actId="478"/>
-          <ac:picMkLst>
-            <pc:docMk/>
-            <pc:sldMk cId="3627345990" sldId="301"/>
-            <ac:picMk id="2" creationId="{42A957E3-CF69-5922-CE95-CF58579E335B}"/>
-          </ac:picMkLst>
-        </pc:picChg>
-        <pc:picChg chg="del">
-          <ac:chgData name="Armando Lacerda" userId="6ac139bb-b445-447a-8efe-92d4a0b8d73e" providerId="ADAL" clId="{48FB226F-732D-4FDA-9591-E5537808FDFF}" dt="2023-10-02T18:33:10.059" v="315" actId="478"/>
-          <ac:picMkLst>
-            <pc:docMk/>
-            <pc:sldMk cId="3627345990" sldId="301"/>
-            <ac:picMk id="8" creationId="{6659E6D0-1E30-EE20-37B5-604022018AB1}"/>
-          </ac:picMkLst>
-        </pc:picChg>
-        <pc:picChg chg="del">
-          <ac:chgData name="Armando Lacerda" userId="6ac139bb-b445-447a-8efe-92d4a0b8d73e" providerId="ADAL" clId="{48FB226F-732D-4FDA-9591-E5537808FDFF}" dt="2023-10-02T18:33:10.059" v="315" actId="478"/>
-          <ac:picMkLst>
-            <pc:docMk/>
-            <pc:sldMk cId="3627345990" sldId="301"/>
-            <ac:picMk id="9" creationId="{CE73AC0F-F4FD-AF08-32B8-29E715B9C874}"/>
-          </ac:picMkLst>
-        </pc:picChg>
-        <pc:picChg chg="del">
-          <ac:chgData name="Armando Lacerda" userId="6ac139bb-b445-447a-8efe-92d4a0b8d73e" providerId="ADAL" clId="{48FB226F-732D-4FDA-9591-E5537808FDFF}" dt="2023-10-02T18:33:10.059" v="315" actId="478"/>
-          <ac:picMkLst>
-            <pc:docMk/>
-            <pc:sldMk cId="3627345990" sldId="301"/>
-            <ac:picMk id="11" creationId="{AF963263-1B8B-DAAE-FC02-A5C6616BF5C9}"/>
-          </ac:picMkLst>
-        </pc:picChg>
-        <pc:picChg chg="del">
-          <ac:chgData name="Armando Lacerda" userId="6ac139bb-b445-447a-8efe-92d4a0b8d73e" providerId="ADAL" clId="{48FB226F-732D-4FDA-9591-E5537808FDFF}" dt="2023-10-02T18:33:10.059" v="315" actId="478"/>
-          <ac:picMkLst>
-            <pc:docMk/>
-            <pc:sldMk cId="3627345990" sldId="301"/>
-            <ac:picMk id="12" creationId="{72295470-111A-0F13-F19A-8C3D3657A7BE}"/>
-          </ac:picMkLst>
-        </pc:picChg>
-        <pc:picChg chg="del">
-          <ac:chgData name="Armando Lacerda" userId="6ac139bb-b445-447a-8efe-92d4a0b8d73e" providerId="ADAL" clId="{48FB226F-732D-4FDA-9591-E5537808FDFF}" dt="2023-10-02T18:33:32.433" v="320" actId="478"/>
-          <ac:picMkLst>
-            <pc:docMk/>
-            <pc:sldMk cId="3627345990" sldId="301"/>
-            <ac:picMk id="16" creationId="{DEC62DC6-8C8B-1F5C-F898-D1C9124D5E1F}"/>
-          </ac:picMkLst>
-        </pc:picChg>
-        <pc:picChg chg="del">
-          <ac:chgData name="Armando Lacerda" userId="6ac139bb-b445-447a-8efe-92d4a0b8d73e" providerId="ADAL" clId="{48FB226F-732D-4FDA-9591-E5537808FDFF}" dt="2023-10-02T18:33:05.879" v="314" actId="478"/>
-          <ac:picMkLst>
-            <pc:docMk/>
-            <pc:sldMk cId="3627345990" sldId="301"/>
-            <ac:picMk id="17" creationId="{321CDD03-BE77-E1C5-01CF-8F30A0F2A94F}"/>
-          </ac:picMkLst>
-        </pc:picChg>
-        <pc:picChg chg="mod">
-          <ac:chgData name="Armando Lacerda" userId="6ac139bb-b445-447a-8efe-92d4a0b8d73e" providerId="ADAL" clId="{48FB226F-732D-4FDA-9591-E5537808FDFF}" dt="2023-10-02T18:53:12.355" v="347" actId="1076"/>
-          <ac:picMkLst>
-            <pc:docMk/>
-            <pc:sldMk cId="3627345990" sldId="301"/>
-            <ac:picMk id="25" creationId="{7AF5F54C-05CB-949B-019E-51D75AC7B049}"/>
-          </ac:picMkLst>
-        </pc:picChg>
-        <pc:picChg chg="mod">
-          <ac:chgData name="Armando Lacerda" userId="6ac139bb-b445-447a-8efe-92d4a0b8d73e" providerId="ADAL" clId="{48FB226F-732D-4FDA-9591-E5537808FDFF}" dt="2023-10-02T18:53:12.355" v="347" actId="1076"/>
-          <ac:picMkLst>
-            <pc:docMk/>
-            <pc:sldMk cId="3627345990" sldId="301"/>
-            <ac:picMk id="28" creationId="{323C78CB-BBE3-B20A-7E1C-9E88706C7488}"/>
-          </ac:picMkLst>
-        </pc:picChg>
-      </pc:sldChg>
-      <pc:sldChg chg="addSp delSp modSp add modTransition">
-        <pc:chgData name="Armando Lacerda" userId="6ac139bb-b445-447a-8efe-92d4a0b8d73e" providerId="ADAL" clId="{48FB226F-732D-4FDA-9591-E5537808FDFF}" dt="2023-10-02T18:53:58.658" v="354"/>
-        <pc:sldMkLst>
-          <pc:docMk/>
-          <pc:sldMk cId="1902282215" sldId="302"/>
-        </pc:sldMkLst>
-        <pc:picChg chg="add mod">
-          <ac:chgData name="Armando Lacerda" userId="6ac139bb-b445-447a-8efe-92d4a0b8d73e" providerId="ADAL" clId="{48FB226F-732D-4FDA-9591-E5537808FDFF}" dt="2023-10-02T18:34:01.554" v="323"/>
-          <ac:picMkLst>
-            <pc:docMk/>
-            <pc:sldMk cId="1902282215" sldId="302"/>
-            <ac:picMk id="2" creationId="{01A2DD63-7195-3435-B450-F7E895C52D6C}"/>
-          </ac:picMkLst>
-        </pc:picChg>
-        <pc:picChg chg="add mod">
-          <ac:chgData name="Armando Lacerda" userId="6ac139bb-b445-447a-8efe-92d4a0b8d73e" providerId="ADAL" clId="{48FB226F-732D-4FDA-9591-E5537808FDFF}" dt="2023-10-02T18:53:32.999" v="351"/>
-          <ac:picMkLst>
-            <pc:docMk/>
-            <pc:sldMk cId="1902282215" sldId="302"/>
-            <ac:picMk id="4" creationId="{B47BE5B9-F8C0-C7B0-8516-32048A31C87A}"/>
-          </ac:picMkLst>
-        </pc:picChg>
-        <pc:picChg chg="add mod">
-          <ac:chgData name="Armando Lacerda" userId="6ac139bb-b445-447a-8efe-92d4a0b8d73e" providerId="ADAL" clId="{48FB226F-732D-4FDA-9591-E5537808FDFF}" dt="2023-10-02T18:53:32.999" v="351"/>
-          <ac:picMkLst>
-            <pc:docMk/>
-            <pc:sldMk cId="1902282215" sldId="302"/>
-            <ac:picMk id="8" creationId="{599A1872-0D49-EE40-8D09-78417996D6C3}"/>
-          </ac:picMkLst>
-        </pc:picChg>
-        <pc:picChg chg="del mod">
-          <ac:chgData name="Armando Lacerda" userId="6ac139bb-b445-447a-8efe-92d4a0b8d73e" providerId="ADAL" clId="{48FB226F-732D-4FDA-9591-E5537808FDFF}" dt="2023-10-02T18:53:32.226" v="350" actId="478"/>
-          <ac:picMkLst>
-            <pc:docMk/>
-            <pc:sldMk cId="1902282215" sldId="302"/>
-            <ac:picMk id="25" creationId="{7AF5F54C-05CB-949B-019E-51D75AC7B049}"/>
-          </ac:picMkLst>
-        </pc:picChg>
-        <pc:picChg chg="del">
-          <ac:chgData name="Armando Lacerda" userId="6ac139bb-b445-447a-8efe-92d4a0b8d73e" providerId="ADAL" clId="{48FB226F-732D-4FDA-9591-E5537808FDFF}" dt="2023-10-02T18:53:32.226" v="350" actId="478"/>
-          <ac:picMkLst>
-            <pc:docMk/>
-            <pc:sldMk cId="1902282215" sldId="302"/>
-            <ac:picMk id="28" creationId="{323C78CB-BBE3-B20A-7E1C-9E88706C7488}"/>
-          </ac:picMkLst>
-        </pc:picChg>
-      </pc:sldChg>
-    </pc:docChg>
-  </pc:docChgLst>
-  <pc:docChgLst>
-    <pc:chgData name="Guest User" userId="S::urn:spo:anon#c45ff92ac012dddab5bbe5641f560d9674b64d134617cc2e9e830bb7c616ee78::" providerId="AD" clId="Web-{75217BA6-262B-88F1-0DA4-A5C70DBAB973}"/>
-    <pc:docChg chg="mod">
-      <pc:chgData name="Guest User" userId="S::urn:spo:anon#c45ff92ac012dddab5bbe5641f560d9674b64d134617cc2e9e830bb7c616ee78::" providerId="AD" clId="Web-{75217BA6-262B-88F1-0DA4-A5C70DBAB973}" dt="2023-08-29T09:30:02.735" v="2"/>
-      <pc:docMkLst>
-        <pc:docMk/>
-      </pc:docMkLst>
-      <pc:sldChg chg="addCm">
-        <pc:chgData name="Guest User" userId="S::urn:spo:anon#c45ff92ac012dddab5bbe5641f560d9674b64d134617cc2e9e830bb7c616ee78::" providerId="AD" clId="Web-{75217BA6-262B-88F1-0DA4-A5C70DBAB973}" dt="2023-08-29T09:29:02.996" v="1"/>
-        <pc:sldMkLst>
-          <pc:docMk/>
-          <pc:sldMk cId="3086416996" sldId="277"/>
-        </pc:sldMkLst>
-        <pc:extLst>
-          <p:ext xmlns:p="http://schemas.openxmlformats.org/presentationml/2006/main" uri="{D6D511B9-2390-475A-947B-AFAB55BFBCF1}">
-            <pc226:cmChg xmlns:pc226="http://schemas.microsoft.com/office/powerpoint/2022/06/main/command" chg="add">
-              <pc226:chgData name="Guest User" userId="S::urn:spo:anon#c45ff92ac012dddab5bbe5641f560d9674b64d134617cc2e9e830bb7c616ee78::" providerId="AD" clId="Web-{75217BA6-262B-88F1-0DA4-A5C70DBAB973}" dt="2023-08-29T09:29:02.996" v="1"/>
-              <pc2:cmMkLst xmlns:pc2="http://schemas.microsoft.com/office/powerpoint/2019/9/main/command">
-                <pc:docMk/>
-                <pc:sldMk cId="3086416996" sldId="277"/>
-                <pc2:cmMk id="{D2B6A06A-3EC9-4D0D-ACC4-69A3AF446E96}"/>
-              </pc2:cmMkLst>
-            </pc226:cmChg>
-          </p:ext>
-        </pc:extLst>
-      </pc:sldChg>
-      <pc:sldChg chg="addCm">
-        <pc:chgData name="Guest User" userId="S::urn:spo:anon#c45ff92ac012dddab5bbe5641f560d9674b64d134617cc2e9e830bb7c616ee78::" providerId="AD" clId="Web-{75217BA6-262B-88F1-0DA4-A5C70DBAB973}" dt="2023-08-29T09:30:02.735" v="2"/>
-        <pc:sldMkLst>
-          <pc:docMk/>
-          <pc:sldMk cId="1899731844" sldId="278"/>
-        </pc:sldMkLst>
-        <pc:extLst>
-          <p:ext xmlns:p="http://schemas.openxmlformats.org/presentationml/2006/main" uri="{D6D511B9-2390-475A-947B-AFAB55BFBCF1}">
-            <pc226:cmChg xmlns:pc226="http://schemas.microsoft.com/office/powerpoint/2022/06/main/command" chg="add">
-              <pc226:chgData name="Guest User" userId="S::urn:spo:anon#c45ff92ac012dddab5bbe5641f560d9674b64d134617cc2e9e830bb7c616ee78::" providerId="AD" clId="Web-{75217BA6-262B-88F1-0DA4-A5C70DBAB973}" dt="2023-08-29T09:30:02.735" v="2"/>
-              <pc2:cmMkLst xmlns:pc2="http://schemas.microsoft.com/office/powerpoint/2019/9/main/command">
-                <pc:docMk/>
-                <pc:sldMk cId="1899731844" sldId="278"/>
-                <pc2:cmMk id="{067498DD-4037-4602-9A7E-61E14633CE83}"/>
-              </pc2:cmMkLst>
-            </pc226:cmChg>
-          </p:ext>
-        </pc:extLst>
       </pc:sldChg>
     </pc:docChg>
   </pc:docChgLst>
@@ -8820,7 +8820,7 @@
           <a:p>
             <a:fld id="{96D6E085-F8B0-4A3D-A96F-BE7C269AC5B7}" type="datetimeFigureOut">
               <a:rPr lang="en-US" smtClean="0"/>
-              <a:t>10/16/2023</a:t>
+              <a:t>10/27/2023</a:t>
             </a:fld>
             <a:endParaRPr lang="en-US"/>
           </a:p>
@@ -9984,7 +9984,7 @@
           <a:p>
             <a:fld id="{53A4FEF5-9DB1-4FB7-8335-AD0009D79D01}" type="datetimeFigureOut">
               <a:rPr lang="en-US" smtClean="0"/>
-              <a:t>10/16/2023</a:t>
+              <a:t>10/27/2023</a:t>
             </a:fld>
             <a:endParaRPr lang="en-US"/>
           </a:p>
@@ -11709,6 +11709,16 @@
                 <a:cs typeface="Segoe UI Semibold" panose="020B0702040204020203" pitchFamily="34" charset="0"/>
               </a:rPr>
               <a:t>Fabric</a:t>
+            </a:r>
+            <a:r>
+              <a:rPr lang="pt-BR" sz="4400" i="1">
+                <a:solidFill>
+                  <a:srgbClr val="FFC000"/>
+                </a:solidFill>
+                <a:latin typeface="Segoe UI Semibold" panose="020B0702040204020203" pitchFamily="34" charset="0"/>
+                <a:cs typeface="Segoe UI Semibold" panose="020B0702040204020203" pitchFamily="34" charset="0"/>
+              </a:rPr>
+              <a:t> </a:t>
             </a:r>
             <a:br>
               <a:rPr lang="pt-BR" sz="4400" i="1" dirty="0">
